--- a/PPTs/Dua Nudbah.pptx
+++ b/PPTs/Dua Nudbah.pptx
@@ -710,9 +710,18 @@
   <p:clrMapOvr>
     <a:masterClrMapping/>
   </p:clrMapOvr>
-  <p:transition>
-    <p:fade/>
-  </p:transition>
+  <mc:AlternateContent xmlns:mc="http://schemas.openxmlformats.org/markup-compatibility/2006">
+    <mc:Choice xmlns:p14="http://schemas.microsoft.com/office/powerpoint/2010/main" Requires="p14">
+      <p:transition p14:dur="300">
+        <p:fade/>
+      </p:transition>
+    </mc:Choice>
+    <mc:Fallback>
+      <p:transition>
+        <p:fade/>
+      </p:transition>
+    </mc:Fallback>
+  </mc:AlternateContent>
   <p:extLst>
     <p:ext uri="{DCECCB84-F9BA-43D5-87BE-67443E8EF086}">
       <p15:sldGuideLst xmlns:p15="http://schemas.microsoft.com/office/powerpoint/2012/main">
@@ -963,9 +972,18 @@
   <p:clrMapOvr>
     <a:masterClrMapping/>
   </p:clrMapOvr>
-  <p:transition>
-    <p:fade/>
-  </p:transition>
+  <mc:AlternateContent xmlns:mc="http://schemas.openxmlformats.org/markup-compatibility/2006">
+    <mc:Choice xmlns:p14="http://schemas.microsoft.com/office/powerpoint/2010/main" Requires="p14">
+      <p:transition p14:dur="300">
+        <p:fade/>
+      </p:transition>
+    </mc:Choice>
+    <mc:Fallback>
+      <p:transition>
+        <p:fade/>
+      </p:transition>
+    </mc:Fallback>
+  </mc:AlternateContent>
 </p:sldLayout>
 </file>
 
@@ -1210,9 +1228,18 @@
   <p:clrMapOvr>
     <a:masterClrMapping/>
   </p:clrMapOvr>
-  <p:transition>
-    <p:fade/>
-  </p:transition>
+  <mc:AlternateContent xmlns:mc="http://schemas.openxmlformats.org/markup-compatibility/2006">
+    <mc:Choice xmlns:p14="http://schemas.microsoft.com/office/powerpoint/2010/main" Requires="p14">
+      <p:transition p14:dur="300">
+        <p:fade/>
+      </p:transition>
+    </mc:Choice>
+    <mc:Fallback>
+      <p:transition>
+        <p:fade/>
+      </p:transition>
+    </mc:Fallback>
+  </mc:AlternateContent>
 </p:sldLayout>
 </file>
 
@@ -1376,9 +1403,18 @@
   <p:clrMapOvr>
     <a:masterClrMapping/>
   </p:clrMapOvr>
-  <p:transition>
-    <p:fade/>
-  </p:transition>
+  <mc:AlternateContent xmlns:mc="http://schemas.openxmlformats.org/markup-compatibility/2006">
+    <mc:Choice xmlns:p14="http://schemas.microsoft.com/office/powerpoint/2010/main" Requires="p14">
+      <p:transition p14:dur="300">
+        <p:fade/>
+      </p:transition>
+    </mc:Choice>
+    <mc:Fallback>
+      <p:transition>
+        <p:fade/>
+      </p:transition>
+    </mc:Fallback>
+  </mc:AlternateContent>
 </p:sldLayout>
 </file>
 
@@ -1608,9 +1644,18 @@
   <p:clrMapOvr>
     <a:masterClrMapping/>
   </p:clrMapOvr>
-  <p:transition>
-    <p:fade/>
-  </p:transition>
+  <mc:AlternateContent xmlns:mc="http://schemas.openxmlformats.org/markup-compatibility/2006">
+    <mc:Choice xmlns:p14="http://schemas.microsoft.com/office/powerpoint/2010/main" Requires="p14">
+      <p:transition p14:dur="300">
+        <p:fade/>
+      </p:transition>
+    </mc:Choice>
+    <mc:Fallback>
+      <p:transition>
+        <p:fade/>
+      </p:transition>
+    </mc:Fallback>
+  </mc:AlternateContent>
   <p:extLst>
     <p:ext uri="{DCECCB84-F9BA-43D5-87BE-67443E8EF086}">
       <p15:sldGuideLst xmlns:p15="http://schemas.microsoft.com/office/powerpoint/2012/main">
@@ -1854,9 +1899,18 @@
   <p:clrMapOvr>
     <a:masterClrMapping/>
   </p:clrMapOvr>
-  <p:transition>
-    <p:fade/>
-  </p:transition>
+  <mc:AlternateContent xmlns:mc="http://schemas.openxmlformats.org/markup-compatibility/2006">
+    <mc:Choice xmlns:p14="http://schemas.microsoft.com/office/powerpoint/2010/main" Requires="p14">
+      <p:transition p14:dur="300">
+        <p:fade/>
+      </p:transition>
+    </mc:Choice>
+    <mc:Fallback>
+      <p:transition>
+        <p:fade/>
+      </p:transition>
+    </mc:Fallback>
+  </mc:AlternateContent>
   <p:extLst>
     <p:ext uri="{DCECCB84-F9BA-43D5-87BE-67443E8EF086}">
       <p15:sldGuideLst xmlns:p15="http://schemas.microsoft.com/office/powerpoint/2012/main">
@@ -2103,9 +2157,18 @@
   <p:clrMapOvr>
     <a:masterClrMapping/>
   </p:clrMapOvr>
-  <p:transition>
-    <p:fade/>
-  </p:transition>
+  <mc:AlternateContent xmlns:mc="http://schemas.openxmlformats.org/markup-compatibility/2006">
+    <mc:Choice xmlns:p14="http://schemas.microsoft.com/office/powerpoint/2010/main" Requires="p14">
+      <p:transition p14:dur="300">
+        <p:fade/>
+      </p:transition>
+    </mc:Choice>
+    <mc:Fallback>
+      <p:transition>
+        <p:fade/>
+      </p:transition>
+    </mc:Fallback>
+  </mc:AlternateContent>
 </p:sldLayout>
 </file>
 
@@ -2434,9 +2497,18 @@
   <p:clrMapOvr>
     <a:masterClrMapping/>
   </p:clrMapOvr>
-  <p:transition>
-    <p:fade/>
-  </p:transition>
+  <mc:AlternateContent xmlns:mc="http://schemas.openxmlformats.org/markup-compatibility/2006">
+    <mc:Choice xmlns:p14="http://schemas.microsoft.com/office/powerpoint/2010/main" Requires="p14">
+      <p:transition p14:dur="300">
+        <p:fade/>
+      </p:transition>
+    </mc:Choice>
+    <mc:Fallback>
+      <p:transition>
+        <p:fade/>
+      </p:transition>
+    </mc:Fallback>
+  </mc:AlternateContent>
 </p:sldLayout>
 </file>
 
@@ -2895,9 +2967,18 @@
   <p:clrMapOvr>
     <a:masterClrMapping/>
   </p:clrMapOvr>
-  <p:transition>
-    <p:fade/>
-  </p:transition>
+  <mc:AlternateContent xmlns:mc="http://schemas.openxmlformats.org/markup-compatibility/2006">
+    <mc:Choice xmlns:p14="http://schemas.microsoft.com/office/powerpoint/2010/main" Requires="p14">
+      <p:transition p14:dur="300">
+        <p:fade/>
+      </p:transition>
+    </mc:Choice>
+    <mc:Fallback>
+      <p:transition>
+        <p:fade/>
+      </p:transition>
+    </mc:Fallback>
+  </mc:AlternateContent>
 </p:sldLayout>
 </file>
 
@@ -3058,9 +3139,18 @@
   <p:clrMapOvr>
     <a:masterClrMapping/>
   </p:clrMapOvr>
-  <p:transition>
-    <p:fade/>
-  </p:transition>
+  <mc:AlternateContent xmlns:mc="http://schemas.openxmlformats.org/markup-compatibility/2006">
+    <mc:Choice xmlns:p14="http://schemas.microsoft.com/office/powerpoint/2010/main" Requires="p14">
+      <p:transition p14:dur="300">
+        <p:fade/>
+      </p:transition>
+    </mc:Choice>
+    <mc:Fallback>
+      <p:transition>
+        <p:fade/>
+      </p:transition>
+    </mc:Fallback>
+  </mc:AlternateContent>
 </p:sldLayout>
 </file>
 
@@ -3195,9 +3285,18 @@
   <p:clrMapOvr>
     <a:masterClrMapping/>
   </p:clrMapOvr>
-  <p:transition>
-    <p:fade/>
-  </p:transition>
+  <mc:AlternateContent xmlns:mc="http://schemas.openxmlformats.org/markup-compatibility/2006">
+    <mc:Choice xmlns:p14="http://schemas.microsoft.com/office/powerpoint/2010/main" Requires="p14">
+      <p:transition p14:dur="300">
+        <p:fade/>
+      </p:transition>
+    </mc:Choice>
+    <mc:Fallback>
+      <p:transition>
+        <p:fade/>
+      </p:transition>
+    </mc:Fallback>
+  </mc:AlternateContent>
 </p:sldLayout>
 </file>
 
@@ -3432,9 +3531,18 @@
   <p:clrMapOvr>
     <a:masterClrMapping/>
   </p:clrMapOvr>
-  <p:transition>
-    <p:fade/>
-  </p:transition>
+  <mc:AlternateContent xmlns:mc="http://schemas.openxmlformats.org/markup-compatibility/2006">
+    <mc:Choice xmlns:p14="http://schemas.microsoft.com/office/powerpoint/2010/main" Requires="p14">
+      <p:transition p14:dur="300">
+        <p:fade/>
+      </p:transition>
+    </mc:Choice>
+    <mc:Fallback>
+      <p:transition>
+        <p:fade/>
+      </p:transition>
+    </mc:Fallback>
+  </mc:AlternateContent>
   <p:extLst>
     <p:ext uri="{DCECCB84-F9BA-43D5-87BE-67443E8EF086}">
       <p15:sldGuideLst xmlns:p15="http://schemas.microsoft.com/office/powerpoint/2012/main">
@@ -3765,9 +3873,18 @@
   <p:clrMapOvr>
     <a:masterClrMapping/>
   </p:clrMapOvr>
-  <p:transition>
-    <p:fade/>
-  </p:transition>
+  <mc:AlternateContent xmlns:mc="http://schemas.openxmlformats.org/markup-compatibility/2006">
+    <mc:Choice xmlns:p14="http://schemas.microsoft.com/office/powerpoint/2010/main" Requires="p14">
+      <p:transition p14:dur="300">
+        <p:fade/>
+      </p:transition>
+    </mc:Choice>
+    <mc:Fallback>
+      <p:transition>
+        <p:fade/>
+      </p:transition>
+    </mc:Fallback>
+  </mc:AlternateContent>
 </p:sldLayout>
 </file>
 
@@ -4060,9 +4177,18 @@
   <p:clrMapOvr>
     <a:masterClrMapping/>
   </p:clrMapOvr>
-  <p:transition>
-    <p:fade/>
-  </p:transition>
+  <mc:AlternateContent xmlns:mc="http://schemas.openxmlformats.org/markup-compatibility/2006">
+    <mc:Choice xmlns:p14="http://schemas.microsoft.com/office/powerpoint/2010/main" Requires="p14">
+      <p:transition p14:dur="300">
+        <p:fade/>
+      </p:transition>
+    </mc:Choice>
+    <mc:Fallback>
+      <p:transition>
+        <p:fade/>
+      </p:transition>
+    </mc:Fallback>
+  </mc:AlternateContent>
 </p:sldLayout>
 </file>
 
@@ -4290,9 +4416,18 @@
   <p:clrMapOvr>
     <a:masterClrMapping/>
   </p:clrMapOvr>
-  <p:transition>
-    <p:fade/>
-  </p:transition>
+  <mc:AlternateContent xmlns:mc="http://schemas.openxmlformats.org/markup-compatibility/2006">
+    <mc:Choice xmlns:p14="http://schemas.microsoft.com/office/powerpoint/2010/main" Requires="p14">
+      <p:transition p14:dur="300">
+        <p:fade/>
+      </p:transition>
+    </mc:Choice>
+    <mc:Fallback>
+      <p:transition>
+        <p:fade/>
+      </p:transition>
+    </mc:Fallback>
+  </mc:AlternateContent>
 </p:sldLayout>
 </file>
 
@@ -4530,9 +4665,18 @@
   <p:clrMapOvr>
     <a:masterClrMapping/>
   </p:clrMapOvr>
-  <p:transition>
-    <p:fade/>
-  </p:transition>
+  <mc:AlternateContent xmlns:mc="http://schemas.openxmlformats.org/markup-compatibility/2006">
+    <mc:Choice xmlns:p14="http://schemas.microsoft.com/office/powerpoint/2010/main" Requires="p14">
+      <p:transition p14:dur="300">
+        <p:fade/>
+      </p:transition>
+    </mc:Choice>
+    <mc:Fallback>
+      <p:transition>
+        <p:fade/>
+      </p:transition>
+    </mc:Fallback>
+  </mc:AlternateContent>
 </p:sldLayout>
 </file>
 
@@ -4696,9 +4840,18 @@
   <p:clrMapOvr>
     <a:masterClrMapping/>
   </p:clrMapOvr>
-  <p:transition>
-    <p:fade/>
-  </p:transition>
+  <mc:AlternateContent xmlns:mc="http://schemas.openxmlformats.org/markup-compatibility/2006">
+    <mc:Choice xmlns:p14="http://schemas.microsoft.com/office/powerpoint/2010/main" Requires="p14">
+      <p:transition p14:dur="300">
+        <p:fade/>
+      </p:transition>
+    </mc:Choice>
+    <mc:Fallback>
+      <p:transition>
+        <p:fade/>
+      </p:transition>
+    </mc:Fallback>
+  </mc:AlternateContent>
 </p:sldLayout>
 </file>
 
@@ -4935,9 +5088,18 @@
   <p:clrMapOvr>
     <a:masterClrMapping/>
   </p:clrMapOvr>
-  <p:transition>
-    <p:fade/>
-  </p:transition>
+  <mc:AlternateContent xmlns:mc="http://schemas.openxmlformats.org/markup-compatibility/2006">
+    <mc:Choice xmlns:p14="http://schemas.microsoft.com/office/powerpoint/2010/main" Requires="p14">
+      <p:transition p14:dur="300">
+        <p:fade/>
+      </p:transition>
+    </mc:Choice>
+    <mc:Fallback>
+      <p:transition>
+        <p:fade/>
+      </p:transition>
+    </mc:Fallback>
+  </mc:AlternateContent>
 </p:sldLayout>
 </file>
 
@@ -5274,9 +5436,18 @@
   <p:clrMapOvr>
     <a:masterClrMapping/>
   </p:clrMapOvr>
-  <p:transition>
-    <p:fade/>
-  </p:transition>
+  <mc:AlternateContent xmlns:mc="http://schemas.openxmlformats.org/markup-compatibility/2006">
+    <mc:Choice xmlns:p14="http://schemas.microsoft.com/office/powerpoint/2010/main" Requires="p14">
+      <p:transition p14:dur="300">
+        <p:fade/>
+      </p:transition>
+    </mc:Choice>
+    <mc:Fallback>
+      <p:transition>
+        <p:fade/>
+      </p:transition>
+    </mc:Fallback>
+  </mc:AlternateContent>
 </p:sldLayout>
 </file>
 
@@ -5743,9 +5914,18 @@
   <p:clrMapOvr>
     <a:masterClrMapping/>
   </p:clrMapOvr>
-  <p:transition>
-    <p:fade/>
-  </p:transition>
+  <mc:AlternateContent xmlns:mc="http://schemas.openxmlformats.org/markup-compatibility/2006">
+    <mc:Choice xmlns:p14="http://schemas.microsoft.com/office/powerpoint/2010/main" Requires="p14">
+      <p:transition p14:dur="300">
+        <p:fade/>
+      </p:transition>
+    </mc:Choice>
+    <mc:Fallback>
+      <p:transition>
+        <p:fade/>
+      </p:transition>
+    </mc:Fallback>
+  </mc:AlternateContent>
 </p:sldLayout>
 </file>
 
@@ -5912,9 +6092,18 @@
   <p:clrMapOvr>
     <a:masterClrMapping/>
   </p:clrMapOvr>
-  <p:transition>
-    <p:fade/>
-  </p:transition>
+  <mc:AlternateContent xmlns:mc="http://schemas.openxmlformats.org/markup-compatibility/2006">
+    <mc:Choice xmlns:p14="http://schemas.microsoft.com/office/powerpoint/2010/main" Requires="p14">
+      <p:transition p14:dur="300">
+        <p:fade/>
+      </p:transition>
+    </mc:Choice>
+    <mc:Fallback>
+      <p:transition>
+        <p:fade/>
+      </p:transition>
+    </mc:Fallback>
+  </mc:AlternateContent>
 </p:sldLayout>
 </file>
 
@@ -6054,9 +6243,18 @@
   <p:clrMapOvr>
     <a:masterClrMapping/>
   </p:clrMapOvr>
-  <p:transition>
-    <p:fade/>
-  </p:transition>
+  <mc:AlternateContent xmlns:mc="http://schemas.openxmlformats.org/markup-compatibility/2006">
+    <mc:Choice xmlns:p14="http://schemas.microsoft.com/office/powerpoint/2010/main" Requires="p14">
+      <p:transition p14:dur="300">
+        <p:fade/>
+      </p:transition>
+    </mc:Choice>
+    <mc:Fallback>
+      <p:transition>
+        <p:fade/>
+      </p:transition>
+    </mc:Fallback>
+  </mc:AlternateContent>
 </p:sldLayout>
 </file>
 
@@ -6378,9 +6576,18 @@
   <p:clrMapOvr>
     <a:masterClrMapping/>
   </p:clrMapOvr>
-  <p:transition>
-    <p:fade/>
-  </p:transition>
+  <mc:AlternateContent xmlns:mc="http://schemas.openxmlformats.org/markup-compatibility/2006">
+    <mc:Choice xmlns:p14="http://schemas.microsoft.com/office/powerpoint/2010/main" Requires="p14">
+      <p:transition p14:dur="300">
+        <p:fade/>
+      </p:transition>
+    </mc:Choice>
+    <mc:Fallback>
+      <p:transition>
+        <p:fade/>
+      </p:transition>
+    </mc:Fallback>
+  </mc:AlternateContent>
 </p:sldLayout>
 </file>
 
@@ -6683,9 +6890,18 @@
   <p:clrMapOvr>
     <a:masterClrMapping/>
   </p:clrMapOvr>
-  <p:transition>
-    <p:fade/>
-  </p:transition>
+  <mc:AlternateContent xmlns:mc="http://schemas.openxmlformats.org/markup-compatibility/2006">
+    <mc:Choice xmlns:p14="http://schemas.microsoft.com/office/powerpoint/2010/main" Requires="p14">
+      <p:transition p14:dur="300">
+        <p:fade/>
+      </p:transition>
+    </mc:Choice>
+    <mc:Fallback>
+      <p:transition>
+        <p:fade/>
+      </p:transition>
+    </mc:Fallback>
+  </mc:AlternateContent>
 </p:sldLayout>
 </file>
 
@@ -7170,9 +7386,18 @@
     <p:sldLayoutId id="2147483671" r:id="rId11"/>
     <p:sldLayoutId id="2147483672" r:id="rId12"/>
   </p:sldLayoutIdLst>
-  <p:transition>
-    <p:fade/>
-  </p:transition>
+  <mc:AlternateContent xmlns:mc="http://schemas.openxmlformats.org/markup-compatibility/2006">
+    <mc:Choice xmlns:p14="http://schemas.microsoft.com/office/powerpoint/2010/main" Requires="p14">
+      <p:transition p14:dur="300">
+        <p:fade/>
+      </p:transition>
+    </mc:Choice>
+    <mc:Fallback>
+      <p:transition>
+        <p:fade/>
+      </p:transition>
+    </mc:Fallback>
+  </mc:AlternateContent>
   <p:txStyles>
     <p:titleStyle>
       <a:lvl1pPr algn="ctr" rtl="0" eaLnBrk="1" fontAlgn="base" hangingPunct="1">
@@ -8048,9 +8273,18 @@
     <p:sldLayoutId id="2147483684" r:id="rId11"/>
     <p:sldLayoutId id="2147483685" r:id="rId12"/>
   </p:sldLayoutIdLst>
-  <p:transition>
-    <p:fade/>
-  </p:transition>
+  <mc:AlternateContent xmlns:mc="http://schemas.openxmlformats.org/markup-compatibility/2006">
+    <mc:Choice xmlns:p14="http://schemas.microsoft.com/office/powerpoint/2010/main" Requires="p14">
+      <p:transition p14:dur="300">
+        <p:fade/>
+      </p:transition>
+    </mc:Choice>
+    <mc:Fallback>
+      <p:transition>
+        <p:fade/>
+      </p:transition>
+    </mc:Fallback>
+  </mc:AlternateContent>
   <p:hf hdr="0" ftr="0" dt="0"/>
   <p:txStyles>
     <p:titleStyle>
@@ -9266,9 +9500,18 @@
   <p:clrMapOvr>
     <a:masterClrMapping/>
   </p:clrMapOvr>
-  <p:transition>
-    <p:fade/>
-  </p:transition>
+  <mc:AlternateContent xmlns:mc="http://schemas.openxmlformats.org/markup-compatibility/2006">
+    <mc:Choice xmlns:p14="http://schemas.microsoft.com/office/powerpoint/2010/main" Requires="p14">
+      <p:transition p14:dur="300">
+        <p:fade/>
+      </p:transition>
+    </mc:Choice>
+    <mc:Fallback>
+      <p:transition>
+        <p:fade/>
+      </p:transition>
+    </mc:Fallback>
+  </mc:AlternateContent>
 </p:sld>
 </file>
 
@@ -9347,9 +9590,18 @@
   <p:clrMapOvr>
     <a:masterClrMapping/>
   </p:clrMapOvr>
-  <p:transition>
-    <p:fade/>
-  </p:transition>
+  <mc:AlternateContent xmlns:mc="http://schemas.openxmlformats.org/markup-compatibility/2006">
+    <mc:Choice xmlns:p14="http://schemas.microsoft.com/office/powerpoint/2010/main" Requires="p14">
+      <p:transition p14:dur="300">
+        <p:fade/>
+      </p:transition>
+    </mc:Choice>
+    <mc:Fallback>
+      <p:transition>
+        <p:fade/>
+      </p:transition>
+    </mc:Fallback>
+  </mc:AlternateContent>
 </p:sld>
 </file>
 
@@ -9424,9 +9676,18 @@
   <p:clrMapOvr>
     <a:masterClrMapping/>
   </p:clrMapOvr>
-  <p:transition>
-    <p:fade/>
-  </p:transition>
+  <mc:AlternateContent xmlns:mc="http://schemas.openxmlformats.org/markup-compatibility/2006">
+    <mc:Choice xmlns:p14="http://schemas.microsoft.com/office/powerpoint/2010/main" Requires="p14">
+      <p:transition p14:dur="300">
+        <p:fade/>
+      </p:transition>
+    </mc:Choice>
+    <mc:Fallback>
+      <p:transition>
+        <p:fade/>
+      </p:transition>
+    </mc:Fallback>
+  </mc:AlternateContent>
 </p:sld>
 </file>
 
@@ -9497,9 +9758,18 @@
   <p:clrMapOvr>
     <a:masterClrMapping/>
   </p:clrMapOvr>
-  <p:transition>
-    <p:fade/>
-  </p:transition>
+  <mc:AlternateContent xmlns:mc="http://schemas.openxmlformats.org/markup-compatibility/2006">
+    <mc:Choice xmlns:p14="http://schemas.microsoft.com/office/powerpoint/2010/main" Requires="p14">
+      <p:transition p14:dur="300">
+        <p:fade/>
+      </p:transition>
+    </mc:Choice>
+    <mc:Fallback>
+      <p:transition>
+        <p:fade/>
+      </p:transition>
+    </mc:Fallback>
+  </mc:AlternateContent>
 </p:sld>
 </file>
 
@@ -9570,9 +9840,18 @@
   <p:clrMapOvr>
     <a:masterClrMapping/>
   </p:clrMapOvr>
-  <p:transition>
-    <p:fade/>
-  </p:transition>
+  <mc:AlternateContent xmlns:mc="http://schemas.openxmlformats.org/markup-compatibility/2006">
+    <mc:Choice xmlns:p14="http://schemas.microsoft.com/office/powerpoint/2010/main" Requires="p14">
+      <p:transition p14:dur="300">
+        <p:fade/>
+      </p:transition>
+    </mc:Choice>
+    <mc:Fallback>
+      <p:transition>
+        <p:fade/>
+      </p:transition>
+    </mc:Fallback>
+  </mc:AlternateContent>
 </p:sld>
 </file>
 
@@ -9651,9 +9930,18 @@
   <p:clrMapOvr>
     <a:masterClrMapping/>
   </p:clrMapOvr>
-  <p:transition>
-    <p:fade/>
-  </p:transition>
+  <mc:AlternateContent xmlns:mc="http://schemas.openxmlformats.org/markup-compatibility/2006">
+    <mc:Choice xmlns:p14="http://schemas.microsoft.com/office/powerpoint/2010/main" Requires="p14">
+      <p:transition p14:dur="300">
+        <p:fade/>
+      </p:transition>
+    </mc:Choice>
+    <mc:Fallback>
+      <p:transition>
+        <p:fade/>
+      </p:transition>
+    </mc:Fallback>
+  </mc:AlternateContent>
 </p:sld>
 </file>
 
@@ -9724,9 +10012,18 @@
   <p:clrMapOvr>
     <a:masterClrMapping/>
   </p:clrMapOvr>
-  <p:transition>
-    <p:fade/>
-  </p:transition>
+  <mc:AlternateContent xmlns:mc="http://schemas.openxmlformats.org/markup-compatibility/2006">
+    <mc:Choice xmlns:p14="http://schemas.microsoft.com/office/powerpoint/2010/main" Requires="p14">
+      <p:transition p14:dur="300">
+        <p:fade/>
+      </p:transition>
+    </mc:Choice>
+    <mc:Fallback>
+      <p:transition>
+        <p:fade/>
+      </p:transition>
+    </mc:Fallback>
+  </mc:AlternateContent>
 </p:sld>
 </file>
 
@@ -9797,9 +10094,18 @@
   <p:clrMapOvr>
     <a:masterClrMapping/>
   </p:clrMapOvr>
-  <p:transition>
-    <p:fade/>
-  </p:transition>
+  <mc:AlternateContent xmlns:mc="http://schemas.openxmlformats.org/markup-compatibility/2006">
+    <mc:Choice xmlns:p14="http://schemas.microsoft.com/office/powerpoint/2010/main" Requires="p14">
+      <p:transition p14:dur="300">
+        <p:fade/>
+      </p:transition>
+    </mc:Choice>
+    <mc:Fallback>
+      <p:transition>
+        <p:fade/>
+      </p:transition>
+    </mc:Fallback>
+  </mc:AlternateContent>
 </p:sld>
 </file>
 
@@ -9870,9 +10176,18 @@
   <p:clrMapOvr>
     <a:masterClrMapping/>
   </p:clrMapOvr>
-  <p:transition>
-    <p:fade/>
-  </p:transition>
+  <mc:AlternateContent xmlns:mc="http://schemas.openxmlformats.org/markup-compatibility/2006">
+    <mc:Choice xmlns:p14="http://schemas.microsoft.com/office/powerpoint/2010/main" Requires="p14">
+      <p:transition p14:dur="300">
+        <p:fade/>
+      </p:transition>
+    </mc:Choice>
+    <mc:Fallback>
+      <p:transition>
+        <p:fade/>
+      </p:transition>
+    </mc:Fallback>
+  </mc:AlternateContent>
 </p:sld>
 </file>
 
@@ -9955,9 +10270,18 @@
   <p:clrMapOvr>
     <a:masterClrMapping/>
   </p:clrMapOvr>
-  <p:transition>
-    <p:fade/>
-  </p:transition>
+  <mc:AlternateContent xmlns:mc="http://schemas.openxmlformats.org/markup-compatibility/2006">
+    <mc:Choice xmlns:p14="http://schemas.microsoft.com/office/powerpoint/2010/main" Requires="p14">
+      <p:transition p14:dur="300">
+        <p:fade/>
+      </p:transition>
+    </mc:Choice>
+    <mc:Fallback>
+      <p:transition>
+        <p:fade/>
+      </p:transition>
+    </mc:Fallback>
+  </mc:AlternateContent>
 </p:sld>
 </file>
 
@@ -10028,9 +10352,18 @@
   <p:clrMapOvr>
     <a:masterClrMapping/>
   </p:clrMapOvr>
-  <p:transition>
-    <p:fade/>
-  </p:transition>
+  <mc:AlternateContent xmlns:mc="http://schemas.openxmlformats.org/markup-compatibility/2006">
+    <mc:Choice xmlns:p14="http://schemas.microsoft.com/office/powerpoint/2010/main" Requires="p14">
+      <p:transition p14:dur="300">
+        <p:fade/>
+      </p:transition>
+    </mc:Choice>
+    <mc:Fallback>
+      <p:transition>
+        <p:fade/>
+      </p:transition>
+    </mc:Fallback>
+  </mc:AlternateContent>
 </p:sld>
 </file>
 
@@ -10109,9 +10442,18 @@
   <p:clrMapOvr>
     <a:masterClrMapping/>
   </p:clrMapOvr>
-  <p:transition>
-    <p:fade/>
-  </p:transition>
+  <mc:AlternateContent xmlns:mc="http://schemas.openxmlformats.org/markup-compatibility/2006">
+    <mc:Choice xmlns:p14="http://schemas.microsoft.com/office/powerpoint/2010/main" Requires="p14">
+      <p:transition p14:dur="300">
+        <p:fade/>
+      </p:transition>
+    </mc:Choice>
+    <mc:Fallback>
+      <p:transition>
+        <p:fade/>
+      </p:transition>
+    </mc:Fallback>
+  </mc:AlternateContent>
 </p:sld>
 </file>
 
@@ -10194,9 +10536,18 @@
   <p:clrMapOvr>
     <a:masterClrMapping/>
   </p:clrMapOvr>
-  <p:transition>
-    <p:fade/>
-  </p:transition>
+  <mc:AlternateContent xmlns:mc="http://schemas.openxmlformats.org/markup-compatibility/2006">
+    <mc:Choice xmlns:p14="http://schemas.microsoft.com/office/powerpoint/2010/main" Requires="p14">
+      <p:transition p14:dur="300">
+        <p:fade/>
+      </p:transition>
+    </mc:Choice>
+    <mc:Fallback>
+      <p:transition>
+        <p:fade/>
+      </p:transition>
+    </mc:Fallback>
+  </mc:AlternateContent>
 </p:sld>
 </file>
 
@@ -10267,9 +10618,18 @@
   <p:clrMapOvr>
     <a:masterClrMapping/>
   </p:clrMapOvr>
-  <p:transition>
-    <p:fade/>
-  </p:transition>
+  <mc:AlternateContent xmlns:mc="http://schemas.openxmlformats.org/markup-compatibility/2006">
+    <mc:Choice xmlns:p14="http://schemas.microsoft.com/office/powerpoint/2010/main" Requires="p14">
+      <p:transition p14:dur="300">
+        <p:fade/>
+      </p:transition>
+    </mc:Choice>
+    <mc:Fallback>
+      <p:transition>
+        <p:fade/>
+      </p:transition>
+    </mc:Fallback>
+  </mc:AlternateContent>
 </p:sld>
 </file>
 
@@ -10344,9 +10704,18 @@
   <p:clrMapOvr>
     <a:masterClrMapping/>
   </p:clrMapOvr>
-  <p:transition>
-    <p:fade/>
-  </p:transition>
+  <mc:AlternateContent xmlns:mc="http://schemas.openxmlformats.org/markup-compatibility/2006">
+    <mc:Choice xmlns:p14="http://schemas.microsoft.com/office/powerpoint/2010/main" Requires="p14">
+      <p:transition p14:dur="300">
+        <p:fade/>
+      </p:transition>
+    </mc:Choice>
+    <mc:Fallback>
+      <p:transition>
+        <p:fade/>
+      </p:transition>
+    </mc:Fallback>
+  </mc:AlternateContent>
 </p:sld>
 </file>
 
@@ -10417,9 +10786,18 @@
   <p:clrMapOvr>
     <a:masterClrMapping/>
   </p:clrMapOvr>
-  <p:transition>
-    <p:fade/>
-  </p:transition>
+  <mc:AlternateContent xmlns:mc="http://schemas.openxmlformats.org/markup-compatibility/2006">
+    <mc:Choice xmlns:p14="http://schemas.microsoft.com/office/powerpoint/2010/main" Requires="p14">
+      <p:transition p14:dur="300">
+        <p:fade/>
+      </p:transition>
+    </mc:Choice>
+    <mc:Fallback>
+      <p:transition>
+        <p:fade/>
+      </p:transition>
+    </mc:Fallback>
+  </mc:AlternateContent>
 </p:sld>
 </file>
 
@@ -10502,9 +10880,18 @@
   <p:clrMapOvr>
     <a:masterClrMapping/>
   </p:clrMapOvr>
-  <p:transition>
-    <p:fade/>
-  </p:transition>
+  <mc:AlternateContent xmlns:mc="http://schemas.openxmlformats.org/markup-compatibility/2006">
+    <mc:Choice xmlns:p14="http://schemas.microsoft.com/office/powerpoint/2010/main" Requires="p14">
+      <p:transition p14:dur="300">
+        <p:fade/>
+      </p:transition>
+    </mc:Choice>
+    <mc:Fallback>
+      <p:transition>
+        <p:fade/>
+      </p:transition>
+    </mc:Fallback>
+  </mc:AlternateContent>
 </p:sld>
 </file>
 
@@ -10579,9 +10966,18 @@
   <p:clrMapOvr>
     <a:masterClrMapping/>
   </p:clrMapOvr>
-  <p:transition>
-    <p:fade/>
-  </p:transition>
+  <mc:AlternateContent xmlns:mc="http://schemas.openxmlformats.org/markup-compatibility/2006">
+    <mc:Choice xmlns:p14="http://schemas.microsoft.com/office/powerpoint/2010/main" Requires="p14">
+      <p:transition p14:dur="300">
+        <p:fade/>
+      </p:transition>
+    </mc:Choice>
+    <mc:Fallback>
+      <p:transition>
+        <p:fade/>
+      </p:transition>
+    </mc:Fallback>
+  </mc:AlternateContent>
 </p:sld>
 </file>
 
@@ -10652,9 +11048,18 @@
   <p:clrMapOvr>
     <a:masterClrMapping/>
   </p:clrMapOvr>
-  <p:transition>
-    <p:fade/>
-  </p:transition>
+  <mc:AlternateContent xmlns:mc="http://schemas.openxmlformats.org/markup-compatibility/2006">
+    <mc:Choice xmlns:p14="http://schemas.microsoft.com/office/powerpoint/2010/main" Requires="p14">
+      <p:transition p14:dur="300">
+        <p:fade/>
+      </p:transition>
+    </mc:Choice>
+    <mc:Fallback>
+      <p:transition>
+        <p:fade/>
+      </p:transition>
+    </mc:Fallback>
+  </mc:AlternateContent>
 </p:sld>
 </file>
 
@@ -10725,9 +11130,18 @@
   <p:clrMapOvr>
     <a:masterClrMapping/>
   </p:clrMapOvr>
-  <p:transition>
-    <p:fade/>
-  </p:transition>
+  <mc:AlternateContent xmlns:mc="http://schemas.openxmlformats.org/markup-compatibility/2006">
+    <mc:Choice xmlns:p14="http://schemas.microsoft.com/office/powerpoint/2010/main" Requires="p14">
+      <p:transition p14:dur="300">
+        <p:fade/>
+      </p:transition>
+    </mc:Choice>
+    <mc:Fallback>
+      <p:transition>
+        <p:fade/>
+      </p:transition>
+    </mc:Fallback>
+  </mc:AlternateContent>
 </p:sld>
 </file>
 
@@ -10799,9 +11213,18 @@
   <p:clrMapOvr>
     <a:masterClrMapping/>
   </p:clrMapOvr>
-  <p:transition>
-    <p:fade/>
-  </p:transition>
+  <mc:AlternateContent xmlns:mc="http://schemas.openxmlformats.org/markup-compatibility/2006">
+    <mc:Choice xmlns:p14="http://schemas.microsoft.com/office/powerpoint/2010/main" Requires="p14">
+      <p:transition p14:dur="300">
+        <p:fade/>
+      </p:transition>
+    </mc:Choice>
+    <mc:Fallback>
+      <p:transition>
+        <p:fade/>
+      </p:transition>
+    </mc:Fallback>
+  </mc:AlternateContent>
 </p:sld>
 </file>
 
@@ -10872,9 +11295,18 @@
   <p:clrMapOvr>
     <a:masterClrMapping/>
   </p:clrMapOvr>
-  <p:transition>
-    <p:fade/>
-  </p:transition>
+  <mc:AlternateContent xmlns:mc="http://schemas.openxmlformats.org/markup-compatibility/2006">
+    <mc:Choice xmlns:p14="http://schemas.microsoft.com/office/powerpoint/2010/main" Requires="p14">
+      <p:transition p14:dur="300">
+        <p:fade/>
+      </p:transition>
+    </mc:Choice>
+    <mc:Fallback>
+      <p:transition>
+        <p:fade/>
+      </p:transition>
+    </mc:Fallback>
+  </mc:AlternateContent>
 </p:sld>
 </file>
 
@@ -10945,9 +11377,18 @@
   <p:clrMapOvr>
     <a:masterClrMapping/>
   </p:clrMapOvr>
-  <p:transition>
-    <p:fade/>
-  </p:transition>
+  <mc:AlternateContent xmlns:mc="http://schemas.openxmlformats.org/markup-compatibility/2006">
+    <mc:Choice xmlns:p14="http://schemas.microsoft.com/office/powerpoint/2010/main" Requires="p14">
+      <p:transition p14:dur="300">
+        <p:fade/>
+      </p:transition>
+    </mc:Choice>
+    <mc:Fallback>
+      <p:transition>
+        <p:fade/>
+      </p:transition>
+    </mc:Fallback>
+  </mc:AlternateContent>
 </p:sld>
 </file>
 
@@ -11026,9 +11467,18 @@
   <p:clrMapOvr>
     <a:masterClrMapping/>
   </p:clrMapOvr>
-  <p:transition>
-    <p:fade/>
-  </p:transition>
+  <mc:AlternateContent xmlns:mc="http://schemas.openxmlformats.org/markup-compatibility/2006">
+    <mc:Choice xmlns:p14="http://schemas.microsoft.com/office/powerpoint/2010/main" Requires="p14">
+      <p:transition p14:dur="300">
+        <p:fade/>
+      </p:transition>
+    </mc:Choice>
+    <mc:Fallback>
+      <p:transition>
+        <p:fade/>
+      </p:transition>
+    </mc:Fallback>
+  </mc:AlternateContent>
 </p:sld>
 </file>
 
@@ -11104,9 +11554,18 @@
   <p:clrMapOvr>
     <a:masterClrMapping/>
   </p:clrMapOvr>
-  <p:transition>
-    <p:fade/>
-  </p:transition>
+  <mc:AlternateContent xmlns:mc="http://schemas.openxmlformats.org/markup-compatibility/2006">
+    <mc:Choice xmlns:p14="http://schemas.microsoft.com/office/powerpoint/2010/main" Requires="p14">
+      <p:transition p14:dur="300">
+        <p:fade/>
+      </p:transition>
+    </mc:Choice>
+    <mc:Fallback>
+      <p:transition>
+        <p:fade/>
+      </p:transition>
+    </mc:Fallback>
+  </mc:AlternateContent>
 </p:sld>
 </file>
 
@@ -11178,9 +11637,18 @@
   <p:clrMapOvr>
     <a:masterClrMapping/>
   </p:clrMapOvr>
-  <p:transition>
-    <p:fade/>
-  </p:transition>
+  <mc:AlternateContent xmlns:mc="http://schemas.openxmlformats.org/markup-compatibility/2006">
+    <mc:Choice xmlns:p14="http://schemas.microsoft.com/office/powerpoint/2010/main" Requires="p14">
+      <p:transition p14:dur="300">
+        <p:fade/>
+      </p:transition>
+    </mc:Choice>
+    <mc:Fallback>
+      <p:transition>
+        <p:fade/>
+      </p:transition>
+    </mc:Fallback>
+  </mc:AlternateContent>
 </p:sld>
 </file>
 
@@ -11251,9 +11719,18 @@
   <p:clrMapOvr>
     <a:masterClrMapping/>
   </p:clrMapOvr>
-  <p:transition>
-    <p:fade/>
-  </p:transition>
+  <mc:AlternateContent xmlns:mc="http://schemas.openxmlformats.org/markup-compatibility/2006">
+    <mc:Choice xmlns:p14="http://schemas.microsoft.com/office/powerpoint/2010/main" Requires="p14">
+      <p:transition p14:dur="300">
+        <p:fade/>
+      </p:transition>
+    </mc:Choice>
+    <mc:Fallback>
+      <p:transition>
+        <p:fade/>
+      </p:transition>
+    </mc:Fallback>
+  </mc:AlternateContent>
 </p:sld>
 </file>
 
@@ -11324,9 +11801,18 @@
   <p:clrMapOvr>
     <a:masterClrMapping/>
   </p:clrMapOvr>
-  <p:transition>
-    <p:fade/>
-  </p:transition>
+  <mc:AlternateContent xmlns:mc="http://schemas.openxmlformats.org/markup-compatibility/2006">
+    <mc:Choice xmlns:p14="http://schemas.microsoft.com/office/powerpoint/2010/main" Requires="p14">
+      <p:transition p14:dur="300">
+        <p:fade/>
+      </p:transition>
+    </mc:Choice>
+    <mc:Fallback>
+      <p:transition>
+        <p:fade/>
+      </p:transition>
+    </mc:Fallback>
+  </mc:AlternateContent>
 </p:sld>
 </file>
 
@@ -11398,9 +11884,18 @@
   <p:clrMapOvr>
     <a:masterClrMapping/>
   </p:clrMapOvr>
-  <p:transition>
-    <p:fade/>
-  </p:transition>
+  <mc:AlternateContent xmlns:mc="http://schemas.openxmlformats.org/markup-compatibility/2006">
+    <mc:Choice xmlns:p14="http://schemas.microsoft.com/office/powerpoint/2010/main" Requires="p14">
+      <p:transition p14:dur="300">
+        <p:fade/>
+      </p:transition>
+    </mc:Choice>
+    <mc:Fallback>
+      <p:transition>
+        <p:fade/>
+      </p:transition>
+    </mc:Fallback>
+  </mc:AlternateContent>
 </p:sld>
 </file>
 
@@ -11479,9 +11974,18 @@
   <p:clrMapOvr>
     <a:masterClrMapping/>
   </p:clrMapOvr>
-  <p:transition>
-    <p:fade/>
-  </p:transition>
+  <mc:AlternateContent xmlns:mc="http://schemas.openxmlformats.org/markup-compatibility/2006">
+    <mc:Choice xmlns:p14="http://schemas.microsoft.com/office/powerpoint/2010/main" Requires="p14">
+      <p:transition p14:dur="300">
+        <p:fade/>
+      </p:transition>
+    </mc:Choice>
+    <mc:Fallback>
+      <p:transition>
+        <p:fade/>
+      </p:transition>
+    </mc:Fallback>
+  </mc:AlternateContent>
 </p:sld>
 </file>
 
@@ -11557,9 +12061,18 @@
   <p:clrMapOvr>
     <a:masterClrMapping/>
   </p:clrMapOvr>
-  <p:transition>
-    <p:fade/>
-  </p:transition>
+  <mc:AlternateContent xmlns:mc="http://schemas.openxmlformats.org/markup-compatibility/2006">
+    <mc:Choice xmlns:p14="http://schemas.microsoft.com/office/powerpoint/2010/main" Requires="p14">
+      <p:transition p14:dur="300">
+        <p:fade/>
+      </p:transition>
+    </mc:Choice>
+    <mc:Fallback>
+      <p:transition>
+        <p:fade/>
+      </p:transition>
+    </mc:Fallback>
+  </mc:AlternateContent>
 </p:sld>
 </file>
 
@@ -11631,9 +12144,18 @@
   <p:clrMapOvr>
     <a:masterClrMapping/>
   </p:clrMapOvr>
-  <p:transition>
-    <p:fade/>
-  </p:transition>
+  <mc:AlternateContent xmlns:mc="http://schemas.openxmlformats.org/markup-compatibility/2006">
+    <mc:Choice xmlns:p14="http://schemas.microsoft.com/office/powerpoint/2010/main" Requires="p14">
+      <p:transition p14:dur="300">
+        <p:fade/>
+      </p:transition>
+    </mc:Choice>
+    <mc:Fallback>
+      <p:transition>
+        <p:fade/>
+      </p:transition>
+    </mc:Fallback>
+  </mc:AlternateContent>
 </p:sld>
 </file>
 
@@ -11705,9 +12227,18 @@
   <p:clrMapOvr>
     <a:masterClrMapping/>
   </p:clrMapOvr>
-  <p:transition>
-    <p:fade/>
-  </p:transition>
+  <mc:AlternateContent xmlns:mc="http://schemas.openxmlformats.org/markup-compatibility/2006">
+    <mc:Choice xmlns:p14="http://schemas.microsoft.com/office/powerpoint/2010/main" Requires="p14">
+      <p:transition p14:dur="300">
+        <p:fade/>
+      </p:transition>
+    </mc:Choice>
+    <mc:Fallback>
+      <p:transition>
+        <p:fade/>
+      </p:transition>
+    </mc:Fallback>
+  </mc:AlternateContent>
 </p:sld>
 </file>
 
@@ -11786,9 +12317,18 @@
   <p:clrMapOvr>
     <a:masterClrMapping/>
   </p:clrMapOvr>
-  <p:transition>
-    <p:fade/>
-  </p:transition>
+  <mc:AlternateContent xmlns:mc="http://schemas.openxmlformats.org/markup-compatibility/2006">
+    <mc:Choice xmlns:p14="http://schemas.microsoft.com/office/powerpoint/2010/main" Requires="p14">
+      <p:transition p14:dur="300">
+        <p:fade/>
+      </p:transition>
+    </mc:Choice>
+    <mc:Fallback>
+      <p:transition>
+        <p:fade/>
+      </p:transition>
+    </mc:Fallback>
+  </mc:AlternateContent>
 </p:sld>
 </file>
 
@@ -11863,9 +12403,18 @@
   <p:clrMapOvr>
     <a:masterClrMapping/>
   </p:clrMapOvr>
-  <p:transition>
-    <p:fade/>
-  </p:transition>
+  <mc:AlternateContent xmlns:mc="http://schemas.openxmlformats.org/markup-compatibility/2006">
+    <mc:Choice xmlns:p14="http://schemas.microsoft.com/office/powerpoint/2010/main" Requires="p14">
+      <p:transition p14:dur="300">
+        <p:fade/>
+      </p:transition>
+    </mc:Choice>
+    <mc:Fallback>
+      <p:transition>
+        <p:fade/>
+      </p:transition>
+    </mc:Fallback>
+  </mc:AlternateContent>
 </p:sld>
 </file>
 
@@ -11940,9 +12489,18 @@
   <p:clrMapOvr>
     <a:masterClrMapping/>
   </p:clrMapOvr>
-  <p:transition>
-    <p:fade/>
-  </p:transition>
+  <mc:AlternateContent xmlns:mc="http://schemas.openxmlformats.org/markup-compatibility/2006">
+    <mc:Choice xmlns:p14="http://schemas.microsoft.com/office/powerpoint/2010/main" Requires="p14">
+      <p:transition p14:dur="300">
+        <p:fade/>
+      </p:transition>
+    </mc:Choice>
+    <mc:Fallback>
+      <p:transition>
+        <p:fade/>
+      </p:transition>
+    </mc:Fallback>
+  </mc:AlternateContent>
 </p:sld>
 </file>
 
@@ -12017,9 +12575,18 @@
   <p:clrMapOvr>
     <a:masterClrMapping/>
   </p:clrMapOvr>
-  <p:transition>
-    <p:fade/>
-  </p:transition>
+  <mc:AlternateContent xmlns:mc="http://schemas.openxmlformats.org/markup-compatibility/2006">
+    <mc:Choice xmlns:p14="http://schemas.microsoft.com/office/powerpoint/2010/main" Requires="p14">
+      <p:transition p14:dur="300">
+        <p:fade/>
+      </p:transition>
+    </mc:Choice>
+    <mc:Fallback>
+      <p:transition>
+        <p:fade/>
+      </p:transition>
+    </mc:Fallback>
+  </mc:AlternateContent>
 </p:sld>
 </file>
 
@@ -12102,9 +12669,18 @@
   <p:clrMapOvr>
     <a:masterClrMapping/>
   </p:clrMapOvr>
-  <p:transition>
-    <p:fade/>
-  </p:transition>
+  <mc:AlternateContent xmlns:mc="http://schemas.openxmlformats.org/markup-compatibility/2006">
+    <mc:Choice xmlns:p14="http://schemas.microsoft.com/office/powerpoint/2010/main" Requires="p14">
+      <p:transition p14:dur="300">
+        <p:fade/>
+      </p:transition>
+    </mc:Choice>
+    <mc:Fallback>
+      <p:transition>
+        <p:fade/>
+      </p:transition>
+    </mc:Fallback>
+  </mc:AlternateContent>
 </p:sld>
 </file>
 
@@ -12179,9 +12755,18 @@
   <p:clrMapOvr>
     <a:masterClrMapping/>
   </p:clrMapOvr>
-  <p:transition>
-    <p:fade/>
-  </p:transition>
+  <mc:AlternateContent xmlns:mc="http://schemas.openxmlformats.org/markup-compatibility/2006">
+    <mc:Choice xmlns:p14="http://schemas.microsoft.com/office/powerpoint/2010/main" Requires="p14">
+      <p:transition p14:dur="300">
+        <p:fade/>
+      </p:transition>
+    </mc:Choice>
+    <mc:Fallback>
+      <p:transition>
+        <p:fade/>
+      </p:transition>
+    </mc:Fallback>
+  </mc:AlternateContent>
 </p:sld>
 </file>
 
@@ -12252,9 +12837,18 @@
   <p:clrMapOvr>
     <a:masterClrMapping/>
   </p:clrMapOvr>
-  <p:transition>
-    <p:fade/>
-  </p:transition>
+  <mc:AlternateContent xmlns:mc="http://schemas.openxmlformats.org/markup-compatibility/2006">
+    <mc:Choice xmlns:p14="http://schemas.microsoft.com/office/powerpoint/2010/main" Requires="p14">
+      <p:transition p14:dur="300">
+        <p:fade/>
+      </p:transition>
+    </mc:Choice>
+    <mc:Fallback>
+      <p:transition>
+        <p:fade/>
+      </p:transition>
+    </mc:Fallback>
+  </mc:AlternateContent>
 </p:sld>
 </file>
 
@@ -12325,9 +12919,18 @@
   <p:clrMapOvr>
     <a:masterClrMapping/>
   </p:clrMapOvr>
-  <p:transition>
-    <p:fade/>
-  </p:transition>
+  <mc:AlternateContent xmlns:mc="http://schemas.openxmlformats.org/markup-compatibility/2006">
+    <mc:Choice xmlns:p14="http://schemas.microsoft.com/office/powerpoint/2010/main" Requires="p14">
+      <p:transition p14:dur="300">
+        <p:fade/>
+      </p:transition>
+    </mc:Choice>
+    <mc:Fallback>
+      <p:transition>
+        <p:fade/>
+      </p:transition>
+    </mc:Fallback>
+  </mc:AlternateContent>
 </p:sld>
 </file>
 
@@ -12398,9 +13001,18 @@
   <p:clrMapOvr>
     <a:masterClrMapping/>
   </p:clrMapOvr>
-  <p:transition>
-    <p:fade/>
-  </p:transition>
+  <mc:AlternateContent xmlns:mc="http://schemas.openxmlformats.org/markup-compatibility/2006">
+    <mc:Choice xmlns:p14="http://schemas.microsoft.com/office/powerpoint/2010/main" Requires="p14">
+      <p:transition p14:dur="300">
+        <p:fade/>
+      </p:transition>
+    </mc:Choice>
+    <mc:Fallback>
+      <p:transition>
+        <p:fade/>
+      </p:transition>
+    </mc:Fallback>
+  </mc:AlternateContent>
 </p:sld>
 </file>
 
@@ -12475,9 +13087,18 @@
   <p:clrMapOvr>
     <a:masterClrMapping/>
   </p:clrMapOvr>
-  <p:transition>
-    <p:fade/>
-  </p:transition>
+  <mc:AlternateContent xmlns:mc="http://schemas.openxmlformats.org/markup-compatibility/2006">
+    <mc:Choice xmlns:p14="http://schemas.microsoft.com/office/powerpoint/2010/main" Requires="p14">
+      <p:transition p14:dur="300">
+        <p:fade/>
+      </p:transition>
+    </mc:Choice>
+    <mc:Fallback>
+      <p:transition>
+        <p:fade/>
+      </p:transition>
+    </mc:Fallback>
+  </mc:AlternateContent>
 </p:sld>
 </file>
 
@@ -12560,9 +13181,18 @@
   <p:clrMapOvr>
     <a:masterClrMapping/>
   </p:clrMapOvr>
-  <p:transition>
-    <p:fade/>
-  </p:transition>
+  <mc:AlternateContent xmlns:mc="http://schemas.openxmlformats.org/markup-compatibility/2006">
+    <mc:Choice xmlns:p14="http://schemas.microsoft.com/office/powerpoint/2010/main" Requires="p14">
+      <p:transition p14:dur="300">
+        <p:fade/>
+      </p:transition>
+    </mc:Choice>
+    <mc:Fallback>
+      <p:transition>
+        <p:fade/>
+      </p:transition>
+    </mc:Fallback>
+  </mc:AlternateContent>
 </p:sld>
 </file>
 
@@ -12637,9 +13267,18 @@
   <p:clrMapOvr>
     <a:masterClrMapping/>
   </p:clrMapOvr>
-  <p:transition>
-    <p:fade/>
-  </p:transition>
+  <mc:AlternateContent xmlns:mc="http://schemas.openxmlformats.org/markup-compatibility/2006">
+    <mc:Choice xmlns:p14="http://schemas.microsoft.com/office/powerpoint/2010/main" Requires="p14">
+      <p:transition p14:dur="300">
+        <p:fade/>
+      </p:transition>
+    </mc:Choice>
+    <mc:Fallback>
+      <p:transition>
+        <p:fade/>
+      </p:transition>
+    </mc:Fallback>
+  </mc:AlternateContent>
 </p:sld>
 </file>
 
@@ -12730,9 +13369,18 @@
   <p:clrMapOvr>
     <a:masterClrMapping/>
   </p:clrMapOvr>
-  <p:transition>
-    <p:fade/>
-  </p:transition>
+  <mc:AlternateContent xmlns:mc="http://schemas.openxmlformats.org/markup-compatibility/2006">
+    <mc:Choice xmlns:p14="http://schemas.microsoft.com/office/powerpoint/2010/main" Requires="p14">
+      <p:transition p14:dur="300">
+        <p:fade/>
+      </p:transition>
+    </mc:Choice>
+    <mc:Fallback>
+      <p:transition>
+        <p:fade/>
+      </p:transition>
+    </mc:Fallback>
+  </mc:AlternateContent>
 </p:sld>
 </file>
 
@@ -12811,9 +13459,18 @@
   <p:clrMapOvr>
     <a:masterClrMapping/>
   </p:clrMapOvr>
-  <p:transition>
-    <p:fade/>
-  </p:transition>
+  <mc:AlternateContent xmlns:mc="http://schemas.openxmlformats.org/markup-compatibility/2006">
+    <mc:Choice xmlns:p14="http://schemas.microsoft.com/office/powerpoint/2010/main" Requires="p14">
+      <p:transition p14:dur="300">
+        <p:fade/>
+      </p:transition>
+    </mc:Choice>
+    <mc:Fallback>
+      <p:transition>
+        <p:fade/>
+      </p:transition>
+    </mc:Fallback>
+  </mc:AlternateContent>
 </p:sld>
 </file>
 
@@ -12888,9 +13545,18 @@
   <p:clrMapOvr>
     <a:masterClrMapping/>
   </p:clrMapOvr>
-  <p:transition>
-    <p:fade/>
-  </p:transition>
+  <mc:AlternateContent xmlns:mc="http://schemas.openxmlformats.org/markup-compatibility/2006">
+    <mc:Choice xmlns:p14="http://schemas.microsoft.com/office/powerpoint/2010/main" Requires="p14">
+      <p:transition p14:dur="300">
+        <p:fade/>
+      </p:transition>
+    </mc:Choice>
+    <mc:Fallback>
+      <p:transition>
+        <p:fade/>
+      </p:transition>
+    </mc:Fallback>
+  </mc:AlternateContent>
 </p:sld>
 </file>
 
@@ -12961,9 +13627,18 @@
   <p:clrMapOvr>
     <a:masterClrMapping/>
   </p:clrMapOvr>
-  <p:transition>
-    <p:fade/>
-  </p:transition>
+  <mc:AlternateContent xmlns:mc="http://schemas.openxmlformats.org/markup-compatibility/2006">
+    <mc:Choice xmlns:p14="http://schemas.microsoft.com/office/powerpoint/2010/main" Requires="p14">
+      <p:transition p14:dur="300">
+        <p:fade/>
+      </p:transition>
+    </mc:Choice>
+    <mc:Fallback>
+      <p:transition>
+        <p:fade/>
+      </p:transition>
+    </mc:Fallback>
+  </mc:AlternateContent>
 </p:sld>
 </file>
 
@@ -13034,9 +13709,18 @@
   <p:clrMapOvr>
     <a:masterClrMapping/>
   </p:clrMapOvr>
-  <p:transition>
-    <p:fade/>
-  </p:transition>
+  <mc:AlternateContent xmlns:mc="http://schemas.openxmlformats.org/markup-compatibility/2006">
+    <mc:Choice xmlns:p14="http://schemas.microsoft.com/office/powerpoint/2010/main" Requires="p14">
+      <p:transition p14:dur="300">
+        <p:fade/>
+      </p:transition>
+    </mc:Choice>
+    <mc:Fallback>
+      <p:transition>
+        <p:fade/>
+      </p:transition>
+    </mc:Fallback>
+  </mc:AlternateContent>
 </p:sld>
 </file>
 
@@ -13107,9 +13791,18 @@
   <p:clrMapOvr>
     <a:masterClrMapping/>
   </p:clrMapOvr>
-  <p:transition>
-    <p:fade/>
-  </p:transition>
+  <mc:AlternateContent xmlns:mc="http://schemas.openxmlformats.org/markup-compatibility/2006">
+    <mc:Choice xmlns:p14="http://schemas.microsoft.com/office/powerpoint/2010/main" Requires="p14">
+      <p:transition p14:dur="300">
+        <p:fade/>
+      </p:transition>
+    </mc:Choice>
+    <mc:Fallback>
+      <p:transition>
+        <p:fade/>
+      </p:transition>
+    </mc:Fallback>
+  </mc:AlternateContent>
 </p:sld>
 </file>
 
@@ -13220,9 +13913,18 @@
   <p:clrMapOvr>
     <a:masterClrMapping/>
   </p:clrMapOvr>
-  <p:transition>
-    <p:fade/>
-  </p:transition>
+  <mc:AlternateContent xmlns:mc="http://schemas.openxmlformats.org/markup-compatibility/2006">
+    <mc:Choice xmlns:p14="http://schemas.microsoft.com/office/powerpoint/2010/main" Requires="p14">
+      <p:transition p14:dur="300">
+        <p:fade/>
+      </p:transition>
+    </mc:Choice>
+    <mc:Fallback>
+      <p:transition>
+        <p:fade/>
+      </p:transition>
+    </mc:Fallback>
+  </mc:AlternateContent>
 </p:sld>
 </file>
 
@@ -13293,9 +13995,18 @@
   <p:clrMapOvr>
     <a:masterClrMapping/>
   </p:clrMapOvr>
-  <p:transition>
-    <p:fade/>
-  </p:transition>
+  <mc:AlternateContent xmlns:mc="http://schemas.openxmlformats.org/markup-compatibility/2006">
+    <mc:Choice xmlns:p14="http://schemas.microsoft.com/office/powerpoint/2010/main" Requires="p14">
+      <p:transition p14:dur="300">
+        <p:fade/>
+      </p:transition>
+    </mc:Choice>
+    <mc:Fallback>
+      <p:transition>
+        <p:fade/>
+      </p:transition>
+    </mc:Fallback>
+  </mc:AlternateContent>
 </p:sld>
 </file>
 
@@ -13366,9 +14077,18 @@
   <p:clrMapOvr>
     <a:masterClrMapping/>
   </p:clrMapOvr>
-  <p:transition>
-    <p:fade/>
-  </p:transition>
+  <mc:AlternateContent xmlns:mc="http://schemas.openxmlformats.org/markup-compatibility/2006">
+    <mc:Choice xmlns:p14="http://schemas.microsoft.com/office/powerpoint/2010/main" Requires="p14">
+      <p:transition p14:dur="300">
+        <p:fade/>
+      </p:transition>
+    </mc:Choice>
+    <mc:Fallback>
+      <p:transition>
+        <p:fade/>
+      </p:transition>
+    </mc:Fallback>
+  </mc:AlternateContent>
 </p:sld>
 </file>
 
@@ -13459,9 +14179,18 @@
   <p:clrMapOvr>
     <a:masterClrMapping/>
   </p:clrMapOvr>
-  <p:transition>
-    <p:fade/>
-  </p:transition>
+  <mc:AlternateContent xmlns:mc="http://schemas.openxmlformats.org/markup-compatibility/2006">
+    <mc:Choice xmlns:p14="http://schemas.microsoft.com/office/powerpoint/2010/main" Requires="p14">
+      <p:transition p14:dur="300">
+        <p:fade/>
+      </p:transition>
+    </mc:Choice>
+    <mc:Fallback>
+      <p:transition>
+        <p:fade/>
+      </p:transition>
+    </mc:Fallback>
+  </mc:AlternateContent>
 </p:sld>
 </file>
 
@@ -13532,9 +14261,18 @@
   <p:clrMapOvr>
     <a:masterClrMapping/>
   </p:clrMapOvr>
-  <p:transition>
-    <p:fade/>
-  </p:transition>
+  <mc:AlternateContent xmlns:mc="http://schemas.openxmlformats.org/markup-compatibility/2006">
+    <mc:Choice xmlns:p14="http://schemas.microsoft.com/office/powerpoint/2010/main" Requires="p14">
+      <p:transition p14:dur="300">
+        <p:fade/>
+      </p:transition>
+    </mc:Choice>
+    <mc:Fallback>
+      <p:transition>
+        <p:fade/>
+      </p:transition>
+    </mc:Fallback>
+  </mc:AlternateContent>
 </p:sld>
 </file>
 
@@ -13605,9 +14343,18 @@
   <p:clrMapOvr>
     <a:masterClrMapping/>
   </p:clrMapOvr>
-  <p:transition>
-    <p:fade/>
-  </p:transition>
+  <mc:AlternateContent xmlns:mc="http://schemas.openxmlformats.org/markup-compatibility/2006">
+    <mc:Choice xmlns:p14="http://schemas.microsoft.com/office/powerpoint/2010/main" Requires="p14">
+      <p:transition p14:dur="300">
+        <p:fade/>
+      </p:transition>
+    </mc:Choice>
+    <mc:Fallback>
+      <p:transition>
+        <p:fade/>
+      </p:transition>
+    </mc:Fallback>
+  </mc:AlternateContent>
 </p:sld>
 </file>
 
@@ -13709,9 +14456,18 @@
   <p:clrMapOvr>
     <a:masterClrMapping/>
   </p:clrMapOvr>
-  <p:transition>
-    <p:fade/>
-  </p:transition>
+  <mc:AlternateContent xmlns:mc="http://schemas.openxmlformats.org/markup-compatibility/2006">
+    <mc:Choice xmlns:p14="http://schemas.microsoft.com/office/powerpoint/2010/main" Requires="p14">
+      <p:transition p14:dur="300">
+        <p:fade/>
+      </p:transition>
+    </mc:Choice>
+    <mc:Fallback>
+      <p:transition>
+        <p:fade/>
+      </p:transition>
+    </mc:Fallback>
+  </mc:AlternateContent>
 </p:sld>
 </file>
 
@@ -13786,9 +14542,18 @@
   <p:clrMapOvr>
     <a:masterClrMapping/>
   </p:clrMapOvr>
-  <p:transition>
-    <p:fade/>
-  </p:transition>
+  <mc:AlternateContent xmlns:mc="http://schemas.openxmlformats.org/markup-compatibility/2006">
+    <mc:Choice xmlns:p14="http://schemas.microsoft.com/office/powerpoint/2010/main" Requires="p14">
+      <p:transition p14:dur="300">
+        <p:fade/>
+      </p:transition>
+    </mc:Choice>
+    <mc:Fallback>
+      <p:transition>
+        <p:fade/>
+      </p:transition>
+    </mc:Fallback>
+  </mc:AlternateContent>
 </p:sld>
 </file>
 
@@ -13871,9 +14636,18 @@
   <p:clrMapOvr>
     <a:masterClrMapping/>
   </p:clrMapOvr>
-  <p:transition>
-    <p:fade/>
-  </p:transition>
+  <mc:AlternateContent xmlns:mc="http://schemas.openxmlformats.org/markup-compatibility/2006">
+    <mc:Choice xmlns:p14="http://schemas.microsoft.com/office/powerpoint/2010/main" Requires="p14">
+      <p:transition p14:dur="300">
+        <p:fade/>
+      </p:transition>
+    </mc:Choice>
+    <mc:Fallback>
+      <p:transition>
+        <p:fade/>
+      </p:transition>
+    </mc:Fallback>
+  </mc:AlternateContent>
 </p:sld>
 </file>
 
@@ -13956,9 +14730,18 @@
   <p:clrMapOvr>
     <a:masterClrMapping/>
   </p:clrMapOvr>
-  <p:transition>
-    <p:fade/>
-  </p:transition>
+  <mc:AlternateContent xmlns:mc="http://schemas.openxmlformats.org/markup-compatibility/2006">
+    <mc:Choice xmlns:p14="http://schemas.microsoft.com/office/powerpoint/2010/main" Requires="p14">
+      <p:transition p14:dur="300">
+        <p:fade/>
+      </p:transition>
+    </mc:Choice>
+    <mc:Fallback>
+      <p:transition>
+        <p:fade/>
+      </p:transition>
+    </mc:Fallback>
+  </mc:AlternateContent>
 </p:sld>
 </file>
 
@@ -14033,9 +14816,18 @@
   <p:clrMapOvr>
     <a:masterClrMapping/>
   </p:clrMapOvr>
-  <p:transition>
-    <p:fade/>
-  </p:transition>
+  <mc:AlternateContent xmlns:mc="http://schemas.openxmlformats.org/markup-compatibility/2006">
+    <mc:Choice xmlns:p14="http://schemas.microsoft.com/office/powerpoint/2010/main" Requires="p14">
+      <p:transition p14:dur="300">
+        <p:fade/>
+      </p:transition>
+    </mc:Choice>
+    <mc:Fallback>
+      <p:transition>
+        <p:fade/>
+      </p:transition>
+    </mc:Fallback>
+  </mc:AlternateContent>
 </p:sld>
 </file>
 
@@ -14106,9 +14898,18 @@
   <p:clrMapOvr>
     <a:masterClrMapping/>
   </p:clrMapOvr>
-  <p:transition>
-    <p:fade/>
-  </p:transition>
+  <mc:AlternateContent xmlns:mc="http://schemas.openxmlformats.org/markup-compatibility/2006">
+    <mc:Choice xmlns:p14="http://schemas.microsoft.com/office/powerpoint/2010/main" Requires="p14">
+      <p:transition p14:dur="300">
+        <p:fade/>
+      </p:transition>
+    </mc:Choice>
+    <mc:Fallback>
+      <p:transition>
+        <p:fade/>
+      </p:transition>
+    </mc:Fallback>
+  </mc:AlternateContent>
 </p:sld>
 </file>
 
@@ -14179,9 +14980,18 @@
   <p:clrMapOvr>
     <a:masterClrMapping/>
   </p:clrMapOvr>
-  <p:transition>
-    <p:fade/>
-  </p:transition>
+  <mc:AlternateContent xmlns:mc="http://schemas.openxmlformats.org/markup-compatibility/2006">
+    <mc:Choice xmlns:p14="http://schemas.microsoft.com/office/powerpoint/2010/main" Requires="p14">
+      <p:transition p14:dur="300">
+        <p:fade/>
+      </p:transition>
+    </mc:Choice>
+    <mc:Fallback>
+      <p:transition>
+        <p:fade/>
+      </p:transition>
+    </mc:Fallback>
+  </mc:AlternateContent>
 </p:sld>
 </file>
 
@@ -14268,9 +15078,18 @@
   <p:clrMapOvr>
     <a:masterClrMapping/>
   </p:clrMapOvr>
-  <p:transition>
-    <p:fade/>
-  </p:transition>
+  <mc:AlternateContent xmlns:mc="http://schemas.openxmlformats.org/markup-compatibility/2006">
+    <mc:Choice xmlns:p14="http://schemas.microsoft.com/office/powerpoint/2010/main" Requires="p14">
+      <p:transition p14:dur="300">
+        <p:fade/>
+      </p:transition>
+    </mc:Choice>
+    <mc:Fallback>
+      <p:transition>
+        <p:fade/>
+      </p:transition>
+    </mc:Fallback>
+  </mc:AlternateContent>
 </p:sld>
 </file>
 
@@ -14341,9 +15160,18 @@
   <p:clrMapOvr>
     <a:masterClrMapping/>
   </p:clrMapOvr>
-  <p:transition>
-    <p:fade/>
-  </p:transition>
+  <mc:AlternateContent xmlns:mc="http://schemas.openxmlformats.org/markup-compatibility/2006">
+    <mc:Choice xmlns:p14="http://schemas.microsoft.com/office/powerpoint/2010/main" Requires="p14">
+      <p:transition p14:dur="300">
+        <p:fade/>
+      </p:transition>
+    </mc:Choice>
+    <mc:Fallback>
+      <p:transition>
+        <p:fade/>
+      </p:transition>
+    </mc:Fallback>
+  </mc:AlternateContent>
 </p:sld>
 </file>
 
@@ -14414,9 +15242,18 @@
   <p:clrMapOvr>
     <a:masterClrMapping/>
   </p:clrMapOvr>
-  <p:transition>
-    <p:fade/>
-  </p:transition>
+  <mc:AlternateContent xmlns:mc="http://schemas.openxmlformats.org/markup-compatibility/2006">
+    <mc:Choice xmlns:p14="http://schemas.microsoft.com/office/powerpoint/2010/main" Requires="p14">
+      <p:transition p14:dur="300">
+        <p:fade/>
+      </p:transition>
+    </mc:Choice>
+    <mc:Fallback>
+      <p:transition>
+        <p:fade/>
+      </p:transition>
+    </mc:Fallback>
+  </mc:AlternateContent>
 </p:sld>
 </file>
 
@@ -14495,9 +15332,18 @@
   <p:clrMapOvr>
     <a:masterClrMapping/>
   </p:clrMapOvr>
-  <p:transition>
-    <p:fade/>
-  </p:transition>
+  <mc:AlternateContent xmlns:mc="http://schemas.openxmlformats.org/markup-compatibility/2006">
+    <mc:Choice xmlns:p14="http://schemas.microsoft.com/office/powerpoint/2010/main" Requires="p14">
+      <p:transition p14:dur="300">
+        <p:fade/>
+      </p:transition>
+    </mc:Choice>
+    <mc:Fallback>
+      <p:transition>
+        <p:fade/>
+      </p:transition>
+    </mc:Fallback>
+  </mc:AlternateContent>
 </p:sld>
 </file>
 
@@ -14568,9 +15414,18 @@
   <p:clrMapOvr>
     <a:masterClrMapping/>
   </p:clrMapOvr>
-  <p:transition>
-    <p:fade/>
-  </p:transition>
+  <mc:AlternateContent xmlns:mc="http://schemas.openxmlformats.org/markup-compatibility/2006">
+    <mc:Choice xmlns:p14="http://schemas.microsoft.com/office/powerpoint/2010/main" Requires="p14">
+      <p:transition p14:dur="300">
+        <p:fade/>
+      </p:transition>
+    </mc:Choice>
+    <mc:Fallback>
+      <p:transition>
+        <p:fade/>
+      </p:transition>
+    </mc:Fallback>
+  </mc:AlternateContent>
 </p:sld>
 </file>
 
@@ -14649,9 +15504,18 @@
   <p:clrMapOvr>
     <a:masterClrMapping/>
   </p:clrMapOvr>
-  <p:transition>
-    <p:fade/>
-  </p:transition>
+  <mc:AlternateContent xmlns:mc="http://schemas.openxmlformats.org/markup-compatibility/2006">
+    <mc:Choice xmlns:p14="http://schemas.microsoft.com/office/powerpoint/2010/main" Requires="p14">
+      <p:transition p14:dur="300">
+        <p:fade/>
+      </p:transition>
+    </mc:Choice>
+    <mc:Fallback>
+      <p:transition>
+        <p:fade/>
+      </p:transition>
+    </mc:Fallback>
+  </mc:AlternateContent>
 </p:sld>
 </file>
 
@@ -14726,9 +15590,18 @@
   <p:clrMapOvr>
     <a:masterClrMapping/>
   </p:clrMapOvr>
-  <p:transition>
-    <p:fade/>
-  </p:transition>
+  <mc:AlternateContent xmlns:mc="http://schemas.openxmlformats.org/markup-compatibility/2006">
+    <mc:Choice xmlns:p14="http://schemas.microsoft.com/office/powerpoint/2010/main" Requires="p14">
+      <p:transition p14:dur="300">
+        <p:fade/>
+      </p:transition>
+    </mc:Choice>
+    <mc:Fallback>
+      <p:transition>
+        <p:fade/>
+      </p:transition>
+    </mc:Fallback>
+  </mc:AlternateContent>
 </p:sld>
 </file>
 
@@ -14807,9 +15680,18 @@
   <p:clrMapOvr>
     <a:masterClrMapping/>
   </p:clrMapOvr>
-  <p:transition>
-    <p:fade/>
-  </p:transition>
+  <mc:AlternateContent xmlns:mc="http://schemas.openxmlformats.org/markup-compatibility/2006">
+    <mc:Choice xmlns:p14="http://schemas.microsoft.com/office/powerpoint/2010/main" Requires="p14">
+      <p:transition p14:dur="300">
+        <p:fade/>
+      </p:transition>
+    </mc:Choice>
+    <mc:Fallback>
+      <p:transition>
+        <p:fade/>
+      </p:transition>
+    </mc:Fallback>
+  </mc:AlternateContent>
 </p:sld>
 </file>
 
@@ -14880,9 +15762,18 @@
   <p:clrMapOvr>
     <a:masterClrMapping/>
   </p:clrMapOvr>
-  <p:transition>
-    <p:fade/>
-  </p:transition>
+  <mc:AlternateContent xmlns:mc="http://schemas.openxmlformats.org/markup-compatibility/2006">
+    <mc:Choice xmlns:p14="http://schemas.microsoft.com/office/powerpoint/2010/main" Requires="p14">
+      <p:transition p14:dur="300">
+        <p:fade/>
+      </p:transition>
+    </mc:Choice>
+    <mc:Fallback>
+      <p:transition>
+        <p:fade/>
+      </p:transition>
+    </mc:Fallback>
+  </mc:AlternateContent>
 </p:sld>
 </file>
 
@@ -14957,9 +15848,18 @@
   <p:clrMapOvr>
     <a:masterClrMapping/>
   </p:clrMapOvr>
-  <p:transition>
-    <p:fade/>
-  </p:transition>
+  <mc:AlternateContent xmlns:mc="http://schemas.openxmlformats.org/markup-compatibility/2006">
+    <mc:Choice xmlns:p14="http://schemas.microsoft.com/office/powerpoint/2010/main" Requires="p14">
+      <p:transition p14:dur="300">
+        <p:fade/>
+      </p:transition>
+    </mc:Choice>
+    <mc:Fallback>
+      <p:transition>
+        <p:fade/>
+      </p:transition>
+    </mc:Fallback>
+  </mc:AlternateContent>
 </p:sld>
 </file>
 
@@ -15030,9 +15930,18 @@
   <p:clrMapOvr>
     <a:masterClrMapping/>
   </p:clrMapOvr>
-  <p:transition>
-    <p:fade/>
-  </p:transition>
+  <mc:AlternateContent xmlns:mc="http://schemas.openxmlformats.org/markup-compatibility/2006">
+    <mc:Choice xmlns:p14="http://schemas.microsoft.com/office/powerpoint/2010/main" Requires="p14">
+      <p:transition p14:dur="300">
+        <p:fade/>
+      </p:transition>
+    </mc:Choice>
+    <mc:Fallback>
+      <p:transition>
+        <p:fade/>
+      </p:transition>
+    </mc:Fallback>
+  </mc:AlternateContent>
 </p:sld>
 </file>
 
@@ -15103,9 +16012,18 @@
   <p:clrMapOvr>
     <a:masterClrMapping/>
   </p:clrMapOvr>
-  <p:transition>
-    <p:fade/>
-  </p:transition>
+  <mc:AlternateContent xmlns:mc="http://schemas.openxmlformats.org/markup-compatibility/2006">
+    <mc:Choice xmlns:p14="http://schemas.microsoft.com/office/powerpoint/2010/main" Requires="p14">
+      <p:transition p14:dur="300">
+        <p:fade/>
+      </p:transition>
+    </mc:Choice>
+    <mc:Fallback>
+      <p:transition>
+        <p:fade/>
+      </p:transition>
+    </mc:Fallback>
+  </mc:AlternateContent>
 </p:sld>
 </file>
 
@@ -15184,9 +16102,18 @@
   <p:clrMapOvr>
     <a:masterClrMapping/>
   </p:clrMapOvr>
-  <p:transition>
-    <p:fade/>
-  </p:transition>
+  <mc:AlternateContent xmlns:mc="http://schemas.openxmlformats.org/markup-compatibility/2006">
+    <mc:Choice xmlns:p14="http://schemas.microsoft.com/office/powerpoint/2010/main" Requires="p14">
+      <p:transition p14:dur="300">
+        <p:fade/>
+      </p:transition>
+    </mc:Choice>
+    <mc:Fallback>
+      <p:transition>
+        <p:fade/>
+      </p:transition>
+    </mc:Fallback>
+  </mc:AlternateContent>
 </p:sld>
 </file>
 
@@ -15269,9 +16196,18 @@
   <p:clrMapOvr>
     <a:masterClrMapping/>
   </p:clrMapOvr>
-  <p:transition>
-    <p:fade/>
-  </p:transition>
+  <mc:AlternateContent xmlns:mc="http://schemas.openxmlformats.org/markup-compatibility/2006">
+    <mc:Choice xmlns:p14="http://schemas.microsoft.com/office/powerpoint/2010/main" Requires="p14">
+      <p:transition p14:dur="300">
+        <p:fade/>
+      </p:transition>
+    </mc:Choice>
+    <mc:Fallback>
+      <p:transition>
+        <p:fade/>
+      </p:transition>
+    </mc:Fallback>
+  </mc:AlternateContent>
 </p:sld>
 </file>
 
@@ -15350,9 +16286,18 @@
   <p:clrMapOvr>
     <a:masterClrMapping/>
   </p:clrMapOvr>
-  <p:transition>
-    <p:fade/>
-  </p:transition>
+  <mc:AlternateContent xmlns:mc="http://schemas.openxmlformats.org/markup-compatibility/2006">
+    <mc:Choice xmlns:p14="http://schemas.microsoft.com/office/powerpoint/2010/main" Requires="p14">
+      <p:transition p14:dur="300">
+        <p:fade/>
+      </p:transition>
+    </mc:Choice>
+    <mc:Fallback>
+      <p:transition>
+        <p:fade/>
+      </p:transition>
+    </mc:Fallback>
+  </mc:AlternateContent>
 </p:sld>
 </file>
 
@@ -15431,9 +16376,18 @@
   <p:clrMapOvr>
     <a:masterClrMapping/>
   </p:clrMapOvr>
-  <p:transition>
-    <p:fade/>
-  </p:transition>
+  <mc:AlternateContent xmlns:mc="http://schemas.openxmlformats.org/markup-compatibility/2006">
+    <mc:Choice xmlns:p14="http://schemas.microsoft.com/office/powerpoint/2010/main" Requires="p14">
+      <p:transition p14:dur="300">
+        <p:fade/>
+      </p:transition>
+    </mc:Choice>
+    <mc:Fallback>
+      <p:transition>
+        <p:fade/>
+      </p:transition>
+    </mc:Fallback>
+  </mc:AlternateContent>
 </p:sld>
 </file>
 
@@ -15516,9 +16470,18 @@
   <p:clrMapOvr>
     <a:masterClrMapping/>
   </p:clrMapOvr>
-  <p:transition>
-    <p:fade/>
-  </p:transition>
+  <mc:AlternateContent xmlns:mc="http://schemas.openxmlformats.org/markup-compatibility/2006">
+    <mc:Choice xmlns:p14="http://schemas.microsoft.com/office/powerpoint/2010/main" Requires="p14">
+      <p:transition p14:dur="300">
+        <p:fade/>
+      </p:transition>
+    </mc:Choice>
+    <mc:Fallback>
+      <p:transition>
+        <p:fade/>
+      </p:transition>
+    </mc:Fallback>
+  </mc:AlternateContent>
 </p:sld>
 </file>
 
@@ -15597,9 +16560,18 @@
   <p:clrMapOvr>
     <a:masterClrMapping/>
   </p:clrMapOvr>
-  <p:transition>
-    <p:fade/>
-  </p:transition>
+  <mc:AlternateContent xmlns:mc="http://schemas.openxmlformats.org/markup-compatibility/2006">
+    <mc:Choice xmlns:p14="http://schemas.microsoft.com/office/powerpoint/2010/main" Requires="p14">
+      <p:transition p14:dur="300">
+        <p:fade/>
+      </p:transition>
+    </mc:Choice>
+    <mc:Fallback>
+      <p:transition>
+        <p:fade/>
+      </p:transition>
+    </mc:Fallback>
+  </mc:AlternateContent>
 </p:sld>
 </file>
 
@@ -15674,9 +16646,18 @@
   <p:clrMapOvr>
     <a:masterClrMapping/>
   </p:clrMapOvr>
-  <p:transition>
-    <p:fade/>
-  </p:transition>
+  <mc:AlternateContent xmlns:mc="http://schemas.openxmlformats.org/markup-compatibility/2006">
+    <mc:Choice xmlns:p14="http://schemas.microsoft.com/office/powerpoint/2010/main" Requires="p14">
+      <p:transition p14:dur="300">
+        <p:fade/>
+      </p:transition>
+    </mc:Choice>
+    <mc:Fallback>
+      <p:transition>
+        <p:fade/>
+      </p:transition>
+    </mc:Fallback>
+  </mc:AlternateContent>
 </p:sld>
 </file>
 
@@ -15751,9 +16732,18 @@
   <p:clrMapOvr>
     <a:masterClrMapping/>
   </p:clrMapOvr>
-  <p:transition>
-    <p:fade/>
-  </p:transition>
+  <mc:AlternateContent xmlns:mc="http://schemas.openxmlformats.org/markup-compatibility/2006">
+    <mc:Choice xmlns:p14="http://schemas.microsoft.com/office/powerpoint/2010/main" Requires="p14">
+      <p:transition p14:dur="300">
+        <p:fade/>
+      </p:transition>
+    </mc:Choice>
+    <mc:Fallback>
+      <p:transition>
+        <p:fade/>
+      </p:transition>
+    </mc:Fallback>
+  </mc:AlternateContent>
 </p:sld>
 </file>
 
@@ -15828,9 +16818,18 @@
   <p:clrMapOvr>
     <a:masterClrMapping/>
   </p:clrMapOvr>
-  <p:transition>
-    <p:fade/>
-  </p:transition>
+  <mc:AlternateContent xmlns:mc="http://schemas.openxmlformats.org/markup-compatibility/2006">
+    <mc:Choice xmlns:p14="http://schemas.microsoft.com/office/powerpoint/2010/main" Requires="p14">
+      <p:transition p14:dur="300">
+        <p:fade/>
+      </p:transition>
+    </mc:Choice>
+    <mc:Fallback>
+      <p:transition>
+        <p:fade/>
+      </p:transition>
+    </mc:Fallback>
+  </mc:AlternateContent>
 </p:sld>
 </file>
 
@@ -15905,9 +16904,18 @@
   <p:clrMapOvr>
     <a:masterClrMapping/>
   </p:clrMapOvr>
-  <p:transition>
-    <p:fade/>
-  </p:transition>
+  <mc:AlternateContent xmlns:mc="http://schemas.openxmlformats.org/markup-compatibility/2006">
+    <mc:Choice xmlns:p14="http://schemas.microsoft.com/office/powerpoint/2010/main" Requires="p14">
+      <p:transition p14:dur="300">
+        <p:fade/>
+      </p:transition>
+    </mc:Choice>
+    <mc:Fallback>
+      <p:transition>
+        <p:fade/>
+      </p:transition>
+    </mc:Fallback>
+  </mc:AlternateContent>
 </p:sld>
 </file>
 
@@ -15982,9 +16990,18 @@
   <p:clrMapOvr>
     <a:masterClrMapping/>
   </p:clrMapOvr>
-  <p:transition>
-    <p:fade/>
-  </p:transition>
+  <mc:AlternateContent xmlns:mc="http://schemas.openxmlformats.org/markup-compatibility/2006">
+    <mc:Choice xmlns:p14="http://schemas.microsoft.com/office/powerpoint/2010/main" Requires="p14">
+      <p:transition p14:dur="300">
+        <p:fade/>
+      </p:transition>
+    </mc:Choice>
+    <mc:Fallback>
+      <p:transition>
+        <p:fade/>
+      </p:transition>
+    </mc:Fallback>
+  </mc:AlternateContent>
 </p:sld>
 </file>
 
@@ -16083,9 +17100,18 @@
   <p:clrMapOvr>
     <a:masterClrMapping/>
   </p:clrMapOvr>
-  <p:transition>
-    <p:fade/>
-  </p:transition>
+  <mc:AlternateContent xmlns:mc="http://schemas.openxmlformats.org/markup-compatibility/2006">
+    <mc:Choice xmlns:p14="http://schemas.microsoft.com/office/powerpoint/2010/main" Requires="p14">
+      <p:transition p14:dur="300">
+        <p:fade/>
+      </p:transition>
+    </mc:Choice>
+    <mc:Fallback>
+      <p:transition>
+        <p:fade/>
+      </p:transition>
+    </mc:Fallback>
+  </mc:AlternateContent>
 </p:sld>
 </file>
 
@@ -16168,9 +17194,18 @@
   <p:clrMapOvr>
     <a:masterClrMapping/>
   </p:clrMapOvr>
-  <p:transition>
-    <p:fade/>
-  </p:transition>
+  <mc:AlternateContent xmlns:mc="http://schemas.openxmlformats.org/markup-compatibility/2006">
+    <mc:Choice xmlns:p14="http://schemas.microsoft.com/office/powerpoint/2010/main" Requires="p14">
+      <p:transition p14:dur="300">
+        <p:fade/>
+      </p:transition>
+    </mc:Choice>
+    <mc:Fallback>
+      <p:transition>
+        <p:fade/>
+      </p:transition>
+    </mc:Fallback>
+  </mc:AlternateContent>
 </p:sld>
 </file>
 
@@ -16241,9 +17276,18 @@
   <p:clrMapOvr>
     <a:masterClrMapping/>
   </p:clrMapOvr>
-  <p:transition>
-    <p:fade/>
-  </p:transition>
+  <mc:AlternateContent xmlns:mc="http://schemas.openxmlformats.org/markup-compatibility/2006">
+    <mc:Choice xmlns:p14="http://schemas.microsoft.com/office/powerpoint/2010/main" Requires="p14">
+      <p:transition p14:dur="300">
+        <p:fade/>
+      </p:transition>
+    </mc:Choice>
+    <mc:Fallback>
+      <p:transition>
+        <p:fade/>
+      </p:transition>
+    </mc:Fallback>
+  </mc:AlternateContent>
 </p:sld>
 </file>
 
@@ -16314,9 +17358,18 @@
   <p:clrMapOvr>
     <a:masterClrMapping/>
   </p:clrMapOvr>
-  <p:transition>
-    <p:fade/>
-  </p:transition>
+  <mc:AlternateContent xmlns:mc="http://schemas.openxmlformats.org/markup-compatibility/2006">
+    <mc:Choice xmlns:p14="http://schemas.microsoft.com/office/powerpoint/2010/main" Requires="p14">
+      <p:transition p14:dur="300">
+        <p:fade/>
+      </p:transition>
+    </mc:Choice>
+    <mc:Fallback>
+      <p:transition>
+        <p:fade/>
+      </p:transition>
+    </mc:Fallback>
+  </mc:AlternateContent>
 </p:sld>
 </file>
 
@@ -16387,9 +17440,18 @@
   <p:clrMapOvr>
     <a:masterClrMapping/>
   </p:clrMapOvr>
-  <p:transition>
-    <p:fade/>
-  </p:transition>
+  <mc:AlternateContent xmlns:mc="http://schemas.openxmlformats.org/markup-compatibility/2006">
+    <mc:Choice xmlns:p14="http://schemas.microsoft.com/office/powerpoint/2010/main" Requires="p14">
+      <p:transition p14:dur="300">
+        <p:fade/>
+      </p:transition>
+    </mc:Choice>
+    <mc:Fallback>
+      <p:transition>
+        <p:fade/>
+      </p:transition>
+    </mc:Fallback>
+  </mc:AlternateContent>
 </p:sld>
 </file>
 
@@ -16472,9 +17534,18 @@
   <p:clrMapOvr>
     <a:masterClrMapping/>
   </p:clrMapOvr>
-  <p:transition>
-    <p:fade/>
-  </p:transition>
+  <mc:AlternateContent xmlns:mc="http://schemas.openxmlformats.org/markup-compatibility/2006">
+    <mc:Choice xmlns:p14="http://schemas.microsoft.com/office/powerpoint/2010/main" Requires="p14">
+      <p:transition p14:dur="300">
+        <p:fade/>
+      </p:transition>
+    </mc:Choice>
+    <mc:Fallback>
+      <p:transition>
+        <p:fade/>
+      </p:transition>
+    </mc:Fallback>
+  </mc:AlternateContent>
 </p:sld>
 </file>
 
@@ -16557,9 +17628,18 @@
   <p:clrMapOvr>
     <a:masterClrMapping/>
   </p:clrMapOvr>
-  <p:transition>
-    <p:fade/>
-  </p:transition>
+  <mc:AlternateContent xmlns:mc="http://schemas.openxmlformats.org/markup-compatibility/2006">
+    <mc:Choice xmlns:p14="http://schemas.microsoft.com/office/powerpoint/2010/main" Requires="p14">
+      <p:transition p14:dur="300">
+        <p:fade/>
+      </p:transition>
+    </mc:Choice>
+    <mc:Fallback>
+      <p:transition>
+        <p:fade/>
+      </p:transition>
+    </mc:Fallback>
+  </mc:AlternateContent>
 </p:sld>
 </file>
 
@@ -16860,9 +17940,18 @@
   <p:clrMapOvr>
     <a:masterClrMapping/>
   </p:clrMapOvr>
-  <p:transition>
-    <p:fade/>
-  </p:transition>
+  <mc:AlternateContent xmlns:mc="http://schemas.openxmlformats.org/markup-compatibility/2006">
+    <mc:Choice xmlns:p14="http://schemas.microsoft.com/office/powerpoint/2010/main" Requires="p14">
+      <p:transition p14:dur="300">
+        <p:fade/>
+      </p:transition>
+    </mc:Choice>
+    <mc:Fallback>
+      <p:transition>
+        <p:fade/>
+      </p:transition>
+    </mc:Fallback>
+  </mc:AlternateContent>
 </p:sld>
 </file>
 
@@ -16945,9 +18034,18 @@
   <p:clrMapOvr>
     <a:masterClrMapping/>
   </p:clrMapOvr>
-  <p:transition>
-    <p:fade/>
-  </p:transition>
+  <mc:AlternateContent xmlns:mc="http://schemas.openxmlformats.org/markup-compatibility/2006">
+    <mc:Choice xmlns:p14="http://schemas.microsoft.com/office/powerpoint/2010/main" Requires="p14">
+      <p:transition p14:dur="300">
+        <p:fade/>
+      </p:transition>
+    </mc:Choice>
+    <mc:Fallback>
+      <p:transition>
+        <p:fade/>
+      </p:transition>
+    </mc:Fallback>
+  </mc:AlternateContent>
 </p:sld>
 </file>
 
@@ -17030,9 +18128,18 @@
   <p:clrMapOvr>
     <a:masterClrMapping/>
   </p:clrMapOvr>
-  <p:transition>
-    <p:fade/>
-  </p:transition>
+  <mc:AlternateContent xmlns:mc="http://schemas.openxmlformats.org/markup-compatibility/2006">
+    <mc:Choice xmlns:p14="http://schemas.microsoft.com/office/powerpoint/2010/main" Requires="p14">
+      <p:transition p14:dur="300">
+        <p:fade/>
+      </p:transition>
+    </mc:Choice>
+    <mc:Fallback>
+      <p:transition>
+        <p:fade/>
+      </p:transition>
+    </mc:Fallback>
+  </mc:AlternateContent>
 </p:sld>
 </file>
 
@@ -17107,9 +18214,18 @@
   <p:clrMapOvr>
     <a:masterClrMapping/>
   </p:clrMapOvr>
-  <p:transition>
-    <p:fade/>
-  </p:transition>
+  <mc:AlternateContent xmlns:mc="http://schemas.openxmlformats.org/markup-compatibility/2006">
+    <mc:Choice xmlns:p14="http://schemas.microsoft.com/office/powerpoint/2010/main" Requires="p14">
+      <p:transition p14:dur="300">
+        <p:fade/>
+      </p:transition>
+    </mc:Choice>
+    <mc:Fallback>
+      <p:transition>
+        <p:fade/>
+      </p:transition>
+    </mc:Fallback>
+  </mc:AlternateContent>
 </p:sld>
 </file>
 
@@ -17184,9 +18300,18 @@
   <p:clrMapOvr>
     <a:masterClrMapping/>
   </p:clrMapOvr>
-  <p:transition>
-    <p:fade/>
-  </p:transition>
+  <mc:AlternateContent xmlns:mc="http://schemas.openxmlformats.org/markup-compatibility/2006">
+    <mc:Choice xmlns:p14="http://schemas.microsoft.com/office/powerpoint/2010/main" Requires="p14">
+      <p:transition p14:dur="300">
+        <p:fade/>
+      </p:transition>
+    </mc:Choice>
+    <mc:Fallback>
+      <p:transition>
+        <p:fade/>
+      </p:transition>
+    </mc:Fallback>
+  </mc:AlternateContent>
 </p:sld>
 </file>
 
@@ -17261,9 +18386,18 @@
   <p:clrMapOvr>
     <a:masterClrMapping/>
   </p:clrMapOvr>
-  <p:transition>
-    <p:fade/>
-  </p:transition>
+  <mc:AlternateContent xmlns:mc="http://schemas.openxmlformats.org/markup-compatibility/2006">
+    <mc:Choice xmlns:p14="http://schemas.microsoft.com/office/powerpoint/2010/main" Requires="p14">
+      <p:transition p14:dur="300">
+        <p:fade/>
+      </p:transition>
+    </mc:Choice>
+    <mc:Fallback>
+      <p:transition>
+        <p:fade/>
+      </p:transition>
+    </mc:Fallback>
+  </mc:AlternateContent>
 </p:sld>
 </file>
 
@@ -17346,9 +18480,18 @@
   <p:clrMapOvr>
     <a:masterClrMapping/>
   </p:clrMapOvr>
-  <p:transition>
-    <p:fade/>
-  </p:transition>
+  <mc:AlternateContent xmlns:mc="http://schemas.openxmlformats.org/markup-compatibility/2006">
+    <mc:Choice xmlns:p14="http://schemas.microsoft.com/office/powerpoint/2010/main" Requires="p14">
+      <p:transition p14:dur="300">
+        <p:fade/>
+      </p:transition>
+    </mc:Choice>
+    <mc:Fallback>
+      <p:transition>
+        <p:fade/>
+      </p:transition>
+    </mc:Fallback>
+  </mc:AlternateContent>
 </p:sld>
 </file>
 
@@ -17435,9 +18578,18 @@
   <p:clrMapOvr>
     <a:masterClrMapping/>
   </p:clrMapOvr>
-  <p:transition>
-    <p:fade/>
-  </p:transition>
+  <mc:AlternateContent xmlns:mc="http://schemas.openxmlformats.org/markup-compatibility/2006">
+    <mc:Choice xmlns:p14="http://schemas.microsoft.com/office/powerpoint/2010/main" Requires="p14">
+      <p:transition p14:dur="300">
+        <p:fade/>
+      </p:transition>
+    </mc:Choice>
+    <mc:Fallback>
+      <p:transition>
+        <p:fade/>
+      </p:transition>
+    </mc:Fallback>
+  </mc:AlternateContent>
 </p:sld>
 </file>
 
@@ -17520,9 +18672,18 @@
   <p:clrMapOvr>
     <a:masterClrMapping/>
   </p:clrMapOvr>
-  <p:transition>
-    <p:fade/>
-  </p:transition>
+  <mc:AlternateContent xmlns:mc="http://schemas.openxmlformats.org/markup-compatibility/2006">
+    <mc:Choice xmlns:p14="http://schemas.microsoft.com/office/powerpoint/2010/main" Requires="p14">
+      <p:transition p14:dur="300">
+        <p:fade/>
+      </p:transition>
+    </mc:Choice>
+    <mc:Fallback>
+      <p:transition>
+        <p:fade/>
+      </p:transition>
+    </mc:Fallback>
+  </mc:AlternateContent>
 </p:sld>
 </file>
 
@@ -17613,9 +18774,18 @@
   <p:clrMapOvr>
     <a:masterClrMapping/>
   </p:clrMapOvr>
-  <p:transition>
-    <p:fade/>
-  </p:transition>
+  <mc:AlternateContent xmlns:mc="http://schemas.openxmlformats.org/markup-compatibility/2006">
+    <mc:Choice xmlns:p14="http://schemas.microsoft.com/office/powerpoint/2010/main" Requires="p14">
+      <p:transition p14:dur="300">
+        <p:fade/>
+      </p:transition>
+    </mc:Choice>
+    <mc:Fallback>
+      <p:transition>
+        <p:fade/>
+      </p:transition>
+    </mc:Fallback>
+  </mc:AlternateContent>
 </p:sld>
 </file>
 
@@ -17706,9 +18876,18 @@
   <p:clrMapOvr>
     <a:masterClrMapping/>
   </p:clrMapOvr>
-  <p:transition>
-    <p:fade/>
-  </p:transition>
+  <mc:AlternateContent xmlns:mc="http://schemas.openxmlformats.org/markup-compatibility/2006">
+    <mc:Choice xmlns:p14="http://schemas.microsoft.com/office/powerpoint/2010/main" Requires="p14">
+      <p:transition p14:dur="300">
+        <p:fade/>
+      </p:transition>
+    </mc:Choice>
+    <mc:Fallback>
+      <p:transition>
+        <p:fade/>
+      </p:transition>
+    </mc:Fallback>
+  </mc:AlternateContent>
 </p:sld>
 </file>
 
@@ -17799,9 +18978,18 @@
   <p:clrMapOvr>
     <a:masterClrMapping/>
   </p:clrMapOvr>
-  <p:transition>
-    <p:fade/>
-  </p:transition>
+  <mc:AlternateContent xmlns:mc="http://schemas.openxmlformats.org/markup-compatibility/2006">
+    <mc:Choice xmlns:p14="http://schemas.microsoft.com/office/powerpoint/2010/main" Requires="p14">
+      <p:transition p14:dur="300">
+        <p:fade/>
+      </p:transition>
+    </mc:Choice>
+    <mc:Fallback>
+      <p:transition>
+        <p:fade/>
+      </p:transition>
+    </mc:Fallback>
+  </mc:AlternateContent>
 </p:sld>
 </file>
 
@@ -17892,9 +19080,18 @@
   <p:clrMapOvr>
     <a:masterClrMapping/>
   </p:clrMapOvr>
-  <p:transition>
-    <p:fade/>
-  </p:transition>
+  <mc:AlternateContent xmlns:mc="http://schemas.openxmlformats.org/markup-compatibility/2006">
+    <mc:Choice xmlns:p14="http://schemas.microsoft.com/office/powerpoint/2010/main" Requires="p14">
+      <p:transition p14:dur="300">
+        <p:fade/>
+      </p:transition>
+    </mc:Choice>
+    <mc:Fallback>
+      <p:transition>
+        <p:fade/>
+      </p:transition>
+    </mc:Fallback>
+  </mc:AlternateContent>
 </p:sld>
 </file>
 
@@ -17981,9 +19178,18 @@
   <p:clrMapOvr>
     <a:masterClrMapping/>
   </p:clrMapOvr>
-  <p:transition>
-    <p:fade/>
-  </p:transition>
+  <mc:AlternateContent xmlns:mc="http://schemas.openxmlformats.org/markup-compatibility/2006">
+    <mc:Choice xmlns:p14="http://schemas.microsoft.com/office/powerpoint/2010/main" Requires="p14">
+      <p:transition p14:dur="300">
+        <p:fade/>
+      </p:transition>
+    </mc:Choice>
+    <mc:Fallback>
+      <p:transition>
+        <p:fade/>
+      </p:transition>
+    </mc:Fallback>
+  </mc:AlternateContent>
 </p:sld>
 </file>
 
@@ -18062,9 +19268,18 @@
   <p:clrMapOvr>
     <a:masterClrMapping/>
   </p:clrMapOvr>
-  <p:transition>
-    <p:fade/>
-  </p:transition>
+  <mc:AlternateContent xmlns:mc="http://schemas.openxmlformats.org/markup-compatibility/2006">
+    <mc:Choice xmlns:p14="http://schemas.microsoft.com/office/powerpoint/2010/main" Requires="p14">
+      <p:transition p14:dur="300">
+        <p:fade/>
+      </p:transition>
+    </mc:Choice>
+    <mc:Fallback>
+      <p:transition>
+        <p:fade/>
+      </p:transition>
+    </mc:Fallback>
+  </mc:AlternateContent>
 </p:sld>
 </file>
 
@@ -18139,9 +19354,18 @@
   <p:clrMapOvr>
     <a:masterClrMapping/>
   </p:clrMapOvr>
-  <p:transition>
-    <p:fade/>
-  </p:transition>
+  <mc:AlternateContent xmlns:mc="http://schemas.openxmlformats.org/markup-compatibility/2006">
+    <mc:Choice xmlns:p14="http://schemas.microsoft.com/office/powerpoint/2010/main" Requires="p14">
+      <p:transition p14:dur="300">
+        <p:fade/>
+      </p:transition>
+    </mc:Choice>
+    <mc:Fallback>
+      <p:transition>
+        <p:fade/>
+      </p:transition>
+    </mc:Fallback>
+  </mc:AlternateContent>
 </p:sld>
 </file>
 
@@ -18224,9 +19448,18 @@
   <p:clrMapOvr>
     <a:masterClrMapping/>
   </p:clrMapOvr>
-  <p:transition>
-    <p:fade/>
-  </p:transition>
+  <mc:AlternateContent xmlns:mc="http://schemas.openxmlformats.org/markup-compatibility/2006">
+    <mc:Choice xmlns:p14="http://schemas.microsoft.com/office/powerpoint/2010/main" Requires="p14">
+      <p:transition p14:dur="300">
+        <p:fade/>
+      </p:transition>
+    </mc:Choice>
+    <mc:Fallback>
+      <p:transition>
+        <p:fade/>
+      </p:transition>
+    </mc:Fallback>
+  </mc:AlternateContent>
 </p:sld>
 </file>
 
@@ -18328,9 +19561,18 @@
   <p:clrMapOvr>
     <a:masterClrMapping/>
   </p:clrMapOvr>
-  <p:transition>
-    <p:fade/>
-  </p:transition>
+  <mc:AlternateContent xmlns:mc="http://schemas.openxmlformats.org/markup-compatibility/2006">
+    <mc:Choice xmlns:p14="http://schemas.microsoft.com/office/powerpoint/2010/main" Requires="p14">
+      <p:transition p14:dur="300">
+        <p:fade/>
+      </p:transition>
+    </mc:Choice>
+    <mc:Fallback>
+      <p:transition>
+        <p:fade/>
+      </p:transition>
+    </mc:Fallback>
+  </mc:AlternateContent>
 </p:sld>
 </file>
 
@@ -18409,9 +19651,18 @@
   <p:clrMapOvr>
     <a:masterClrMapping/>
   </p:clrMapOvr>
-  <p:transition>
-    <p:fade/>
-  </p:transition>
+  <mc:AlternateContent xmlns:mc="http://schemas.openxmlformats.org/markup-compatibility/2006">
+    <mc:Choice xmlns:p14="http://schemas.microsoft.com/office/powerpoint/2010/main" Requires="p14">
+      <p:transition p14:dur="300">
+        <p:fade/>
+      </p:transition>
+    </mc:Choice>
+    <mc:Fallback>
+      <p:transition>
+        <p:fade/>
+      </p:transition>
+    </mc:Fallback>
+  </mc:AlternateContent>
 </p:sld>
 </file>
 
@@ -18486,9 +19737,18 @@
   <p:clrMapOvr>
     <a:masterClrMapping/>
   </p:clrMapOvr>
-  <p:transition>
-    <p:fade/>
-  </p:transition>
+  <mc:AlternateContent xmlns:mc="http://schemas.openxmlformats.org/markup-compatibility/2006">
+    <mc:Choice xmlns:p14="http://schemas.microsoft.com/office/powerpoint/2010/main" Requires="p14">
+      <p:transition p14:dur="300">
+        <p:fade/>
+      </p:transition>
+    </mc:Choice>
+    <mc:Fallback>
+      <p:transition>
+        <p:fade/>
+      </p:transition>
+    </mc:Fallback>
+  </mc:AlternateContent>
 </p:sld>
 </file>
 
@@ -18567,9 +19827,18 @@
   <p:clrMapOvr>
     <a:masterClrMapping/>
   </p:clrMapOvr>
-  <p:transition>
-    <p:fade/>
-  </p:transition>
+  <mc:AlternateContent xmlns:mc="http://schemas.openxmlformats.org/markup-compatibility/2006">
+    <mc:Choice xmlns:p14="http://schemas.microsoft.com/office/powerpoint/2010/main" Requires="p14">
+      <p:transition p14:dur="300">
+        <p:fade/>
+      </p:transition>
+    </mc:Choice>
+    <mc:Fallback>
+      <p:transition>
+        <p:fade/>
+      </p:transition>
+    </mc:Fallback>
+  </mc:AlternateContent>
 </p:sld>
 </file>
 
@@ -18656,9 +19925,18 @@
   <p:clrMapOvr>
     <a:masterClrMapping/>
   </p:clrMapOvr>
-  <p:transition>
-    <p:fade/>
-  </p:transition>
+  <mc:AlternateContent xmlns:mc="http://schemas.openxmlformats.org/markup-compatibility/2006">
+    <mc:Choice xmlns:p14="http://schemas.microsoft.com/office/powerpoint/2010/main" Requires="p14">
+      <p:transition p14:dur="300">
+        <p:fade/>
+      </p:transition>
+    </mc:Choice>
+    <mc:Fallback>
+      <p:transition>
+        <p:fade/>
+      </p:transition>
+    </mc:Fallback>
+  </mc:AlternateContent>
 </p:sld>
 </file>
 
@@ -18741,9 +20019,18 @@
   <p:clrMapOvr>
     <a:masterClrMapping/>
   </p:clrMapOvr>
-  <p:transition>
-    <p:fade/>
-  </p:transition>
+  <mc:AlternateContent xmlns:mc="http://schemas.openxmlformats.org/markup-compatibility/2006">
+    <mc:Choice xmlns:p14="http://schemas.microsoft.com/office/powerpoint/2010/main" Requires="p14">
+      <p:transition p14:dur="300">
+        <p:fade/>
+      </p:transition>
+    </mc:Choice>
+    <mc:Fallback>
+      <p:transition>
+        <p:fade/>
+      </p:transition>
+    </mc:Fallback>
+  </mc:AlternateContent>
 </p:sld>
 </file>
 
@@ -18826,9 +20113,18 @@
   <p:clrMapOvr>
     <a:masterClrMapping/>
   </p:clrMapOvr>
-  <p:transition>
-    <p:fade/>
-  </p:transition>
+  <mc:AlternateContent xmlns:mc="http://schemas.openxmlformats.org/markup-compatibility/2006">
+    <mc:Choice xmlns:p14="http://schemas.microsoft.com/office/powerpoint/2010/main" Requires="p14">
+      <p:transition p14:dur="300">
+        <p:fade/>
+      </p:transition>
+    </mc:Choice>
+    <mc:Fallback>
+      <p:transition>
+        <p:fade/>
+      </p:transition>
+    </mc:Fallback>
+  </mc:AlternateContent>
 </p:sld>
 </file>
 
@@ -18911,9 +20207,18 @@
   <p:clrMapOvr>
     <a:masterClrMapping/>
   </p:clrMapOvr>
-  <p:transition>
-    <p:fade/>
-  </p:transition>
+  <mc:AlternateContent xmlns:mc="http://schemas.openxmlformats.org/markup-compatibility/2006">
+    <mc:Choice xmlns:p14="http://schemas.microsoft.com/office/powerpoint/2010/main" Requires="p14">
+      <p:transition p14:dur="300">
+        <p:fade/>
+      </p:transition>
+    </mc:Choice>
+    <mc:Fallback>
+      <p:transition>
+        <p:fade/>
+      </p:transition>
+    </mc:Fallback>
+  </mc:AlternateContent>
 </p:sld>
 </file>
 
@@ -19004,9 +20309,18 @@
   <p:clrMapOvr>
     <a:masterClrMapping/>
   </p:clrMapOvr>
-  <p:transition>
-    <p:fade/>
-  </p:transition>
+  <mc:AlternateContent xmlns:mc="http://schemas.openxmlformats.org/markup-compatibility/2006">
+    <mc:Choice xmlns:p14="http://schemas.microsoft.com/office/powerpoint/2010/main" Requires="p14">
+      <p:transition p14:dur="300">
+        <p:fade/>
+      </p:transition>
+    </mc:Choice>
+    <mc:Fallback>
+      <p:transition>
+        <p:fade/>
+      </p:transition>
+    </mc:Fallback>
+  </mc:AlternateContent>
 </p:sld>
 </file>
 
@@ -19089,9 +20403,18 @@
   <p:clrMapOvr>
     <a:masterClrMapping/>
   </p:clrMapOvr>
-  <p:transition>
-    <p:fade/>
-  </p:transition>
+  <mc:AlternateContent xmlns:mc="http://schemas.openxmlformats.org/markup-compatibility/2006">
+    <mc:Choice xmlns:p14="http://schemas.microsoft.com/office/powerpoint/2010/main" Requires="p14">
+      <p:transition p14:dur="300">
+        <p:fade/>
+      </p:transition>
+    </mc:Choice>
+    <mc:Fallback>
+      <p:transition>
+        <p:fade/>
+      </p:transition>
+    </mc:Fallback>
+  </mc:AlternateContent>
 </p:sld>
 </file>
 
@@ -19174,9 +20497,18 @@
   <p:clrMapOvr>
     <a:masterClrMapping/>
   </p:clrMapOvr>
-  <p:transition>
-    <p:fade/>
-  </p:transition>
+  <mc:AlternateContent xmlns:mc="http://schemas.openxmlformats.org/markup-compatibility/2006">
+    <mc:Choice xmlns:p14="http://schemas.microsoft.com/office/powerpoint/2010/main" Requires="p14">
+      <p:transition p14:dur="300">
+        <p:fade/>
+      </p:transition>
+    </mc:Choice>
+    <mc:Fallback>
+      <p:transition>
+        <p:fade/>
+      </p:transition>
+    </mc:Fallback>
+  </mc:AlternateContent>
 </p:sld>
 </file>
 
@@ -19263,9 +20595,18 @@
   <p:clrMapOvr>
     <a:masterClrMapping/>
   </p:clrMapOvr>
-  <p:transition>
-    <p:fade/>
-  </p:transition>
+  <mc:AlternateContent xmlns:mc="http://schemas.openxmlformats.org/markup-compatibility/2006">
+    <mc:Choice xmlns:p14="http://schemas.microsoft.com/office/powerpoint/2010/main" Requires="p14">
+      <p:transition p14:dur="300">
+        <p:fade/>
+      </p:transition>
+    </mc:Choice>
+    <mc:Fallback>
+      <p:transition>
+        <p:fade/>
+      </p:transition>
+    </mc:Fallback>
+  </mc:AlternateContent>
 </p:sld>
 </file>
 
@@ -19336,9 +20677,18 @@
   <p:clrMapOvr>
     <a:masterClrMapping/>
   </p:clrMapOvr>
-  <p:transition>
-    <p:fade/>
-  </p:transition>
+  <mc:AlternateContent xmlns:mc="http://schemas.openxmlformats.org/markup-compatibility/2006">
+    <mc:Choice xmlns:p14="http://schemas.microsoft.com/office/powerpoint/2010/main" Requires="p14">
+      <p:transition p14:dur="300">
+        <p:fade/>
+      </p:transition>
+    </mc:Choice>
+    <mc:Fallback>
+      <p:transition>
+        <p:fade/>
+      </p:transition>
+    </mc:Fallback>
+  </mc:AlternateContent>
 </p:sld>
 </file>
 
@@ -19429,9 +20779,18 @@
   <p:clrMapOvr>
     <a:masterClrMapping/>
   </p:clrMapOvr>
-  <p:transition>
-    <p:fade/>
-  </p:transition>
+  <mc:AlternateContent xmlns:mc="http://schemas.openxmlformats.org/markup-compatibility/2006">
+    <mc:Choice xmlns:p14="http://schemas.microsoft.com/office/powerpoint/2010/main" Requires="p14">
+      <p:transition p14:dur="300">
+        <p:fade/>
+      </p:transition>
+    </mc:Choice>
+    <mc:Fallback>
+      <p:transition>
+        <p:fade/>
+      </p:transition>
+    </mc:Fallback>
+  </mc:AlternateContent>
 </p:sld>
 </file>
 
@@ -19530,9 +20889,18 @@
   <p:clrMapOvr>
     <a:masterClrMapping/>
   </p:clrMapOvr>
-  <p:transition>
-    <p:fade/>
-  </p:transition>
+  <mc:AlternateContent xmlns:mc="http://schemas.openxmlformats.org/markup-compatibility/2006">
+    <mc:Choice xmlns:p14="http://schemas.microsoft.com/office/powerpoint/2010/main" Requires="p14">
+      <p:transition p14:dur="300">
+        <p:fade/>
+      </p:transition>
+    </mc:Choice>
+    <mc:Fallback>
+      <p:transition>
+        <p:fade/>
+      </p:transition>
+    </mc:Fallback>
+  </mc:AlternateContent>
 </p:sld>
 </file>
 
@@ -19607,9 +20975,18 @@
   <p:clrMapOvr>
     <a:masterClrMapping/>
   </p:clrMapOvr>
-  <p:transition>
-    <p:fade/>
-  </p:transition>
+  <mc:AlternateContent xmlns:mc="http://schemas.openxmlformats.org/markup-compatibility/2006">
+    <mc:Choice xmlns:p14="http://schemas.microsoft.com/office/powerpoint/2010/main" Requires="p14">
+      <p:transition p14:dur="300">
+        <p:fade/>
+      </p:transition>
+    </mc:Choice>
+    <mc:Fallback>
+      <p:transition>
+        <p:fade/>
+      </p:transition>
+    </mc:Fallback>
+  </mc:AlternateContent>
 </p:sld>
 </file>
 
@@ -19684,9 +21061,18 @@
   <p:clrMapOvr>
     <a:masterClrMapping/>
   </p:clrMapOvr>
-  <p:transition>
-    <p:fade/>
-  </p:transition>
+  <mc:AlternateContent xmlns:mc="http://schemas.openxmlformats.org/markup-compatibility/2006">
+    <mc:Choice xmlns:p14="http://schemas.microsoft.com/office/powerpoint/2010/main" Requires="p14">
+      <p:transition p14:dur="300">
+        <p:fade/>
+      </p:transition>
+    </mc:Choice>
+    <mc:Fallback>
+      <p:transition>
+        <p:fade/>
+      </p:transition>
+    </mc:Fallback>
+  </mc:AlternateContent>
 </p:sld>
 </file>
 
@@ -19769,9 +21155,18 @@
   <p:clrMapOvr>
     <a:masterClrMapping/>
   </p:clrMapOvr>
-  <p:transition>
-    <p:fade/>
-  </p:transition>
+  <mc:AlternateContent xmlns:mc="http://schemas.openxmlformats.org/markup-compatibility/2006">
+    <mc:Choice xmlns:p14="http://schemas.microsoft.com/office/powerpoint/2010/main" Requires="p14">
+      <p:transition p14:dur="300">
+        <p:fade/>
+      </p:transition>
+    </mc:Choice>
+    <mc:Fallback>
+      <p:transition>
+        <p:fade/>
+      </p:transition>
+    </mc:Fallback>
+  </mc:AlternateContent>
 </p:sld>
 </file>
 
@@ -19862,9 +21257,18 @@
   <p:clrMapOvr>
     <a:masterClrMapping/>
   </p:clrMapOvr>
-  <p:transition>
-    <p:fade/>
-  </p:transition>
+  <mc:AlternateContent xmlns:mc="http://schemas.openxmlformats.org/markup-compatibility/2006">
+    <mc:Choice xmlns:p14="http://schemas.microsoft.com/office/powerpoint/2010/main" Requires="p14">
+      <p:transition p14:dur="300">
+        <p:fade/>
+      </p:transition>
+    </mc:Choice>
+    <mc:Fallback>
+      <p:transition>
+        <p:fade/>
+      </p:transition>
+    </mc:Fallback>
+  </mc:AlternateContent>
 </p:sld>
 </file>
 
@@ -19951,9 +21355,18 @@
   <p:clrMapOvr>
     <a:masterClrMapping/>
   </p:clrMapOvr>
-  <p:transition>
-    <p:fade/>
-  </p:transition>
+  <mc:AlternateContent xmlns:mc="http://schemas.openxmlformats.org/markup-compatibility/2006">
+    <mc:Choice xmlns:p14="http://schemas.microsoft.com/office/powerpoint/2010/main" Requires="p14">
+      <p:transition p14:dur="300">
+        <p:fade/>
+      </p:transition>
+    </mc:Choice>
+    <mc:Fallback>
+      <p:transition>
+        <p:fade/>
+      </p:transition>
+    </mc:Fallback>
+  </mc:AlternateContent>
 </p:sld>
 </file>
 
@@ -20044,9 +21457,18 @@
   <p:clrMapOvr>
     <a:masterClrMapping/>
   </p:clrMapOvr>
-  <p:transition>
-    <p:fade/>
-  </p:transition>
+  <mc:AlternateContent xmlns:mc="http://schemas.openxmlformats.org/markup-compatibility/2006">
+    <mc:Choice xmlns:p14="http://schemas.microsoft.com/office/powerpoint/2010/main" Requires="p14">
+      <p:transition p14:dur="300">
+        <p:fade/>
+      </p:transition>
+    </mc:Choice>
+    <mc:Fallback>
+      <p:transition>
+        <p:fade/>
+      </p:transition>
+    </mc:Fallback>
+  </mc:AlternateContent>
 </p:sld>
 </file>
 
@@ -20133,9 +21555,18 @@
   <p:clrMapOvr>
     <a:masterClrMapping/>
   </p:clrMapOvr>
-  <p:transition>
-    <p:fade/>
-  </p:transition>
+  <mc:AlternateContent xmlns:mc="http://schemas.openxmlformats.org/markup-compatibility/2006">
+    <mc:Choice xmlns:p14="http://schemas.microsoft.com/office/powerpoint/2010/main" Requires="p14">
+      <p:transition p14:dur="300">
+        <p:fade/>
+      </p:transition>
+    </mc:Choice>
+    <mc:Fallback>
+      <p:transition>
+        <p:fade/>
+      </p:transition>
+    </mc:Fallback>
+  </mc:AlternateContent>
 </p:sld>
 </file>
 
@@ -20234,9 +21665,18 @@
   <p:clrMapOvr>
     <a:masterClrMapping/>
   </p:clrMapOvr>
-  <p:transition>
-    <p:fade/>
-  </p:transition>
+  <mc:AlternateContent xmlns:mc="http://schemas.openxmlformats.org/markup-compatibility/2006">
+    <mc:Choice xmlns:p14="http://schemas.microsoft.com/office/powerpoint/2010/main" Requires="p14">
+      <p:transition p14:dur="300">
+        <p:fade/>
+      </p:transition>
+    </mc:Choice>
+    <mc:Fallback>
+      <p:transition>
+        <p:fade/>
+      </p:transition>
+    </mc:Fallback>
+  </mc:AlternateContent>
 </p:sld>
 </file>
 
@@ -20307,9 +21747,18 @@
   <p:clrMapOvr>
     <a:masterClrMapping/>
   </p:clrMapOvr>
-  <p:transition>
-    <p:fade/>
-  </p:transition>
+  <mc:AlternateContent xmlns:mc="http://schemas.openxmlformats.org/markup-compatibility/2006">
+    <mc:Choice xmlns:p14="http://schemas.microsoft.com/office/powerpoint/2010/main" Requires="p14">
+      <p:transition p14:dur="300">
+        <p:fade/>
+      </p:transition>
+    </mc:Choice>
+    <mc:Fallback>
+      <p:transition>
+        <p:fade/>
+      </p:transition>
+    </mc:Fallback>
+  </mc:AlternateContent>
 </p:sld>
 </file>
 
@@ -20400,9 +21849,18 @@
   <p:clrMapOvr>
     <a:masterClrMapping/>
   </p:clrMapOvr>
-  <p:transition>
-    <p:fade/>
-  </p:transition>
+  <mc:AlternateContent xmlns:mc="http://schemas.openxmlformats.org/markup-compatibility/2006">
+    <mc:Choice xmlns:p14="http://schemas.microsoft.com/office/powerpoint/2010/main" Requires="p14">
+      <p:transition p14:dur="300">
+        <p:fade/>
+      </p:transition>
+    </mc:Choice>
+    <mc:Fallback>
+      <p:transition>
+        <p:fade/>
+      </p:transition>
+    </mc:Fallback>
+  </mc:AlternateContent>
 </p:sld>
 </file>
 
@@ -20481,9 +21939,18 @@
   <p:clrMapOvr>
     <a:masterClrMapping/>
   </p:clrMapOvr>
-  <p:transition>
-    <p:fade/>
-  </p:transition>
+  <mc:AlternateContent xmlns:mc="http://schemas.openxmlformats.org/markup-compatibility/2006">
+    <mc:Choice xmlns:p14="http://schemas.microsoft.com/office/powerpoint/2010/main" Requires="p14">
+      <p:transition p14:dur="300">
+        <p:fade/>
+      </p:transition>
+    </mc:Choice>
+    <mc:Fallback>
+      <p:transition>
+        <p:fade/>
+      </p:transition>
+    </mc:Fallback>
+  </mc:AlternateContent>
 </p:sld>
 </file>
 
@@ -20570,9 +22037,18 @@
   <p:clrMapOvr>
     <a:masterClrMapping/>
   </p:clrMapOvr>
-  <p:transition>
-    <p:fade/>
-  </p:transition>
+  <mc:AlternateContent xmlns:mc="http://schemas.openxmlformats.org/markup-compatibility/2006">
+    <mc:Choice xmlns:p14="http://schemas.microsoft.com/office/powerpoint/2010/main" Requires="p14">
+      <p:transition p14:dur="300">
+        <p:fade/>
+      </p:transition>
+    </mc:Choice>
+    <mc:Fallback>
+      <p:transition>
+        <p:fade/>
+      </p:transition>
+    </mc:Fallback>
+  </mc:AlternateContent>
 </p:sld>
 </file>
 
@@ -20651,9 +22127,18 @@
   <p:clrMapOvr>
     <a:masterClrMapping/>
   </p:clrMapOvr>
-  <p:transition>
-    <p:fade/>
-  </p:transition>
+  <mc:AlternateContent xmlns:mc="http://schemas.openxmlformats.org/markup-compatibility/2006">
+    <mc:Choice xmlns:p14="http://schemas.microsoft.com/office/powerpoint/2010/main" Requires="p14">
+      <p:transition p14:dur="300">
+        <p:fade/>
+      </p:transition>
+    </mc:Choice>
+    <mc:Fallback>
+      <p:transition>
+        <p:fade/>
+      </p:transition>
+    </mc:Fallback>
+  </mc:AlternateContent>
 </p:sld>
 </file>
 
@@ -20724,9 +22209,18 @@
   <p:clrMapOvr>
     <a:masterClrMapping/>
   </p:clrMapOvr>
-  <p:transition>
-    <p:fade/>
-  </p:transition>
+  <mc:AlternateContent xmlns:mc="http://schemas.openxmlformats.org/markup-compatibility/2006">
+    <mc:Choice xmlns:p14="http://schemas.microsoft.com/office/powerpoint/2010/main" Requires="p14">
+      <p:transition p14:dur="300">
+        <p:fade/>
+      </p:transition>
+    </mc:Choice>
+    <mc:Fallback>
+      <p:transition>
+        <p:fade/>
+      </p:transition>
+    </mc:Fallback>
+  </mc:AlternateContent>
 </p:sld>
 </file>
 
@@ -20809,9 +22303,18 @@
   <p:clrMapOvr>
     <a:masterClrMapping/>
   </p:clrMapOvr>
-  <p:transition>
-    <p:fade/>
-  </p:transition>
+  <mc:AlternateContent xmlns:mc="http://schemas.openxmlformats.org/markup-compatibility/2006">
+    <mc:Choice xmlns:p14="http://schemas.microsoft.com/office/powerpoint/2010/main" Requires="p14">
+      <p:transition p14:dur="300">
+        <p:fade/>
+      </p:transition>
+    </mc:Choice>
+    <mc:Fallback>
+      <p:transition>
+        <p:fade/>
+      </p:transition>
+    </mc:Fallback>
+  </mc:AlternateContent>
 </p:sld>
 </file>
 
@@ -20902,9 +22405,18 @@
   <p:clrMapOvr>
     <a:masterClrMapping/>
   </p:clrMapOvr>
-  <p:transition>
-    <p:fade/>
-  </p:transition>
+  <mc:AlternateContent xmlns:mc="http://schemas.openxmlformats.org/markup-compatibility/2006">
+    <mc:Choice xmlns:p14="http://schemas.microsoft.com/office/powerpoint/2010/main" Requires="p14">
+      <p:transition p14:dur="300">
+        <p:fade/>
+      </p:transition>
+    </mc:Choice>
+    <mc:Fallback>
+      <p:transition>
+        <p:fade/>
+      </p:transition>
+    </mc:Fallback>
+  </mc:AlternateContent>
 </p:sld>
 </file>
 
@@ -20995,9 +22507,18 @@
   <p:clrMapOvr>
     <a:masterClrMapping/>
   </p:clrMapOvr>
-  <p:transition>
-    <p:fade/>
-  </p:transition>
+  <mc:AlternateContent xmlns:mc="http://schemas.openxmlformats.org/markup-compatibility/2006">
+    <mc:Choice xmlns:p14="http://schemas.microsoft.com/office/powerpoint/2010/main" Requires="p14">
+      <p:transition p14:dur="300">
+        <p:fade/>
+      </p:transition>
+    </mc:Choice>
+    <mc:Fallback>
+      <p:transition>
+        <p:fade/>
+      </p:transition>
+    </mc:Fallback>
+  </mc:AlternateContent>
 </p:sld>
 </file>
 
@@ -21092,9 +22613,18 @@
   <p:clrMapOvr>
     <a:masterClrMapping/>
   </p:clrMapOvr>
-  <p:transition>
-    <p:fade/>
-  </p:transition>
+  <mc:AlternateContent xmlns:mc="http://schemas.openxmlformats.org/markup-compatibility/2006">
+    <mc:Choice xmlns:p14="http://schemas.microsoft.com/office/powerpoint/2010/main" Requires="p14">
+      <p:transition p14:dur="300">
+        <p:fade/>
+      </p:transition>
+    </mc:Choice>
+    <mc:Fallback>
+      <p:transition>
+        <p:fade/>
+      </p:transition>
+    </mc:Fallback>
+  </mc:AlternateContent>
 </p:sld>
 </file>
 
@@ -21185,9 +22715,18 @@
   <p:clrMapOvr>
     <a:masterClrMapping/>
   </p:clrMapOvr>
-  <p:transition>
-    <p:fade/>
-  </p:transition>
+  <mc:AlternateContent xmlns:mc="http://schemas.openxmlformats.org/markup-compatibility/2006">
+    <mc:Choice xmlns:p14="http://schemas.microsoft.com/office/powerpoint/2010/main" Requires="p14">
+      <p:transition p14:dur="300">
+        <p:fade/>
+      </p:transition>
+    </mc:Choice>
+    <mc:Fallback>
+      <p:transition>
+        <p:fade/>
+      </p:transition>
+    </mc:Fallback>
+  </mc:AlternateContent>
 </p:sld>
 </file>
 
@@ -21258,9 +22797,18 @@
   <p:clrMapOvr>
     <a:masterClrMapping/>
   </p:clrMapOvr>
-  <p:transition>
-    <p:fade/>
-  </p:transition>
+  <mc:AlternateContent xmlns:mc="http://schemas.openxmlformats.org/markup-compatibility/2006">
+    <mc:Choice xmlns:p14="http://schemas.microsoft.com/office/powerpoint/2010/main" Requires="p14">
+      <p:transition p14:dur="300">
+        <p:fade/>
+      </p:transition>
+    </mc:Choice>
+    <mc:Fallback>
+      <p:transition>
+        <p:fade/>
+      </p:transition>
+    </mc:Fallback>
+  </mc:AlternateContent>
 </p:sld>
 </file>
 
@@ -21351,9 +22899,18 @@
   <p:clrMapOvr>
     <a:masterClrMapping/>
   </p:clrMapOvr>
-  <p:transition>
-    <p:fade/>
-  </p:transition>
+  <mc:AlternateContent xmlns:mc="http://schemas.openxmlformats.org/markup-compatibility/2006">
+    <mc:Choice xmlns:p14="http://schemas.microsoft.com/office/powerpoint/2010/main" Requires="p14">
+      <p:transition p14:dur="300">
+        <p:fade/>
+      </p:transition>
+    </mc:Choice>
+    <mc:Fallback>
+      <p:transition>
+        <p:fade/>
+      </p:transition>
+    </mc:Fallback>
+  </mc:AlternateContent>
 </p:sld>
 </file>
 
@@ -21448,9 +23005,18 @@
   <p:clrMapOvr>
     <a:masterClrMapping/>
   </p:clrMapOvr>
-  <p:transition>
-    <p:fade/>
-  </p:transition>
+  <mc:AlternateContent xmlns:mc="http://schemas.openxmlformats.org/markup-compatibility/2006">
+    <mc:Choice xmlns:p14="http://schemas.microsoft.com/office/powerpoint/2010/main" Requires="p14">
+      <p:transition p14:dur="300">
+        <p:fade/>
+      </p:transition>
+    </mc:Choice>
+    <mc:Fallback>
+      <p:transition>
+        <p:fade/>
+      </p:transition>
+    </mc:Fallback>
+  </mc:AlternateContent>
 </p:sld>
 </file>
 
@@ -21541,9 +23107,18 @@
   <p:clrMapOvr>
     <a:masterClrMapping/>
   </p:clrMapOvr>
-  <p:transition>
-    <p:fade/>
-  </p:transition>
+  <mc:AlternateContent xmlns:mc="http://schemas.openxmlformats.org/markup-compatibility/2006">
+    <mc:Choice xmlns:p14="http://schemas.microsoft.com/office/powerpoint/2010/main" Requires="p14">
+      <p:transition p14:dur="300">
+        <p:fade/>
+      </p:transition>
+    </mc:Choice>
+    <mc:Fallback>
+      <p:transition>
+        <p:fade/>
+      </p:transition>
+    </mc:Fallback>
+  </mc:AlternateContent>
 </p:sld>
 </file>
 
@@ -21646,9 +23221,18 @@
   <p:clrMapOvr>
     <a:masterClrMapping/>
   </p:clrMapOvr>
-  <p:transition>
-    <p:fade/>
-  </p:transition>
+  <mc:AlternateContent xmlns:mc="http://schemas.openxmlformats.org/markup-compatibility/2006">
+    <mc:Choice xmlns:p14="http://schemas.microsoft.com/office/powerpoint/2010/main" Requires="p14">
+      <p:transition p14:dur="300">
+        <p:fade/>
+      </p:transition>
+    </mc:Choice>
+    <mc:Fallback>
+      <p:transition>
+        <p:fade/>
+      </p:transition>
+    </mc:Fallback>
+  </mc:AlternateContent>
 </p:sld>
 </file>
 
@@ -21739,9 +23323,18 @@
   <p:clrMapOvr>
     <a:masterClrMapping/>
   </p:clrMapOvr>
-  <p:transition>
-    <p:fade/>
-  </p:transition>
+  <mc:AlternateContent xmlns:mc="http://schemas.openxmlformats.org/markup-compatibility/2006">
+    <mc:Choice xmlns:p14="http://schemas.microsoft.com/office/powerpoint/2010/main" Requires="p14">
+      <p:transition p14:dur="300">
+        <p:fade/>
+      </p:transition>
+    </mc:Choice>
+    <mc:Fallback>
+      <p:transition>
+        <p:fade/>
+      </p:transition>
+    </mc:Fallback>
+  </mc:AlternateContent>
 </p:sld>
 </file>
 
@@ -21832,9 +23425,18 @@
   <p:clrMapOvr>
     <a:masterClrMapping/>
   </p:clrMapOvr>
-  <p:transition>
-    <p:fade/>
-  </p:transition>
+  <mc:AlternateContent xmlns:mc="http://schemas.openxmlformats.org/markup-compatibility/2006">
+    <mc:Choice xmlns:p14="http://schemas.microsoft.com/office/powerpoint/2010/main" Requires="p14">
+      <p:transition p14:dur="300">
+        <p:fade/>
+      </p:transition>
+    </mc:Choice>
+    <mc:Fallback>
+      <p:transition>
+        <p:fade/>
+      </p:transition>
+    </mc:Fallback>
+  </mc:AlternateContent>
 </p:sld>
 </file>
 
@@ -21925,9 +23527,18 @@
   <p:clrMapOvr>
     <a:masterClrMapping/>
   </p:clrMapOvr>
-  <p:transition>
-    <p:fade/>
-  </p:transition>
+  <mc:AlternateContent xmlns:mc="http://schemas.openxmlformats.org/markup-compatibility/2006">
+    <mc:Choice xmlns:p14="http://schemas.microsoft.com/office/powerpoint/2010/main" Requires="p14">
+      <p:transition p14:dur="300">
+        <p:fade/>
+      </p:transition>
+    </mc:Choice>
+    <mc:Fallback>
+      <p:transition>
+        <p:fade/>
+      </p:transition>
+    </mc:Fallback>
+  </mc:AlternateContent>
 </p:sld>
 </file>
 
@@ -22018,9 +23629,18 @@
   <p:clrMapOvr>
     <a:masterClrMapping/>
   </p:clrMapOvr>
-  <p:transition>
-    <p:fade/>
-  </p:transition>
+  <mc:AlternateContent xmlns:mc="http://schemas.openxmlformats.org/markup-compatibility/2006">
+    <mc:Choice xmlns:p14="http://schemas.microsoft.com/office/powerpoint/2010/main" Requires="p14">
+      <p:transition p14:dur="300">
+        <p:fade/>
+      </p:transition>
+    </mc:Choice>
+    <mc:Fallback>
+      <p:transition>
+        <p:fade/>
+      </p:transition>
+    </mc:Fallback>
+  </mc:AlternateContent>
 </p:sld>
 </file>
 
@@ -22111,9 +23731,18 @@
   <p:clrMapOvr>
     <a:masterClrMapping/>
   </p:clrMapOvr>
-  <p:transition>
-    <p:fade/>
-  </p:transition>
+  <mc:AlternateContent xmlns:mc="http://schemas.openxmlformats.org/markup-compatibility/2006">
+    <mc:Choice xmlns:p14="http://schemas.microsoft.com/office/powerpoint/2010/main" Requires="p14">
+      <p:transition p14:dur="300">
+        <p:fade/>
+      </p:transition>
+    </mc:Choice>
+    <mc:Fallback>
+      <p:transition>
+        <p:fade/>
+      </p:transition>
+    </mc:Fallback>
+  </mc:AlternateContent>
 </p:sld>
 </file>
 
@@ -22204,9 +23833,18 @@
   <p:clrMapOvr>
     <a:masterClrMapping/>
   </p:clrMapOvr>
-  <p:transition>
-    <p:fade/>
-  </p:transition>
+  <mc:AlternateContent xmlns:mc="http://schemas.openxmlformats.org/markup-compatibility/2006">
+    <mc:Choice xmlns:p14="http://schemas.microsoft.com/office/powerpoint/2010/main" Requires="p14">
+      <p:transition p14:dur="300">
+        <p:fade/>
+      </p:transition>
+    </mc:Choice>
+    <mc:Fallback>
+      <p:transition>
+        <p:fade/>
+      </p:transition>
+    </mc:Fallback>
+  </mc:AlternateContent>
 </p:sld>
 </file>
 
@@ -22285,9 +23923,18 @@
   <p:clrMapOvr>
     <a:masterClrMapping/>
   </p:clrMapOvr>
-  <p:transition>
-    <p:fade/>
-  </p:transition>
+  <mc:AlternateContent xmlns:mc="http://schemas.openxmlformats.org/markup-compatibility/2006">
+    <mc:Choice xmlns:p14="http://schemas.microsoft.com/office/powerpoint/2010/main" Requires="p14">
+      <p:transition p14:dur="300">
+        <p:fade/>
+      </p:transition>
+    </mc:Choice>
+    <mc:Fallback>
+      <p:transition>
+        <p:fade/>
+      </p:transition>
+    </mc:Fallback>
+  </mc:AlternateContent>
 </p:sld>
 </file>
 
@@ -22378,9 +24025,18 @@
   <p:clrMapOvr>
     <a:masterClrMapping/>
   </p:clrMapOvr>
-  <p:transition>
-    <p:fade/>
-  </p:transition>
+  <mc:AlternateContent xmlns:mc="http://schemas.openxmlformats.org/markup-compatibility/2006">
+    <mc:Choice xmlns:p14="http://schemas.microsoft.com/office/powerpoint/2010/main" Requires="p14">
+      <p:transition p14:dur="300">
+        <p:fade/>
+      </p:transition>
+    </mc:Choice>
+    <mc:Fallback>
+      <p:transition>
+        <p:fade/>
+      </p:transition>
+    </mc:Fallback>
+  </mc:AlternateContent>
 </p:sld>
 </file>
 
@@ -22471,9 +24127,18 @@
   <p:clrMapOvr>
     <a:masterClrMapping/>
   </p:clrMapOvr>
-  <p:transition>
-    <p:fade/>
-  </p:transition>
+  <mc:AlternateContent xmlns:mc="http://schemas.openxmlformats.org/markup-compatibility/2006">
+    <mc:Choice xmlns:p14="http://schemas.microsoft.com/office/powerpoint/2010/main" Requires="p14">
+      <p:transition p14:dur="300">
+        <p:fade/>
+      </p:transition>
+    </mc:Choice>
+    <mc:Fallback>
+      <p:transition>
+        <p:fade/>
+      </p:transition>
+    </mc:Fallback>
+  </mc:AlternateContent>
 </p:sld>
 </file>
 
@@ -22564,9 +24229,18 @@
   <p:clrMapOvr>
     <a:masterClrMapping/>
   </p:clrMapOvr>
-  <p:transition>
-    <p:fade/>
-  </p:transition>
+  <mc:AlternateContent xmlns:mc="http://schemas.openxmlformats.org/markup-compatibility/2006">
+    <mc:Choice xmlns:p14="http://schemas.microsoft.com/office/powerpoint/2010/main" Requires="p14">
+      <p:transition p14:dur="300">
+        <p:fade/>
+      </p:transition>
+    </mc:Choice>
+    <mc:Fallback>
+      <p:transition>
+        <p:fade/>
+      </p:transition>
+    </mc:Fallback>
+  </mc:AlternateContent>
 </p:sld>
 </file>
 
@@ -22657,9 +24331,18 @@
   <p:clrMapOvr>
     <a:masterClrMapping/>
   </p:clrMapOvr>
-  <p:transition>
-    <p:fade/>
-  </p:transition>
+  <mc:AlternateContent xmlns:mc="http://schemas.openxmlformats.org/markup-compatibility/2006">
+    <mc:Choice xmlns:p14="http://schemas.microsoft.com/office/powerpoint/2010/main" Requires="p14">
+      <p:transition p14:dur="300">
+        <p:fade/>
+      </p:transition>
+    </mc:Choice>
+    <mc:Fallback>
+      <p:transition>
+        <p:fade/>
+      </p:transition>
+    </mc:Fallback>
+  </mc:AlternateContent>
 </p:sld>
 </file>
 
@@ -22754,9 +24437,18 @@
   <p:clrMapOvr>
     <a:masterClrMapping/>
   </p:clrMapOvr>
-  <p:transition>
-    <p:fade/>
-  </p:transition>
+  <mc:AlternateContent xmlns:mc="http://schemas.openxmlformats.org/markup-compatibility/2006">
+    <mc:Choice xmlns:p14="http://schemas.microsoft.com/office/powerpoint/2010/main" Requires="p14">
+      <p:transition p14:dur="300">
+        <p:fade/>
+      </p:transition>
+    </mc:Choice>
+    <mc:Fallback>
+      <p:transition>
+        <p:fade/>
+      </p:transition>
+    </mc:Fallback>
+  </mc:AlternateContent>
 </p:sld>
 </file>
 
@@ -22847,9 +24539,18 @@
   <p:clrMapOvr>
     <a:masterClrMapping/>
   </p:clrMapOvr>
-  <p:transition>
-    <p:fade/>
-  </p:transition>
+  <mc:AlternateContent xmlns:mc="http://schemas.openxmlformats.org/markup-compatibility/2006">
+    <mc:Choice xmlns:p14="http://schemas.microsoft.com/office/powerpoint/2010/main" Requires="p14">
+      <p:transition p14:dur="300">
+        <p:fade/>
+      </p:transition>
+    </mc:Choice>
+    <mc:Fallback>
+      <p:transition>
+        <p:fade/>
+      </p:transition>
+    </mc:Fallback>
+  </mc:AlternateContent>
 </p:sld>
 </file>
 
@@ -22940,9 +24641,18 @@
   <p:clrMapOvr>
     <a:masterClrMapping/>
   </p:clrMapOvr>
-  <p:transition>
-    <p:fade/>
-  </p:transition>
+  <mc:AlternateContent xmlns:mc="http://schemas.openxmlformats.org/markup-compatibility/2006">
+    <mc:Choice xmlns:p14="http://schemas.microsoft.com/office/powerpoint/2010/main" Requires="p14">
+      <p:transition p14:dur="300">
+        <p:fade/>
+      </p:transition>
+    </mc:Choice>
+    <mc:Fallback>
+      <p:transition>
+        <p:fade/>
+      </p:transition>
+    </mc:Fallback>
+  </mc:AlternateContent>
 </p:sld>
 </file>
 
@@ -23037,9 +24747,18 @@
   <p:clrMapOvr>
     <a:masterClrMapping/>
   </p:clrMapOvr>
-  <p:transition>
-    <p:fade/>
-  </p:transition>
+  <mc:AlternateContent xmlns:mc="http://schemas.openxmlformats.org/markup-compatibility/2006">
+    <mc:Choice xmlns:p14="http://schemas.microsoft.com/office/powerpoint/2010/main" Requires="p14">
+      <p:transition p14:dur="300">
+        <p:fade/>
+      </p:transition>
+    </mc:Choice>
+    <mc:Fallback>
+      <p:transition>
+        <p:fade/>
+      </p:transition>
+    </mc:Fallback>
+  </mc:AlternateContent>
 </p:sld>
 </file>
 
@@ -23130,9 +24849,18 @@
   <p:clrMapOvr>
     <a:masterClrMapping/>
   </p:clrMapOvr>
-  <p:transition>
-    <p:fade/>
-  </p:transition>
+  <mc:AlternateContent xmlns:mc="http://schemas.openxmlformats.org/markup-compatibility/2006">
+    <mc:Choice xmlns:p14="http://schemas.microsoft.com/office/powerpoint/2010/main" Requires="p14">
+      <p:transition p14:dur="300">
+        <p:fade/>
+      </p:transition>
+    </mc:Choice>
+    <mc:Fallback>
+      <p:transition>
+        <p:fade/>
+      </p:transition>
+    </mc:Fallback>
+  </mc:AlternateContent>
 </p:sld>
 </file>
 
@@ -23223,9 +24951,18 @@
   <p:clrMapOvr>
     <a:masterClrMapping/>
   </p:clrMapOvr>
-  <p:transition>
-    <p:fade/>
-  </p:transition>
+  <mc:AlternateContent xmlns:mc="http://schemas.openxmlformats.org/markup-compatibility/2006">
+    <mc:Choice xmlns:p14="http://schemas.microsoft.com/office/powerpoint/2010/main" Requires="p14">
+      <p:transition p14:dur="300">
+        <p:fade/>
+      </p:transition>
+    </mc:Choice>
+    <mc:Fallback>
+      <p:transition>
+        <p:fade/>
+      </p:transition>
+    </mc:Fallback>
+  </mc:AlternateContent>
 </p:sld>
 </file>
 
@@ -23304,9 +25041,18 @@
   <p:clrMapOvr>
     <a:masterClrMapping/>
   </p:clrMapOvr>
-  <p:transition>
-    <p:fade/>
-  </p:transition>
+  <mc:AlternateContent xmlns:mc="http://schemas.openxmlformats.org/markup-compatibility/2006">
+    <mc:Choice xmlns:p14="http://schemas.microsoft.com/office/powerpoint/2010/main" Requires="p14">
+      <p:transition p14:dur="300">
+        <p:fade/>
+      </p:transition>
+    </mc:Choice>
+    <mc:Fallback>
+      <p:transition>
+        <p:fade/>
+      </p:transition>
+    </mc:Fallback>
+  </mc:AlternateContent>
 </p:sld>
 </file>
 
@@ -23405,9 +25151,18 @@
   <p:clrMapOvr>
     <a:masterClrMapping/>
   </p:clrMapOvr>
-  <p:transition>
-    <p:fade/>
-  </p:transition>
+  <mc:AlternateContent xmlns:mc="http://schemas.openxmlformats.org/markup-compatibility/2006">
+    <mc:Choice xmlns:p14="http://schemas.microsoft.com/office/powerpoint/2010/main" Requires="p14">
+      <p:transition p14:dur="300">
+        <p:fade/>
+      </p:transition>
+    </mc:Choice>
+    <mc:Fallback>
+      <p:transition>
+        <p:fade/>
+      </p:transition>
+    </mc:Fallback>
+  </mc:AlternateContent>
 </p:sld>
 </file>
 
@@ -23498,9 +25253,18 @@
   <p:clrMapOvr>
     <a:masterClrMapping/>
   </p:clrMapOvr>
-  <p:transition>
-    <p:fade/>
-  </p:transition>
+  <mc:AlternateContent xmlns:mc="http://schemas.openxmlformats.org/markup-compatibility/2006">
+    <mc:Choice xmlns:p14="http://schemas.microsoft.com/office/powerpoint/2010/main" Requires="p14">
+      <p:transition p14:dur="300">
+        <p:fade/>
+      </p:transition>
+    </mc:Choice>
+    <mc:Fallback>
+      <p:transition>
+        <p:fade/>
+      </p:transition>
+    </mc:Fallback>
+  </mc:AlternateContent>
 </p:sld>
 </file>
 
@@ -23591,9 +25355,18 @@
   <p:clrMapOvr>
     <a:masterClrMapping/>
   </p:clrMapOvr>
-  <p:transition>
-    <p:fade/>
-  </p:transition>
+  <mc:AlternateContent xmlns:mc="http://schemas.openxmlformats.org/markup-compatibility/2006">
+    <mc:Choice xmlns:p14="http://schemas.microsoft.com/office/powerpoint/2010/main" Requires="p14">
+      <p:transition p14:dur="300">
+        <p:fade/>
+      </p:transition>
+    </mc:Choice>
+    <mc:Fallback>
+      <p:transition>
+        <p:fade/>
+      </p:transition>
+    </mc:Fallback>
+  </mc:AlternateContent>
 </p:sld>
 </file>
 
@@ -23684,9 +25457,18 @@
   <p:clrMapOvr>
     <a:masterClrMapping/>
   </p:clrMapOvr>
-  <p:transition>
-    <p:fade/>
-  </p:transition>
+  <mc:AlternateContent xmlns:mc="http://schemas.openxmlformats.org/markup-compatibility/2006">
+    <mc:Choice xmlns:p14="http://schemas.microsoft.com/office/powerpoint/2010/main" Requires="p14">
+      <p:transition p14:dur="300">
+        <p:fade/>
+      </p:transition>
+    </mc:Choice>
+    <mc:Fallback>
+      <p:transition>
+        <p:fade/>
+      </p:transition>
+    </mc:Fallback>
+  </mc:AlternateContent>
 </p:sld>
 </file>
 
@@ -23785,9 +25567,18 @@
   <p:clrMapOvr>
     <a:masterClrMapping/>
   </p:clrMapOvr>
-  <p:transition>
-    <p:fade/>
-  </p:transition>
+  <mc:AlternateContent xmlns:mc="http://schemas.openxmlformats.org/markup-compatibility/2006">
+    <mc:Choice xmlns:p14="http://schemas.microsoft.com/office/powerpoint/2010/main" Requires="p14">
+      <p:transition p14:dur="300">
+        <p:fade/>
+      </p:transition>
+    </mc:Choice>
+    <mc:Fallback>
+      <p:transition>
+        <p:fade/>
+      </p:transition>
+    </mc:Fallback>
+  </mc:AlternateContent>
 </p:sld>
 </file>
 
@@ -23894,9 +25685,18 @@
   <p:clrMapOvr>
     <a:masterClrMapping/>
   </p:clrMapOvr>
-  <p:transition>
-    <p:fade/>
-  </p:transition>
+  <mc:AlternateContent xmlns:mc="http://schemas.openxmlformats.org/markup-compatibility/2006">
+    <mc:Choice xmlns:p14="http://schemas.microsoft.com/office/powerpoint/2010/main" Requires="p14">
+      <p:transition p14:dur="300">
+        <p:fade/>
+      </p:transition>
+    </mc:Choice>
+    <mc:Fallback>
+      <p:transition>
+        <p:fade/>
+      </p:transition>
+    </mc:Fallback>
+  </mc:AlternateContent>
 </p:sld>
 </file>
 
@@ -23975,9 +25775,18 @@
   <p:clrMapOvr>
     <a:masterClrMapping/>
   </p:clrMapOvr>
-  <p:transition>
-    <p:fade/>
-  </p:transition>
+  <mc:AlternateContent xmlns:mc="http://schemas.openxmlformats.org/markup-compatibility/2006">
+    <mc:Choice xmlns:p14="http://schemas.microsoft.com/office/powerpoint/2010/main" Requires="p14">
+      <p:transition p14:dur="300">
+        <p:fade/>
+      </p:transition>
+    </mc:Choice>
+    <mc:Fallback>
+      <p:transition>
+        <p:fade/>
+      </p:transition>
+    </mc:Fallback>
+  </mc:AlternateContent>
 </p:sld>
 </file>
 
@@ -24048,9 +25857,18 @@
   <p:clrMapOvr>
     <a:masterClrMapping/>
   </p:clrMapOvr>
-  <p:transition>
-    <p:fade/>
-  </p:transition>
+  <mc:AlternateContent xmlns:mc="http://schemas.openxmlformats.org/markup-compatibility/2006">
+    <mc:Choice xmlns:p14="http://schemas.microsoft.com/office/powerpoint/2010/main" Requires="p14">
+      <p:transition p14:dur="300">
+        <p:fade/>
+      </p:transition>
+    </mc:Choice>
+    <mc:Fallback>
+      <p:transition>
+        <p:fade/>
+      </p:transition>
+    </mc:Fallback>
+  </mc:AlternateContent>
 </p:sld>
 </file>
 
@@ -24141,9 +25959,18 @@
   <p:clrMapOvr>
     <a:masterClrMapping/>
   </p:clrMapOvr>
-  <p:transition>
-    <p:fade/>
-  </p:transition>
+  <mc:AlternateContent xmlns:mc="http://schemas.openxmlformats.org/markup-compatibility/2006">
+    <mc:Choice xmlns:p14="http://schemas.microsoft.com/office/powerpoint/2010/main" Requires="p14">
+      <p:transition p14:dur="300">
+        <p:fade/>
+      </p:transition>
+    </mc:Choice>
+    <mc:Fallback>
+      <p:transition>
+        <p:fade/>
+      </p:transition>
+    </mc:Fallback>
+  </mc:AlternateContent>
 </p:sld>
 </file>
 
@@ -24226,9 +26053,18 @@
   <p:clrMapOvr>
     <a:masterClrMapping/>
   </p:clrMapOvr>
-  <p:transition>
-    <p:fade/>
-  </p:transition>
+  <mc:AlternateContent xmlns:mc="http://schemas.openxmlformats.org/markup-compatibility/2006">
+    <mc:Choice xmlns:p14="http://schemas.microsoft.com/office/powerpoint/2010/main" Requires="p14">
+      <p:transition p14:dur="300">
+        <p:fade/>
+      </p:transition>
+    </mc:Choice>
+    <mc:Fallback>
+      <p:transition>
+        <p:fade/>
+      </p:transition>
+    </mc:Fallback>
+  </mc:AlternateContent>
 </p:sld>
 </file>
 
@@ -24299,9 +26135,18 @@
   <p:clrMapOvr>
     <a:masterClrMapping/>
   </p:clrMapOvr>
-  <p:transition>
-    <p:fade/>
-  </p:transition>
+  <mc:AlternateContent xmlns:mc="http://schemas.openxmlformats.org/markup-compatibility/2006">
+    <mc:Choice xmlns:p14="http://schemas.microsoft.com/office/powerpoint/2010/main" Requires="p14">
+      <p:transition p14:dur="300">
+        <p:fade/>
+      </p:transition>
+    </mc:Choice>
+    <mc:Fallback>
+      <p:transition>
+        <p:fade/>
+      </p:transition>
+    </mc:Fallback>
+  </mc:AlternateContent>
 </p:sld>
 </file>
 
@@ -24380,9 +26225,18 @@
   <p:clrMapOvr>
     <a:masterClrMapping/>
   </p:clrMapOvr>
-  <p:transition>
-    <p:fade/>
-  </p:transition>
+  <mc:AlternateContent xmlns:mc="http://schemas.openxmlformats.org/markup-compatibility/2006">
+    <mc:Choice xmlns:p14="http://schemas.microsoft.com/office/powerpoint/2010/main" Requires="p14">
+      <p:transition p14:dur="300">
+        <p:fade/>
+      </p:transition>
+    </mc:Choice>
+    <mc:Fallback>
+      <p:transition>
+        <p:fade/>
+      </p:transition>
+    </mc:Fallback>
+  </mc:AlternateContent>
 </p:sld>
 </file>
 
@@ -24473,9 +26327,18 @@
   <p:clrMapOvr>
     <a:masterClrMapping/>
   </p:clrMapOvr>
-  <p:transition>
-    <p:fade/>
-  </p:transition>
+  <mc:AlternateContent xmlns:mc="http://schemas.openxmlformats.org/markup-compatibility/2006">
+    <mc:Choice xmlns:p14="http://schemas.microsoft.com/office/powerpoint/2010/main" Requires="p14">
+      <p:transition p14:dur="300">
+        <p:fade/>
+      </p:transition>
+    </mc:Choice>
+    <mc:Fallback>
+      <p:transition>
+        <p:fade/>
+      </p:transition>
+    </mc:Fallback>
+  </mc:AlternateContent>
 </p:sld>
 </file>
 
@@ -24554,9 +26417,18 @@
   <p:clrMapOvr>
     <a:masterClrMapping/>
   </p:clrMapOvr>
-  <p:transition>
-    <p:fade/>
-  </p:transition>
+  <mc:AlternateContent xmlns:mc="http://schemas.openxmlformats.org/markup-compatibility/2006">
+    <mc:Choice xmlns:p14="http://schemas.microsoft.com/office/powerpoint/2010/main" Requires="p14">
+      <p:transition p14:dur="300">
+        <p:fade/>
+      </p:transition>
+    </mc:Choice>
+    <mc:Fallback>
+      <p:transition>
+        <p:fade/>
+      </p:transition>
+    </mc:Fallback>
+  </mc:AlternateContent>
 </p:sld>
 </file>
 
@@ -24627,9 +26499,18 @@
   <p:clrMapOvr>
     <a:masterClrMapping/>
   </p:clrMapOvr>
-  <p:transition>
-    <p:fade/>
-  </p:transition>
+  <mc:AlternateContent xmlns:mc="http://schemas.openxmlformats.org/markup-compatibility/2006">
+    <mc:Choice xmlns:p14="http://schemas.microsoft.com/office/powerpoint/2010/main" Requires="p14">
+      <p:transition p14:dur="300">
+        <p:fade/>
+      </p:transition>
+    </mc:Choice>
+    <mc:Fallback>
+      <p:transition>
+        <p:fade/>
+      </p:transition>
+    </mc:Fallback>
+  </mc:AlternateContent>
 </p:sld>
 </file>
 
@@ -24711,9 +26592,18 @@
   <p:clrMapOvr>
     <a:masterClrMapping/>
   </p:clrMapOvr>
-  <p:transition>
-    <p:fade/>
-  </p:transition>
+  <mc:AlternateContent xmlns:mc="http://schemas.openxmlformats.org/markup-compatibility/2006">
+    <mc:Choice xmlns:p14="http://schemas.microsoft.com/office/powerpoint/2010/main" Requires="p14">
+      <p:transition p14:dur="300">
+        <p:fade/>
+      </p:transition>
+    </mc:Choice>
+    <mc:Fallback>
+      <p:transition>
+        <p:fade/>
+      </p:transition>
+    </mc:Fallback>
+  </mc:AlternateContent>
 </p:sld>
 </file>
 
@@ -24784,9 +26674,18 @@
   <p:clrMapOvr>
     <a:masterClrMapping/>
   </p:clrMapOvr>
-  <p:transition>
-    <p:fade/>
-  </p:transition>
+  <mc:AlternateContent xmlns:mc="http://schemas.openxmlformats.org/markup-compatibility/2006">
+    <mc:Choice xmlns:p14="http://schemas.microsoft.com/office/powerpoint/2010/main" Requires="p14">
+      <p:transition p14:dur="300">
+        <p:fade/>
+      </p:transition>
+    </mc:Choice>
+    <mc:Fallback>
+      <p:transition>
+        <p:fade/>
+      </p:transition>
+    </mc:Fallback>
+  </mc:AlternateContent>
 </p:sld>
 </file>
 
@@ -24857,9 +26756,18 @@
   <p:clrMapOvr>
     <a:masterClrMapping/>
   </p:clrMapOvr>
-  <p:transition>
-    <p:fade/>
-  </p:transition>
+  <mc:AlternateContent xmlns:mc="http://schemas.openxmlformats.org/markup-compatibility/2006">
+    <mc:Choice xmlns:p14="http://schemas.microsoft.com/office/powerpoint/2010/main" Requires="p14">
+      <p:transition p14:dur="300">
+        <p:fade/>
+      </p:transition>
+    </mc:Choice>
+    <mc:Fallback>
+      <p:transition>
+        <p:fade/>
+      </p:transition>
+    </mc:Fallback>
+  </mc:AlternateContent>
 </p:sld>
 </file>
 
@@ -24930,9 +26838,18 @@
   <p:clrMapOvr>
     <a:masterClrMapping/>
   </p:clrMapOvr>
-  <p:transition>
-    <p:fade/>
-  </p:transition>
+  <mc:AlternateContent xmlns:mc="http://schemas.openxmlformats.org/markup-compatibility/2006">
+    <mc:Choice xmlns:p14="http://schemas.microsoft.com/office/powerpoint/2010/main" Requires="p14">
+      <p:transition p14:dur="300">
+        <p:fade/>
+      </p:transition>
+    </mc:Choice>
+    <mc:Fallback>
+      <p:transition>
+        <p:fade/>
+      </p:transition>
+    </mc:Fallback>
+  </mc:AlternateContent>
 </p:sld>
 </file>
 
@@ -25003,9 +26920,18 @@
   <p:clrMapOvr>
     <a:masterClrMapping/>
   </p:clrMapOvr>
-  <p:transition>
-    <p:fade/>
-  </p:transition>
+  <mc:AlternateContent xmlns:mc="http://schemas.openxmlformats.org/markup-compatibility/2006">
+    <mc:Choice xmlns:p14="http://schemas.microsoft.com/office/powerpoint/2010/main" Requires="p14">
+      <p:transition p14:dur="300">
+        <p:fade/>
+      </p:transition>
+    </mc:Choice>
+    <mc:Fallback>
+      <p:transition>
+        <p:fade/>
+      </p:transition>
+    </mc:Fallback>
+  </mc:AlternateContent>
 </p:sld>
 </file>
 
@@ -25076,9 +27002,18 @@
   <p:clrMapOvr>
     <a:masterClrMapping/>
   </p:clrMapOvr>
-  <p:transition>
-    <p:fade/>
-  </p:transition>
+  <mc:AlternateContent xmlns:mc="http://schemas.openxmlformats.org/markup-compatibility/2006">
+    <mc:Choice xmlns:p14="http://schemas.microsoft.com/office/powerpoint/2010/main" Requires="p14">
+      <p:transition p14:dur="300">
+        <p:fade/>
+      </p:transition>
+    </mc:Choice>
+    <mc:Fallback>
+      <p:transition>
+        <p:fade/>
+      </p:transition>
+    </mc:Fallback>
+  </mc:AlternateContent>
 </p:sld>
 </file>
 
@@ -25149,9 +27084,18 @@
   <p:clrMapOvr>
     <a:masterClrMapping/>
   </p:clrMapOvr>
-  <p:transition>
-    <p:fade/>
-  </p:transition>
+  <mc:AlternateContent xmlns:mc="http://schemas.openxmlformats.org/markup-compatibility/2006">
+    <mc:Choice xmlns:p14="http://schemas.microsoft.com/office/powerpoint/2010/main" Requires="p14">
+      <p:transition p14:dur="300">
+        <p:fade/>
+      </p:transition>
+    </mc:Choice>
+    <mc:Fallback>
+      <p:transition>
+        <p:fade/>
+      </p:transition>
+    </mc:Fallback>
+  </mc:AlternateContent>
 </p:sld>
 </file>
 
@@ -25222,9 +27166,18 @@
   <p:clrMapOvr>
     <a:masterClrMapping/>
   </p:clrMapOvr>
-  <p:transition>
-    <p:fade/>
-  </p:transition>
+  <mc:AlternateContent xmlns:mc="http://schemas.openxmlformats.org/markup-compatibility/2006">
+    <mc:Choice xmlns:p14="http://schemas.microsoft.com/office/powerpoint/2010/main" Requires="p14">
+      <p:transition p14:dur="300">
+        <p:fade/>
+      </p:transition>
+    </mc:Choice>
+    <mc:Fallback>
+      <p:transition>
+        <p:fade/>
+      </p:transition>
+    </mc:Fallback>
+  </mc:AlternateContent>
 </p:sld>
 </file>
 
@@ -25295,9 +27248,18 @@
   <p:clrMapOvr>
     <a:masterClrMapping/>
   </p:clrMapOvr>
-  <p:transition>
-    <p:fade/>
-  </p:transition>
+  <mc:AlternateContent xmlns:mc="http://schemas.openxmlformats.org/markup-compatibility/2006">
+    <mc:Choice xmlns:p14="http://schemas.microsoft.com/office/powerpoint/2010/main" Requires="p14">
+      <p:transition p14:dur="300">
+        <p:fade/>
+      </p:transition>
+    </mc:Choice>
+    <mc:Fallback>
+      <p:transition>
+        <p:fade/>
+      </p:transition>
+    </mc:Fallback>
+  </mc:AlternateContent>
 </p:sld>
 </file>
 
@@ -25368,9 +27330,18 @@
   <p:clrMapOvr>
     <a:masterClrMapping/>
   </p:clrMapOvr>
-  <p:transition>
-    <p:fade/>
-  </p:transition>
+  <mc:AlternateContent xmlns:mc="http://schemas.openxmlformats.org/markup-compatibility/2006">
+    <mc:Choice xmlns:p14="http://schemas.microsoft.com/office/powerpoint/2010/main" Requires="p14">
+      <p:transition p14:dur="300">
+        <p:fade/>
+      </p:transition>
+    </mc:Choice>
+    <mc:Fallback>
+      <p:transition>
+        <p:fade/>
+      </p:transition>
+    </mc:Fallback>
+  </mc:AlternateContent>
 </p:sld>
 </file>
 
@@ -25441,9 +27412,18 @@
   <p:clrMapOvr>
     <a:masterClrMapping/>
   </p:clrMapOvr>
-  <p:transition>
-    <p:fade/>
-  </p:transition>
+  <mc:AlternateContent xmlns:mc="http://schemas.openxmlformats.org/markup-compatibility/2006">
+    <mc:Choice xmlns:p14="http://schemas.microsoft.com/office/powerpoint/2010/main" Requires="p14">
+      <p:transition p14:dur="300">
+        <p:fade/>
+      </p:transition>
+    </mc:Choice>
+    <mc:Fallback>
+      <p:transition>
+        <p:fade/>
+      </p:transition>
+    </mc:Fallback>
+  </mc:AlternateContent>
 </p:sld>
 </file>
 
@@ -25514,9 +27494,18 @@
   <p:clrMapOvr>
     <a:masterClrMapping/>
   </p:clrMapOvr>
-  <p:transition>
-    <p:fade/>
-  </p:transition>
+  <mc:AlternateContent xmlns:mc="http://schemas.openxmlformats.org/markup-compatibility/2006">
+    <mc:Choice xmlns:p14="http://schemas.microsoft.com/office/powerpoint/2010/main" Requires="p14">
+      <p:transition p14:dur="300">
+        <p:fade/>
+      </p:transition>
+    </mc:Choice>
+    <mc:Fallback>
+      <p:transition>
+        <p:fade/>
+      </p:transition>
+    </mc:Fallback>
+  </mc:AlternateContent>
 </p:sld>
 </file>
 
@@ -25587,9 +27576,18 @@
   <p:clrMapOvr>
     <a:masterClrMapping/>
   </p:clrMapOvr>
-  <p:transition>
-    <p:fade/>
-  </p:transition>
+  <mc:AlternateContent xmlns:mc="http://schemas.openxmlformats.org/markup-compatibility/2006">
+    <mc:Choice xmlns:p14="http://schemas.microsoft.com/office/powerpoint/2010/main" Requires="p14">
+      <p:transition p14:dur="300">
+        <p:fade/>
+      </p:transition>
+    </mc:Choice>
+    <mc:Fallback>
+      <p:transition>
+        <p:fade/>
+      </p:transition>
+    </mc:Fallback>
+  </mc:AlternateContent>
 </p:sld>
 </file>
 
@@ -25660,9 +27658,18 @@
   <p:clrMapOvr>
     <a:masterClrMapping/>
   </p:clrMapOvr>
-  <p:transition>
-    <p:fade/>
-  </p:transition>
+  <mc:AlternateContent xmlns:mc="http://schemas.openxmlformats.org/markup-compatibility/2006">
+    <mc:Choice xmlns:p14="http://schemas.microsoft.com/office/powerpoint/2010/main" Requires="p14">
+      <p:transition p14:dur="300">
+        <p:fade/>
+      </p:transition>
+    </mc:Choice>
+    <mc:Fallback>
+      <p:transition>
+        <p:fade/>
+      </p:transition>
+    </mc:Fallback>
+  </mc:AlternateContent>
 </p:sld>
 </file>
 
@@ -25737,9 +27744,18 @@
   <p:clrMapOvr>
     <a:masterClrMapping/>
   </p:clrMapOvr>
-  <p:transition>
-    <p:fade/>
-  </p:transition>
+  <mc:AlternateContent xmlns:mc="http://schemas.openxmlformats.org/markup-compatibility/2006">
+    <mc:Choice xmlns:p14="http://schemas.microsoft.com/office/powerpoint/2010/main" Requires="p14">
+      <p:transition p14:dur="300">
+        <p:fade/>
+      </p:transition>
+    </mc:Choice>
+    <mc:Fallback>
+      <p:transition>
+        <p:fade/>
+      </p:transition>
+    </mc:Fallback>
+  </mc:AlternateContent>
 </p:sld>
 </file>
 
@@ -25810,9 +27826,18 @@
   <p:clrMapOvr>
     <a:masterClrMapping/>
   </p:clrMapOvr>
-  <p:transition>
-    <p:fade/>
-  </p:transition>
+  <mc:AlternateContent xmlns:mc="http://schemas.openxmlformats.org/markup-compatibility/2006">
+    <mc:Choice xmlns:p14="http://schemas.microsoft.com/office/powerpoint/2010/main" Requires="p14">
+      <p:transition p14:dur="300">
+        <p:fade/>
+      </p:transition>
+    </mc:Choice>
+    <mc:Fallback>
+      <p:transition>
+        <p:fade/>
+      </p:transition>
+    </mc:Fallback>
+  </mc:AlternateContent>
 </p:sld>
 </file>
 
@@ -25895,9 +27920,18 @@
   <p:clrMapOvr>
     <a:masterClrMapping/>
   </p:clrMapOvr>
-  <p:transition>
-    <p:fade/>
-  </p:transition>
+  <mc:AlternateContent xmlns:mc="http://schemas.openxmlformats.org/markup-compatibility/2006">
+    <mc:Choice xmlns:p14="http://schemas.microsoft.com/office/powerpoint/2010/main" Requires="p14">
+      <p:transition p14:dur="300">
+        <p:fade/>
+      </p:transition>
+    </mc:Choice>
+    <mc:Fallback>
+      <p:transition>
+        <p:fade/>
+      </p:transition>
+    </mc:Fallback>
+  </mc:AlternateContent>
 </p:sld>
 </file>
 
@@ -25968,9 +28002,18 @@
   <p:clrMapOvr>
     <a:masterClrMapping/>
   </p:clrMapOvr>
-  <p:transition>
-    <p:fade/>
-  </p:transition>
+  <mc:AlternateContent xmlns:mc="http://schemas.openxmlformats.org/markup-compatibility/2006">
+    <mc:Choice xmlns:p14="http://schemas.microsoft.com/office/powerpoint/2010/main" Requires="p14">
+      <p:transition p14:dur="300">
+        <p:fade/>
+      </p:transition>
+    </mc:Choice>
+    <mc:Fallback>
+      <p:transition>
+        <p:fade/>
+      </p:transition>
+    </mc:Fallback>
+  </mc:AlternateContent>
 </p:sld>
 </file>
 
@@ -26041,9 +28084,18 @@
   <p:clrMapOvr>
     <a:masterClrMapping/>
   </p:clrMapOvr>
-  <p:transition>
-    <p:fade/>
-  </p:transition>
+  <mc:AlternateContent xmlns:mc="http://schemas.openxmlformats.org/markup-compatibility/2006">
+    <mc:Choice xmlns:p14="http://schemas.microsoft.com/office/powerpoint/2010/main" Requires="p14">
+      <p:transition p14:dur="300">
+        <p:fade/>
+      </p:transition>
+    </mc:Choice>
+    <mc:Fallback>
+      <p:transition>
+        <p:fade/>
+      </p:transition>
+    </mc:Fallback>
+  </mc:AlternateContent>
 </p:sld>
 </file>
 
@@ -26134,9 +28186,18 @@
   <p:clrMapOvr>
     <a:masterClrMapping/>
   </p:clrMapOvr>
-  <p:transition>
-    <p:fade/>
-  </p:transition>
+  <mc:AlternateContent xmlns:mc="http://schemas.openxmlformats.org/markup-compatibility/2006">
+    <mc:Choice xmlns:p14="http://schemas.microsoft.com/office/powerpoint/2010/main" Requires="p14">
+      <p:transition p14:dur="300">
+        <p:fade/>
+      </p:transition>
+    </mc:Choice>
+    <mc:Fallback>
+      <p:transition>
+        <p:fade/>
+      </p:transition>
+    </mc:Fallback>
+  </mc:AlternateContent>
 </p:sld>
 </file>
 
@@ -26215,9 +28276,18 @@
   <p:clrMapOvr>
     <a:masterClrMapping/>
   </p:clrMapOvr>
-  <p:transition>
-    <p:fade/>
-  </p:transition>
+  <mc:AlternateContent xmlns:mc="http://schemas.openxmlformats.org/markup-compatibility/2006">
+    <mc:Choice xmlns:p14="http://schemas.microsoft.com/office/powerpoint/2010/main" Requires="p14">
+      <p:transition p14:dur="300">
+        <p:fade/>
+      </p:transition>
+    </mc:Choice>
+    <mc:Fallback>
+      <p:transition>
+        <p:fade/>
+      </p:transition>
+    </mc:Fallback>
+  </mc:AlternateContent>
 </p:sld>
 </file>
 
@@ -26296,9 +28366,18 @@
   <p:clrMapOvr>
     <a:masterClrMapping/>
   </p:clrMapOvr>
-  <p:transition>
-    <p:fade/>
-  </p:transition>
+  <mc:AlternateContent xmlns:mc="http://schemas.openxmlformats.org/markup-compatibility/2006">
+    <mc:Choice xmlns:p14="http://schemas.microsoft.com/office/powerpoint/2010/main" Requires="p14">
+      <p:transition p14:dur="300">
+        <p:fade/>
+      </p:transition>
+    </mc:Choice>
+    <mc:Fallback>
+      <p:transition>
+        <p:fade/>
+      </p:transition>
+    </mc:Fallback>
+  </mc:AlternateContent>
 </p:sld>
 </file>
 
@@ -26377,9 +28456,18 @@
   <p:clrMapOvr>
     <a:masterClrMapping/>
   </p:clrMapOvr>
-  <p:transition>
-    <p:fade/>
-  </p:transition>
+  <mc:AlternateContent xmlns:mc="http://schemas.openxmlformats.org/markup-compatibility/2006">
+    <mc:Choice xmlns:p14="http://schemas.microsoft.com/office/powerpoint/2010/main" Requires="p14">
+      <p:transition p14:dur="300">
+        <p:fade/>
+      </p:transition>
+    </mc:Choice>
+    <mc:Fallback>
+      <p:transition>
+        <p:fade/>
+      </p:transition>
+    </mc:Fallback>
+  </mc:AlternateContent>
 </p:sld>
 </file>
 
@@ -26450,9 +28538,18 @@
   <p:clrMapOvr>
     <a:masterClrMapping/>
   </p:clrMapOvr>
-  <p:transition>
-    <p:fade/>
-  </p:transition>
+  <mc:AlternateContent xmlns:mc="http://schemas.openxmlformats.org/markup-compatibility/2006">
+    <mc:Choice xmlns:p14="http://schemas.microsoft.com/office/powerpoint/2010/main" Requires="p14">
+      <p:transition p14:dur="300">
+        <p:fade/>
+      </p:transition>
+    </mc:Choice>
+    <mc:Fallback>
+      <p:transition>
+        <p:fade/>
+      </p:transition>
+    </mc:Fallback>
+  </mc:AlternateContent>
 </p:sld>
 </file>
 
@@ -26527,9 +28624,18 @@
   <p:clrMapOvr>
     <a:masterClrMapping/>
   </p:clrMapOvr>
-  <p:transition>
-    <p:fade/>
-  </p:transition>
+  <mc:AlternateContent xmlns:mc="http://schemas.openxmlformats.org/markup-compatibility/2006">
+    <mc:Choice xmlns:p14="http://schemas.microsoft.com/office/powerpoint/2010/main" Requires="p14">
+      <p:transition p14:dur="300">
+        <p:fade/>
+      </p:transition>
+    </mc:Choice>
+    <mc:Fallback>
+      <p:transition>
+        <p:fade/>
+      </p:transition>
+    </mc:Fallback>
+  </mc:AlternateContent>
 </p:sld>
 </file>
 
@@ -26607,9 +28713,18 @@
   <p:clrMapOvr>
     <a:masterClrMapping/>
   </p:clrMapOvr>
-  <p:transition>
-    <p:fade/>
-  </p:transition>
+  <mc:AlternateContent xmlns:mc="http://schemas.openxmlformats.org/markup-compatibility/2006">
+    <mc:Choice xmlns:p14="http://schemas.microsoft.com/office/powerpoint/2010/main" Requires="p14">
+      <p:transition p14:dur="300">
+        <p:fade/>
+      </p:transition>
+    </mc:Choice>
+    <mc:Fallback>
+      <p:transition>
+        <p:fade/>
+      </p:transition>
+    </mc:Fallback>
+  </mc:AlternateContent>
 </p:sld>
 </file>
 
@@ -26688,9 +28803,18 @@
   <p:clrMapOvr>
     <a:masterClrMapping/>
   </p:clrMapOvr>
-  <p:transition>
-    <p:fade/>
-  </p:transition>
+  <mc:AlternateContent xmlns:mc="http://schemas.openxmlformats.org/markup-compatibility/2006">
+    <mc:Choice xmlns:p14="http://schemas.microsoft.com/office/powerpoint/2010/main" Requires="p14">
+      <p:transition p14:dur="300">
+        <p:fade/>
+      </p:transition>
+    </mc:Choice>
+    <mc:Fallback>
+      <p:transition>
+        <p:fade/>
+      </p:transition>
+    </mc:Fallback>
+  </mc:AlternateContent>
 </p:sld>
 </file>
 
@@ -26765,9 +28889,18 @@
   <p:clrMapOvr>
     <a:masterClrMapping/>
   </p:clrMapOvr>
-  <p:transition>
-    <p:fade/>
-  </p:transition>
+  <mc:AlternateContent xmlns:mc="http://schemas.openxmlformats.org/markup-compatibility/2006">
+    <mc:Choice xmlns:p14="http://schemas.microsoft.com/office/powerpoint/2010/main" Requires="p14">
+      <p:transition p14:dur="300">
+        <p:fade/>
+      </p:transition>
+    </mc:Choice>
+    <mc:Fallback>
+      <p:transition>
+        <p:fade/>
+      </p:transition>
+    </mc:Fallback>
+  </mc:AlternateContent>
 </p:sld>
 </file>
 
@@ -26838,9 +28971,18 @@
   <p:clrMapOvr>
     <a:masterClrMapping/>
   </p:clrMapOvr>
-  <p:transition>
-    <p:fade/>
-  </p:transition>
+  <mc:AlternateContent xmlns:mc="http://schemas.openxmlformats.org/markup-compatibility/2006">
+    <mc:Choice xmlns:p14="http://schemas.microsoft.com/office/powerpoint/2010/main" Requires="p14">
+      <p:transition p14:dur="300">
+        <p:fade/>
+      </p:transition>
+    </mc:Choice>
+    <mc:Fallback>
+      <p:transition>
+        <p:fade/>
+      </p:transition>
+    </mc:Fallback>
+  </mc:AlternateContent>
 </p:sld>
 </file>
 
@@ -26919,9 +29061,18 @@
   <p:clrMapOvr>
     <a:masterClrMapping/>
   </p:clrMapOvr>
-  <p:transition>
-    <p:fade/>
-  </p:transition>
+  <mc:AlternateContent xmlns:mc="http://schemas.openxmlformats.org/markup-compatibility/2006">
+    <mc:Choice xmlns:p14="http://schemas.microsoft.com/office/powerpoint/2010/main" Requires="p14">
+      <p:transition p14:dur="300">
+        <p:fade/>
+      </p:transition>
+    </mc:Choice>
+    <mc:Fallback>
+      <p:transition>
+        <p:fade/>
+      </p:transition>
+    </mc:Fallback>
+  </mc:AlternateContent>
 </p:sld>
 </file>
 
@@ -26992,9 +29143,18 @@
   <p:clrMapOvr>
     <a:masterClrMapping/>
   </p:clrMapOvr>
-  <p:transition>
-    <p:fade/>
-  </p:transition>
+  <mc:AlternateContent xmlns:mc="http://schemas.openxmlformats.org/markup-compatibility/2006">
+    <mc:Choice xmlns:p14="http://schemas.microsoft.com/office/powerpoint/2010/main" Requires="p14">
+      <p:transition p14:dur="300">
+        <p:fade/>
+      </p:transition>
+    </mc:Choice>
+    <mc:Fallback>
+      <p:transition>
+        <p:fade/>
+      </p:transition>
+    </mc:Fallback>
+  </mc:AlternateContent>
 </p:sld>
 </file>
 
@@ -27077,9 +29237,18 @@
   <p:clrMapOvr>
     <a:masterClrMapping/>
   </p:clrMapOvr>
-  <p:transition>
-    <p:fade/>
-  </p:transition>
+  <mc:AlternateContent xmlns:mc="http://schemas.openxmlformats.org/markup-compatibility/2006">
+    <mc:Choice xmlns:p14="http://schemas.microsoft.com/office/powerpoint/2010/main" Requires="p14">
+      <p:transition p14:dur="300">
+        <p:fade/>
+      </p:transition>
+    </mc:Choice>
+    <mc:Fallback>
+      <p:transition>
+        <p:fade/>
+      </p:transition>
+    </mc:Fallback>
+  </mc:AlternateContent>
 </p:sld>
 </file>
 
@@ -27154,9 +29323,18 @@
   <p:clrMapOvr>
     <a:masterClrMapping/>
   </p:clrMapOvr>
-  <p:transition>
-    <p:fade/>
-  </p:transition>
+  <mc:AlternateContent xmlns:mc="http://schemas.openxmlformats.org/markup-compatibility/2006">
+    <mc:Choice xmlns:p14="http://schemas.microsoft.com/office/powerpoint/2010/main" Requires="p14">
+      <p:transition p14:dur="300">
+        <p:fade/>
+      </p:transition>
+    </mc:Choice>
+    <mc:Fallback>
+      <p:transition>
+        <p:fade/>
+      </p:transition>
+    </mc:Fallback>
+  </mc:AlternateContent>
 </p:sld>
 </file>
 
@@ -27235,9 +29413,18 @@
   <p:clrMapOvr>
     <a:masterClrMapping/>
   </p:clrMapOvr>
-  <p:transition>
-    <p:fade/>
-  </p:transition>
+  <mc:AlternateContent xmlns:mc="http://schemas.openxmlformats.org/markup-compatibility/2006">
+    <mc:Choice xmlns:p14="http://schemas.microsoft.com/office/powerpoint/2010/main" Requires="p14">
+      <p:transition p14:dur="300">
+        <p:fade/>
+      </p:transition>
+    </mc:Choice>
+    <mc:Fallback>
+      <p:transition>
+        <p:fade/>
+      </p:transition>
+    </mc:Fallback>
+  </mc:AlternateContent>
 </p:sld>
 </file>
 
@@ -27320,9 +29507,18 @@
   <p:clrMapOvr>
     <a:masterClrMapping/>
   </p:clrMapOvr>
-  <p:transition>
-    <p:fade/>
-  </p:transition>
+  <mc:AlternateContent xmlns:mc="http://schemas.openxmlformats.org/markup-compatibility/2006">
+    <mc:Choice xmlns:p14="http://schemas.microsoft.com/office/powerpoint/2010/main" Requires="p14">
+      <p:transition p14:dur="300">
+        <p:fade/>
+      </p:transition>
+    </mc:Choice>
+    <mc:Fallback>
+      <p:transition>
+        <p:fade/>
+      </p:transition>
+    </mc:Fallback>
+  </mc:AlternateContent>
 </p:sld>
 </file>
 
@@ -27405,9 +29601,18 @@
   <p:clrMapOvr>
     <a:masterClrMapping/>
   </p:clrMapOvr>
-  <p:transition>
-    <p:fade/>
-  </p:transition>
+  <mc:AlternateContent xmlns:mc="http://schemas.openxmlformats.org/markup-compatibility/2006">
+    <mc:Choice xmlns:p14="http://schemas.microsoft.com/office/powerpoint/2010/main" Requires="p14">
+      <p:transition p14:dur="300">
+        <p:fade/>
+      </p:transition>
+    </mc:Choice>
+    <mc:Fallback>
+      <p:transition>
+        <p:fade/>
+      </p:transition>
+    </mc:Fallback>
+  </mc:AlternateContent>
 </p:sld>
 </file>
 
@@ -27482,9 +29687,18 @@
   <p:clrMapOvr>
     <a:masterClrMapping/>
   </p:clrMapOvr>
-  <p:transition>
-    <p:fade/>
-  </p:transition>
+  <mc:AlternateContent xmlns:mc="http://schemas.openxmlformats.org/markup-compatibility/2006">
+    <mc:Choice xmlns:p14="http://schemas.microsoft.com/office/powerpoint/2010/main" Requires="p14">
+      <p:transition p14:dur="300">
+        <p:fade/>
+      </p:transition>
+    </mc:Choice>
+    <mc:Fallback>
+      <p:transition>
+        <p:fade/>
+      </p:transition>
+    </mc:Fallback>
+  </mc:AlternateContent>
 </p:sld>
 </file>
 
@@ -27579,9 +29793,18 @@
   <p:clrMapOvr>
     <a:masterClrMapping/>
   </p:clrMapOvr>
-  <p:transition>
-    <p:fade/>
-  </p:transition>
+  <mc:AlternateContent xmlns:mc="http://schemas.openxmlformats.org/markup-compatibility/2006">
+    <mc:Choice xmlns:p14="http://schemas.microsoft.com/office/powerpoint/2010/main" Requires="p14">
+      <p:transition p14:dur="300">
+        <p:fade/>
+      </p:transition>
+    </mc:Choice>
+    <mc:Fallback>
+      <p:transition>
+        <p:fade/>
+      </p:transition>
+    </mc:Fallback>
+  </mc:AlternateContent>
 </p:sld>
 </file>
 
@@ -27664,9 +29887,18 @@
   <p:clrMapOvr>
     <a:masterClrMapping/>
   </p:clrMapOvr>
-  <p:transition>
-    <p:fade/>
-  </p:transition>
+  <mc:AlternateContent xmlns:mc="http://schemas.openxmlformats.org/markup-compatibility/2006">
+    <mc:Choice xmlns:p14="http://schemas.microsoft.com/office/powerpoint/2010/main" Requires="p14">
+      <p:transition p14:dur="300">
+        <p:fade/>
+      </p:transition>
+    </mc:Choice>
+    <mc:Fallback>
+      <p:transition>
+        <p:fade/>
+      </p:transition>
+    </mc:Fallback>
+  </mc:AlternateContent>
 </p:sld>
 </file>
 
@@ -27763,9 +29995,18 @@
   <p:clrMapOvr>
     <a:masterClrMapping/>
   </p:clrMapOvr>
-  <p:transition>
-    <p:fade/>
-  </p:transition>
+  <mc:AlternateContent xmlns:mc="http://schemas.openxmlformats.org/markup-compatibility/2006">
+    <mc:Choice xmlns:p14="http://schemas.microsoft.com/office/powerpoint/2010/main" Requires="p14">
+      <p:transition p14:dur="300">
+        <p:fade/>
+      </p:transition>
+    </mc:Choice>
+    <mc:Fallback>
+      <p:transition>
+        <p:fade/>
+      </p:transition>
+    </mc:Fallback>
+  </mc:AlternateContent>
 </p:sld>
 </file>
 
@@ -27844,9 +30085,18 @@
   <p:clrMapOvr>
     <a:masterClrMapping/>
   </p:clrMapOvr>
-  <p:transition>
-    <p:fade/>
-  </p:transition>
+  <mc:AlternateContent xmlns:mc="http://schemas.openxmlformats.org/markup-compatibility/2006">
+    <mc:Choice xmlns:p14="http://schemas.microsoft.com/office/powerpoint/2010/main" Requires="p14">
+      <p:transition p14:dur="300">
+        <p:fade/>
+      </p:transition>
+    </mc:Choice>
+    <mc:Fallback>
+      <p:transition>
+        <p:fade/>
+      </p:transition>
+    </mc:Fallback>
+  </mc:AlternateContent>
 </p:sld>
 </file>
 
@@ -27921,9 +30171,18 @@
   <p:clrMapOvr>
     <a:masterClrMapping/>
   </p:clrMapOvr>
-  <p:transition>
-    <p:fade/>
-  </p:transition>
+  <mc:AlternateContent xmlns:mc="http://schemas.openxmlformats.org/markup-compatibility/2006">
+    <mc:Choice xmlns:p14="http://schemas.microsoft.com/office/powerpoint/2010/main" Requires="p14">
+      <p:transition p14:dur="300">
+        <p:fade/>
+      </p:transition>
+    </mc:Choice>
+    <mc:Fallback>
+      <p:transition>
+        <p:fade/>
+      </p:transition>
+    </mc:Fallback>
+  </mc:AlternateContent>
 </p:sld>
 </file>
 
@@ -28006,9 +30265,18 @@
   <p:clrMapOvr>
     <a:masterClrMapping/>
   </p:clrMapOvr>
-  <p:transition>
-    <p:fade/>
-  </p:transition>
+  <mc:AlternateContent xmlns:mc="http://schemas.openxmlformats.org/markup-compatibility/2006">
+    <mc:Choice xmlns:p14="http://schemas.microsoft.com/office/powerpoint/2010/main" Requires="p14">
+      <p:transition p14:dur="300">
+        <p:fade/>
+      </p:transition>
+    </mc:Choice>
+    <mc:Fallback>
+      <p:transition>
+        <p:fade/>
+      </p:transition>
+    </mc:Fallback>
+  </mc:AlternateContent>
 </p:sld>
 </file>
 
@@ -28091,9 +30359,18 @@
   <p:clrMapOvr>
     <a:masterClrMapping/>
   </p:clrMapOvr>
-  <p:transition>
-    <p:fade/>
-  </p:transition>
+  <mc:AlternateContent xmlns:mc="http://schemas.openxmlformats.org/markup-compatibility/2006">
+    <mc:Choice xmlns:p14="http://schemas.microsoft.com/office/powerpoint/2010/main" Requires="p14">
+      <p:transition p14:dur="300">
+        <p:fade/>
+      </p:transition>
+    </mc:Choice>
+    <mc:Fallback>
+      <p:transition>
+        <p:fade/>
+      </p:transition>
+    </mc:Fallback>
+  </mc:AlternateContent>
 </p:sld>
 </file>
 
@@ -28176,9 +30453,18 @@
   <p:clrMapOvr>
     <a:masterClrMapping/>
   </p:clrMapOvr>
-  <p:transition>
-    <p:fade/>
-  </p:transition>
+  <mc:AlternateContent xmlns:mc="http://schemas.openxmlformats.org/markup-compatibility/2006">
+    <mc:Choice xmlns:p14="http://schemas.microsoft.com/office/powerpoint/2010/main" Requires="p14">
+      <p:transition p14:dur="300">
+        <p:fade/>
+      </p:transition>
+    </mc:Choice>
+    <mc:Fallback>
+      <p:transition>
+        <p:fade/>
+      </p:transition>
+    </mc:Fallback>
+  </mc:AlternateContent>
 </p:sld>
 </file>
 
@@ -28265,9 +30551,18 @@
   <p:clrMapOvr>
     <a:masterClrMapping/>
   </p:clrMapOvr>
-  <p:transition>
-    <p:fade/>
-  </p:transition>
+  <mc:AlternateContent xmlns:mc="http://schemas.openxmlformats.org/markup-compatibility/2006">
+    <mc:Choice xmlns:p14="http://schemas.microsoft.com/office/powerpoint/2010/main" Requires="p14">
+      <p:transition p14:dur="300">
+        <p:fade/>
+      </p:transition>
+    </mc:Choice>
+    <mc:Fallback>
+      <p:transition>
+        <p:fade/>
+      </p:transition>
+    </mc:Fallback>
+  </mc:AlternateContent>
 </p:sld>
 </file>
 
@@ -28342,9 +30637,18 @@
   <p:clrMapOvr>
     <a:masterClrMapping/>
   </p:clrMapOvr>
-  <p:transition>
-    <p:fade/>
-  </p:transition>
+  <mc:AlternateContent xmlns:mc="http://schemas.openxmlformats.org/markup-compatibility/2006">
+    <mc:Choice xmlns:p14="http://schemas.microsoft.com/office/powerpoint/2010/main" Requires="p14">
+      <p:transition p14:dur="300">
+        <p:fade/>
+      </p:transition>
+    </mc:Choice>
+    <mc:Fallback>
+      <p:transition>
+        <p:fade/>
+      </p:transition>
+    </mc:Fallback>
+  </mc:AlternateContent>
 </p:sld>
 </file>
 
@@ -28415,9 +30719,18 @@
   <p:clrMapOvr>
     <a:masterClrMapping/>
   </p:clrMapOvr>
-  <p:transition>
-    <p:fade/>
-  </p:transition>
+  <mc:AlternateContent xmlns:mc="http://schemas.openxmlformats.org/markup-compatibility/2006">
+    <mc:Choice xmlns:p14="http://schemas.microsoft.com/office/powerpoint/2010/main" Requires="p14">
+      <p:transition p14:dur="300">
+        <p:fade/>
+      </p:transition>
+    </mc:Choice>
+    <mc:Fallback>
+      <p:transition>
+        <p:fade/>
+      </p:transition>
+    </mc:Fallback>
+  </mc:AlternateContent>
 </p:sld>
 </file>
 
@@ -28488,9 +30801,18 @@
   <p:clrMapOvr>
     <a:masterClrMapping/>
   </p:clrMapOvr>
-  <p:transition>
-    <p:fade/>
-  </p:transition>
+  <mc:AlternateContent xmlns:mc="http://schemas.openxmlformats.org/markup-compatibility/2006">
+    <mc:Choice xmlns:p14="http://schemas.microsoft.com/office/powerpoint/2010/main" Requires="p14">
+      <p:transition p14:dur="300">
+        <p:fade/>
+      </p:transition>
+    </mc:Choice>
+    <mc:Fallback>
+      <p:transition>
+        <p:fade/>
+      </p:transition>
+    </mc:Fallback>
+  </mc:AlternateContent>
 </p:sld>
 </file>
 
@@ -28561,9 +30883,18 @@
   <p:clrMapOvr>
     <a:masterClrMapping/>
   </p:clrMapOvr>
-  <p:transition>
-    <p:fade/>
-  </p:transition>
+  <mc:AlternateContent xmlns:mc="http://schemas.openxmlformats.org/markup-compatibility/2006">
+    <mc:Choice xmlns:p14="http://schemas.microsoft.com/office/powerpoint/2010/main" Requires="p14">
+      <p:transition p14:dur="300">
+        <p:fade/>
+      </p:transition>
+    </mc:Choice>
+    <mc:Fallback>
+      <p:transition>
+        <p:fade/>
+      </p:transition>
+    </mc:Fallback>
+  </mc:AlternateContent>
 </p:sld>
 </file>
 
@@ -28634,9 +30965,18 @@
   <p:clrMapOvr>
     <a:masterClrMapping/>
   </p:clrMapOvr>
-  <p:transition>
-    <p:fade/>
-  </p:transition>
+  <mc:AlternateContent xmlns:mc="http://schemas.openxmlformats.org/markup-compatibility/2006">
+    <mc:Choice xmlns:p14="http://schemas.microsoft.com/office/powerpoint/2010/main" Requires="p14">
+      <p:transition p14:dur="300">
+        <p:fade/>
+      </p:transition>
+    </mc:Choice>
+    <mc:Fallback>
+      <p:transition>
+        <p:fade/>
+      </p:transition>
+    </mc:Fallback>
+  </mc:AlternateContent>
 </p:sld>
 </file>
 
@@ -28715,9 +31055,18 @@
   <p:clrMapOvr>
     <a:masterClrMapping/>
   </p:clrMapOvr>
-  <p:transition>
-    <p:fade/>
-  </p:transition>
+  <mc:AlternateContent xmlns:mc="http://schemas.openxmlformats.org/markup-compatibility/2006">
+    <mc:Choice xmlns:p14="http://schemas.microsoft.com/office/powerpoint/2010/main" Requires="p14">
+      <p:transition p14:dur="300">
+        <p:fade/>
+      </p:transition>
+    </mc:Choice>
+    <mc:Fallback>
+      <p:transition>
+        <p:fade/>
+      </p:transition>
+    </mc:Fallback>
+  </mc:AlternateContent>
 </p:sld>
 </file>
 
@@ -28796,9 +31145,18 @@
   <p:clrMapOvr>
     <a:masterClrMapping/>
   </p:clrMapOvr>
-  <p:transition>
-    <p:fade/>
-  </p:transition>
+  <mc:AlternateContent xmlns:mc="http://schemas.openxmlformats.org/markup-compatibility/2006">
+    <mc:Choice xmlns:p14="http://schemas.microsoft.com/office/powerpoint/2010/main" Requires="p14">
+      <p:transition p14:dur="300">
+        <p:fade/>
+      </p:transition>
+    </mc:Choice>
+    <mc:Fallback>
+      <p:transition>
+        <p:fade/>
+      </p:transition>
+    </mc:Fallback>
+  </mc:AlternateContent>
 </p:sld>
 </file>
 
@@ -28881,9 +31239,18 @@
   <p:clrMapOvr>
     <a:masterClrMapping/>
   </p:clrMapOvr>
-  <p:transition>
-    <p:fade/>
-  </p:transition>
+  <mc:AlternateContent xmlns:mc="http://schemas.openxmlformats.org/markup-compatibility/2006">
+    <mc:Choice xmlns:p14="http://schemas.microsoft.com/office/powerpoint/2010/main" Requires="p14">
+      <p:transition p14:dur="300">
+        <p:fade/>
+      </p:transition>
+    </mc:Choice>
+    <mc:Fallback>
+      <p:transition>
+        <p:fade/>
+      </p:transition>
+    </mc:Fallback>
+  </mc:AlternateContent>
 </p:sld>
 </file>
 
@@ -28954,9 +31321,18 @@
   <p:clrMapOvr>
     <a:masterClrMapping/>
   </p:clrMapOvr>
-  <p:transition>
-    <p:fade/>
-  </p:transition>
+  <mc:AlternateContent xmlns:mc="http://schemas.openxmlformats.org/markup-compatibility/2006">
+    <mc:Choice xmlns:p14="http://schemas.microsoft.com/office/powerpoint/2010/main" Requires="p14">
+      <p:transition p14:dur="300">
+        <p:fade/>
+      </p:transition>
+    </mc:Choice>
+    <mc:Fallback>
+      <p:transition>
+        <p:fade/>
+      </p:transition>
+    </mc:Fallback>
+  </mc:AlternateContent>
 </p:sld>
 </file>
 
@@ -29027,9 +31403,18 @@
   <p:clrMapOvr>
     <a:masterClrMapping/>
   </p:clrMapOvr>
-  <p:transition>
-    <p:fade/>
-  </p:transition>
+  <mc:AlternateContent xmlns:mc="http://schemas.openxmlformats.org/markup-compatibility/2006">
+    <mc:Choice xmlns:p14="http://schemas.microsoft.com/office/powerpoint/2010/main" Requires="p14">
+      <p:transition p14:dur="300">
+        <p:fade/>
+      </p:transition>
+    </mc:Choice>
+    <mc:Fallback>
+      <p:transition>
+        <p:fade/>
+      </p:transition>
+    </mc:Fallback>
+  </mc:AlternateContent>
 </p:sld>
 </file>
 
@@ -29108,9 +31493,18 @@
   <p:clrMapOvr>
     <a:masterClrMapping/>
   </p:clrMapOvr>
-  <p:transition>
-    <p:fade/>
-  </p:transition>
+  <mc:AlternateContent xmlns:mc="http://schemas.openxmlformats.org/markup-compatibility/2006">
+    <mc:Choice xmlns:p14="http://schemas.microsoft.com/office/powerpoint/2010/main" Requires="p14">
+      <p:transition p14:dur="300">
+        <p:fade/>
+      </p:transition>
+    </mc:Choice>
+    <mc:Fallback>
+      <p:transition>
+        <p:fade/>
+      </p:transition>
+    </mc:Fallback>
+  </mc:AlternateContent>
 </p:sld>
 </file>
 
@@ -29181,9 +31575,18 @@
   <p:clrMapOvr>
     <a:masterClrMapping/>
   </p:clrMapOvr>
-  <p:transition>
-    <p:fade/>
-  </p:transition>
+  <mc:AlternateContent xmlns:mc="http://schemas.openxmlformats.org/markup-compatibility/2006">
+    <mc:Choice xmlns:p14="http://schemas.microsoft.com/office/powerpoint/2010/main" Requires="p14">
+      <p:transition p14:dur="300">
+        <p:fade/>
+      </p:transition>
+    </mc:Choice>
+    <mc:Fallback>
+      <p:transition>
+        <p:fade/>
+      </p:transition>
+    </mc:Fallback>
+  </mc:AlternateContent>
 </p:sld>
 </file>
 
@@ -29254,9 +31657,18 @@
   <p:clrMapOvr>
     <a:masterClrMapping/>
   </p:clrMapOvr>
-  <p:transition>
-    <p:fade/>
-  </p:transition>
+  <mc:AlternateContent xmlns:mc="http://schemas.openxmlformats.org/markup-compatibility/2006">
+    <mc:Choice xmlns:p14="http://schemas.microsoft.com/office/powerpoint/2010/main" Requires="p14">
+      <p:transition p14:dur="300">
+        <p:fade/>
+      </p:transition>
+    </mc:Choice>
+    <mc:Fallback>
+      <p:transition>
+        <p:fade/>
+      </p:transition>
+    </mc:Fallback>
+  </mc:AlternateContent>
 </p:sld>
 </file>
 
@@ -29335,9 +31747,18 @@
   <p:clrMapOvr>
     <a:masterClrMapping/>
   </p:clrMapOvr>
-  <p:transition>
-    <p:fade/>
-  </p:transition>
+  <mc:AlternateContent xmlns:mc="http://schemas.openxmlformats.org/markup-compatibility/2006">
+    <mc:Choice xmlns:p14="http://schemas.microsoft.com/office/powerpoint/2010/main" Requires="p14">
+      <p:transition p14:dur="300">
+        <p:fade/>
+      </p:transition>
+    </mc:Choice>
+    <mc:Fallback>
+      <p:transition>
+        <p:fade/>
+      </p:transition>
+    </mc:Fallback>
+  </mc:AlternateContent>
 </p:sld>
 </file>
 
@@ -29420,9 +31841,18 @@
   <p:clrMapOvr>
     <a:masterClrMapping/>
   </p:clrMapOvr>
-  <p:transition>
-    <p:fade/>
-  </p:transition>
+  <mc:AlternateContent xmlns:mc="http://schemas.openxmlformats.org/markup-compatibility/2006">
+    <mc:Choice xmlns:p14="http://schemas.microsoft.com/office/powerpoint/2010/main" Requires="p14">
+      <p:transition p14:dur="300">
+        <p:fade/>
+      </p:transition>
+    </mc:Choice>
+    <mc:Fallback>
+      <p:transition>
+        <p:fade/>
+      </p:transition>
+    </mc:Fallback>
+  </mc:AlternateContent>
 </p:sld>
 </file>
 
@@ -29505,9 +31935,18 @@
   <p:clrMapOvr>
     <a:masterClrMapping/>
   </p:clrMapOvr>
-  <p:transition>
-    <p:fade/>
-  </p:transition>
+  <mc:AlternateContent xmlns:mc="http://schemas.openxmlformats.org/markup-compatibility/2006">
+    <mc:Choice xmlns:p14="http://schemas.microsoft.com/office/powerpoint/2010/main" Requires="p14">
+      <p:transition p14:dur="300">
+        <p:fade/>
+      </p:transition>
+    </mc:Choice>
+    <mc:Fallback>
+      <p:transition>
+        <p:fade/>
+      </p:transition>
+    </mc:Fallback>
+  </mc:AlternateContent>
 </p:sld>
 </file>
 
@@ -29586,9 +32025,18 @@
   <p:clrMapOvr>
     <a:masterClrMapping/>
   </p:clrMapOvr>
-  <p:transition>
-    <p:fade/>
-  </p:transition>
+  <mc:AlternateContent xmlns:mc="http://schemas.openxmlformats.org/markup-compatibility/2006">
+    <mc:Choice xmlns:p14="http://schemas.microsoft.com/office/powerpoint/2010/main" Requires="p14">
+      <p:transition p14:dur="300">
+        <p:fade/>
+      </p:transition>
+    </mc:Choice>
+    <mc:Fallback>
+      <p:transition>
+        <p:fade/>
+      </p:transition>
+    </mc:Fallback>
+  </mc:AlternateContent>
 </p:sld>
 </file>
 
@@ -29659,9 +32107,18 @@
   <p:clrMapOvr>
     <a:masterClrMapping/>
   </p:clrMapOvr>
-  <p:transition>
-    <p:fade/>
-  </p:transition>
+  <mc:AlternateContent xmlns:mc="http://schemas.openxmlformats.org/markup-compatibility/2006">
+    <mc:Choice xmlns:p14="http://schemas.microsoft.com/office/powerpoint/2010/main" Requires="p14">
+      <p:transition p14:dur="300">
+        <p:fade/>
+      </p:transition>
+    </mc:Choice>
+    <mc:Fallback>
+      <p:transition>
+        <p:fade/>
+      </p:transition>
+    </mc:Fallback>
+  </mc:AlternateContent>
 </p:sld>
 </file>
 
@@ -29744,9 +32201,18 @@
   <p:clrMapOvr>
     <a:masterClrMapping/>
   </p:clrMapOvr>
-  <p:transition>
-    <p:fade/>
-  </p:transition>
+  <mc:AlternateContent xmlns:mc="http://schemas.openxmlformats.org/markup-compatibility/2006">
+    <mc:Choice xmlns:p14="http://schemas.microsoft.com/office/powerpoint/2010/main" Requires="p14">
+      <p:transition p14:dur="300">
+        <p:fade/>
+      </p:transition>
+    </mc:Choice>
+    <mc:Fallback>
+      <p:transition>
+        <p:fade/>
+      </p:transition>
+    </mc:Fallback>
+  </mc:AlternateContent>
 </p:sld>
 </file>
 
@@ -29817,9 +32283,18 @@
   <p:clrMapOvr>
     <a:masterClrMapping/>
   </p:clrMapOvr>
-  <p:transition>
-    <p:fade/>
-  </p:transition>
+  <mc:AlternateContent xmlns:mc="http://schemas.openxmlformats.org/markup-compatibility/2006">
+    <mc:Choice xmlns:p14="http://schemas.microsoft.com/office/powerpoint/2010/main" Requires="p14">
+      <p:transition p14:dur="300">
+        <p:fade/>
+      </p:transition>
+    </mc:Choice>
+    <mc:Fallback>
+      <p:transition>
+        <p:fade/>
+      </p:transition>
+    </mc:Fallback>
+  </mc:AlternateContent>
 </p:sld>
 </file>
 
@@ -29890,9 +32365,18 @@
   <p:clrMapOvr>
     <a:masterClrMapping/>
   </p:clrMapOvr>
-  <p:transition>
-    <p:fade/>
-  </p:transition>
+  <mc:AlternateContent xmlns:mc="http://schemas.openxmlformats.org/markup-compatibility/2006">
+    <mc:Choice xmlns:p14="http://schemas.microsoft.com/office/powerpoint/2010/main" Requires="p14">
+      <p:transition p14:dur="300">
+        <p:fade/>
+      </p:transition>
+    </mc:Choice>
+    <mc:Fallback>
+      <p:transition>
+        <p:fade/>
+      </p:transition>
+    </mc:Fallback>
+  </mc:AlternateContent>
 </p:sld>
 </file>
 
@@ -29963,9 +32447,18 @@
   <p:clrMapOvr>
     <a:masterClrMapping/>
   </p:clrMapOvr>
-  <p:transition>
-    <p:fade/>
-  </p:transition>
+  <mc:AlternateContent xmlns:mc="http://schemas.openxmlformats.org/markup-compatibility/2006">
+    <mc:Choice xmlns:p14="http://schemas.microsoft.com/office/powerpoint/2010/main" Requires="p14">
+      <p:transition p14:dur="300">
+        <p:fade/>
+      </p:transition>
+    </mc:Choice>
+    <mc:Fallback>
+      <p:transition>
+        <p:fade/>
+      </p:transition>
+    </mc:Fallback>
+  </mc:AlternateContent>
 </p:sld>
 </file>
 
@@ -30036,9 +32529,18 @@
   <p:clrMapOvr>
     <a:masterClrMapping/>
   </p:clrMapOvr>
-  <p:transition>
-    <p:fade/>
-  </p:transition>
+  <mc:AlternateContent xmlns:mc="http://schemas.openxmlformats.org/markup-compatibility/2006">
+    <mc:Choice xmlns:p14="http://schemas.microsoft.com/office/powerpoint/2010/main" Requires="p14">
+      <p:transition p14:dur="300">
+        <p:fade/>
+      </p:transition>
+    </mc:Choice>
+    <mc:Fallback>
+      <p:transition>
+        <p:fade/>
+      </p:transition>
+    </mc:Fallback>
+  </mc:AlternateContent>
 </p:sld>
 </file>
 
@@ -30109,9 +32611,18 @@
   <p:clrMapOvr>
     <a:masterClrMapping/>
   </p:clrMapOvr>
-  <p:transition>
-    <p:fade/>
-  </p:transition>
+  <mc:AlternateContent xmlns:mc="http://schemas.openxmlformats.org/markup-compatibility/2006">
+    <mc:Choice xmlns:p14="http://schemas.microsoft.com/office/powerpoint/2010/main" Requires="p14">
+      <p:transition p14:dur="300">
+        <p:fade/>
+      </p:transition>
+    </mc:Choice>
+    <mc:Fallback>
+      <p:transition>
+        <p:fade/>
+      </p:transition>
+    </mc:Fallback>
+  </mc:AlternateContent>
 </p:sld>
 </file>
 
@@ -30182,9 +32693,18 @@
   <p:clrMapOvr>
     <a:masterClrMapping/>
   </p:clrMapOvr>
-  <p:transition>
-    <p:fade/>
-  </p:transition>
+  <mc:AlternateContent xmlns:mc="http://schemas.openxmlformats.org/markup-compatibility/2006">
+    <mc:Choice xmlns:p14="http://schemas.microsoft.com/office/powerpoint/2010/main" Requires="p14">
+      <p:transition p14:dur="300">
+        <p:fade/>
+      </p:transition>
+    </mc:Choice>
+    <mc:Fallback>
+      <p:transition>
+        <p:fade/>
+      </p:transition>
+    </mc:Fallback>
+  </mc:AlternateContent>
 </p:sld>
 </file>
 
@@ -30255,9 +32775,18 @@
   <p:clrMapOvr>
     <a:masterClrMapping/>
   </p:clrMapOvr>
-  <p:transition>
-    <p:fade/>
-  </p:transition>
+  <mc:AlternateContent xmlns:mc="http://schemas.openxmlformats.org/markup-compatibility/2006">
+    <mc:Choice xmlns:p14="http://schemas.microsoft.com/office/powerpoint/2010/main" Requires="p14">
+      <p:transition p14:dur="300">
+        <p:fade/>
+      </p:transition>
+    </mc:Choice>
+    <mc:Fallback>
+      <p:transition>
+        <p:fade/>
+      </p:transition>
+    </mc:Fallback>
+  </mc:AlternateContent>
 </p:sld>
 </file>
 
@@ -30328,9 +32857,18 @@
   <p:clrMapOvr>
     <a:masterClrMapping/>
   </p:clrMapOvr>
-  <p:transition>
-    <p:fade/>
-  </p:transition>
+  <mc:AlternateContent xmlns:mc="http://schemas.openxmlformats.org/markup-compatibility/2006">
+    <mc:Choice xmlns:p14="http://schemas.microsoft.com/office/powerpoint/2010/main" Requires="p14">
+      <p:transition p14:dur="300">
+        <p:fade/>
+      </p:transition>
+    </mc:Choice>
+    <mc:Fallback>
+      <p:transition>
+        <p:fade/>
+      </p:transition>
+    </mc:Fallback>
+  </mc:AlternateContent>
 </p:sld>
 </file>
 
@@ -30409,9 +32947,18 @@
   <p:clrMapOvr>
     <a:masterClrMapping/>
   </p:clrMapOvr>
-  <p:transition>
-    <p:fade/>
-  </p:transition>
+  <mc:AlternateContent xmlns:mc="http://schemas.openxmlformats.org/markup-compatibility/2006">
+    <mc:Choice xmlns:p14="http://schemas.microsoft.com/office/powerpoint/2010/main" Requires="p14">
+      <p:transition p14:dur="300">
+        <p:fade/>
+      </p:transition>
+    </mc:Choice>
+    <mc:Fallback>
+      <p:transition>
+        <p:fade/>
+      </p:transition>
+    </mc:Fallback>
+  </mc:AlternateContent>
 </p:sld>
 </file>
 
@@ -30486,9 +33033,18 @@
   <p:clrMapOvr>
     <a:masterClrMapping/>
   </p:clrMapOvr>
-  <p:transition>
-    <p:fade/>
-  </p:transition>
+  <mc:AlternateContent xmlns:mc="http://schemas.openxmlformats.org/markup-compatibility/2006">
+    <mc:Choice xmlns:p14="http://schemas.microsoft.com/office/powerpoint/2010/main" Requires="p14">
+      <p:transition p14:dur="300">
+        <p:fade/>
+      </p:transition>
+    </mc:Choice>
+    <mc:Fallback>
+      <p:transition>
+        <p:fade/>
+      </p:transition>
+    </mc:Fallback>
+  </mc:AlternateContent>
 </p:sld>
 </file>
 
@@ -30563,9 +33119,18 @@
   <p:clrMapOvr>
     <a:masterClrMapping/>
   </p:clrMapOvr>
-  <p:transition>
-    <p:fade/>
-  </p:transition>
+  <mc:AlternateContent xmlns:mc="http://schemas.openxmlformats.org/markup-compatibility/2006">
+    <mc:Choice xmlns:p14="http://schemas.microsoft.com/office/powerpoint/2010/main" Requires="p14">
+      <p:transition p14:dur="300">
+        <p:fade/>
+      </p:transition>
+    </mc:Choice>
+    <mc:Fallback>
+      <p:transition>
+        <p:fade/>
+      </p:transition>
+    </mc:Fallback>
+  </mc:AlternateContent>
 </p:sld>
 </file>
 
@@ -30636,9 +33201,18 @@
   <p:clrMapOvr>
     <a:masterClrMapping/>
   </p:clrMapOvr>
-  <p:transition>
-    <p:fade/>
-  </p:transition>
+  <mc:AlternateContent xmlns:mc="http://schemas.openxmlformats.org/markup-compatibility/2006">
+    <mc:Choice xmlns:p14="http://schemas.microsoft.com/office/powerpoint/2010/main" Requires="p14">
+      <p:transition p14:dur="300">
+        <p:fade/>
+      </p:transition>
+    </mc:Choice>
+    <mc:Fallback>
+      <p:transition>
+        <p:fade/>
+      </p:transition>
+    </mc:Fallback>
+  </mc:AlternateContent>
 </p:sld>
 </file>
 
@@ -30709,9 +33283,18 @@
   <p:clrMapOvr>
     <a:masterClrMapping/>
   </p:clrMapOvr>
-  <p:transition>
-    <p:fade/>
-  </p:transition>
+  <mc:AlternateContent xmlns:mc="http://schemas.openxmlformats.org/markup-compatibility/2006">
+    <mc:Choice xmlns:p14="http://schemas.microsoft.com/office/powerpoint/2010/main" Requires="p14">
+      <p:transition p14:dur="300">
+        <p:fade/>
+      </p:transition>
+    </mc:Choice>
+    <mc:Fallback>
+      <p:transition>
+        <p:fade/>
+      </p:transition>
+    </mc:Fallback>
+  </mc:AlternateContent>
 </p:sld>
 </file>
 
@@ -30790,9 +33373,18 @@
   <p:clrMapOvr>
     <a:masterClrMapping/>
   </p:clrMapOvr>
-  <p:transition>
-    <p:fade/>
-  </p:transition>
+  <mc:AlternateContent xmlns:mc="http://schemas.openxmlformats.org/markup-compatibility/2006">
+    <mc:Choice xmlns:p14="http://schemas.microsoft.com/office/powerpoint/2010/main" Requires="p14">
+      <p:transition p14:dur="300">
+        <p:fade/>
+      </p:transition>
+    </mc:Choice>
+    <mc:Fallback>
+      <p:transition>
+        <p:fade/>
+      </p:transition>
+    </mc:Fallback>
+  </mc:AlternateContent>
 </p:sld>
 </file>
 
@@ -30863,9 +33455,18 @@
   <p:clrMapOvr>
     <a:masterClrMapping/>
   </p:clrMapOvr>
-  <p:transition>
-    <p:fade/>
-  </p:transition>
+  <mc:AlternateContent xmlns:mc="http://schemas.openxmlformats.org/markup-compatibility/2006">
+    <mc:Choice xmlns:p14="http://schemas.microsoft.com/office/powerpoint/2010/main" Requires="p14">
+      <p:transition p14:dur="300">
+        <p:fade/>
+      </p:transition>
+    </mc:Choice>
+    <mc:Fallback>
+      <p:transition>
+        <p:fade/>
+      </p:transition>
+    </mc:Fallback>
+  </mc:AlternateContent>
 </p:sld>
 </file>
 
@@ -30940,9 +33541,18 @@
   <p:clrMapOvr>
     <a:masterClrMapping/>
   </p:clrMapOvr>
-  <p:transition>
-    <p:fade/>
-  </p:transition>
+  <mc:AlternateContent xmlns:mc="http://schemas.openxmlformats.org/markup-compatibility/2006">
+    <mc:Choice xmlns:p14="http://schemas.microsoft.com/office/powerpoint/2010/main" Requires="p14">
+      <p:transition p14:dur="300">
+        <p:fade/>
+      </p:transition>
+    </mc:Choice>
+    <mc:Fallback>
+      <p:transition>
+        <p:fade/>
+      </p:transition>
+    </mc:Fallback>
+  </mc:AlternateContent>
 </p:sld>
 </file>
 
@@ -31013,9 +33623,18 @@
   <p:clrMapOvr>
     <a:masterClrMapping/>
   </p:clrMapOvr>
-  <p:transition>
-    <p:fade/>
-  </p:transition>
+  <mc:AlternateContent xmlns:mc="http://schemas.openxmlformats.org/markup-compatibility/2006">
+    <mc:Choice xmlns:p14="http://schemas.microsoft.com/office/powerpoint/2010/main" Requires="p14">
+      <p:transition p14:dur="300">
+        <p:fade/>
+      </p:transition>
+    </mc:Choice>
+    <mc:Fallback>
+      <p:transition>
+        <p:fade/>
+      </p:transition>
+    </mc:Fallback>
+  </mc:AlternateContent>
 </p:sld>
 </file>
 
@@ -31086,9 +33705,18 @@
   <p:clrMapOvr>
     <a:masterClrMapping/>
   </p:clrMapOvr>
-  <p:transition>
-    <p:fade/>
-  </p:transition>
+  <mc:AlternateContent xmlns:mc="http://schemas.openxmlformats.org/markup-compatibility/2006">
+    <mc:Choice xmlns:p14="http://schemas.microsoft.com/office/powerpoint/2010/main" Requires="p14">
+      <p:transition p14:dur="300">
+        <p:fade/>
+      </p:transition>
+    </mc:Choice>
+    <mc:Fallback>
+      <p:transition>
+        <p:fade/>
+      </p:transition>
+    </mc:Fallback>
+  </mc:AlternateContent>
 </p:sld>
 </file>
 
@@ -31163,9 +33791,18 @@
   <p:clrMapOvr>
     <a:masterClrMapping/>
   </p:clrMapOvr>
-  <p:transition>
-    <p:fade/>
-  </p:transition>
+  <mc:AlternateContent xmlns:mc="http://schemas.openxmlformats.org/markup-compatibility/2006">
+    <mc:Choice xmlns:p14="http://schemas.microsoft.com/office/powerpoint/2010/main" Requires="p14">
+      <p:transition p14:dur="300">
+        <p:fade/>
+      </p:transition>
+    </mc:Choice>
+    <mc:Fallback>
+      <p:transition>
+        <p:fade/>
+      </p:transition>
+    </mc:Fallback>
+  </mc:AlternateContent>
 </p:sld>
 </file>
 
@@ -31236,9 +33873,18 @@
   <p:clrMapOvr>
     <a:masterClrMapping/>
   </p:clrMapOvr>
-  <p:transition>
-    <p:fade/>
-  </p:transition>
+  <mc:AlternateContent xmlns:mc="http://schemas.openxmlformats.org/markup-compatibility/2006">
+    <mc:Choice xmlns:p14="http://schemas.microsoft.com/office/powerpoint/2010/main" Requires="p14">
+      <p:transition p14:dur="300">
+        <p:fade/>
+      </p:transition>
+    </mc:Choice>
+    <mc:Fallback>
+      <p:transition>
+        <p:fade/>
+      </p:transition>
+    </mc:Fallback>
+  </mc:AlternateContent>
 </p:sld>
 </file>
 
@@ -31313,9 +33959,18 @@
   <p:clrMapOvr>
     <a:masterClrMapping/>
   </p:clrMapOvr>
-  <p:transition>
-    <p:fade/>
-  </p:transition>
+  <mc:AlternateContent xmlns:mc="http://schemas.openxmlformats.org/markup-compatibility/2006">
+    <mc:Choice xmlns:p14="http://schemas.microsoft.com/office/powerpoint/2010/main" Requires="p14">
+      <p:transition p14:dur="300">
+        <p:fade/>
+      </p:transition>
+    </mc:Choice>
+    <mc:Fallback>
+      <p:transition>
+        <p:fade/>
+      </p:transition>
+    </mc:Fallback>
+  </mc:AlternateContent>
 </p:sld>
 </file>
 
@@ -31390,9 +34045,18 @@
   <p:clrMapOvr>
     <a:masterClrMapping/>
   </p:clrMapOvr>
-  <p:transition>
-    <p:fade/>
-  </p:transition>
+  <mc:AlternateContent xmlns:mc="http://schemas.openxmlformats.org/markup-compatibility/2006">
+    <mc:Choice xmlns:p14="http://schemas.microsoft.com/office/powerpoint/2010/main" Requires="p14">
+      <p:transition p14:dur="300">
+        <p:fade/>
+      </p:transition>
+    </mc:Choice>
+    <mc:Fallback>
+      <p:transition>
+        <p:fade/>
+      </p:transition>
+    </mc:Fallback>
+  </mc:AlternateContent>
 </p:sld>
 </file>
 
@@ -31463,9 +34127,18 @@
   <p:clrMapOvr>
     <a:masterClrMapping/>
   </p:clrMapOvr>
-  <p:transition>
-    <p:fade/>
-  </p:transition>
+  <mc:AlternateContent xmlns:mc="http://schemas.openxmlformats.org/markup-compatibility/2006">
+    <mc:Choice xmlns:p14="http://schemas.microsoft.com/office/powerpoint/2010/main" Requires="p14">
+      <p:transition p14:dur="300">
+        <p:fade/>
+      </p:transition>
+    </mc:Choice>
+    <mc:Fallback>
+      <p:transition>
+        <p:fade/>
+      </p:transition>
+    </mc:Fallback>
+  </mc:AlternateContent>
 </p:sld>
 </file>
 
@@ -31536,9 +34209,18 @@
   <p:clrMapOvr>
     <a:masterClrMapping/>
   </p:clrMapOvr>
-  <p:transition>
-    <p:fade/>
-  </p:transition>
+  <mc:AlternateContent xmlns:mc="http://schemas.openxmlformats.org/markup-compatibility/2006">
+    <mc:Choice xmlns:p14="http://schemas.microsoft.com/office/powerpoint/2010/main" Requires="p14">
+      <p:transition p14:dur="300">
+        <p:fade/>
+      </p:transition>
+    </mc:Choice>
+    <mc:Fallback>
+      <p:transition>
+        <p:fade/>
+      </p:transition>
+    </mc:Fallback>
+  </mc:AlternateContent>
 </p:sld>
 </file>
 
@@ -31609,9 +34291,18 @@
   <p:clrMapOvr>
     <a:masterClrMapping/>
   </p:clrMapOvr>
-  <p:transition>
-    <p:fade/>
-  </p:transition>
+  <mc:AlternateContent xmlns:mc="http://schemas.openxmlformats.org/markup-compatibility/2006">
+    <mc:Choice xmlns:p14="http://schemas.microsoft.com/office/powerpoint/2010/main" Requires="p14">
+      <p:transition p14:dur="300">
+        <p:fade/>
+      </p:transition>
+    </mc:Choice>
+    <mc:Fallback>
+      <p:transition>
+        <p:fade/>
+      </p:transition>
+    </mc:Fallback>
+  </mc:AlternateContent>
 </p:sld>
 </file>
 
@@ -31682,9 +34373,18 @@
   <p:clrMapOvr>
     <a:masterClrMapping/>
   </p:clrMapOvr>
-  <p:transition>
-    <p:fade/>
-  </p:transition>
+  <mc:AlternateContent xmlns:mc="http://schemas.openxmlformats.org/markup-compatibility/2006">
+    <mc:Choice xmlns:p14="http://schemas.microsoft.com/office/powerpoint/2010/main" Requires="p14">
+      <p:transition p14:dur="300">
+        <p:fade/>
+      </p:transition>
+    </mc:Choice>
+    <mc:Fallback>
+      <p:transition>
+        <p:fade/>
+      </p:transition>
+    </mc:Fallback>
+  </mc:AlternateContent>
 </p:sld>
 </file>
 
@@ -31759,9 +34459,18 @@
   <p:clrMapOvr>
     <a:masterClrMapping/>
   </p:clrMapOvr>
-  <p:transition>
-    <p:fade/>
-  </p:transition>
+  <mc:AlternateContent xmlns:mc="http://schemas.openxmlformats.org/markup-compatibility/2006">
+    <mc:Choice xmlns:p14="http://schemas.microsoft.com/office/powerpoint/2010/main" Requires="p14">
+      <p:transition p14:dur="300">
+        <p:fade/>
+      </p:transition>
+    </mc:Choice>
+    <mc:Fallback>
+      <p:transition>
+        <p:fade/>
+      </p:transition>
+    </mc:Fallback>
+  </mc:AlternateContent>
 </p:sld>
 </file>
 
@@ -31832,9 +34541,18 @@
   <p:clrMapOvr>
     <a:masterClrMapping/>
   </p:clrMapOvr>
-  <p:transition>
-    <p:fade/>
-  </p:transition>
+  <mc:AlternateContent xmlns:mc="http://schemas.openxmlformats.org/markup-compatibility/2006">
+    <mc:Choice xmlns:p14="http://schemas.microsoft.com/office/powerpoint/2010/main" Requires="p14">
+      <p:transition p14:dur="300">
+        <p:fade/>
+      </p:transition>
+    </mc:Choice>
+    <mc:Fallback>
+      <p:transition>
+        <p:fade/>
+      </p:transition>
+    </mc:Fallback>
+  </mc:AlternateContent>
 </p:sld>
 </file>
 
@@ -31905,9 +34623,18 @@
   <p:clrMapOvr>
     <a:masterClrMapping/>
   </p:clrMapOvr>
-  <p:transition>
-    <p:fade/>
-  </p:transition>
+  <mc:AlternateContent xmlns:mc="http://schemas.openxmlformats.org/markup-compatibility/2006">
+    <mc:Choice xmlns:p14="http://schemas.microsoft.com/office/powerpoint/2010/main" Requires="p14">
+      <p:transition p14:dur="300">
+        <p:fade/>
+      </p:transition>
+    </mc:Choice>
+    <mc:Fallback>
+      <p:transition>
+        <p:fade/>
+      </p:transition>
+    </mc:Fallback>
+  </mc:AlternateContent>
 </p:sld>
 </file>
 
@@ -31982,9 +34709,18 @@
   <p:clrMapOvr>
     <a:masterClrMapping/>
   </p:clrMapOvr>
-  <p:transition>
-    <p:fade/>
-  </p:transition>
+  <mc:AlternateContent xmlns:mc="http://schemas.openxmlformats.org/markup-compatibility/2006">
+    <mc:Choice xmlns:p14="http://schemas.microsoft.com/office/powerpoint/2010/main" Requires="p14">
+      <p:transition p14:dur="300">
+        <p:fade/>
+      </p:transition>
+    </mc:Choice>
+    <mc:Fallback>
+      <p:transition>
+        <p:fade/>
+      </p:transition>
+    </mc:Fallback>
+  </mc:AlternateContent>
 </p:sld>
 </file>
 
@@ -32063,9 +34799,18 @@
   <p:clrMapOvr>
     <a:masterClrMapping/>
   </p:clrMapOvr>
-  <p:transition>
-    <p:fade/>
-  </p:transition>
+  <mc:AlternateContent xmlns:mc="http://schemas.openxmlformats.org/markup-compatibility/2006">
+    <mc:Choice xmlns:p14="http://schemas.microsoft.com/office/powerpoint/2010/main" Requires="p14">
+      <p:transition p14:dur="300">
+        <p:fade/>
+      </p:transition>
+    </mc:Choice>
+    <mc:Fallback>
+      <p:transition>
+        <p:fade/>
+      </p:transition>
+    </mc:Fallback>
+  </mc:AlternateContent>
 </p:sld>
 </file>
 
@@ -32140,9 +34885,18 @@
   <p:clrMapOvr>
     <a:masterClrMapping/>
   </p:clrMapOvr>
-  <p:transition>
-    <p:fade/>
-  </p:transition>
+  <mc:AlternateContent xmlns:mc="http://schemas.openxmlformats.org/markup-compatibility/2006">
+    <mc:Choice xmlns:p14="http://schemas.microsoft.com/office/powerpoint/2010/main" Requires="p14">
+      <p:transition p14:dur="300">
+        <p:fade/>
+      </p:transition>
+    </mc:Choice>
+    <mc:Fallback>
+      <p:transition>
+        <p:fade/>
+      </p:transition>
+    </mc:Fallback>
+  </mc:AlternateContent>
 </p:sld>
 </file>
 
@@ -32213,9 +34967,18 @@
   <p:clrMapOvr>
     <a:masterClrMapping/>
   </p:clrMapOvr>
-  <p:transition>
-    <p:fade/>
-  </p:transition>
+  <mc:AlternateContent xmlns:mc="http://schemas.openxmlformats.org/markup-compatibility/2006">
+    <mc:Choice xmlns:p14="http://schemas.microsoft.com/office/powerpoint/2010/main" Requires="p14">
+      <p:transition p14:dur="300">
+        <p:fade/>
+      </p:transition>
+    </mc:Choice>
+    <mc:Fallback>
+      <p:transition>
+        <p:fade/>
+      </p:transition>
+    </mc:Fallback>
+  </mc:AlternateContent>
 </p:sld>
 </file>
 
@@ -32290,9 +35053,18 @@
   <p:clrMapOvr>
     <a:masterClrMapping/>
   </p:clrMapOvr>
-  <p:transition>
-    <p:fade/>
-  </p:transition>
+  <mc:AlternateContent xmlns:mc="http://schemas.openxmlformats.org/markup-compatibility/2006">
+    <mc:Choice xmlns:p14="http://schemas.microsoft.com/office/powerpoint/2010/main" Requires="p14">
+      <p:transition p14:dur="300">
+        <p:fade/>
+      </p:transition>
+    </mc:Choice>
+    <mc:Fallback>
+      <p:transition>
+        <p:fade/>
+      </p:transition>
+    </mc:Fallback>
+  </mc:AlternateContent>
 </p:sld>
 </file>
 
@@ -32367,9 +35139,18 @@
   <p:clrMapOvr>
     <a:masterClrMapping/>
   </p:clrMapOvr>
-  <p:transition>
-    <p:fade/>
-  </p:transition>
+  <mc:AlternateContent xmlns:mc="http://schemas.openxmlformats.org/markup-compatibility/2006">
+    <mc:Choice xmlns:p14="http://schemas.microsoft.com/office/powerpoint/2010/main" Requires="p14">
+      <p:transition p14:dur="300">
+        <p:fade/>
+      </p:transition>
+    </mc:Choice>
+    <mc:Fallback>
+      <p:transition>
+        <p:fade/>
+      </p:transition>
+    </mc:Fallback>
+  </mc:AlternateContent>
 </p:sld>
 </file>
 
@@ -32444,9 +35225,18 @@
   <p:clrMapOvr>
     <a:masterClrMapping/>
   </p:clrMapOvr>
-  <p:transition>
-    <p:fade/>
-  </p:transition>
+  <mc:AlternateContent xmlns:mc="http://schemas.openxmlformats.org/markup-compatibility/2006">
+    <mc:Choice xmlns:p14="http://schemas.microsoft.com/office/powerpoint/2010/main" Requires="p14">
+      <p:transition p14:dur="300">
+        <p:fade/>
+      </p:transition>
+    </mc:Choice>
+    <mc:Fallback>
+      <p:transition>
+        <p:fade/>
+      </p:transition>
+    </mc:Fallback>
+  </mc:AlternateContent>
 </p:sld>
 </file>
 
@@ -32525,9 +35315,18 @@
   <p:clrMapOvr>
     <a:masterClrMapping/>
   </p:clrMapOvr>
-  <p:transition>
-    <p:fade/>
-  </p:transition>
+  <mc:AlternateContent xmlns:mc="http://schemas.openxmlformats.org/markup-compatibility/2006">
+    <mc:Choice xmlns:p14="http://schemas.microsoft.com/office/powerpoint/2010/main" Requires="p14">
+      <p:transition p14:dur="300">
+        <p:fade/>
+      </p:transition>
+    </mc:Choice>
+    <mc:Fallback>
+      <p:transition>
+        <p:fade/>
+      </p:transition>
+    </mc:Fallback>
+  </mc:AlternateContent>
 </p:sld>
 </file>
 
@@ -32598,9 +35397,18 @@
   <p:clrMapOvr>
     <a:masterClrMapping/>
   </p:clrMapOvr>
-  <p:transition>
-    <p:fade/>
-  </p:transition>
+  <mc:AlternateContent xmlns:mc="http://schemas.openxmlformats.org/markup-compatibility/2006">
+    <mc:Choice xmlns:p14="http://schemas.microsoft.com/office/powerpoint/2010/main" Requires="p14">
+      <p:transition p14:dur="300">
+        <p:fade/>
+      </p:transition>
+    </mc:Choice>
+    <mc:Fallback>
+      <p:transition>
+        <p:fade/>
+      </p:transition>
+    </mc:Fallback>
+  </mc:AlternateContent>
 </p:sld>
 </file>
 
@@ -32675,9 +35483,18 @@
   <p:clrMapOvr>
     <a:masterClrMapping/>
   </p:clrMapOvr>
-  <p:transition>
-    <p:fade/>
-  </p:transition>
+  <mc:AlternateContent xmlns:mc="http://schemas.openxmlformats.org/markup-compatibility/2006">
+    <mc:Choice xmlns:p14="http://schemas.microsoft.com/office/powerpoint/2010/main" Requires="p14">
+      <p:transition p14:dur="300">
+        <p:fade/>
+      </p:transition>
+    </mc:Choice>
+    <mc:Fallback>
+      <p:transition>
+        <p:fade/>
+      </p:transition>
+    </mc:Fallback>
+  </mc:AlternateContent>
 </p:sld>
 </file>
 
@@ -32760,9 +35577,18 @@
   <p:clrMapOvr>
     <a:masterClrMapping/>
   </p:clrMapOvr>
-  <p:transition>
-    <p:fade/>
-  </p:transition>
+  <mc:AlternateContent xmlns:mc="http://schemas.openxmlformats.org/markup-compatibility/2006">
+    <mc:Choice xmlns:p14="http://schemas.microsoft.com/office/powerpoint/2010/main" Requires="p14">
+      <p:transition p14:dur="300">
+        <p:fade/>
+      </p:transition>
+    </mc:Choice>
+    <mc:Fallback>
+      <p:transition>
+        <p:fade/>
+      </p:transition>
+    </mc:Fallback>
+  </mc:AlternateContent>
 </p:sld>
 </file>
 
@@ -32833,9 +35659,18 @@
   <p:clrMapOvr>
     <a:masterClrMapping/>
   </p:clrMapOvr>
-  <p:transition>
-    <p:fade/>
-  </p:transition>
+  <mc:AlternateContent xmlns:mc="http://schemas.openxmlformats.org/markup-compatibility/2006">
+    <mc:Choice xmlns:p14="http://schemas.microsoft.com/office/powerpoint/2010/main" Requires="p14">
+      <p:transition p14:dur="300">
+        <p:fade/>
+      </p:transition>
+    </mc:Choice>
+    <mc:Fallback>
+      <p:transition>
+        <p:fade/>
+      </p:transition>
+    </mc:Fallback>
+  </mc:AlternateContent>
 </p:sld>
 </file>
 
@@ -32906,9 +35741,18 @@
   <p:clrMapOvr>
     <a:masterClrMapping/>
   </p:clrMapOvr>
-  <p:transition>
-    <p:fade/>
-  </p:transition>
+  <mc:AlternateContent xmlns:mc="http://schemas.openxmlformats.org/markup-compatibility/2006">
+    <mc:Choice xmlns:p14="http://schemas.microsoft.com/office/powerpoint/2010/main" Requires="p14">
+      <p:transition p14:dur="300">
+        <p:fade/>
+      </p:transition>
+    </mc:Choice>
+    <mc:Fallback>
+      <p:transition>
+        <p:fade/>
+      </p:transition>
+    </mc:Fallback>
+  </mc:AlternateContent>
 </p:sld>
 </file>
 
@@ -32979,9 +35823,18 @@
   <p:clrMapOvr>
     <a:masterClrMapping/>
   </p:clrMapOvr>
-  <p:transition>
-    <p:fade/>
-  </p:transition>
+  <mc:AlternateContent xmlns:mc="http://schemas.openxmlformats.org/markup-compatibility/2006">
+    <mc:Choice xmlns:p14="http://schemas.microsoft.com/office/powerpoint/2010/main" Requires="p14">
+      <p:transition p14:dur="300">
+        <p:fade/>
+      </p:transition>
+    </mc:Choice>
+    <mc:Fallback>
+      <p:transition>
+        <p:fade/>
+      </p:transition>
+    </mc:Fallback>
+  </mc:AlternateContent>
 </p:sld>
 </file>
 
@@ -33052,9 +35905,18 @@
   <p:clrMapOvr>
     <a:masterClrMapping/>
   </p:clrMapOvr>
-  <p:transition>
-    <p:fade/>
-  </p:transition>
+  <mc:AlternateContent xmlns:mc="http://schemas.openxmlformats.org/markup-compatibility/2006">
+    <mc:Choice xmlns:p14="http://schemas.microsoft.com/office/powerpoint/2010/main" Requires="p14">
+      <p:transition p14:dur="300">
+        <p:fade/>
+      </p:transition>
+    </mc:Choice>
+    <mc:Fallback>
+      <p:transition>
+        <p:fade/>
+      </p:transition>
+    </mc:Fallback>
+  </mc:AlternateContent>
 </p:sld>
 </file>
 
@@ -33125,9 +35987,18 @@
   <p:clrMapOvr>
     <a:masterClrMapping/>
   </p:clrMapOvr>
-  <p:transition>
-    <p:fade/>
-  </p:transition>
+  <mc:AlternateContent xmlns:mc="http://schemas.openxmlformats.org/markup-compatibility/2006">
+    <mc:Choice xmlns:p14="http://schemas.microsoft.com/office/powerpoint/2010/main" Requires="p14">
+      <p:transition p14:dur="300">
+        <p:fade/>
+      </p:transition>
+    </mc:Choice>
+    <mc:Fallback>
+      <p:transition>
+        <p:fade/>
+      </p:transition>
+    </mc:Fallback>
+  </mc:AlternateContent>
 </p:sld>
 </file>
 
@@ -33202,9 +36073,18 @@
   <p:clrMapOvr>
     <a:masterClrMapping/>
   </p:clrMapOvr>
-  <p:transition>
-    <p:fade/>
-  </p:transition>
+  <mc:AlternateContent xmlns:mc="http://schemas.openxmlformats.org/markup-compatibility/2006">
+    <mc:Choice xmlns:p14="http://schemas.microsoft.com/office/powerpoint/2010/main" Requires="p14">
+      <p:transition p14:dur="300">
+        <p:fade/>
+      </p:transition>
+    </mc:Choice>
+    <mc:Fallback>
+      <p:transition>
+        <p:fade/>
+      </p:transition>
+    </mc:Fallback>
+  </mc:AlternateContent>
 </p:sld>
 </file>
 
@@ -33306,9 +36186,18 @@
   <p:clrMapOvr>
     <a:masterClrMapping/>
   </p:clrMapOvr>
-  <p:transition>
-    <p:fade/>
-  </p:transition>
+  <mc:AlternateContent xmlns:mc="http://schemas.openxmlformats.org/markup-compatibility/2006">
+    <mc:Choice xmlns:p14="http://schemas.microsoft.com/office/powerpoint/2010/main" Requires="p14">
+      <p:transition p14:dur="300">
+        <p:fade/>
+      </p:transition>
+    </mc:Choice>
+    <mc:Fallback>
+      <p:transition>
+        <p:fade/>
+      </p:transition>
+    </mc:Fallback>
+  </mc:AlternateContent>
 </p:sld>
 </file>
 
@@ -33479,321 +36368,23 @@
           </a:p>
         </p:txBody>
       </p:sp>
-      <p:sp>
-        <p:nvSpPr>
-          <p:cNvPr id="21508" name="Rectangle 4"/>
-          <p:cNvSpPr>
-            <a:spLocks noChangeArrowheads="1"/>
-          </p:cNvSpPr>
-          <p:nvPr/>
-        </p:nvSpPr>
-        <p:spPr bwMode="auto">
-          <a:xfrm>
-            <a:off x="1703389" y="6024563"/>
-            <a:ext cx="8785225" cy="276999"/>
-          </a:xfrm>
-          <a:prstGeom prst="rect">
-            <a:avLst/>
-          </a:prstGeom>
-          <a:noFill/>
-          <a:ln>
-            <a:noFill/>
-          </a:ln>
-          <a:effectLst/>
-          <a:extLst>
-            <a:ext uri="{909E8E84-426E-40DD-AFC4-6F175D3DCCD1}">
-              <a14:hiddenFill xmlns:a14="http://schemas.microsoft.com/office/drawing/2010/main">
-                <a:solidFill>
-                  <a:schemeClr val="accent1"/>
-                </a:solidFill>
-              </a14:hiddenFill>
-            </a:ext>
-            <a:ext uri="{91240B29-F687-4F45-9708-019B960494DF}">
-              <a14:hiddenLine xmlns:a14="http://schemas.microsoft.com/office/drawing/2010/main" w="9525">
-                <a:solidFill>
-                  <a:schemeClr val="tx1"/>
-                </a:solidFill>
-                <a:miter lim="800000"/>
-                <a:headEnd/>
-                <a:tailEnd/>
-              </a14:hiddenLine>
-            </a:ext>
-            <a:ext uri="{AF507438-7753-43E0-B8FC-AC1667EBCBE1}">
-              <a14:hiddenEffects xmlns:a14="http://schemas.microsoft.com/office/drawing/2010/main">
-                <a:effectLst>
-                  <a:outerShdw dist="35921" dir="2700000" algn="ctr" rotWithShape="0">
-                    <a:schemeClr val="bg2"/>
-                  </a:outerShdw>
-                </a:effectLst>
-              </a14:hiddenEffects>
-            </a:ext>
-          </a:extLst>
-        </p:spPr>
-        <p:txBody>
-          <a:bodyPr>
-            <a:spAutoFit/>
-          </a:bodyPr>
-          <a:lstStyle>
-            <a:lvl1pPr>
-              <a:defRPr sz="2400">
-                <a:solidFill>
-                  <a:schemeClr val="tx1"/>
-                </a:solidFill>
-                <a:latin typeface="Times New Roman" panose="02020603050405020304" pitchFamily="18" charset="0"/>
-              </a:defRPr>
-            </a:lvl1pPr>
-            <a:lvl2pPr marL="742950" indent="-285750">
-              <a:defRPr sz="2400">
-                <a:solidFill>
-                  <a:schemeClr val="tx1"/>
-                </a:solidFill>
-                <a:latin typeface="Times New Roman" panose="02020603050405020304" pitchFamily="18" charset="0"/>
-              </a:defRPr>
-            </a:lvl2pPr>
-            <a:lvl3pPr marL="1143000" indent="-228600">
-              <a:defRPr sz="2400">
-                <a:solidFill>
-                  <a:schemeClr val="tx1"/>
-                </a:solidFill>
-                <a:latin typeface="Times New Roman" panose="02020603050405020304" pitchFamily="18" charset="0"/>
-              </a:defRPr>
-            </a:lvl3pPr>
-            <a:lvl4pPr marL="1600200" indent="-228600">
-              <a:defRPr sz="2400">
-                <a:solidFill>
-                  <a:schemeClr val="tx1"/>
-                </a:solidFill>
-                <a:latin typeface="Times New Roman" panose="02020603050405020304" pitchFamily="18" charset="0"/>
-              </a:defRPr>
-            </a:lvl4pPr>
-            <a:lvl5pPr marL="2057400" indent="-228600">
-              <a:defRPr sz="2400">
-                <a:solidFill>
-                  <a:schemeClr val="tx1"/>
-                </a:solidFill>
-                <a:latin typeface="Times New Roman" panose="02020603050405020304" pitchFamily="18" charset="0"/>
-              </a:defRPr>
-            </a:lvl5pPr>
-            <a:lvl6pPr marL="2514600" indent="-228600" algn="ctr" eaLnBrk="0" fontAlgn="base" hangingPunct="0">
-              <a:spcBef>
-                <a:spcPct val="0"/>
-              </a:spcBef>
-              <a:spcAft>
-                <a:spcPct val="0"/>
-              </a:spcAft>
-              <a:defRPr sz="2400">
-                <a:solidFill>
-                  <a:schemeClr val="tx1"/>
-                </a:solidFill>
-                <a:latin typeface="Times New Roman" panose="02020603050405020304" pitchFamily="18" charset="0"/>
-              </a:defRPr>
-            </a:lvl6pPr>
-            <a:lvl7pPr marL="2971800" indent="-228600" algn="ctr" eaLnBrk="0" fontAlgn="base" hangingPunct="0">
-              <a:spcBef>
-                <a:spcPct val="0"/>
-              </a:spcBef>
-              <a:spcAft>
-                <a:spcPct val="0"/>
-              </a:spcAft>
-              <a:defRPr sz="2400">
-                <a:solidFill>
-                  <a:schemeClr val="tx1"/>
-                </a:solidFill>
-                <a:latin typeface="Times New Roman" panose="02020603050405020304" pitchFamily="18" charset="0"/>
-              </a:defRPr>
-            </a:lvl7pPr>
-            <a:lvl8pPr marL="3429000" indent="-228600" algn="ctr" eaLnBrk="0" fontAlgn="base" hangingPunct="0">
-              <a:spcBef>
-                <a:spcPct val="0"/>
-              </a:spcBef>
-              <a:spcAft>
-                <a:spcPct val="0"/>
-              </a:spcAft>
-              <a:defRPr sz="2400">
-                <a:solidFill>
-                  <a:schemeClr val="tx1"/>
-                </a:solidFill>
-                <a:latin typeface="Times New Roman" panose="02020603050405020304" pitchFamily="18" charset="0"/>
-              </a:defRPr>
-            </a:lvl8pPr>
-            <a:lvl9pPr marL="3886200" indent="-228600" algn="ctr" eaLnBrk="0" fontAlgn="base" hangingPunct="0">
-              <a:spcBef>
-                <a:spcPct val="0"/>
-              </a:spcBef>
-              <a:spcAft>
-                <a:spcPct val="0"/>
-              </a:spcAft>
-              <a:defRPr sz="2400">
-                <a:solidFill>
-                  <a:schemeClr val="tx1"/>
-                </a:solidFill>
-                <a:latin typeface="Times New Roman" panose="02020603050405020304" pitchFamily="18" charset="0"/>
-              </a:defRPr>
-            </a:lvl9pPr>
-          </a:lstStyle>
-          <a:p>
-            <a:pPr eaLnBrk="1" hangingPunct="1"/>
-            <a:r>
-              <a:rPr lang="en-US" altLang="en-US" sz="1200" b="1" dirty="0">
-                <a:solidFill>
-                  <a:srgbClr val="000066"/>
-                </a:solidFill>
-                <a:latin typeface="Trebuchet MS" panose="020B0603020202020204" pitchFamily="34" charset="0"/>
-                <a:cs typeface="Calibri Light" panose="020F0302020204030204" pitchFamily="34" charset="0"/>
-              </a:rPr>
-              <a:t>Kindly recite Surah Al-</a:t>
-            </a:r>
-            <a:r>
-              <a:rPr lang="en-US" altLang="en-US" sz="1200" b="1" dirty="0" err="1">
-                <a:solidFill>
-                  <a:srgbClr val="000066"/>
-                </a:solidFill>
-                <a:latin typeface="Trebuchet MS" panose="020B0603020202020204" pitchFamily="34" charset="0"/>
-                <a:cs typeface="Calibri Light" panose="020F0302020204030204" pitchFamily="34" charset="0"/>
-              </a:rPr>
-              <a:t>Fātiḥa</a:t>
-            </a:r>
-            <a:r>
-              <a:rPr lang="en-US" altLang="en-US" sz="1200" b="1" dirty="0">
-                <a:solidFill>
-                  <a:srgbClr val="000066"/>
-                </a:solidFill>
-                <a:latin typeface="Trebuchet MS" panose="020B0603020202020204" pitchFamily="34" charset="0"/>
-                <a:cs typeface="Calibri Light" panose="020F0302020204030204" pitchFamily="34" charset="0"/>
-              </a:rPr>
-              <a:t> for </a:t>
-            </a:r>
-            <a:r>
-              <a:rPr lang="en-US" altLang="en-US" sz="1200" b="1" dirty="0" err="1">
-                <a:solidFill>
-                  <a:srgbClr val="000066"/>
-                </a:solidFill>
-                <a:latin typeface="Trebuchet MS" panose="020B0603020202020204" pitchFamily="34" charset="0"/>
-                <a:cs typeface="Calibri Light" panose="020F0302020204030204" pitchFamily="34" charset="0"/>
-              </a:rPr>
-              <a:t>Marhumeen</a:t>
-            </a:r>
-            <a:r>
-              <a:rPr lang="en-US" altLang="en-US" sz="1200" b="1" dirty="0">
-                <a:solidFill>
-                  <a:srgbClr val="000066"/>
-                </a:solidFill>
-                <a:latin typeface="Trebuchet MS" panose="020B0603020202020204" pitchFamily="34" charset="0"/>
-                <a:cs typeface="Calibri Light" panose="020F0302020204030204" pitchFamily="34" charset="0"/>
-              </a:rPr>
-              <a:t> of all those who have worked towards making this small work possible.</a:t>
-            </a:r>
-          </a:p>
-        </p:txBody>
-      </p:sp>
-      <p:grpSp>
-        <p:nvGrpSpPr>
-          <p:cNvPr id="2" name="Group 1">
-            <a:extLst>
-              <a:ext uri="{FF2B5EF4-FFF2-40B4-BE49-F238E27FC236}">
-                <a16:creationId xmlns:a16="http://schemas.microsoft.com/office/drawing/2014/main" id="{FF832388-AA32-8ECC-C300-89AA783BCB77}"/>
-              </a:ext>
-            </a:extLst>
-          </p:cNvPr>
-          <p:cNvGrpSpPr/>
-          <p:nvPr/>
-        </p:nvGrpSpPr>
-        <p:grpSpPr>
-          <a:xfrm>
-            <a:off x="4655840" y="6301562"/>
-            <a:ext cx="2609137" cy="369332"/>
-            <a:chOff x="3738690" y="1030144"/>
-            <a:chExt cx="2609137" cy="369332"/>
-          </a:xfrm>
-        </p:grpSpPr>
-        <p:sp>
-          <p:nvSpPr>
-            <p:cNvPr id="3" name="TextBox 2">
-              <a:extLst>
-                <a:ext uri="{FF2B5EF4-FFF2-40B4-BE49-F238E27FC236}">
-                  <a16:creationId xmlns:a16="http://schemas.microsoft.com/office/drawing/2014/main" id="{D5573722-E002-3DAA-B27B-F9E7AF17F51D}"/>
-                </a:ext>
-              </a:extLst>
-            </p:cNvPr>
-            <p:cNvSpPr txBox="1"/>
-            <p:nvPr/>
-          </p:nvSpPr>
-          <p:spPr>
-            <a:xfrm>
-              <a:off x="3738690" y="1030144"/>
-              <a:ext cx="2232248" cy="369332"/>
-            </a:xfrm>
-            <a:prstGeom prst="rect">
-              <a:avLst/>
-            </a:prstGeom>
-            <a:noFill/>
-          </p:spPr>
-          <p:txBody>
-            <a:bodyPr wrap="square" rtlCol="0">
-              <a:spAutoFit/>
-            </a:bodyPr>
-            <a:lstStyle/>
-            <a:p>
-              <a:pPr algn="ctr"/>
-              <a:r>
-                <a:rPr lang="en-US" b="1" dirty="0">
-                  <a:solidFill>
-                    <a:srgbClr val="000066"/>
-                  </a:solidFill>
-                  <a:latin typeface="Calibri Light" panose="020F0302020204030204" pitchFamily="34" charset="0"/>
-                  <a:ea typeface="Calibri Light" panose="020F0302020204030204" pitchFamily="34" charset="0"/>
-                  <a:cs typeface="Calibri Light" panose="020F0302020204030204" pitchFamily="34" charset="0"/>
-                </a:rPr>
-                <a:t>Courtesy of </a:t>
-              </a:r>
-            </a:p>
-          </p:txBody>
-        </p:sp>
-        <p:pic>
-          <p:nvPicPr>
-            <p:cNvPr id="4" name="Picture 3" descr="Logo&#10;&#10;Description automatically generated">
-              <a:extLst>
-                <a:ext uri="{FF2B5EF4-FFF2-40B4-BE49-F238E27FC236}">
-                  <a16:creationId xmlns:a16="http://schemas.microsoft.com/office/drawing/2014/main" id="{86F0A95E-14B4-517D-CE32-24184970AE70}"/>
-                </a:ext>
-              </a:extLst>
-            </p:cNvPr>
-            <p:cNvPicPr>
-              <a:picLocks noChangeAspect="1"/>
-            </p:cNvPicPr>
-            <p:nvPr/>
-          </p:nvPicPr>
-          <p:blipFill>
-            <a:blip r:embed="rId2" cstate="print">
-              <a:extLst>
-                <a:ext uri="{28A0092B-C50C-407E-A947-70E740481C1C}">
-                  <a14:useLocalDpi xmlns:a14="http://schemas.microsoft.com/office/drawing/2010/main" val="0"/>
-                </a:ext>
-              </a:extLst>
-            </a:blip>
-            <a:stretch>
-              <a:fillRect/>
-            </a:stretch>
-          </p:blipFill>
-          <p:spPr>
-            <a:xfrm>
-              <a:off x="5467285" y="1074091"/>
-              <a:ext cx="880542" cy="214609"/>
-            </a:xfrm>
-            <a:prstGeom prst="rect">
-              <a:avLst/>
-            </a:prstGeom>
-          </p:spPr>
-        </p:pic>
-      </p:grpSp>
     </p:spTree>
   </p:cSld>
   <p:clrMapOvr>
     <a:masterClrMapping/>
   </p:clrMapOvr>
-  <p:transition>
-    <p:fade/>
-  </p:transition>
+  <mc:AlternateContent xmlns:mc="http://schemas.openxmlformats.org/markup-compatibility/2006">
+    <mc:Choice xmlns:p14="http://schemas.microsoft.com/office/powerpoint/2010/main" Requires="p14">
+      <p:transition p14:dur="300">
+        <p:fade/>
+      </p:transition>
+    </mc:Choice>
+    <mc:Fallback>
+      <p:transition>
+        <p:fade/>
+      </p:transition>
+    </mc:Fallback>
+  </mc:AlternateContent>
 </p:sld>
 </file>
 
@@ -33868,9 +36459,18 @@
   <p:clrMapOvr>
     <a:masterClrMapping/>
   </p:clrMapOvr>
-  <p:transition>
-    <p:fade/>
-  </p:transition>
+  <mc:AlternateContent xmlns:mc="http://schemas.openxmlformats.org/markup-compatibility/2006">
+    <mc:Choice xmlns:p14="http://schemas.microsoft.com/office/powerpoint/2010/main" Requires="p14">
+      <p:transition p14:dur="300">
+        <p:fade/>
+      </p:transition>
+    </mc:Choice>
+    <mc:Fallback>
+      <p:transition>
+        <p:fade/>
+      </p:transition>
+    </mc:Fallback>
+  </mc:AlternateContent>
 </p:sld>
 </file>
 
@@ -33945,9 +36545,18 @@
   <p:clrMapOvr>
     <a:masterClrMapping/>
   </p:clrMapOvr>
-  <p:transition>
-    <p:fade/>
-  </p:transition>
+  <mc:AlternateContent xmlns:mc="http://schemas.openxmlformats.org/markup-compatibility/2006">
+    <mc:Choice xmlns:p14="http://schemas.microsoft.com/office/powerpoint/2010/main" Requires="p14">
+      <p:transition p14:dur="300">
+        <p:fade/>
+      </p:transition>
+    </mc:Choice>
+    <mc:Fallback>
+      <p:transition>
+        <p:fade/>
+      </p:transition>
+    </mc:Fallback>
+  </mc:AlternateContent>
 </p:sld>
 </file>
 
@@ -34018,9 +36627,18 @@
   <p:clrMapOvr>
     <a:masterClrMapping/>
   </p:clrMapOvr>
-  <p:transition>
-    <p:fade/>
-  </p:transition>
+  <mc:AlternateContent xmlns:mc="http://schemas.openxmlformats.org/markup-compatibility/2006">
+    <mc:Choice xmlns:p14="http://schemas.microsoft.com/office/powerpoint/2010/main" Requires="p14">
+      <p:transition p14:dur="300">
+        <p:fade/>
+      </p:transition>
+    </mc:Choice>
+    <mc:Fallback>
+      <p:transition>
+        <p:fade/>
+      </p:transition>
+    </mc:Fallback>
+  </mc:AlternateContent>
 </p:sld>
 </file>
 
@@ -34095,9 +36713,18 @@
   <p:clrMapOvr>
     <a:masterClrMapping/>
   </p:clrMapOvr>
-  <p:transition>
-    <p:fade/>
-  </p:transition>
+  <mc:AlternateContent xmlns:mc="http://schemas.openxmlformats.org/markup-compatibility/2006">
+    <mc:Choice xmlns:p14="http://schemas.microsoft.com/office/powerpoint/2010/main" Requires="p14">
+      <p:transition p14:dur="300">
+        <p:fade/>
+      </p:transition>
+    </mc:Choice>
+    <mc:Fallback>
+      <p:transition>
+        <p:fade/>
+      </p:transition>
+    </mc:Fallback>
+  </mc:AlternateContent>
 </p:sld>
 </file>
 
@@ -34168,9 +36795,18 @@
   <p:clrMapOvr>
     <a:masterClrMapping/>
   </p:clrMapOvr>
-  <p:transition>
-    <p:fade/>
-  </p:transition>
+  <mc:AlternateContent xmlns:mc="http://schemas.openxmlformats.org/markup-compatibility/2006">
+    <mc:Choice xmlns:p14="http://schemas.microsoft.com/office/powerpoint/2010/main" Requires="p14">
+      <p:transition p14:dur="300">
+        <p:fade/>
+      </p:transition>
+    </mc:Choice>
+    <mc:Fallback>
+      <p:transition>
+        <p:fade/>
+      </p:transition>
+    </mc:Fallback>
+  </mc:AlternateContent>
 </p:sld>
 </file>
 
@@ -34241,9 +36877,18 @@
   <p:clrMapOvr>
     <a:masterClrMapping/>
   </p:clrMapOvr>
-  <p:transition>
-    <p:fade/>
-  </p:transition>
+  <mc:AlternateContent xmlns:mc="http://schemas.openxmlformats.org/markup-compatibility/2006">
+    <mc:Choice xmlns:p14="http://schemas.microsoft.com/office/powerpoint/2010/main" Requires="p14">
+      <p:transition p14:dur="300">
+        <p:fade/>
+      </p:transition>
+    </mc:Choice>
+    <mc:Fallback>
+      <p:transition>
+        <p:fade/>
+      </p:transition>
+    </mc:Fallback>
+  </mc:AlternateContent>
 </p:sld>
 </file>
 
@@ -34321,9 +36966,18 @@
   <p:clrMapOvr>
     <a:masterClrMapping/>
   </p:clrMapOvr>
-  <p:transition>
-    <p:fade/>
-  </p:transition>
+  <mc:AlternateContent xmlns:mc="http://schemas.openxmlformats.org/markup-compatibility/2006">
+    <mc:Choice xmlns:p14="http://schemas.microsoft.com/office/powerpoint/2010/main" Requires="p14">
+      <p:transition p14:dur="300">
+        <p:fade/>
+      </p:transition>
+    </mc:Choice>
+    <mc:Fallback>
+      <p:transition>
+        <p:fade/>
+      </p:transition>
+    </mc:Fallback>
+  </mc:AlternateContent>
 </p:sld>
 </file>
 
@@ -34394,9 +37048,18 @@
   <p:clrMapOvr>
     <a:masterClrMapping/>
   </p:clrMapOvr>
-  <p:transition>
-    <p:fade/>
-  </p:transition>
+  <mc:AlternateContent xmlns:mc="http://schemas.openxmlformats.org/markup-compatibility/2006">
+    <mc:Choice xmlns:p14="http://schemas.microsoft.com/office/powerpoint/2010/main" Requires="p14">
+      <p:transition p14:dur="300">
+        <p:fade/>
+      </p:transition>
+    </mc:Choice>
+    <mc:Fallback>
+      <p:transition>
+        <p:fade/>
+      </p:transition>
+    </mc:Fallback>
+  </mc:AlternateContent>
 </p:sld>
 </file>
 
@@ -34467,9 +37130,18 @@
   <p:clrMapOvr>
     <a:masterClrMapping/>
   </p:clrMapOvr>
-  <p:transition>
-    <p:fade/>
-  </p:transition>
+  <mc:AlternateContent xmlns:mc="http://schemas.openxmlformats.org/markup-compatibility/2006">
+    <mc:Choice xmlns:p14="http://schemas.microsoft.com/office/powerpoint/2010/main" Requires="p14">
+      <p:transition p14:dur="300">
+        <p:fade/>
+      </p:transition>
+    </mc:Choice>
+    <mc:Fallback>
+      <p:transition>
+        <p:fade/>
+      </p:transition>
+    </mc:Fallback>
+  </mc:AlternateContent>
 </p:sld>
 </file>
 
@@ -34540,9 +37212,18 @@
   <p:clrMapOvr>
     <a:masterClrMapping/>
   </p:clrMapOvr>
-  <p:transition>
-    <p:fade/>
-  </p:transition>
+  <mc:AlternateContent xmlns:mc="http://schemas.openxmlformats.org/markup-compatibility/2006">
+    <mc:Choice xmlns:p14="http://schemas.microsoft.com/office/powerpoint/2010/main" Requires="p14">
+      <p:transition p14:dur="300">
+        <p:fade/>
+      </p:transition>
+    </mc:Choice>
+    <mc:Fallback>
+      <p:transition>
+        <p:fade/>
+      </p:transition>
+    </mc:Fallback>
+  </mc:AlternateContent>
 </p:sld>
 </file>
 
@@ -34625,9 +37306,18 @@
   <p:clrMapOvr>
     <a:masterClrMapping/>
   </p:clrMapOvr>
-  <p:transition>
-    <p:fade/>
-  </p:transition>
+  <mc:AlternateContent xmlns:mc="http://schemas.openxmlformats.org/markup-compatibility/2006">
+    <mc:Choice xmlns:p14="http://schemas.microsoft.com/office/powerpoint/2010/main" Requires="p14">
+      <p:transition p14:dur="300">
+        <p:fade/>
+      </p:transition>
+    </mc:Choice>
+    <mc:Fallback>
+      <p:transition>
+        <p:fade/>
+      </p:transition>
+    </mc:Fallback>
+  </mc:AlternateContent>
 </p:sld>
 </file>
 
@@ -34706,9 +37396,18 @@
   <p:clrMapOvr>
     <a:masterClrMapping/>
   </p:clrMapOvr>
-  <p:transition>
-    <p:fade/>
-  </p:transition>
+  <mc:AlternateContent xmlns:mc="http://schemas.openxmlformats.org/markup-compatibility/2006">
+    <mc:Choice xmlns:p14="http://schemas.microsoft.com/office/powerpoint/2010/main" Requires="p14">
+      <p:transition p14:dur="300">
+        <p:fade/>
+      </p:transition>
+    </mc:Choice>
+    <mc:Fallback>
+      <p:transition>
+        <p:fade/>
+      </p:transition>
+    </mc:Fallback>
+  </mc:AlternateContent>
 </p:sld>
 </file>
 
@@ -34779,9 +37478,18 @@
   <p:clrMapOvr>
     <a:masterClrMapping/>
   </p:clrMapOvr>
-  <p:transition>
-    <p:fade/>
-  </p:transition>
+  <mc:AlternateContent xmlns:mc="http://schemas.openxmlformats.org/markup-compatibility/2006">
+    <mc:Choice xmlns:p14="http://schemas.microsoft.com/office/powerpoint/2010/main" Requires="p14">
+      <p:transition p14:dur="300">
+        <p:fade/>
+      </p:transition>
+    </mc:Choice>
+    <mc:Fallback>
+      <p:transition>
+        <p:fade/>
+      </p:transition>
+    </mc:Fallback>
+  </mc:AlternateContent>
 </p:sld>
 </file>
 
@@ -34852,9 +37560,18 @@
   <p:clrMapOvr>
     <a:masterClrMapping/>
   </p:clrMapOvr>
-  <p:transition>
-    <p:fade/>
-  </p:transition>
+  <mc:AlternateContent xmlns:mc="http://schemas.openxmlformats.org/markup-compatibility/2006">
+    <mc:Choice xmlns:p14="http://schemas.microsoft.com/office/powerpoint/2010/main" Requires="p14">
+      <p:transition p14:dur="300">
+        <p:fade/>
+      </p:transition>
+    </mc:Choice>
+    <mc:Fallback>
+      <p:transition>
+        <p:fade/>
+      </p:transition>
+    </mc:Fallback>
+  </mc:AlternateContent>
 </p:sld>
 </file>
 
@@ -34933,9 +37650,18 @@
   <p:clrMapOvr>
     <a:masterClrMapping/>
   </p:clrMapOvr>
-  <p:transition>
-    <p:fade/>
-  </p:transition>
+  <mc:AlternateContent xmlns:mc="http://schemas.openxmlformats.org/markup-compatibility/2006">
+    <mc:Choice xmlns:p14="http://schemas.microsoft.com/office/powerpoint/2010/main" Requires="p14">
+      <p:transition p14:dur="300">
+        <p:fade/>
+      </p:transition>
+    </mc:Choice>
+    <mc:Fallback>
+      <p:transition>
+        <p:fade/>
+      </p:transition>
+    </mc:Fallback>
+  </mc:AlternateContent>
 </p:sld>
 </file>
 
@@ -35006,9 +37732,18 @@
   <p:clrMapOvr>
     <a:masterClrMapping/>
   </p:clrMapOvr>
-  <p:transition>
-    <p:fade/>
-  </p:transition>
+  <mc:AlternateContent xmlns:mc="http://schemas.openxmlformats.org/markup-compatibility/2006">
+    <mc:Choice xmlns:p14="http://schemas.microsoft.com/office/powerpoint/2010/main" Requires="p14">
+      <p:transition p14:dur="300">
+        <p:fade/>
+      </p:transition>
+    </mc:Choice>
+    <mc:Fallback>
+      <p:transition>
+        <p:fade/>
+      </p:transition>
+    </mc:Fallback>
+  </mc:AlternateContent>
 </p:sld>
 </file>
 
@@ -35079,9 +37814,18 @@
   <p:clrMapOvr>
     <a:masterClrMapping/>
   </p:clrMapOvr>
-  <p:transition>
-    <p:fade/>
-  </p:transition>
+  <mc:AlternateContent xmlns:mc="http://schemas.openxmlformats.org/markup-compatibility/2006">
+    <mc:Choice xmlns:p14="http://schemas.microsoft.com/office/powerpoint/2010/main" Requires="p14">
+      <p:transition p14:dur="300">
+        <p:fade/>
+      </p:transition>
+    </mc:Choice>
+    <mc:Fallback>
+      <p:transition>
+        <p:fade/>
+      </p:transition>
+    </mc:Fallback>
+  </mc:AlternateContent>
 </p:sld>
 </file>
 
@@ -35168,9 +37912,18 @@
   <p:clrMapOvr>
     <a:masterClrMapping/>
   </p:clrMapOvr>
-  <p:transition>
-    <p:fade/>
-  </p:transition>
+  <mc:AlternateContent xmlns:mc="http://schemas.openxmlformats.org/markup-compatibility/2006">
+    <mc:Choice xmlns:p14="http://schemas.microsoft.com/office/powerpoint/2010/main" Requires="p14">
+      <p:transition p14:dur="300">
+        <p:fade/>
+      </p:transition>
+    </mc:Choice>
+    <mc:Fallback>
+      <p:transition>
+        <p:fade/>
+      </p:transition>
+    </mc:Fallback>
+  </mc:AlternateContent>
 </p:sld>
 </file>
 
@@ -35253,9 +38006,18 @@
   <p:clrMapOvr>
     <a:masterClrMapping/>
   </p:clrMapOvr>
-  <p:transition>
-    <p:fade/>
-  </p:transition>
+  <mc:AlternateContent xmlns:mc="http://schemas.openxmlformats.org/markup-compatibility/2006">
+    <mc:Choice xmlns:p14="http://schemas.microsoft.com/office/powerpoint/2010/main" Requires="p14">
+      <p:transition p14:dur="300">
+        <p:fade/>
+      </p:transition>
+    </mc:Choice>
+    <mc:Fallback>
+      <p:transition>
+        <p:fade/>
+      </p:transition>
+    </mc:Fallback>
+  </mc:AlternateContent>
 </p:sld>
 </file>
 
@@ -35330,9 +38092,18 @@
   <p:clrMapOvr>
     <a:masterClrMapping/>
   </p:clrMapOvr>
-  <p:transition>
-    <p:fade/>
-  </p:transition>
+  <mc:AlternateContent xmlns:mc="http://schemas.openxmlformats.org/markup-compatibility/2006">
+    <mc:Choice xmlns:p14="http://schemas.microsoft.com/office/powerpoint/2010/main" Requires="p14">
+      <p:transition p14:dur="300">
+        <p:fade/>
+      </p:transition>
+    </mc:Choice>
+    <mc:Fallback>
+      <p:transition>
+        <p:fade/>
+      </p:transition>
+    </mc:Fallback>
+  </mc:AlternateContent>
 </p:sld>
 </file>
 
@@ -35403,9 +38174,18 @@
   <p:clrMapOvr>
     <a:masterClrMapping/>
   </p:clrMapOvr>
-  <p:transition>
-    <p:fade/>
-  </p:transition>
+  <mc:AlternateContent xmlns:mc="http://schemas.openxmlformats.org/markup-compatibility/2006">
+    <mc:Choice xmlns:p14="http://schemas.microsoft.com/office/powerpoint/2010/main" Requires="p14">
+      <p:transition p14:dur="300">
+        <p:fade/>
+      </p:transition>
+    </mc:Choice>
+    <mc:Fallback>
+      <p:transition>
+        <p:fade/>
+      </p:transition>
+    </mc:Fallback>
+  </mc:AlternateContent>
 </p:sld>
 </file>
 
@@ -35480,9 +38260,18 @@
   <p:clrMapOvr>
     <a:masterClrMapping/>
   </p:clrMapOvr>
-  <p:transition>
-    <p:fade/>
-  </p:transition>
+  <mc:AlternateContent xmlns:mc="http://schemas.openxmlformats.org/markup-compatibility/2006">
+    <mc:Choice xmlns:p14="http://schemas.microsoft.com/office/powerpoint/2010/main" Requires="p14">
+      <p:transition p14:dur="300">
+        <p:fade/>
+      </p:transition>
+    </mc:Choice>
+    <mc:Fallback>
+      <p:transition>
+        <p:fade/>
+      </p:transition>
+    </mc:Fallback>
+  </mc:AlternateContent>
 </p:sld>
 </file>
 
@@ -35557,9 +38346,18 @@
   <p:clrMapOvr>
     <a:masterClrMapping/>
   </p:clrMapOvr>
-  <p:transition>
-    <p:fade/>
-  </p:transition>
+  <mc:AlternateContent xmlns:mc="http://schemas.openxmlformats.org/markup-compatibility/2006">
+    <mc:Choice xmlns:p14="http://schemas.microsoft.com/office/powerpoint/2010/main" Requires="p14">
+      <p:transition p14:dur="300">
+        <p:fade/>
+      </p:transition>
+    </mc:Choice>
+    <mc:Fallback>
+      <p:transition>
+        <p:fade/>
+      </p:transition>
+    </mc:Fallback>
+  </mc:AlternateContent>
 </p:sld>
 </file>
 
@@ -35634,9 +38432,18 @@
   <p:clrMapOvr>
     <a:masterClrMapping/>
   </p:clrMapOvr>
-  <p:transition>
-    <p:fade/>
-  </p:transition>
+  <mc:AlternateContent xmlns:mc="http://schemas.openxmlformats.org/markup-compatibility/2006">
+    <mc:Choice xmlns:p14="http://schemas.microsoft.com/office/powerpoint/2010/main" Requires="p14">
+      <p:transition p14:dur="300">
+        <p:fade/>
+      </p:transition>
+    </mc:Choice>
+    <mc:Fallback>
+      <p:transition>
+        <p:fade/>
+      </p:transition>
+    </mc:Fallback>
+  </mc:AlternateContent>
 </p:sld>
 </file>
 
@@ -35707,9 +38514,18 @@
   <p:clrMapOvr>
     <a:masterClrMapping/>
   </p:clrMapOvr>
-  <p:transition>
-    <p:fade/>
-  </p:transition>
+  <mc:AlternateContent xmlns:mc="http://schemas.openxmlformats.org/markup-compatibility/2006">
+    <mc:Choice xmlns:p14="http://schemas.microsoft.com/office/powerpoint/2010/main" Requires="p14">
+      <p:transition p14:dur="300">
+        <p:fade/>
+      </p:transition>
+    </mc:Choice>
+    <mc:Fallback>
+      <p:transition>
+        <p:fade/>
+      </p:transition>
+    </mc:Fallback>
+  </mc:AlternateContent>
 </p:sld>
 </file>
 
@@ -35784,9 +38600,18 @@
   <p:clrMapOvr>
     <a:masterClrMapping/>
   </p:clrMapOvr>
-  <p:transition>
-    <p:fade/>
-  </p:transition>
+  <mc:AlternateContent xmlns:mc="http://schemas.openxmlformats.org/markup-compatibility/2006">
+    <mc:Choice xmlns:p14="http://schemas.microsoft.com/office/powerpoint/2010/main" Requires="p14">
+      <p:transition p14:dur="300">
+        <p:fade/>
+      </p:transition>
+    </mc:Choice>
+    <mc:Fallback>
+      <p:transition>
+        <p:fade/>
+      </p:transition>
+    </mc:Fallback>
+  </mc:AlternateContent>
 </p:sld>
 </file>
 
@@ -35865,9 +38690,18 @@
   <p:clrMapOvr>
     <a:masterClrMapping/>
   </p:clrMapOvr>
-  <p:transition>
-    <p:fade/>
-  </p:transition>
+  <mc:AlternateContent xmlns:mc="http://schemas.openxmlformats.org/markup-compatibility/2006">
+    <mc:Choice xmlns:p14="http://schemas.microsoft.com/office/powerpoint/2010/main" Requires="p14">
+      <p:transition p14:dur="300">
+        <p:fade/>
+      </p:transition>
+    </mc:Choice>
+    <mc:Fallback>
+      <p:transition>
+        <p:fade/>
+      </p:transition>
+    </mc:Fallback>
+  </mc:AlternateContent>
 </p:sld>
 </file>
 
@@ -35942,9 +38776,18 @@
   <p:clrMapOvr>
     <a:masterClrMapping/>
   </p:clrMapOvr>
-  <p:transition>
-    <p:fade/>
-  </p:transition>
+  <mc:AlternateContent xmlns:mc="http://schemas.openxmlformats.org/markup-compatibility/2006">
+    <mc:Choice xmlns:p14="http://schemas.microsoft.com/office/powerpoint/2010/main" Requires="p14">
+      <p:transition p14:dur="300">
+        <p:fade/>
+      </p:transition>
+    </mc:Choice>
+    <mc:Fallback>
+      <p:transition>
+        <p:fade/>
+      </p:transition>
+    </mc:Fallback>
+  </mc:AlternateContent>
 </p:sld>
 </file>
 
@@ -36035,9 +38878,18 @@
   <p:clrMapOvr>
     <a:masterClrMapping/>
   </p:clrMapOvr>
-  <p:transition>
-    <p:fade/>
-  </p:transition>
+  <mc:AlternateContent xmlns:mc="http://schemas.openxmlformats.org/markup-compatibility/2006">
+    <mc:Choice xmlns:p14="http://schemas.microsoft.com/office/powerpoint/2010/main" Requires="p14">
+      <p:transition p14:dur="300">
+        <p:fade/>
+      </p:transition>
+    </mc:Choice>
+    <mc:Fallback>
+      <p:transition>
+        <p:fade/>
+      </p:transition>
+    </mc:Fallback>
+  </mc:AlternateContent>
 </p:sld>
 </file>
 
@@ -36108,9 +38960,18 @@
   <p:clrMapOvr>
     <a:masterClrMapping/>
   </p:clrMapOvr>
-  <p:transition>
-    <p:fade/>
-  </p:transition>
+  <mc:AlternateContent xmlns:mc="http://schemas.openxmlformats.org/markup-compatibility/2006">
+    <mc:Choice xmlns:p14="http://schemas.microsoft.com/office/powerpoint/2010/main" Requires="p14">
+      <p:transition p14:dur="300">
+        <p:fade/>
+      </p:transition>
+    </mc:Choice>
+    <mc:Fallback>
+      <p:transition>
+        <p:fade/>
+      </p:transition>
+    </mc:Fallback>
+  </mc:AlternateContent>
 </p:sld>
 </file>
 
@@ -36181,9 +39042,18 @@
   <p:clrMapOvr>
     <a:masterClrMapping/>
   </p:clrMapOvr>
-  <p:transition>
-    <p:fade/>
-  </p:transition>
+  <mc:AlternateContent xmlns:mc="http://schemas.openxmlformats.org/markup-compatibility/2006">
+    <mc:Choice xmlns:p14="http://schemas.microsoft.com/office/powerpoint/2010/main" Requires="p14">
+      <p:transition p14:dur="300">
+        <p:fade/>
+      </p:transition>
+    </mc:Choice>
+    <mc:Fallback>
+      <p:transition>
+        <p:fade/>
+      </p:transition>
+    </mc:Fallback>
+  </mc:AlternateContent>
 </p:sld>
 </file>
 
@@ -36262,9 +39132,18 @@
   <p:clrMapOvr>
     <a:masterClrMapping/>
   </p:clrMapOvr>
-  <p:transition>
-    <p:fade/>
-  </p:transition>
+  <mc:AlternateContent xmlns:mc="http://schemas.openxmlformats.org/markup-compatibility/2006">
+    <mc:Choice xmlns:p14="http://schemas.microsoft.com/office/powerpoint/2010/main" Requires="p14">
+      <p:transition p14:dur="300">
+        <p:fade/>
+      </p:transition>
+    </mc:Choice>
+    <mc:Fallback>
+      <p:transition>
+        <p:fade/>
+      </p:transition>
+    </mc:Fallback>
+  </mc:AlternateContent>
 </p:sld>
 </file>
 
@@ -36339,9 +39218,18 @@
   <p:clrMapOvr>
     <a:masterClrMapping/>
   </p:clrMapOvr>
-  <p:transition>
-    <p:fade/>
-  </p:transition>
+  <mc:AlternateContent xmlns:mc="http://schemas.openxmlformats.org/markup-compatibility/2006">
+    <mc:Choice xmlns:p14="http://schemas.microsoft.com/office/powerpoint/2010/main" Requires="p14">
+      <p:transition p14:dur="300">
+        <p:fade/>
+      </p:transition>
+    </mc:Choice>
+    <mc:Fallback>
+      <p:transition>
+        <p:fade/>
+      </p:transition>
+    </mc:Fallback>
+  </mc:AlternateContent>
 </p:sld>
 </file>
 
@@ -36412,9 +39300,18 @@
   <p:clrMapOvr>
     <a:masterClrMapping/>
   </p:clrMapOvr>
-  <p:transition>
-    <p:fade/>
-  </p:transition>
+  <mc:AlternateContent xmlns:mc="http://schemas.openxmlformats.org/markup-compatibility/2006">
+    <mc:Choice xmlns:p14="http://schemas.microsoft.com/office/powerpoint/2010/main" Requires="p14">
+      <p:transition p14:dur="300">
+        <p:fade/>
+      </p:transition>
+    </mc:Choice>
+    <mc:Fallback>
+      <p:transition>
+        <p:fade/>
+      </p:transition>
+    </mc:Fallback>
+  </mc:AlternateContent>
 </p:sld>
 </file>
 
@@ -36489,9 +39386,18 @@
   <p:clrMapOvr>
     <a:masterClrMapping/>
   </p:clrMapOvr>
-  <p:transition>
-    <p:fade/>
-  </p:transition>
+  <mc:AlternateContent xmlns:mc="http://schemas.openxmlformats.org/markup-compatibility/2006">
+    <mc:Choice xmlns:p14="http://schemas.microsoft.com/office/powerpoint/2010/main" Requires="p14">
+      <p:transition p14:dur="300">
+        <p:fade/>
+      </p:transition>
+    </mc:Choice>
+    <mc:Fallback>
+      <p:transition>
+        <p:fade/>
+      </p:transition>
+    </mc:Fallback>
+  </mc:AlternateContent>
 </p:sld>
 </file>
 
@@ -36570,9 +39476,18 @@
   <p:clrMapOvr>
     <a:masterClrMapping/>
   </p:clrMapOvr>
-  <p:transition>
-    <p:fade/>
-  </p:transition>
+  <mc:AlternateContent xmlns:mc="http://schemas.openxmlformats.org/markup-compatibility/2006">
+    <mc:Choice xmlns:p14="http://schemas.microsoft.com/office/powerpoint/2010/main" Requires="p14">
+      <p:transition p14:dur="300">
+        <p:fade/>
+      </p:transition>
+    </mc:Choice>
+    <mc:Fallback>
+      <p:transition>
+        <p:fade/>
+      </p:transition>
+    </mc:Fallback>
+  </mc:AlternateContent>
 </p:sld>
 </file>
 
@@ -36647,9 +39562,18 @@
   <p:clrMapOvr>
     <a:masterClrMapping/>
   </p:clrMapOvr>
-  <p:transition>
-    <p:fade/>
-  </p:transition>
+  <mc:AlternateContent xmlns:mc="http://schemas.openxmlformats.org/markup-compatibility/2006">
+    <mc:Choice xmlns:p14="http://schemas.microsoft.com/office/powerpoint/2010/main" Requires="p14">
+      <p:transition p14:dur="300">
+        <p:fade/>
+      </p:transition>
+    </mc:Choice>
+    <mc:Fallback>
+      <p:transition>
+        <p:fade/>
+      </p:transition>
+    </mc:Fallback>
+  </mc:AlternateContent>
 </p:sld>
 </file>
 
@@ -36724,9 +39648,18 @@
   <p:clrMapOvr>
     <a:masterClrMapping/>
   </p:clrMapOvr>
-  <p:transition>
-    <p:fade/>
-  </p:transition>
+  <mc:AlternateContent xmlns:mc="http://schemas.openxmlformats.org/markup-compatibility/2006">
+    <mc:Choice xmlns:p14="http://schemas.microsoft.com/office/powerpoint/2010/main" Requires="p14">
+      <p:transition p14:dur="300">
+        <p:fade/>
+      </p:transition>
+    </mc:Choice>
+    <mc:Fallback>
+      <p:transition>
+        <p:fade/>
+      </p:transition>
+    </mc:Fallback>
+  </mc:AlternateContent>
 </p:sld>
 </file>
 
@@ -36797,9 +39730,18 @@
   <p:clrMapOvr>
     <a:masterClrMapping/>
   </p:clrMapOvr>
-  <p:transition>
-    <p:fade/>
-  </p:transition>
+  <mc:AlternateContent xmlns:mc="http://schemas.openxmlformats.org/markup-compatibility/2006">
+    <mc:Choice xmlns:p14="http://schemas.microsoft.com/office/powerpoint/2010/main" Requires="p14">
+      <p:transition p14:dur="300">
+        <p:fade/>
+      </p:transition>
+    </mc:Choice>
+    <mc:Fallback>
+      <p:transition>
+        <p:fade/>
+      </p:transition>
+    </mc:Fallback>
+  </mc:AlternateContent>
 </p:sld>
 </file>
 
@@ -36870,9 +39812,18 @@
   <p:clrMapOvr>
     <a:masterClrMapping/>
   </p:clrMapOvr>
-  <p:transition>
-    <p:fade/>
-  </p:transition>
+  <mc:AlternateContent xmlns:mc="http://schemas.openxmlformats.org/markup-compatibility/2006">
+    <mc:Choice xmlns:p14="http://schemas.microsoft.com/office/powerpoint/2010/main" Requires="p14">
+      <p:transition p14:dur="300">
+        <p:fade/>
+      </p:transition>
+    </mc:Choice>
+    <mc:Fallback>
+      <p:transition>
+        <p:fade/>
+      </p:transition>
+    </mc:Fallback>
+  </mc:AlternateContent>
 </p:sld>
 </file>
 
@@ -36951,9 +39902,18 @@
   <p:clrMapOvr>
     <a:masterClrMapping/>
   </p:clrMapOvr>
-  <p:transition>
-    <p:fade/>
-  </p:transition>
+  <mc:AlternateContent xmlns:mc="http://schemas.openxmlformats.org/markup-compatibility/2006">
+    <mc:Choice xmlns:p14="http://schemas.microsoft.com/office/powerpoint/2010/main" Requires="p14">
+      <p:transition p14:dur="300">
+        <p:fade/>
+      </p:transition>
+    </mc:Choice>
+    <mc:Fallback>
+      <p:transition>
+        <p:fade/>
+      </p:transition>
+    </mc:Fallback>
+  </mc:AlternateContent>
 </p:sld>
 </file>
 
@@ -37024,9 +39984,18 @@
   <p:clrMapOvr>
     <a:masterClrMapping/>
   </p:clrMapOvr>
-  <p:transition>
-    <p:fade/>
-  </p:transition>
+  <mc:AlternateContent xmlns:mc="http://schemas.openxmlformats.org/markup-compatibility/2006">
+    <mc:Choice xmlns:p14="http://schemas.microsoft.com/office/powerpoint/2010/main" Requires="p14">
+      <p:transition p14:dur="300">
+        <p:fade/>
+      </p:transition>
+    </mc:Choice>
+    <mc:Fallback>
+      <p:transition>
+        <p:fade/>
+      </p:transition>
+    </mc:Fallback>
+  </mc:AlternateContent>
 </p:sld>
 </file>
 
@@ -37097,9 +40066,18 @@
   <p:clrMapOvr>
     <a:masterClrMapping/>
   </p:clrMapOvr>
-  <p:transition>
-    <p:fade/>
-  </p:transition>
+  <mc:AlternateContent xmlns:mc="http://schemas.openxmlformats.org/markup-compatibility/2006">
+    <mc:Choice xmlns:p14="http://schemas.microsoft.com/office/powerpoint/2010/main" Requires="p14">
+      <p:transition p14:dur="300">
+        <p:fade/>
+      </p:transition>
+    </mc:Choice>
+    <mc:Fallback>
+      <p:transition>
+        <p:fade/>
+      </p:transition>
+    </mc:Fallback>
+  </mc:AlternateContent>
 </p:sld>
 </file>
 
@@ -37170,9 +40148,18 @@
   <p:clrMapOvr>
     <a:masterClrMapping/>
   </p:clrMapOvr>
-  <p:transition>
-    <p:fade/>
-  </p:transition>
+  <mc:AlternateContent xmlns:mc="http://schemas.openxmlformats.org/markup-compatibility/2006">
+    <mc:Choice xmlns:p14="http://schemas.microsoft.com/office/powerpoint/2010/main" Requires="p14">
+      <p:transition p14:dur="300">
+        <p:fade/>
+      </p:transition>
+    </mc:Choice>
+    <mc:Fallback>
+      <p:transition>
+        <p:fade/>
+      </p:transition>
+    </mc:Fallback>
+  </mc:AlternateContent>
 </p:sld>
 </file>
 
@@ -37243,9 +40230,18 @@
   <p:clrMapOvr>
     <a:masterClrMapping/>
   </p:clrMapOvr>
-  <p:transition>
-    <p:fade/>
-  </p:transition>
+  <mc:AlternateContent xmlns:mc="http://schemas.openxmlformats.org/markup-compatibility/2006">
+    <mc:Choice xmlns:p14="http://schemas.microsoft.com/office/powerpoint/2010/main" Requires="p14">
+      <p:transition p14:dur="300">
+        <p:fade/>
+      </p:transition>
+    </mc:Choice>
+    <mc:Fallback>
+      <p:transition>
+        <p:fade/>
+      </p:transition>
+    </mc:Fallback>
+  </mc:AlternateContent>
 </p:sld>
 </file>
 
@@ -37328,9 +40324,18 @@
   <p:clrMapOvr>
     <a:masterClrMapping/>
   </p:clrMapOvr>
-  <p:transition>
-    <p:fade/>
-  </p:transition>
+  <mc:AlternateContent xmlns:mc="http://schemas.openxmlformats.org/markup-compatibility/2006">
+    <mc:Choice xmlns:p14="http://schemas.microsoft.com/office/powerpoint/2010/main" Requires="p14">
+      <p:transition p14:dur="300">
+        <p:fade/>
+      </p:transition>
+    </mc:Choice>
+    <mc:Fallback>
+      <p:transition>
+        <p:fade/>
+      </p:transition>
+    </mc:Fallback>
+  </mc:AlternateContent>
 </p:sld>
 </file>
 
@@ -37409,9 +40414,18 @@
   <p:clrMapOvr>
     <a:masterClrMapping/>
   </p:clrMapOvr>
-  <p:transition>
-    <p:fade/>
-  </p:transition>
+  <mc:AlternateContent xmlns:mc="http://schemas.openxmlformats.org/markup-compatibility/2006">
+    <mc:Choice xmlns:p14="http://schemas.microsoft.com/office/powerpoint/2010/main" Requires="p14">
+      <p:transition p14:dur="300">
+        <p:fade/>
+      </p:transition>
+    </mc:Choice>
+    <mc:Fallback>
+      <p:transition>
+        <p:fade/>
+      </p:transition>
+    </mc:Fallback>
+  </mc:AlternateContent>
 </p:sld>
 </file>
 
@@ -37482,9 +40496,18 @@
   <p:clrMapOvr>
     <a:masterClrMapping/>
   </p:clrMapOvr>
-  <p:transition>
-    <p:fade/>
-  </p:transition>
+  <mc:AlternateContent xmlns:mc="http://schemas.openxmlformats.org/markup-compatibility/2006">
+    <mc:Choice xmlns:p14="http://schemas.microsoft.com/office/powerpoint/2010/main" Requires="p14">
+      <p:transition p14:dur="300">
+        <p:fade/>
+      </p:transition>
+    </mc:Choice>
+    <mc:Fallback>
+      <p:transition>
+        <p:fade/>
+      </p:transition>
+    </mc:Fallback>
+  </mc:AlternateContent>
 </p:sld>
 </file>
 
@@ -37559,9 +40582,18 @@
   <p:clrMapOvr>
     <a:masterClrMapping/>
   </p:clrMapOvr>
-  <p:transition>
-    <p:fade/>
-  </p:transition>
+  <mc:AlternateContent xmlns:mc="http://schemas.openxmlformats.org/markup-compatibility/2006">
+    <mc:Choice xmlns:p14="http://schemas.microsoft.com/office/powerpoint/2010/main" Requires="p14">
+      <p:transition p14:dur="300">
+        <p:fade/>
+      </p:transition>
+    </mc:Choice>
+    <mc:Fallback>
+      <p:transition>
+        <p:fade/>
+      </p:transition>
+    </mc:Fallback>
+  </mc:AlternateContent>
 </p:sld>
 </file>
 
@@ -37632,9 +40664,18 @@
   <p:clrMapOvr>
     <a:masterClrMapping/>
   </p:clrMapOvr>
-  <p:transition>
-    <p:fade/>
-  </p:transition>
+  <mc:AlternateContent xmlns:mc="http://schemas.openxmlformats.org/markup-compatibility/2006">
+    <mc:Choice xmlns:p14="http://schemas.microsoft.com/office/powerpoint/2010/main" Requires="p14">
+      <p:transition p14:dur="300">
+        <p:fade/>
+      </p:transition>
+    </mc:Choice>
+    <mc:Fallback>
+      <p:transition>
+        <p:fade/>
+      </p:transition>
+    </mc:Fallback>
+  </mc:AlternateContent>
 </p:sld>
 </file>
 
@@ -37705,9 +40746,18 @@
   <p:clrMapOvr>
     <a:masterClrMapping/>
   </p:clrMapOvr>
-  <p:transition>
-    <p:fade/>
-  </p:transition>
+  <mc:AlternateContent xmlns:mc="http://schemas.openxmlformats.org/markup-compatibility/2006">
+    <mc:Choice xmlns:p14="http://schemas.microsoft.com/office/powerpoint/2010/main" Requires="p14">
+      <p:transition p14:dur="300">
+        <p:fade/>
+      </p:transition>
+    </mc:Choice>
+    <mc:Fallback>
+      <p:transition>
+        <p:fade/>
+      </p:transition>
+    </mc:Fallback>
+  </mc:AlternateContent>
 </p:sld>
 </file>
 
@@ -37794,9 +40844,18 @@
   <p:clrMapOvr>
     <a:masterClrMapping/>
   </p:clrMapOvr>
-  <p:transition>
-    <p:fade/>
-  </p:transition>
+  <mc:AlternateContent xmlns:mc="http://schemas.openxmlformats.org/markup-compatibility/2006">
+    <mc:Choice xmlns:p14="http://schemas.microsoft.com/office/powerpoint/2010/main" Requires="p14">
+      <p:transition p14:dur="300">
+        <p:fade/>
+      </p:transition>
+    </mc:Choice>
+    <mc:Fallback>
+      <p:transition>
+        <p:fade/>
+      </p:transition>
+    </mc:Fallback>
+  </mc:AlternateContent>
 </p:sld>
 </file>
 
@@ -37867,9 +40926,18 @@
   <p:clrMapOvr>
     <a:masterClrMapping/>
   </p:clrMapOvr>
-  <p:transition>
-    <p:fade/>
-  </p:transition>
+  <mc:AlternateContent xmlns:mc="http://schemas.openxmlformats.org/markup-compatibility/2006">
+    <mc:Choice xmlns:p14="http://schemas.microsoft.com/office/powerpoint/2010/main" Requires="p14">
+      <p:transition p14:dur="300">
+        <p:fade/>
+      </p:transition>
+    </mc:Choice>
+    <mc:Fallback>
+      <p:transition>
+        <p:fade/>
+      </p:transition>
+    </mc:Fallback>
+  </mc:AlternateContent>
 </p:sld>
 </file>
 
@@ -37940,9 +41008,18 @@
   <p:clrMapOvr>
     <a:masterClrMapping/>
   </p:clrMapOvr>
-  <p:transition>
-    <p:fade/>
-  </p:transition>
+  <mc:AlternateContent xmlns:mc="http://schemas.openxmlformats.org/markup-compatibility/2006">
+    <mc:Choice xmlns:p14="http://schemas.microsoft.com/office/powerpoint/2010/main" Requires="p14">
+      <p:transition p14:dur="300">
+        <p:fade/>
+      </p:transition>
+    </mc:Choice>
+    <mc:Fallback>
+      <p:transition>
+        <p:fade/>
+      </p:transition>
+    </mc:Fallback>
+  </mc:AlternateContent>
 </p:sld>
 </file>
 
@@ -38013,9 +41090,18 @@
   <p:clrMapOvr>
     <a:masterClrMapping/>
   </p:clrMapOvr>
-  <p:transition>
-    <p:fade/>
-  </p:transition>
+  <mc:AlternateContent xmlns:mc="http://schemas.openxmlformats.org/markup-compatibility/2006">
+    <mc:Choice xmlns:p14="http://schemas.microsoft.com/office/powerpoint/2010/main" Requires="p14">
+      <p:transition p14:dur="300">
+        <p:fade/>
+      </p:transition>
+    </mc:Choice>
+    <mc:Fallback>
+      <p:transition>
+        <p:fade/>
+      </p:transition>
+    </mc:Fallback>
+  </mc:AlternateContent>
 </p:sld>
 </file>
 
@@ -38098,9 +41184,18 @@
   <p:clrMapOvr>
     <a:masterClrMapping/>
   </p:clrMapOvr>
-  <p:transition>
-    <p:fade/>
-  </p:transition>
+  <mc:AlternateContent xmlns:mc="http://schemas.openxmlformats.org/markup-compatibility/2006">
+    <mc:Choice xmlns:p14="http://schemas.microsoft.com/office/powerpoint/2010/main" Requires="p14">
+      <p:transition p14:dur="300">
+        <p:fade/>
+      </p:transition>
+    </mc:Choice>
+    <mc:Fallback>
+      <p:transition>
+        <p:fade/>
+      </p:transition>
+    </mc:Fallback>
+  </mc:AlternateContent>
 </p:sld>
 </file>
 
@@ -38179,9 +41274,18 @@
   <p:clrMapOvr>
     <a:masterClrMapping/>
   </p:clrMapOvr>
-  <p:transition>
-    <p:fade/>
-  </p:transition>
+  <mc:AlternateContent xmlns:mc="http://schemas.openxmlformats.org/markup-compatibility/2006">
+    <mc:Choice xmlns:p14="http://schemas.microsoft.com/office/powerpoint/2010/main" Requires="p14">
+      <p:transition p14:dur="300">
+        <p:fade/>
+      </p:transition>
+    </mc:Choice>
+    <mc:Fallback>
+      <p:transition>
+        <p:fade/>
+      </p:transition>
+    </mc:Fallback>
+  </mc:AlternateContent>
 </p:sld>
 </file>
 
@@ -38260,9 +41364,18 @@
   <p:clrMapOvr>
     <a:masterClrMapping/>
   </p:clrMapOvr>
-  <p:transition>
-    <p:fade/>
-  </p:transition>
+  <mc:AlternateContent xmlns:mc="http://schemas.openxmlformats.org/markup-compatibility/2006">
+    <mc:Choice xmlns:p14="http://schemas.microsoft.com/office/powerpoint/2010/main" Requires="p14">
+      <p:transition p14:dur="300">
+        <p:fade/>
+      </p:transition>
+    </mc:Choice>
+    <mc:Fallback>
+      <p:transition>
+        <p:fade/>
+      </p:transition>
+    </mc:Fallback>
+  </mc:AlternateContent>
 </p:sld>
 </file>
 
@@ -38349,9 +41462,18 @@
   <p:clrMapOvr>
     <a:masterClrMapping/>
   </p:clrMapOvr>
-  <p:transition>
-    <p:fade/>
-  </p:transition>
+  <mc:AlternateContent xmlns:mc="http://schemas.openxmlformats.org/markup-compatibility/2006">
+    <mc:Choice xmlns:p14="http://schemas.microsoft.com/office/powerpoint/2010/main" Requires="p14">
+      <p:transition p14:dur="300">
+        <p:fade/>
+      </p:transition>
+    </mc:Choice>
+    <mc:Fallback>
+      <p:transition>
+        <p:fade/>
+      </p:transition>
+    </mc:Fallback>
+  </mc:AlternateContent>
 </p:sld>
 </file>
 
@@ -38430,9 +41552,18 @@
   <p:clrMapOvr>
     <a:masterClrMapping/>
   </p:clrMapOvr>
-  <p:transition>
-    <p:fade/>
-  </p:transition>
+  <mc:AlternateContent xmlns:mc="http://schemas.openxmlformats.org/markup-compatibility/2006">
+    <mc:Choice xmlns:p14="http://schemas.microsoft.com/office/powerpoint/2010/main" Requires="p14">
+      <p:transition p14:dur="300">
+        <p:fade/>
+      </p:transition>
+    </mc:Choice>
+    <mc:Fallback>
+      <p:transition>
+        <p:fade/>
+      </p:transition>
+    </mc:Fallback>
+  </mc:AlternateContent>
 </p:sld>
 </file>
 
@@ -38511,9 +41642,18 @@
   <p:clrMapOvr>
     <a:masterClrMapping/>
   </p:clrMapOvr>
-  <p:transition>
-    <p:fade/>
-  </p:transition>
+  <mc:AlternateContent xmlns:mc="http://schemas.openxmlformats.org/markup-compatibility/2006">
+    <mc:Choice xmlns:p14="http://schemas.microsoft.com/office/powerpoint/2010/main" Requires="p14">
+      <p:transition p14:dur="300">
+        <p:fade/>
+      </p:transition>
+    </mc:Choice>
+    <mc:Fallback>
+      <p:transition>
+        <p:fade/>
+      </p:transition>
+    </mc:Fallback>
+  </mc:AlternateContent>
 </p:sld>
 </file>
 
@@ -38588,9 +41728,18 @@
   <p:clrMapOvr>
     <a:masterClrMapping/>
   </p:clrMapOvr>
-  <p:transition>
-    <p:fade/>
-  </p:transition>
+  <mc:AlternateContent xmlns:mc="http://schemas.openxmlformats.org/markup-compatibility/2006">
+    <mc:Choice xmlns:p14="http://schemas.microsoft.com/office/powerpoint/2010/main" Requires="p14">
+      <p:transition p14:dur="300">
+        <p:fade/>
+      </p:transition>
+    </mc:Choice>
+    <mc:Fallback>
+      <p:transition>
+        <p:fade/>
+      </p:transition>
+    </mc:Fallback>
+  </mc:AlternateContent>
 </p:sld>
 </file>
 
@@ -38661,9 +41810,18 @@
   <p:clrMapOvr>
     <a:masterClrMapping/>
   </p:clrMapOvr>
-  <p:transition>
-    <p:fade/>
-  </p:transition>
+  <mc:AlternateContent xmlns:mc="http://schemas.openxmlformats.org/markup-compatibility/2006">
+    <mc:Choice xmlns:p14="http://schemas.microsoft.com/office/powerpoint/2010/main" Requires="p14">
+      <p:transition p14:dur="300">
+        <p:fade/>
+      </p:transition>
+    </mc:Choice>
+    <mc:Fallback>
+      <p:transition>
+        <p:fade/>
+      </p:transition>
+    </mc:Fallback>
+  </mc:AlternateContent>
 </p:sld>
 </file>
 
@@ -38742,9 +41900,18 @@
   <p:clrMapOvr>
     <a:masterClrMapping/>
   </p:clrMapOvr>
-  <p:transition>
-    <p:fade/>
-  </p:transition>
+  <mc:AlternateContent xmlns:mc="http://schemas.openxmlformats.org/markup-compatibility/2006">
+    <mc:Choice xmlns:p14="http://schemas.microsoft.com/office/powerpoint/2010/main" Requires="p14">
+      <p:transition p14:dur="300">
+        <p:fade/>
+      </p:transition>
+    </mc:Choice>
+    <mc:Fallback>
+      <p:transition>
+        <p:fade/>
+      </p:transition>
+    </mc:Fallback>
+  </mc:AlternateContent>
 </p:sld>
 </file>
 
@@ -38815,9 +41982,18 @@
   <p:clrMapOvr>
     <a:masterClrMapping/>
   </p:clrMapOvr>
-  <p:transition>
-    <p:fade/>
-  </p:transition>
+  <mc:AlternateContent xmlns:mc="http://schemas.openxmlformats.org/markup-compatibility/2006">
+    <mc:Choice xmlns:p14="http://schemas.microsoft.com/office/powerpoint/2010/main" Requires="p14">
+      <p:transition p14:dur="300">
+        <p:fade/>
+      </p:transition>
+    </mc:Choice>
+    <mc:Fallback>
+      <p:transition>
+        <p:fade/>
+      </p:transition>
+    </mc:Fallback>
+  </mc:AlternateContent>
 </p:sld>
 </file>
 
@@ -38888,9 +42064,18 @@
   <p:clrMapOvr>
     <a:masterClrMapping/>
   </p:clrMapOvr>
-  <p:transition>
-    <p:fade/>
-  </p:transition>
+  <mc:AlternateContent xmlns:mc="http://schemas.openxmlformats.org/markup-compatibility/2006">
+    <mc:Choice xmlns:p14="http://schemas.microsoft.com/office/powerpoint/2010/main" Requires="p14">
+      <p:transition p14:dur="300">
+        <p:fade/>
+      </p:transition>
+    </mc:Choice>
+    <mc:Fallback>
+      <p:transition>
+        <p:fade/>
+      </p:transition>
+    </mc:Fallback>
+  </mc:AlternateContent>
 </p:sld>
 </file>
 
@@ -38961,9 +42146,18 @@
   <p:clrMapOvr>
     <a:masterClrMapping/>
   </p:clrMapOvr>
-  <p:transition>
-    <p:fade/>
-  </p:transition>
+  <mc:AlternateContent xmlns:mc="http://schemas.openxmlformats.org/markup-compatibility/2006">
+    <mc:Choice xmlns:p14="http://schemas.microsoft.com/office/powerpoint/2010/main" Requires="p14">
+      <p:transition p14:dur="300">
+        <p:fade/>
+      </p:transition>
+    </mc:Choice>
+    <mc:Fallback>
+      <p:transition>
+        <p:fade/>
+      </p:transition>
+    </mc:Fallback>
+  </mc:AlternateContent>
 </p:sld>
 </file>
 
@@ -39034,9 +42228,18 @@
   <p:clrMapOvr>
     <a:masterClrMapping/>
   </p:clrMapOvr>
-  <p:transition>
-    <p:fade/>
-  </p:transition>
+  <mc:AlternateContent xmlns:mc="http://schemas.openxmlformats.org/markup-compatibility/2006">
+    <mc:Choice xmlns:p14="http://schemas.microsoft.com/office/powerpoint/2010/main" Requires="p14">
+      <p:transition p14:dur="300">
+        <p:fade/>
+      </p:transition>
+    </mc:Choice>
+    <mc:Fallback>
+      <p:transition>
+        <p:fade/>
+      </p:transition>
+    </mc:Fallback>
+  </mc:AlternateContent>
 </p:sld>
 </file>
 
@@ -39111,9 +42314,18 @@
   <p:clrMapOvr>
     <a:masterClrMapping/>
   </p:clrMapOvr>
-  <p:transition>
-    <p:fade/>
-  </p:transition>
+  <mc:AlternateContent xmlns:mc="http://schemas.openxmlformats.org/markup-compatibility/2006">
+    <mc:Choice xmlns:p14="http://schemas.microsoft.com/office/powerpoint/2010/main" Requires="p14">
+      <p:transition p14:dur="300">
+        <p:fade/>
+      </p:transition>
+    </mc:Choice>
+    <mc:Fallback>
+      <p:transition>
+        <p:fade/>
+      </p:transition>
+    </mc:Fallback>
+  </mc:AlternateContent>
 </p:sld>
 </file>
 

--- a/PPTs/Dua Nudbah.pptx
+++ b/PPTs/Dua Nudbah.pptx
@@ -710,13 +710,13 @@
   <p:clrMapOvr>
     <a:masterClrMapping/>
   </p:clrMapOvr>
-  <mc:AlternateContent xmlns:mc="http://schemas.openxmlformats.org/markup-compatibility/2006">
-    <mc:Choice xmlns:p14="http://schemas.microsoft.com/office/powerpoint/2010/main" Requires="p14">
+  <mc:AlternateContent xmlns:mc="http://schemas.openxmlformats.org/markup-compatibility/2006" xmlns:p14="http://schemas.microsoft.com/office/powerpoint/2010/main">
+    <mc:Choice Requires="p14">
       <p:transition p14:dur="300">
         <p:fade/>
       </p:transition>
     </mc:Choice>
-    <mc:Fallback>
+    <mc:Fallback xmlns="">
       <p:transition>
         <p:fade/>
       </p:transition>
@@ -972,13 +972,13 @@
   <p:clrMapOvr>
     <a:masterClrMapping/>
   </p:clrMapOvr>
-  <mc:AlternateContent xmlns:mc="http://schemas.openxmlformats.org/markup-compatibility/2006">
-    <mc:Choice xmlns:p14="http://schemas.microsoft.com/office/powerpoint/2010/main" Requires="p14">
+  <mc:AlternateContent xmlns:mc="http://schemas.openxmlformats.org/markup-compatibility/2006" xmlns:p14="http://schemas.microsoft.com/office/powerpoint/2010/main">
+    <mc:Choice Requires="p14">
       <p:transition p14:dur="300">
         <p:fade/>
       </p:transition>
     </mc:Choice>
-    <mc:Fallback>
+    <mc:Fallback xmlns="">
       <p:transition>
         <p:fade/>
       </p:transition>
@@ -1228,13 +1228,13 @@
   <p:clrMapOvr>
     <a:masterClrMapping/>
   </p:clrMapOvr>
-  <mc:AlternateContent xmlns:mc="http://schemas.openxmlformats.org/markup-compatibility/2006">
-    <mc:Choice xmlns:p14="http://schemas.microsoft.com/office/powerpoint/2010/main" Requires="p14">
+  <mc:AlternateContent xmlns:mc="http://schemas.openxmlformats.org/markup-compatibility/2006" xmlns:p14="http://schemas.microsoft.com/office/powerpoint/2010/main">
+    <mc:Choice Requires="p14">
       <p:transition p14:dur="300">
         <p:fade/>
       </p:transition>
     </mc:Choice>
-    <mc:Fallback>
+    <mc:Fallback xmlns="">
       <p:transition>
         <p:fade/>
       </p:transition>
@@ -1403,13 +1403,13 @@
   <p:clrMapOvr>
     <a:masterClrMapping/>
   </p:clrMapOvr>
-  <mc:AlternateContent xmlns:mc="http://schemas.openxmlformats.org/markup-compatibility/2006">
-    <mc:Choice xmlns:p14="http://schemas.microsoft.com/office/powerpoint/2010/main" Requires="p14">
+  <mc:AlternateContent xmlns:mc="http://schemas.openxmlformats.org/markup-compatibility/2006" xmlns:p14="http://schemas.microsoft.com/office/powerpoint/2010/main">
+    <mc:Choice Requires="p14">
       <p:transition p14:dur="300">
         <p:fade/>
       </p:transition>
     </mc:Choice>
-    <mc:Fallback>
+    <mc:Fallback xmlns="">
       <p:transition>
         <p:fade/>
       </p:transition>
@@ -1644,13 +1644,13 @@
   <p:clrMapOvr>
     <a:masterClrMapping/>
   </p:clrMapOvr>
-  <mc:AlternateContent xmlns:mc="http://schemas.openxmlformats.org/markup-compatibility/2006">
-    <mc:Choice xmlns:p14="http://schemas.microsoft.com/office/powerpoint/2010/main" Requires="p14">
+  <mc:AlternateContent xmlns:mc="http://schemas.openxmlformats.org/markup-compatibility/2006" xmlns:p14="http://schemas.microsoft.com/office/powerpoint/2010/main">
+    <mc:Choice Requires="p14">
       <p:transition p14:dur="300">
         <p:fade/>
       </p:transition>
     </mc:Choice>
-    <mc:Fallback>
+    <mc:Fallback xmlns="">
       <p:transition>
         <p:fade/>
       </p:transition>
@@ -1899,13 +1899,13 @@
   <p:clrMapOvr>
     <a:masterClrMapping/>
   </p:clrMapOvr>
-  <mc:AlternateContent xmlns:mc="http://schemas.openxmlformats.org/markup-compatibility/2006">
-    <mc:Choice xmlns:p14="http://schemas.microsoft.com/office/powerpoint/2010/main" Requires="p14">
+  <mc:AlternateContent xmlns:mc="http://schemas.openxmlformats.org/markup-compatibility/2006" xmlns:p14="http://schemas.microsoft.com/office/powerpoint/2010/main">
+    <mc:Choice Requires="p14">
       <p:transition p14:dur="300">
         <p:fade/>
       </p:transition>
     </mc:Choice>
-    <mc:Fallback>
+    <mc:Fallback xmlns="">
       <p:transition>
         <p:fade/>
       </p:transition>
@@ -2157,13 +2157,13 @@
   <p:clrMapOvr>
     <a:masterClrMapping/>
   </p:clrMapOvr>
-  <mc:AlternateContent xmlns:mc="http://schemas.openxmlformats.org/markup-compatibility/2006">
-    <mc:Choice xmlns:p14="http://schemas.microsoft.com/office/powerpoint/2010/main" Requires="p14">
+  <mc:AlternateContent xmlns:mc="http://schemas.openxmlformats.org/markup-compatibility/2006" xmlns:p14="http://schemas.microsoft.com/office/powerpoint/2010/main">
+    <mc:Choice Requires="p14">
       <p:transition p14:dur="300">
         <p:fade/>
       </p:transition>
     </mc:Choice>
-    <mc:Fallback>
+    <mc:Fallback xmlns="">
       <p:transition>
         <p:fade/>
       </p:transition>
@@ -2497,13 +2497,13 @@
   <p:clrMapOvr>
     <a:masterClrMapping/>
   </p:clrMapOvr>
-  <mc:AlternateContent xmlns:mc="http://schemas.openxmlformats.org/markup-compatibility/2006">
-    <mc:Choice xmlns:p14="http://schemas.microsoft.com/office/powerpoint/2010/main" Requires="p14">
+  <mc:AlternateContent xmlns:mc="http://schemas.openxmlformats.org/markup-compatibility/2006" xmlns:p14="http://schemas.microsoft.com/office/powerpoint/2010/main">
+    <mc:Choice Requires="p14">
       <p:transition p14:dur="300">
         <p:fade/>
       </p:transition>
     </mc:Choice>
-    <mc:Fallback>
+    <mc:Fallback xmlns="">
       <p:transition>
         <p:fade/>
       </p:transition>
@@ -2967,13 +2967,13 @@
   <p:clrMapOvr>
     <a:masterClrMapping/>
   </p:clrMapOvr>
-  <mc:AlternateContent xmlns:mc="http://schemas.openxmlformats.org/markup-compatibility/2006">
-    <mc:Choice xmlns:p14="http://schemas.microsoft.com/office/powerpoint/2010/main" Requires="p14">
+  <mc:AlternateContent xmlns:mc="http://schemas.openxmlformats.org/markup-compatibility/2006" xmlns:p14="http://schemas.microsoft.com/office/powerpoint/2010/main">
+    <mc:Choice Requires="p14">
       <p:transition p14:dur="300">
         <p:fade/>
       </p:transition>
     </mc:Choice>
-    <mc:Fallback>
+    <mc:Fallback xmlns="">
       <p:transition>
         <p:fade/>
       </p:transition>
@@ -3139,13 +3139,13 @@
   <p:clrMapOvr>
     <a:masterClrMapping/>
   </p:clrMapOvr>
-  <mc:AlternateContent xmlns:mc="http://schemas.openxmlformats.org/markup-compatibility/2006">
-    <mc:Choice xmlns:p14="http://schemas.microsoft.com/office/powerpoint/2010/main" Requires="p14">
+  <mc:AlternateContent xmlns:mc="http://schemas.openxmlformats.org/markup-compatibility/2006" xmlns:p14="http://schemas.microsoft.com/office/powerpoint/2010/main">
+    <mc:Choice Requires="p14">
       <p:transition p14:dur="300">
         <p:fade/>
       </p:transition>
     </mc:Choice>
-    <mc:Fallback>
+    <mc:Fallback xmlns="">
       <p:transition>
         <p:fade/>
       </p:transition>
@@ -3285,13 +3285,13 @@
   <p:clrMapOvr>
     <a:masterClrMapping/>
   </p:clrMapOvr>
-  <mc:AlternateContent xmlns:mc="http://schemas.openxmlformats.org/markup-compatibility/2006">
-    <mc:Choice xmlns:p14="http://schemas.microsoft.com/office/powerpoint/2010/main" Requires="p14">
+  <mc:AlternateContent xmlns:mc="http://schemas.openxmlformats.org/markup-compatibility/2006" xmlns:p14="http://schemas.microsoft.com/office/powerpoint/2010/main">
+    <mc:Choice Requires="p14">
       <p:transition p14:dur="300">
         <p:fade/>
       </p:transition>
     </mc:Choice>
-    <mc:Fallback>
+    <mc:Fallback xmlns="">
       <p:transition>
         <p:fade/>
       </p:transition>
@@ -3531,13 +3531,13 @@
   <p:clrMapOvr>
     <a:masterClrMapping/>
   </p:clrMapOvr>
-  <mc:AlternateContent xmlns:mc="http://schemas.openxmlformats.org/markup-compatibility/2006">
-    <mc:Choice xmlns:p14="http://schemas.microsoft.com/office/powerpoint/2010/main" Requires="p14">
+  <mc:AlternateContent xmlns:mc="http://schemas.openxmlformats.org/markup-compatibility/2006" xmlns:p14="http://schemas.microsoft.com/office/powerpoint/2010/main">
+    <mc:Choice Requires="p14">
       <p:transition p14:dur="300">
         <p:fade/>
       </p:transition>
     </mc:Choice>
-    <mc:Fallback>
+    <mc:Fallback xmlns="">
       <p:transition>
         <p:fade/>
       </p:transition>
@@ -3873,13 +3873,13 @@
   <p:clrMapOvr>
     <a:masterClrMapping/>
   </p:clrMapOvr>
-  <mc:AlternateContent xmlns:mc="http://schemas.openxmlformats.org/markup-compatibility/2006">
-    <mc:Choice xmlns:p14="http://schemas.microsoft.com/office/powerpoint/2010/main" Requires="p14">
+  <mc:AlternateContent xmlns:mc="http://schemas.openxmlformats.org/markup-compatibility/2006" xmlns:p14="http://schemas.microsoft.com/office/powerpoint/2010/main">
+    <mc:Choice Requires="p14">
       <p:transition p14:dur="300">
         <p:fade/>
       </p:transition>
     </mc:Choice>
-    <mc:Fallback>
+    <mc:Fallback xmlns="">
       <p:transition>
         <p:fade/>
       </p:transition>
@@ -4177,13 +4177,13 @@
   <p:clrMapOvr>
     <a:masterClrMapping/>
   </p:clrMapOvr>
-  <mc:AlternateContent xmlns:mc="http://schemas.openxmlformats.org/markup-compatibility/2006">
-    <mc:Choice xmlns:p14="http://schemas.microsoft.com/office/powerpoint/2010/main" Requires="p14">
+  <mc:AlternateContent xmlns:mc="http://schemas.openxmlformats.org/markup-compatibility/2006" xmlns:p14="http://schemas.microsoft.com/office/powerpoint/2010/main">
+    <mc:Choice Requires="p14">
       <p:transition p14:dur="300">
         <p:fade/>
       </p:transition>
     </mc:Choice>
-    <mc:Fallback>
+    <mc:Fallback xmlns="">
       <p:transition>
         <p:fade/>
       </p:transition>
@@ -4416,13 +4416,13 @@
   <p:clrMapOvr>
     <a:masterClrMapping/>
   </p:clrMapOvr>
-  <mc:AlternateContent xmlns:mc="http://schemas.openxmlformats.org/markup-compatibility/2006">
-    <mc:Choice xmlns:p14="http://schemas.microsoft.com/office/powerpoint/2010/main" Requires="p14">
+  <mc:AlternateContent xmlns:mc="http://schemas.openxmlformats.org/markup-compatibility/2006" xmlns:p14="http://schemas.microsoft.com/office/powerpoint/2010/main">
+    <mc:Choice Requires="p14">
       <p:transition p14:dur="300">
         <p:fade/>
       </p:transition>
     </mc:Choice>
-    <mc:Fallback>
+    <mc:Fallback xmlns="">
       <p:transition>
         <p:fade/>
       </p:transition>
@@ -4665,13 +4665,13 @@
   <p:clrMapOvr>
     <a:masterClrMapping/>
   </p:clrMapOvr>
-  <mc:AlternateContent xmlns:mc="http://schemas.openxmlformats.org/markup-compatibility/2006">
-    <mc:Choice xmlns:p14="http://schemas.microsoft.com/office/powerpoint/2010/main" Requires="p14">
+  <mc:AlternateContent xmlns:mc="http://schemas.openxmlformats.org/markup-compatibility/2006" xmlns:p14="http://schemas.microsoft.com/office/powerpoint/2010/main">
+    <mc:Choice Requires="p14">
       <p:transition p14:dur="300">
         <p:fade/>
       </p:transition>
     </mc:Choice>
-    <mc:Fallback>
+    <mc:Fallback xmlns="">
       <p:transition>
         <p:fade/>
       </p:transition>
@@ -4840,13 +4840,13 @@
   <p:clrMapOvr>
     <a:masterClrMapping/>
   </p:clrMapOvr>
-  <mc:AlternateContent xmlns:mc="http://schemas.openxmlformats.org/markup-compatibility/2006">
-    <mc:Choice xmlns:p14="http://schemas.microsoft.com/office/powerpoint/2010/main" Requires="p14">
+  <mc:AlternateContent xmlns:mc="http://schemas.openxmlformats.org/markup-compatibility/2006" xmlns:p14="http://schemas.microsoft.com/office/powerpoint/2010/main">
+    <mc:Choice Requires="p14">
       <p:transition p14:dur="300">
         <p:fade/>
       </p:transition>
     </mc:Choice>
-    <mc:Fallback>
+    <mc:Fallback xmlns="">
       <p:transition>
         <p:fade/>
       </p:transition>
@@ -5088,13 +5088,13 @@
   <p:clrMapOvr>
     <a:masterClrMapping/>
   </p:clrMapOvr>
-  <mc:AlternateContent xmlns:mc="http://schemas.openxmlformats.org/markup-compatibility/2006">
-    <mc:Choice xmlns:p14="http://schemas.microsoft.com/office/powerpoint/2010/main" Requires="p14">
+  <mc:AlternateContent xmlns:mc="http://schemas.openxmlformats.org/markup-compatibility/2006" xmlns:p14="http://schemas.microsoft.com/office/powerpoint/2010/main">
+    <mc:Choice Requires="p14">
       <p:transition p14:dur="300">
         <p:fade/>
       </p:transition>
     </mc:Choice>
-    <mc:Fallback>
+    <mc:Fallback xmlns="">
       <p:transition>
         <p:fade/>
       </p:transition>
@@ -5436,13 +5436,13 @@
   <p:clrMapOvr>
     <a:masterClrMapping/>
   </p:clrMapOvr>
-  <mc:AlternateContent xmlns:mc="http://schemas.openxmlformats.org/markup-compatibility/2006">
-    <mc:Choice xmlns:p14="http://schemas.microsoft.com/office/powerpoint/2010/main" Requires="p14">
+  <mc:AlternateContent xmlns:mc="http://schemas.openxmlformats.org/markup-compatibility/2006" xmlns:p14="http://schemas.microsoft.com/office/powerpoint/2010/main">
+    <mc:Choice Requires="p14">
       <p:transition p14:dur="300">
         <p:fade/>
       </p:transition>
     </mc:Choice>
-    <mc:Fallback>
+    <mc:Fallback xmlns="">
       <p:transition>
         <p:fade/>
       </p:transition>
@@ -5914,13 +5914,13 @@
   <p:clrMapOvr>
     <a:masterClrMapping/>
   </p:clrMapOvr>
-  <mc:AlternateContent xmlns:mc="http://schemas.openxmlformats.org/markup-compatibility/2006">
-    <mc:Choice xmlns:p14="http://schemas.microsoft.com/office/powerpoint/2010/main" Requires="p14">
+  <mc:AlternateContent xmlns:mc="http://schemas.openxmlformats.org/markup-compatibility/2006" xmlns:p14="http://schemas.microsoft.com/office/powerpoint/2010/main">
+    <mc:Choice Requires="p14">
       <p:transition p14:dur="300">
         <p:fade/>
       </p:transition>
     </mc:Choice>
-    <mc:Fallback>
+    <mc:Fallback xmlns="">
       <p:transition>
         <p:fade/>
       </p:transition>
@@ -6092,13 +6092,13 @@
   <p:clrMapOvr>
     <a:masterClrMapping/>
   </p:clrMapOvr>
-  <mc:AlternateContent xmlns:mc="http://schemas.openxmlformats.org/markup-compatibility/2006">
-    <mc:Choice xmlns:p14="http://schemas.microsoft.com/office/powerpoint/2010/main" Requires="p14">
+  <mc:AlternateContent xmlns:mc="http://schemas.openxmlformats.org/markup-compatibility/2006" xmlns:p14="http://schemas.microsoft.com/office/powerpoint/2010/main">
+    <mc:Choice Requires="p14">
       <p:transition p14:dur="300">
         <p:fade/>
       </p:transition>
     </mc:Choice>
-    <mc:Fallback>
+    <mc:Fallback xmlns="">
       <p:transition>
         <p:fade/>
       </p:transition>
@@ -6243,13 +6243,13 @@
   <p:clrMapOvr>
     <a:masterClrMapping/>
   </p:clrMapOvr>
-  <mc:AlternateContent xmlns:mc="http://schemas.openxmlformats.org/markup-compatibility/2006">
-    <mc:Choice xmlns:p14="http://schemas.microsoft.com/office/powerpoint/2010/main" Requires="p14">
+  <mc:AlternateContent xmlns:mc="http://schemas.openxmlformats.org/markup-compatibility/2006" xmlns:p14="http://schemas.microsoft.com/office/powerpoint/2010/main">
+    <mc:Choice Requires="p14">
       <p:transition p14:dur="300">
         <p:fade/>
       </p:transition>
     </mc:Choice>
-    <mc:Fallback>
+    <mc:Fallback xmlns="">
       <p:transition>
         <p:fade/>
       </p:transition>
@@ -6576,13 +6576,13 @@
   <p:clrMapOvr>
     <a:masterClrMapping/>
   </p:clrMapOvr>
-  <mc:AlternateContent xmlns:mc="http://schemas.openxmlformats.org/markup-compatibility/2006">
-    <mc:Choice xmlns:p14="http://schemas.microsoft.com/office/powerpoint/2010/main" Requires="p14">
+  <mc:AlternateContent xmlns:mc="http://schemas.openxmlformats.org/markup-compatibility/2006" xmlns:p14="http://schemas.microsoft.com/office/powerpoint/2010/main">
+    <mc:Choice Requires="p14">
       <p:transition p14:dur="300">
         <p:fade/>
       </p:transition>
     </mc:Choice>
-    <mc:Fallback>
+    <mc:Fallback xmlns="">
       <p:transition>
         <p:fade/>
       </p:transition>
@@ -6890,13 +6890,13 @@
   <p:clrMapOvr>
     <a:masterClrMapping/>
   </p:clrMapOvr>
-  <mc:AlternateContent xmlns:mc="http://schemas.openxmlformats.org/markup-compatibility/2006">
-    <mc:Choice xmlns:p14="http://schemas.microsoft.com/office/powerpoint/2010/main" Requires="p14">
+  <mc:AlternateContent xmlns:mc="http://schemas.openxmlformats.org/markup-compatibility/2006" xmlns:p14="http://schemas.microsoft.com/office/powerpoint/2010/main">
+    <mc:Choice Requires="p14">
       <p:transition p14:dur="300">
         <p:fade/>
       </p:transition>
     </mc:Choice>
-    <mc:Fallback>
+    <mc:Fallback xmlns="">
       <p:transition>
         <p:fade/>
       </p:transition>
@@ -7386,13 +7386,13 @@
     <p:sldLayoutId id="2147483671" r:id="rId11"/>
     <p:sldLayoutId id="2147483672" r:id="rId12"/>
   </p:sldLayoutIdLst>
-  <mc:AlternateContent xmlns:mc="http://schemas.openxmlformats.org/markup-compatibility/2006">
-    <mc:Choice xmlns:p14="http://schemas.microsoft.com/office/powerpoint/2010/main" Requires="p14">
+  <mc:AlternateContent xmlns:mc="http://schemas.openxmlformats.org/markup-compatibility/2006" xmlns:p14="http://schemas.microsoft.com/office/powerpoint/2010/main">
+    <mc:Choice Requires="p14">
       <p:transition p14:dur="300">
         <p:fade/>
       </p:transition>
     </mc:Choice>
-    <mc:Fallback>
+    <mc:Fallback xmlns="">
       <p:transition>
         <p:fade/>
       </p:transition>
@@ -8273,13 +8273,13 @@
     <p:sldLayoutId id="2147483684" r:id="rId11"/>
     <p:sldLayoutId id="2147483685" r:id="rId12"/>
   </p:sldLayoutIdLst>
-  <mc:AlternateContent xmlns:mc="http://schemas.openxmlformats.org/markup-compatibility/2006">
-    <mc:Choice xmlns:p14="http://schemas.microsoft.com/office/powerpoint/2010/main" Requires="p14">
+  <mc:AlternateContent xmlns:mc="http://schemas.openxmlformats.org/markup-compatibility/2006" xmlns:p14="http://schemas.microsoft.com/office/powerpoint/2010/main">
+    <mc:Choice Requires="p14">
       <p:transition p14:dur="300">
         <p:fade/>
       </p:transition>
     </mc:Choice>
-    <mc:Fallback>
+    <mc:Fallback xmlns="">
       <p:transition>
         <p:fade/>
       </p:transition>
@@ -9080,41 +9080,7 @@
                 <a:ea typeface="Calibri Light" panose="020F0302020204030204" pitchFamily="34" charset="0"/>
                 <a:cs typeface="Calibri Light" panose="020F0302020204030204" pitchFamily="34" charset="0"/>
               </a:rPr>
-              <a:t>And We desired to show </a:t>
-            </a:r>
-            <a:r>
-              <a:rPr kumimoji="0" lang="en-US" sz="1400" b="0" i="1" u="none" strike="noStrike" kern="1200" cap="none" spc="0" normalizeH="0" baseline="0" noProof="0" dirty="0" err="1">
-                <a:ln>
-                  <a:noFill/>
-                </a:ln>
-                <a:solidFill>
-                  <a:srgbClr val="127274"/>
-                </a:solidFill>
-                <a:effectLst/>
-                <a:uLnTx/>
-                <a:uFillTx/>
-                <a:latin typeface="Calibri Light" panose="020F0302020204030204" pitchFamily="34" charset="0"/>
-                <a:ea typeface="Calibri Light" panose="020F0302020204030204" pitchFamily="34" charset="0"/>
-                <a:cs typeface="Calibri Light" panose="020F0302020204030204" pitchFamily="34" charset="0"/>
-              </a:rPr>
-              <a:t>favour</a:t>
-            </a:r>
-            <a:r>
-              <a:rPr kumimoji="0" lang="en-US" sz="1400" b="0" i="1" u="none" strike="noStrike" kern="1200" cap="none" spc="0" normalizeH="0" baseline="0" noProof="0" dirty="0">
-                <a:ln>
-                  <a:noFill/>
-                </a:ln>
-                <a:solidFill>
-                  <a:srgbClr val="127274"/>
-                </a:solidFill>
-                <a:effectLst/>
-                <a:uLnTx/>
-                <a:uFillTx/>
-                <a:latin typeface="Calibri Light" panose="020F0302020204030204" pitchFamily="34" charset="0"/>
-                <a:ea typeface="Calibri Light" panose="020F0302020204030204" pitchFamily="34" charset="0"/>
-                <a:cs typeface="Calibri Light" panose="020F0302020204030204" pitchFamily="34" charset="0"/>
-              </a:rPr>
-              <a:t> upon those who were abased in the land, </a:t>
+              <a:t>And We desired to show favor upon those who were abased in the land, </a:t>
             </a:r>
           </a:p>
           <a:p>
@@ -9189,7 +9155,7 @@
               <a:t>(Surah </a:t>
             </a:r>
             <a:r>
-              <a:rPr kumimoji="0" lang="en-US" sz="1200" b="0" i="1" u="none" strike="noStrike" kern="1200" cap="none" spc="0" normalizeH="0" baseline="0" noProof="0" dirty="0" err="1">
+              <a:rPr kumimoji="0" lang="en-US" sz="1200" b="0" i="1" u="none" strike="noStrike" kern="1200" cap="none" spc="0" normalizeH="0" baseline="0" noProof="0">
                 <a:ln>
                   <a:noFill/>
                 </a:ln>
@@ -9203,7 +9169,7 @@
                 <a:ea typeface="Calibri Light" panose="020F0302020204030204" pitchFamily="34" charset="0"/>
                 <a:cs typeface="Calibri Light" panose="020F0302020204030204" pitchFamily="34" charset="0"/>
               </a:rPr>
-              <a:t>Qasas</a:t>
+              <a:t>Qasas: </a:t>
             </a:r>
             <a:r>
               <a:rPr kumimoji="0" lang="en-US" sz="1200" b="0" i="1" u="none" strike="noStrike" kern="1200" cap="none" spc="0" normalizeH="0" baseline="0" noProof="0" dirty="0">
@@ -9220,7 +9186,7 @@
                 <a:ea typeface="Calibri Light" panose="020F0302020204030204" pitchFamily="34" charset="0"/>
                 <a:cs typeface="Calibri Light" panose="020F0302020204030204" pitchFamily="34" charset="0"/>
               </a:rPr>
-              <a:t> : 5)</a:t>
+              <a:t>5)</a:t>
             </a:r>
             <a:endParaRPr kumimoji="0" lang="en-CA" sz="1200" b="0" i="1" u="none" strike="noStrike" kern="1200" cap="none" spc="0" normalizeH="0" baseline="0" noProof="0" dirty="0">
               <a:ln>
@@ -9500,13 +9466,13 @@
   <p:clrMapOvr>
     <a:masterClrMapping/>
   </p:clrMapOvr>
-  <mc:AlternateContent xmlns:mc="http://schemas.openxmlformats.org/markup-compatibility/2006">
-    <mc:Choice xmlns:p14="http://schemas.microsoft.com/office/powerpoint/2010/main" Requires="p14">
+  <mc:AlternateContent xmlns:mc="http://schemas.openxmlformats.org/markup-compatibility/2006" xmlns:p14="http://schemas.microsoft.com/office/powerpoint/2010/main">
+    <mc:Choice Requires="p14">
       <p:transition p14:dur="300">
         <p:fade/>
       </p:transition>
     </mc:Choice>
-    <mc:Fallback>
+    <mc:Fallback xmlns="">
       <p:transition>
         <p:fade/>
       </p:transition>
@@ -9590,13 +9556,13 @@
   <p:clrMapOvr>
     <a:masterClrMapping/>
   </p:clrMapOvr>
-  <mc:AlternateContent xmlns:mc="http://schemas.openxmlformats.org/markup-compatibility/2006">
-    <mc:Choice xmlns:p14="http://schemas.microsoft.com/office/powerpoint/2010/main" Requires="p14">
+  <mc:AlternateContent xmlns:mc="http://schemas.openxmlformats.org/markup-compatibility/2006" xmlns:p14="http://schemas.microsoft.com/office/powerpoint/2010/main">
+    <mc:Choice Requires="p14">
       <p:transition p14:dur="300">
         <p:fade/>
       </p:transition>
     </mc:Choice>
-    <mc:Fallback>
+    <mc:Fallback xmlns="">
       <p:transition>
         <p:fade/>
       </p:transition>
@@ -9676,13 +9642,13 @@
   <p:clrMapOvr>
     <a:masterClrMapping/>
   </p:clrMapOvr>
-  <mc:AlternateContent xmlns:mc="http://schemas.openxmlformats.org/markup-compatibility/2006">
-    <mc:Choice xmlns:p14="http://schemas.microsoft.com/office/powerpoint/2010/main" Requires="p14">
+  <mc:AlternateContent xmlns:mc="http://schemas.openxmlformats.org/markup-compatibility/2006" xmlns:p14="http://schemas.microsoft.com/office/powerpoint/2010/main">
+    <mc:Choice Requires="p14">
       <p:transition p14:dur="300">
         <p:fade/>
       </p:transition>
     </mc:Choice>
-    <mc:Fallback>
+    <mc:Fallback xmlns="">
       <p:transition>
         <p:fade/>
       </p:transition>
@@ -9758,13 +9724,13 @@
   <p:clrMapOvr>
     <a:masterClrMapping/>
   </p:clrMapOvr>
-  <mc:AlternateContent xmlns:mc="http://schemas.openxmlformats.org/markup-compatibility/2006">
-    <mc:Choice xmlns:p14="http://schemas.microsoft.com/office/powerpoint/2010/main" Requires="p14">
+  <mc:AlternateContent xmlns:mc="http://schemas.openxmlformats.org/markup-compatibility/2006" xmlns:p14="http://schemas.microsoft.com/office/powerpoint/2010/main">
+    <mc:Choice Requires="p14">
       <p:transition p14:dur="300">
         <p:fade/>
       </p:transition>
     </mc:Choice>
-    <mc:Fallback>
+    <mc:Fallback xmlns="">
       <p:transition>
         <p:fade/>
       </p:transition>
@@ -9840,13 +9806,13 @@
   <p:clrMapOvr>
     <a:masterClrMapping/>
   </p:clrMapOvr>
-  <mc:AlternateContent xmlns:mc="http://schemas.openxmlformats.org/markup-compatibility/2006">
-    <mc:Choice xmlns:p14="http://schemas.microsoft.com/office/powerpoint/2010/main" Requires="p14">
+  <mc:AlternateContent xmlns:mc="http://schemas.openxmlformats.org/markup-compatibility/2006" xmlns:p14="http://schemas.microsoft.com/office/powerpoint/2010/main">
+    <mc:Choice Requires="p14">
       <p:transition p14:dur="300">
         <p:fade/>
       </p:transition>
     </mc:Choice>
-    <mc:Fallback>
+    <mc:Fallback xmlns="">
       <p:transition>
         <p:fade/>
       </p:transition>
@@ -9930,13 +9896,13 @@
   <p:clrMapOvr>
     <a:masterClrMapping/>
   </p:clrMapOvr>
-  <mc:AlternateContent xmlns:mc="http://schemas.openxmlformats.org/markup-compatibility/2006">
-    <mc:Choice xmlns:p14="http://schemas.microsoft.com/office/powerpoint/2010/main" Requires="p14">
+  <mc:AlternateContent xmlns:mc="http://schemas.openxmlformats.org/markup-compatibility/2006" xmlns:p14="http://schemas.microsoft.com/office/powerpoint/2010/main">
+    <mc:Choice Requires="p14">
       <p:transition p14:dur="300">
         <p:fade/>
       </p:transition>
     </mc:Choice>
-    <mc:Fallback>
+    <mc:Fallback xmlns="">
       <p:transition>
         <p:fade/>
       </p:transition>
@@ -10012,13 +9978,13 @@
   <p:clrMapOvr>
     <a:masterClrMapping/>
   </p:clrMapOvr>
-  <mc:AlternateContent xmlns:mc="http://schemas.openxmlformats.org/markup-compatibility/2006">
-    <mc:Choice xmlns:p14="http://schemas.microsoft.com/office/powerpoint/2010/main" Requires="p14">
+  <mc:AlternateContent xmlns:mc="http://schemas.openxmlformats.org/markup-compatibility/2006" xmlns:p14="http://schemas.microsoft.com/office/powerpoint/2010/main">
+    <mc:Choice Requires="p14">
       <p:transition p14:dur="300">
         <p:fade/>
       </p:transition>
     </mc:Choice>
-    <mc:Fallback>
+    <mc:Fallback xmlns="">
       <p:transition>
         <p:fade/>
       </p:transition>
@@ -10094,13 +10060,13 @@
   <p:clrMapOvr>
     <a:masterClrMapping/>
   </p:clrMapOvr>
-  <mc:AlternateContent xmlns:mc="http://schemas.openxmlformats.org/markup-compatibility/2006">
-    <mc:Choice xmlns:p14="http://schemas.microsoft.com/office/powerpoint/2010/main" Requires="p14">
+  <mc:AlternateContent xmlns:mc="http://schemas.openxmlformats.org/markup-compatibility/2006" xmlns:p14="http://schemas.microsoft.com/office/powerpoint/2010/main">
+    <mc:Choice Requires="p14">
       <p:transition p14:dur="300">
         <p:fade/>
       </p:transition>
     </mc:Choice>
-    <mc:Fallback>
+    <mc:Fallback xmlns="">
       <p:transition>
         <p:fade/>
       </p:transition>
@@ -10176,13 +10142,13 @@
   <p:clrMapOvr>
     <a:masterClrMapping/>
   </p:clrMapOvr>
-  <mc:AlternateContent xmlns:mc="http://schemas.openxmlformats.org/markup-compatibility/2006">
-    <mc:Choice xmlns:p14="http://schemas.microsoft.com/office/powerpoint/2010/main" Requires="p14">
+  <mc:AlternateContent xmlns:mc="http://schemas.openxmlformats.org/markup-compatibility/2006" xmlns:p14="http://schemas.microsoft.com/office/powerpoint/2010/main">
+    <mc:Choice Requires="p14">
       <p:transition p14:dur="300">
         <p:fade/>
       </p:transition>
     </mc:Choice>
-    <mc:Fallback>
+    <mc:Fallback xmlns="">
       <p:transition>
         <p:fade/>
       </p:transition>
@@ -10270,13 +10236,13 @@
   <p:clrMapOvr>
     <a:masterClrMapping/>
   </p:clrMapOvr>
-  <mc:AlternateContent xmlns:mc="http://schemas.openxmlformats.org/markup-compatibility/2006">
-    <mc:Choice xmlns:p14="http://schemas.microsoft.com/office/powerpoint/2010/main" Requires="p14">
+  <mc:AlternateContent xmlns:mc="http://schemas.openxmlformats.org/markup-compatibility/2006" xmlns:p14="http://schemas.microsoft.com/office/powerpoint/2010/main">
+    <mc:Choice Requires="p14">
       <p:transition p14:dur="300">
         <p:fade/>
       </p:transition>
     </mc:Choice>
-    <mc:Fallback>
+    <mc:Fallback xmlns="">
       <p:transition>
         <p:fade/>
       </p:transition>
@@ -10352,13 +10318,13 @@
   <p:clrMapOvr>
     <a:masterClrMapping/>
   </p:clrMapOvr>
-  <mc:AlternateContent xmlns:mc="http://schemas.openxmlformats.org/markup-compatibility/2006">
-    <mc:Choice xmlns:p14="http://schemas.microsoft.com/office/powerpoint/2010/main" Requires="p14">
+  <mc:AlternateContent xmlns:mc="http://schemas.openxmlformats.org/markup-compatibility/2006" xmlns:p14="http://schemas.microsoft.com/office/powerpoint/2010/main">
+    <mc:Choice Requires="p14">
       <p:transition p14:dur="300">
         <p:fade/>
       </p:transition>
     </mc:Choice>
-    <mc:Fallback>
+    <mc:Fallback xmlns="">
       <p:transition>
         <p:fade/>
       </p:transition>
@@ -10442,13 +10408,13 @@
   <p:clrMapOvr>
     <a:masterClrMapping/>
   </p:clrMapOvr>
-  <mc:AlternateContent xmlns:mc="http://schemas.openxmlformats.org/markup-compatibility/2006">
-    <mc:Choice xmlns:p14="http://schemas.microsoft.com/office/powerpoint/2010/main" Requires="p14">
+  <mc:AlternateContent xmlns:mc="http://schemas.openxmlformats.org/markup-compatibility/2006" xmlns:p14="http://schemas.microsoft.com/office/powerpoint/2010/main">
+    <mc:Choice Requires="p14">
       <p:transition p14:dur="300">
         <p:fade/>
       </p:transition>
     </mc:Choice>
-    <mc:Fallback>
+    <mc:Fallback xmlns="">
       <p:transition>
         <p:fade/>
       </p:transition>
@@ -10536,13 +10502,13 @@
   <p:clrMapOvr>
     <a:masterClrMapping/>
   </p:clrMapOvr>
-  <mc:AlternateContent xmlns:mc="http://schemas.openxmlformats.org/markup-compatibility/2006">
-    <mc:Choice xmlns:p14="http://schemas.microsoft.com/office/powerpoint/2010/main" Requires="p14">
+  <mc:AlternateContent xmlns:mc="http://schemas.openxmlformats.org/markup-compatibility/2006" xmlns:p14="http://schemas.microsoft.com/office/powerpoint/2010/main">
+    <mc:Choice Requires="p14">
       <p:transition p14:dur="300">
         <p:fade/>
       </p:transition>
     </mc:Choice>
-    <mc:Fallback>
+    <mc:Fallback xmlns="">
       <p:transition>
         <p:fade/>
       </p:transition>
@@ -10618,13 +10584,13 @@
   <p:clrMapOvr>
     <a:masterClrMapping/>
   </p:clrMapOvr>
-  <mc:AlternateContent xmlns:mc="http://schemas.openxmlformats.org/markup-compatibility/2006">
-    <mc:Choice xmlns:p14="http://schemas.microsoft.com/office/powerpoint/2010/main" Requires="p14">
+  <mc:AlternateContent xmlns:mc="http://schemas.openxmlformats.org/markup-compatibility/2006" xmlns:p14="http://schemas.microsoft.com/office/powerpoint/2010/main">
+    <mc:Choice Requires="p14">
       <p:transition p14:dur="300">
         <p:fade/>
       </p:transition>
     </mc:Choice>
-    <mc:Fallback>
+    <mc:Fallback xmlns="">
       <p:transition>
         <p:fade/>
       </p:transition>
@@ -10704,13 +10670,13 @@
   <p:clrMapOvr>
     <a:masterClrMapping/>
   </p:clrMapOvr>
-  <mc:AlternateContent xmlns:mc="http://schemas.openxmlformats.org/markup-compatibility/2006">
-    <mc:Choice xmlns:p14="http://schemas.microsoft.com/office/powerpoint/2010/main" Requires="p14">
+  <mc:AlternateContent xmlns:mc="http://schemas.openxmlformats.org/markup-compatibility/2006" xmlns:p14="http://schemas.microsoft.com/office/powerpoint/2010/main">
+    <mc:Choice Requires="p14">
       <p:transition p14:dur="300">
         <p:fade/>
       </p:transition>
     </mc:Choice>
-    <mc:Fallback>
+    <mc:Fallback xmlns="">
       <p:transition>
         <p:fade/>
       </p:transition>
@@ -10786,13 +10752,13 @@
   <p:clrMapOvr>
     <a:masterClrMapping/>
   </p:clrMapOvr>
-  <mc:AlternateContent xmlns:mc="http://schemas.openxmlformats.org/markup-compatibility/2006">
-    <mc:Choice xmlns:p14="http://schemas.microsoft.com/office/powerpoint/2010/main" Requires="p14">
+  <mc:AlternateContent xmlns:mc="http://schemas.openxmlformats.org/markup-compatibility/2006" xmlns:p14="http://schemas.microsoft.com/office/powerpoint/2010/main">
+    <mc:Choice Requires="p14">
       <p:transition p14:dur="300">
         <p:fade/>
       </p:transition>
     </mc:Choice>
-    <mc:Fallback>
+    <mc:Fallback xmlns="">
       <p:transition>
         <p:fade/>
       </p:transition>
@@ -10880,13 +10846,13 @@
   <p:clrMapOvr>
     <a:masterClrMapping/>
   </p:clrMapOvr>
-  <mc:AlternateContent xmlns:mc="http://schemas.openxmlformats.org/markup-compatibility/2006">
-    <mc:Choice xmlns:p14="http://schemas.microsoft.com/office/powerpoint/2010/main" Requires="p14">
+  <mc:AlternateContent xmlns:mc="http://schemas.openxmlformats.org/markup-compatibility/2006" xmlns:p14="http://schemas.microsoft.com/office/powerpoint/2010/main">
+    <mc:Choice Requires="p14">
       <p:transition p14:dur="300">
         <p:fade/>
       </p:transition>
     </mc:Choice>
-    <mc:Fallback>
+    <mc:Fallback xmlns="">
       <p:transition>
         <p:fade/>
       </p:transition>
@@ -10966,13 +10932,13 @@
   <p:clrMapOvr>
     <a:masterClrMapping/>
   </p:clrMapOvr>
-  <mc:AlternateContent xmlns:mc="http://schemas.openxmlformats.org/markup-compatibility/2006">
-    <mc:Choice xmlns:p14="http://schemas.microsoft.com/office/powerpoint/2010/main" Requires="p14">
+  <mc:AlternateContent xmlns:mc="http://schemas.openxmlformats.org/markup-compatibility/2006" xmlns:p14="http://schemas.microsoft.com/office/powerpoint/2010/main">
+    <mc:Choice Requires="p14">
       <p:transition p14:dur="300">
         <p:fade/>
       </p:transition>
     </mc:Choice>
-    <mc:Fallback>
+    <mc:Fallback xmlns="">
       <p:transition>
         <p:fade/>
       </p:transition>
@@ -11048,13 +11014,13 @@
   <p:clrMapOvr>
     <a:masterClrMapping/>
   </p:clrMapOvr>
-  <mc:AlternateContent xmlns:mc="http://schemas.openxmlformats.org/markup-compatibility/2006">
-    <mc:Choice xmlns:p14="http://schemas.microsoft.com/office/powerpoint/2010/main" Requires="p14">
+  <mc:AlternateContent xmlns:mc="http://schemas.openxmlformats.org/markup-compatibility/2006" xmlns:p14="http://schemas.microsoft.com/office/powerpoint/2010/main">
+    <mc:Choice Requires="p14">
       <p:transition p14:dur="300">
         <p:fade/>
       </p:transition>
     </mc:Choice>
-    <mc:Fallback>
+    <mc:Fallback xmlns="">
       <p:transition>
         <p:fade/>
       </p:transition>
@@ -11130,13 +11096,13 @@
   <p:clrMapOvr>
     <a:masterClrMapping/>
   </p:clrMapOvr>
-  <mc:AlternateContent xmlns:mc="http://schemas.openxmlformats.org/markup-compatibility/2006">
-    <mc:Choice xmlns:p14="http://schemas.microsoft.com/office/powerpoint/2010/main" Requires="p14">
+  <mc:AlternateContent xmlns:mc="http://schemas.openxmlformats.org/markup-compatibility/2006" xmlns:p14="http://schemas.microsoft.com/office/powerpoint/2010/main">
+    <mc:Choice Requires="p14">
       <p:transition p14:dur="300">
         <p:fade/>
       </p:transition>
     </mc:Choice>
-    <mc:Fallback>
+    <mc:Fallback xmlns="">
       <p:transition>
         <p:fade/>
       </p:transition>
@@ -11213,13 +11179,13 @@
   <p:clrMapOvr>
     <a:masterClrMapping/>
   </p:clrMapOvr>
-  <mc:AlternateContent xmlns:mc="http://schemas.openxmlformats.org/markup-compatibility/2006">
-    <mc:Choice xmlns:p14="http://schemas.microsoft.com/office/powerpoint/2010/main" Requires="p14">
+  <mc:AlternateContent xmlns:mc="http://schemas.openxmlformats.org/markup-compatibility/2006" xmlns:p14="http://schemas.microsoft.com/office/powerpoint/2010/main">
+    <mc:Choice Requires="p14">
       <p:transition p14:dur="300">
         <p:fade/>
       </p:transition>
     </mc:Choice>
-    <mc:Fallback>
+    <mc:Fallback xmlns="">
       <p:transition>
         <p:fade/>
       </p:transition>
@@ -11295,13 +11261,13 @@
   <p:clrMapOvr>
     <a:masterClrMapping/>
   </p:clrMapOvr>
-  <mc:AlternateContent xmlns:mc="http://schemas.openxmlformats.org/markup-compatibility/2006">
-    <mc:Choice xmlns:p14="http://schemas.microsoft.com/office/powerpoint/2010/main" Requires="p14">
+  <mc:AlternateContent xmlns:mc="http://schemas.openxmlformats.org/markup-compatibility/2006" xmlns:p14="http://schemas.microsoft.com/office/powerpoint/2010/main">
+    <mc:Choice Requires="p14">
       <p:transition p14:dur="300">
         <p:fade/>
       </p:transition>
     </mc:Choice>
-    <mc:Fallback>
+    <mc:Fallback xmlns="">
       <p:transition>
         <p:fade/>
       </p:transition>
@@ -11377,13 +11343,13 @@
   <p:clrMapOvr>
     <a:masterClrMapping/>
   </p:clrMapOvr>
-  <mc:AlternateContent xmlns:mc="http://schemas.openxmlformats.org/markup-compatibility/2006">
-    <mc:Choice xmlns:p14="http://schemas.microsoft.com/office/powerpoint/2010/main" Requires="p14">
+  <mc:AlternateContent xmlns:mc="http://schemas.openxmlformats.org/markup-compatibility/2006" xmlns:p14="http://schemas.microsoft.com/office/powerpoint/2010/main">
+    <mc:Choice Requires="p14">
       <p:transition p14:dur="300">
         <p:fade/>
       </p:transition>
     </mc:Choice>
-    <mc:Fallback>
+    <mc:Fallback xmlns="">
       <p:transition>
         <p:fade/>
       </p:transition>
@@ -11467,13 +11433,13 @@
   <p:clrMapOvr>
     <a:masterClrMapping/>
   </p:clrMapOvr>
-  <mc:AlternateContent xmlns:mc="http://schemas.openxmlformats.org/markup-compatibility/2006">
-    <mc:Choice xmlns:p14="http://schemas.microsoft.com/office/powerpoint/2010/main" Requires="p14">
+  <mc:AlternateContent xmlns:mc="http://schemas.openxmlformats.org/markup-compatibility/2006" xmlns:p14="http://schemas.microsoft.com/office/powerpoint/2010/main">
+    <mc:Choice Requires="p14">
       <p:transition p14:dur="300">
         <p:fade/>
       </p:transition>
     </mc:Choice>
-    <mc:Fallback>
+    <mc:Fallback xmlns="">
       <p:transition>
         <p:fade/>
       </p:transition>
@@ -11554,13 +11520,13 @@
   <p:clrMapOvr>
     <a:masterClrMapping/>
   </p:clrMapOvr>
-  <mc:AlternateContent xmlns:mc="http://schemas.openxmlformats.org/markup-compatibility/2006">
-    <mc:Choice xmlns:p14="http://schemas.microsoft.com/office/powerpoint/2010/main" Requires="p14">
+  <mc:AlternateContent xmlns:mc="http://schemas.openxmlformats.org/markup-compatibility/2006" xmlns:p14="http://schemas.microsoft.com/office/powerpoint/2010/main">
+    <mc:Choice Requires="p14">
       <p:transition p14:dur="300">
         <p:fade/>
       </p:transition>
     </mc:Choice>
-    <mc:Fallback>
+    <mc:Fallback xmlns="">
       <p:transition>
         <p:fade/>
       </p:transition>
@@ -11637,13 +11603,13 @@
   <p:clrMapOvr>
     <a:masterClrMapping/>
   </p:clrMapOvr>
-  <mc:AlternateContent xmlns:mc="http://schemas.openxmlformats.org/markup-compatibility/2006">
-    <mc:Choice xmlns:p14="http://schemas.microsoft.com/office/powerpoint/2010/main" Requires="p14">
+  <mc:AlternateContent xmlns:mc="http://schemas.openxmlformats.org/markup-compatibility/2006" xmlns:p14="http://schemas.microsoft.com/office/powerpoint/2010/main">
+    <mc:Choice Requires="p14">
       <p:transition p14:dur="300">
         <p:fade/>
       </p:transition>
     </mc:Choice>
-    <mc:Fallback>
+    <mc:Fallback xmlns="">
       <p:transition>
         <p:fade/>
       </p:transition>
@@ -11719,13 +11685,13 @@
   <p:clrMapOvr>
     <a:masterClrMapping/>
   </p:clrMapOvr>
-  <mc:AlternateContent xmlns:mc="http://schemas.openxmlformats.org/markup-compatibility/2006">
-    <mc:Choice xmlns:p14="http://schemas.microsoft.com/office/powerpoint/2010/main" Requires="p14">
+  <mc:AlternateContent xmlns:mc="http://schemas.openxmlformats.org/markup-compatibility/2006" xmlns:p14="http://schemas.microsoft.com/office/powerpoint/2010/main">
+    <mc:Choice Requires="p14">
       <p:transition p14:dur="300">
         <p:fade/>
       </p:transition>
     </mc:Choice>
-    <mc:Fallback>
+    <mc:Fallback xmlns="">
       <p:transition>
         <p:fade/>
       </p:transition>
@@ -11801,13 +11767,13 @@
   <p:clrMapOvr>
     <a:masterClrMapping/>
   </p:clrMapOvr>
-  <mc:AlternateContent xmlns:mc="http://schemas.openxmlformats.org/markup-compatibility/2006">
-    <mc:Choice xmlns:p14="http://schemas.microsoft.com/office/powerpoint/2010/main" Requires="p14">
+  <mc:AlternateContent xmlns:mc="http://schemas.openxmlformats.org/markup-compatibility/2006" xmlns:p14="http://schemas.microsoft.com/office/powerpoint/2010/main">
+    <mc:Choice Requires="p14">
       <p:transition p14:dur="300">
         <p:fade/>
       </p:transition>
     </mc:Choice>
-    <mc:Fallback>
+    <mc:Fallback xmlns="">
       <p:transition>
         <p:fade/>
       </p:transition>
@@ -11884,13 +11850,13 @@
   <p:clrMapOvr>
     <a:masterClrMapping/>
   </p:clrMapOvr>
-  <mc:AlternateContent xmlns:mc="http://schemas.openxmlformats.org/markup-compatibility/2006">
-    <mc:Choice xmlns:p14="http://schemas.microsoft.com/office/powerpoint/2010/main" Requires="p14">
+  <mc:AlternateContent xmlns:mc="http://schemas.openxmlformats.org/markup-compatibility/2006" xmlns:p14="http://schemas.microsoft.com/office/powerpoint/2010/main">
+    <mc:Choice Requires="p14">
       <p:transition p14:dur="300">
         <p:fade/>
       </p:transition>
     </mc:Choice>
-    <mc:Fallback>
+    <mc:Fallback xmlns="">
       <p:transition>
         <p:fade/>
       </p:transition>
@@ -11974,13 +11940,13 @@
   <p:clrMapOvr>
     <a:masterClrMapping/>
   </p:clrMapOvr>
-  <mc:AlternateContent xmlns:mc="http://schemas.openxmlformats.org/markup-compatibility/2006">
-    <mc:Choice xmlns:p14="http://schemas.microsoft.com/office/powerpoint/2010/main" Requires="p14">
+  <mc:AlternateContent xmlns:mc="http://schemas.openxmlformats.org/markup-compatibility/2006" xmlns:p14="http://schemas.microsoft.com/office/powerpoint/2010/main">
+    <mc:Choice Requires="p14">
       <p:transition p14:dur="300">
         <p:fade/>
       </p:transition>
     </mc:Choice>
-    <mc:Fallback>
+    <mc:Fallback xmlns="">
       <p:transition>
         <p:fade/>
       </p:transition>
@@ -12061,13 +12027,13 @@
   <p:clrMapOvr>
     <a:masterClrMapping/>
   </p:clrMapOvr>
-  <mc:AlternateContent xmlns:mc="http://schemas.openxmlformats.org/markup-compatibility/2006">
-    <mc:Choice xmlns:p14="http://schemas.microsoft.com/office/powerpoint/2010/main" Requires="p14">
+  <mc:AlternateContent xmlns:mc="http://schemas.openxmlformats.org/markup-compatibility/2006" xmlns:p14="http://schemas.microsoft.com/office/powerpoint/2010/main">
+    <mc:Choice Requires="p14">
       <p:transition p14:dur="300">
         <p:fade/>
       </p:transition>
     </mc:Choice>
-    <mc:Fallback>
+    <mc:Fallback xmlns="">
       <p:transition>
         <p:fade/>
       </p:transition>
@@ -12144,13 +12110,13 @@
   <p:clrMapOvr>
     <a:masterClrMapping/>
   </p:clrMapOvr>
-  <mc:AlternateContent xmlns:mc="http://schemas.openxmlformats.org/markup-compatibility/2006">
-    <mc:Choice xmlns:p14="http://schemas.microsoft.com/office/powerpoint/2010/main" Requires="p14">
+  <mc:AlternateContent xmlns:mc="http://schemas.openxmlformats.org/markup-compatibility/2006" xmlns:p14="http://schemas.microsoft.com/office/powerpoint/2010/main">
+    <mc:Choice Requires="p14">
       <p:transition p14:dur="300">
         <p:fade/>
       </p:transition>
     </mc:Choice>
-    <mc:Fallback>
+    <mc:Fallback xmlns="">
       <p:transition>
         <p:fade/>
       </p:transition>
@@ -12227,13 +12193,13 @@
   <p:clrMapOvr>
     <a:masterClrMapping/>
   </p:clrMapOvr>
-  <mc:AlternateContent xmlns:mc="http://schemas.openxmlformats.org/markup-compatibility/2006">
-    <mc:Choice xmlns:p14="http://schemas.microsoft.com/office/powerpoint/2010/main" Requires="p14">
+  <mc:AlternateContent xmlns:mc="http://schemas.openxmlformats.org/markup-compatibility/2006" xmlns:p14="http://schemas.microsoft.com/office/powerpoint/2010/main">
+    <mc:Choice Requires="p14">
       <p:transition p14:dur="300">
         <p:fade/>
       </p:transition>
     </mc:Choice>
-    <mc:Fallback>
+    <mc:Fallback xmlns="">
       <p:transition>
         <p:fade/>
       </p:transition>
@@ -12317,13 +12283,13 @@
   <p:clrMapOvr>
     <a:masterClrMapping/>
   </p:clrMapOvr>
-  <mc:AlternateContent xmlns:mc="http://schemas.openxmlformats.org/markup-compatibility/2006">
-    <mc:Choice xmlns:p14="http://schemas.microsoft.com/office/powerpoint/2010/main" Requires="p14">
+  <mc:AlternateContent xmlns:mc="http://schemas.openxmlformats.org/markup-compatibility/2006" xmlns:p14="http://schemas.microsoft.com/office/powerpoint/2010/main">
+    <mc:Choice Requires="p14">
       <p:transition p14:dur="300">
         <p:fade/>
       </p:transition>
     </mc:Choice>
-    <mc:Fallback>
+    <mc:Fallback xmlns="">
       <p:transition>
         <p:fade/>
       </p:transition>
@@ -12403,13 +12369,13 @@
   <p:clrMapOvr>
     <a:masterClrMapping/>
   </p:clrMapOvr>
-  <mc:AlternateContent xmlns:mc="http://schemas.openxmlformats.org/markup-compatibility/2006">
-    <mc:Choice xmlns:p14="http://schemas.microsoft.com/office/powerpoint/2010/main" Requires="p14">
+  <mc:AlternateContent xmlns:mc="http://schemas.openxmlformats.org/markup-compatibility/2006" xmlns:p14="http://schemas.microsoft.com/office/powerpoint/2010/main">
+    <mc:Choice Requires="p14">
       <p:transition p14:dur="300">
         <p:fade/>
       </p:transition>
     </mc:Choice>
-    <mc:Fallback>
+    <mc:Fallback xmlns="">
       <p:transition>
         <p:fade/>
       </p:transition>
@@ -12489,13 +12455,13 @@
   <p:clrMapOvr>
     <a:masterClrMapping/>
   </p:clrMapOvr>
-  <mc:AlternateContent xmlns:mc="http://schemas.openxmlformats.org/markup-compatibility/2006">
-    <mc:Choice xmlns:p14="http://schemas.microsoft.com/office/powerpoint/2010/main" Requires="p14">
+  <mc:AlternateContent xmlns:mc="http://schemas.openxmlformats.org/markup-compatibility/2006" xmlns:p14="http://schemas.microsoft.com/office/powerpoint/2010/main">
+    <mc:Choice Requires="p14">
       <p:transition p14:dur="300">
         <p:fade/>
       </p:transition>
     </mc:Choice>
-    <mc:Fallback>
+    <mc:Fallback xmlns="">
       <p:transition>
         <p:fade/>
       </p:transition>
@@ -12575,13 +12541,13 @@
   <p:clrMapOvr>
     <a:masterClrMapping/>
   </p:clrMapOvr>
-  <mc:AlternateContent xmlns:mc="http://schemas.openxmlformats.org/markup-compatibility/2006">
-    <mc:Choice xmlns:p14="http://schemas.microsoft.com/office/powerpoint/2010/main" Requires="p14">
+  <mc:AlternateContent xmlns:mc="http://schemas.openxmlformats.org/markup-compatibility/2006" xmlns:p14="http://schemas.microsoft.com/office/powerpoint/2010/main">
+    <mc:Choice Requires="p14">
       <p:transition p14:dur="300">
         <p:fade/>
       </p:transition>
     </mc:Choice>
-    <mc:Fallback>
+    <mc:Fallback xmlns="">
       <p:transition>
         <p:fade/>
       </p:transition>
@@ -12669,13 +12635,13 @@
   <p:clrMapOvr>
     <a:masterClrMapping/>
   </p:clrMapOvr>
-  <mc:AlternateContent xmlns:mc="http://schemas.openxmlformats.org/markup-compatibility/2006">
-    <mc:Choice xmlns:p14="http://schemas.microsoft.com/office/powerpoint/2010/main" Requires="p14">
+  <mc:AlternateContent xmlns:mc="http://schemas.openxmlformats.org/markup-compatibility/2006" xmlns:p14="http://schemas.microsoft.com/office/powerpoint/2010/main">
+    <mc:Choice Requires="p14">
       <p:transition p14:dur="300">
         <p:fade/>
       </p:transition>
     </mc:Choice>
-    <mc:Fallback>
+    <mc:Fallback xmlns="">
       <p:transition>
         <p:fade/>
       </p:transition>
@@ -12755,13 +12721,13 @@
   <p:clrMapOvr>
     <a:masterClrMapping/>
   </p:clrMapOvr>
-  <mc:AlternateContent xmlns:mc="http://schemas.openxmlformats.org/markup-compatibility/2006">
-    <mc:Choice xmlns:p14="http://schemas.microsoft.com/office/powerpoint/2010/main" Requires="p14">
+  <mc:AlternateContent xmlns:mc="http://schemas.openxmlformats.org/markup-compatibility/2006" xmlns:p14="http://schemas.microsoft.com/office/powerpoint/2010/main">
+    <mc:Choice Requires="p14">
       <p:transition p14:dur="300">
         <p:fade/>
       </p:transition>
     </mc:Choice>
-    <mc:Fallback>
+    <mc:Fallback xmlns="">
       <p:transition>
         <p:fade/>
       </p:transition>
@@ -12837,13 +12803,13 @@
   <p:clrMapOvr>
     <a:masterClrMapping/>
   </p:clrMapOvr>
-  <mc:AlternateContent xmlns:mc="http://schemas.openxmlformats.org/markup-compatibility/2006">
-    <mc:Choice xmlns:p14="http://schemas.microsoft.com/office/powerpoint/2010/main" Requires="p14">
+  <mc:AlternateContent xmlns:mc="http://schemas.openxmlformats.org/markup-compatibility/2006" xmlns:p14="http://schemas.microsoft.com/office/powerpoint/2010/main">
+    <mc:Choice Requires="p14">
       <p:transition p14:dur="300">
         <p:fade/>
       </p:transition>
     </mc:Choice>
-    <mc:Fallback>
+    <mc:Fallback xmlns="">
       <p:transition>
         <p:fade/>
       </p:transition>
@@ -12919,13 +12885,13 @@
   <p:clrMapOvr>
     <a:masterClrMapping/>
   </p:clrMapOvr>
-  <mc:AlternateContent xmlns:mc="http://schemas.openxmlformats.org/markup-compatibility/2006">
-    <mc:Choice xmlns:p14="http://schemas.microsoft.com/office/powerpoint/2010/main" Requires="p14">
+  <mc:AlternateContent xmlns:mc="http://schemas.openxmlformats.org/markup-compatibility/2006" xmlns:p14="http://schemas.microsoft.com/office/powerpoint/2010/main">
+    <mc:Choice Requires="p14">
       <p:transition p14:dur="300">
         <p:fade/>
       </p:transition>
     </mc:Choice>
-    <mc:Fallback>
+    <mc:Fallback xmlns="">
       <p:transition>
         <p:fade/>
       </p:transition>
@@ -13001,13 +12967,13 @@
   <p:clrMapOvr>
     <a:masterClrMapping/>
   </p:clrMapOvr>
-  <mc:AlternateContent xmlns:mc="http://schemas.openxmlformats.org/markup-compatibility/2006">
-    <mc:Choice xmlns:p14="http://schemas.microsoft.com/office/powerpoint/2010/main" Requires="p14">
+  <mc:AlternateContent xmlns:mc="http://schemas.openxmlformats.org/markup-compatibility/2006" xmlns:p14="http://schemas.microsoft.com/office/powerpoint/2010/main">
+    <mc:Choice Requires="p14">
       <p:transition p14:dur="300">
         <p:fade/>
       </p:transition>
     </mc:Choice>
-    <mc:Fallback>
+    <mc:Fallback xmlns="">
       <p:transition>
         <p:fade/>
       </p:transition>
@@ -13087,13 +13053,13 @@
   <p:clrMapOvr>
     <a:masterClrMapping/>
   </p:clrMapOvr>
-  <mc:AlternateContent xmlns:mc="http://schemas.openxmlformats.org/markup-compatibility/2006">
-    <mc:Choice xmlns:p14="http://schemas.microsoft.com/office/powerpoint/2010/main" Requires="p14">
+  <mc:AlternateContent xmlns:mc="http://schemas.openxmlformats.org/markup-compatibility/2006" xmlns:p14="http://schemas.microsoft.com/office/powerpoint/2010/main">
+    <mc:Choice Requires="p14">
       <p:transition p14:dur="300">
         <p:fade/>
       </p:transition>
     </mc:Choice>
-    <mc:Fallback>
+    <mc:Fallback xmlns="">
       <p:transition>
         <p:fade/>
       </p:transition>
@@ -13181,13 +13147,13 @@
   <p:clrMapOvr>
     <a:masterClrMapping/>
   </p:clrMapOvr>
-  <mc:AlternateContent xmlns:mc="http://schemas.openxmlformats.org/markup-compatibility/2006">
-    <mc:Choice xmlns:p14="http://schemas.microsoft.com/office/powerpoint/2010/main" Requires="p14">
+  <mc:AlternateContent xmlns:mc="http://schemas.openxmlformats.org/markup-compatibility/2006" xmlns:p14="http://schemas.microsoft.com/office/powerpoint/2010/main">
+    <mc:Choice Requires="p14">
       <p:transition p14:dur="300">
         <p:fade/>
       </p:transition>
     </mc:Choice>
-    <mc:Fallback>
+    <mc:Fallback xmlns="">
       <p:transition>
         <p:fade/>
       </p:transition>
@@ -13267,13 +13233,13 @@
   <p:clrMapOvr>
     <a:masterClrMapping/>
   </p:clrMapOvr>
-  <mc:AlternateContent xmlns:mc="http://schemas.openxmlformats.org/markup-compatibility/2006">
-    <mc:Choice xmlns:p14="http://schemas.microsoft.com/office/powerpoint/2010/main" Requires="p14">
+  <mc:AlternateContent xmlns:mc="http://schemas.openxmlformats.org/markup-compatibility/2006" xmlns:p14="http://schemas.microsoft.com/office/powerpoint/2010/main">
+    <mc:Choice Requires="p14">
       <p:transition p14:dur="300">
         <p:fade/>
       </p:transition>
     </mc:Choice>
-    <mc:Fallback>
+    <mc:Fallback xmlns="">
       <p:transition>
         <p:fade/>
       </p:transition>
@@ -13369,13 +13335,13 @@
   <p:clrMapOvr>
     <a:masterClrMapping/>
   </p:clrMapOvr>
-  <mc:AlternateContent xmlns:mc="http://schemas.openxmlformats.org/markup-compatibility/2006">
-    <mc:Choice xmlns:p14="http://schemas.microsoft.com/office/powerpoint/2010/main" Requires="p14">
+  <mc:AlternateContent xmlns:mc="http://schemas.openxmlformats.org/markup-compatibility/2006" xmlns:p14="http://schemas.microsoft.com/office/powerpoint/2010/main">
+    <mc:Choice Requires="p14">
       <p:transition p14:dur="300">
         <p:fade/>
       </p:transition>
     </mc:Choice>
-    <mc:Fallback>
+    <mc:Fallback xmlns="">
       <p:transition>
         <p:fade/>
       </p:transition>
@@ -13459,13 +13425,13 @@
   <p:clrMapOvr>
     <a:masterClrMapping/>
   </p:clrMapOvr>
-  <mc:AlternateContent xmlns:mc="http://schemas.openxmlformats.org/markup-compatibility/2006">
-    <mc:Choice xmlns:p14="http://schemas.microsoft.com/office/powerpoint/2010/main" Requires="p14">
+  <mc:AlternateContent xmlns:mc="http://schemas.openxmlformats.org/markup-compatibility/2006" xmlns:p14="http://schemas.microsoft.com/office/powerpoint/2010/main">
+    <mc:Choice Requires="p14">
       <p:transition p14:dur="300">
         <p:fade/>
       </p:transition>
     </mc:Choice>
-    <mc:Fallback>
+    <mc:Fallback xmlns="">
       <p:transition>
         <p:fade/>
       </p:transition>
@@ -13545,13 +13511,13 @@
   <p:clrMapOvr>
     <a:masterClrMapping/>
   </p:clrMapOvr>
-  <mc:AlternateContent xmlns:mc="http://schemas.openxmlformats.org/markup-compatibility/2006">
-    <mc:Choice xmlns:p14="http://schemas.microsoft.com/office/powerpoint/2010/main" Requires="p14">
+  <mc:AlternateContent xmlns:mc="http://schemas.openxmlformats.org/markup-compatibility/2006" xmlns:p14="http://schemas.microsoft.com/office/powerpoint/2010/main">
+    <mc:Choice Requires="p14">
       <p:transition p14:dur="300">
         <p:fade/>
       </p:transition>
     </mc:Choice>
-    <mc:Fallback>
+    <mc:Fallback xmlns="">
       <p:transition>
         <p:fade/>
       </p:transition>
@@ -13627,13 +13593,13 @@
   <p:clrMapOvr>
     <a:masterClrMapping/>
   </p:clrMapOvr>
-  <mc:AlternateContent xmlns:mc="http://schemas.openxmlformats.org/markup-compatibility/2006">
-    <mc:Choice xmlns:p14="http://schemas.microsoft.com/office/powerpoint/2010/main" Requires="p14">
+  <mc:AlternateContent xmlns:mc="http://schemas.openxmlformats.org/markup-compatibility/2006" xmlns:p14="http://schemas.microsoft.com/office/powerpoint/2010/main">
+    <mc:Choice Requires="p14">
       <p:transition p14:dur="300">
         <p:fade/>
       </p:transition>
     </mc:Choice>
-    <mc:Fallback>
+    <mc:Fallback xmlns="">
       <p:transition>
         <p:fade/>
       </p:transition>
@@ -13709,13 +13675,13 @@
   <p:clrMapOvr>
     <a:masterClrMapping/>
   </p:clrMapOvr>
-  <mc:AlternateContent xmlns:mc="http://schemas.openxmlformats.org/markup-compatibility/2006">
-    <mc:Choice xmlns:p14="http://schemas.microsoft.com/office/powerpoint/2010/main" Requires="p14">
+  <mc:AlternateContent xmlns:mc="http://schemas.openxmlformats.org/markup-compatibility/2006" xmlns:p14="http://schemas.microsoft.com/office/powerpoint/2010/main">
+    <mc:Choice Requires="p14">
       <p:transition p14:dur="300">
         <p:fade/>
       </p:transition>
     </mc:Choice>
-    <mc:Fallback>
+    <mc:Fallback xmlns="">
       <p:transition>
         <p:fade/>
       </p:transition>
@@ -13791,13 +13757,13 @@
   <p:clrMapOvr>
     <a:masterClrMapping/>
   </p:clrMapOvr>
-  <mc:AlternateContent xmlns:mc="http://schemas.openxmlformats.org/markup-compatibility/2006">
-    <mc:Choice xmlns:p14="http://schemas.microsoft.com/office/powerpoint/2010/main" Requires="p14">
+  <mc:AlternateContent xmlns:mc="http://schemas.openxmlformats.org/markup-compatibility/2006" xmlns:p14="http://schemas.microsoft.com/office/powerpoint/2010/main">
+    <mc:Choice Requires="p14">
       <p:transition p14:dur="300">
         <p:fade/>
       </p:transition>
     </mc:Choice>
-    <mc:Fallback>
+    <mc:Fallback xmlns="">
       <p:transition>
         <p:fade/>
       </p:transition>
@@ -13913,13 +13879,13 @@
   <p:clrMapOvr>
     <a:masterClrMapping/>
   </p:clrMapOvr>
-  <mc:AlternateContent xmlns:mc="http://schemas.openxmlformats.org/markup-compatibility/2006">
-    <mc:Choice xmlns:p14="http://schemas.microsoft.com/office/powerpoint/2010/main" Requires="p14">
+  <mc:AlternateContent xmlns:mc="http://schemas.openxmlformats.org/markup-compatibility/2006" xmlns:p14="http://schemas.microsoft.com/office/powerpoint/2010/main">
+    <mc:Choice Requires="p14">
       <p:transition p14:dur="300">
         <p:fade/>
       </p:transition>
     </mc:Choice>
-    <mc:Fallback>
+    <mc:Fallback xmlns="">
       <p:transition>
         <p:fade/>
       </p:transition>
@@ -13995,13 +13961,13 @@
   <p:clrMapOvr>
     <a:masterClrMapping/>
   </p:clrMapOvr>
-  <mc:AlternateContent xmlns:mc="http://schemas.openxmlformats.org/markup-compatibility/2006">
-    <mc:Choice xmlns:p14="http://schemas.microsoft.com/office/powerpoint/2010/main" Requires="p14">
+  <mc:AlternateContent xmlns:mc="http://schemas.openxmlformats.org/markup-compatibility/2006" xmlns:p14="http://schemas.microsoft.com/office/powerpoint/2010/main">
+    <mc:Choice Requires="p14">
       <p:transition p14:dur="300">
         <p:fade/>
       </p:transition>
     </mc:Choice>
-    <mc:Fallback>
+    <mc:Fallback xmlns="">
       <p:transition>
         <p:fade/>
       </p:transition>
@@ -14077,13 +14043,13 @@
   <p:clrMapOvr>
     <a:masterClrMapping/>
   </p:clrMapOvr>
-  <mc:AlternateContent xmlns:mc="http://schemas.openxmlformats.org/markup-compatibility/2006">
-    <mc:Choice xmlns:p14="http://schemas.microsoft.com/office/powerpoint/2010/main" Requires="p14">
+  <mc:AlternateContent xmlns:mc="http://schemas.openxmlformats.org/markup-compatibility/2006" xmlns:p14="http://schemas.microsoft.com/office/powerpoint/2010/main">
+    <mc:Choice Requires="p14">
       <p:transition p14:dur="300">
         <p:fade/>
       </p:transition>
     </mc:Choice>
-    <mc:Fallback>
+    <mc:Fallback xmlns="">
       <p:transition>
         <p:fade/>
       </p:transition>
@@ -14179,13 +14145,13 @@
   <p:clrMapOvr>
     <a:masterClrMapping/>
   </p:clrMapOvr>
-  <mc:AlternateContent xmlns:mc="http://schemas.openxmlformats.org/markup-compatibility/2006">
-    <mc:Choice xmlns:p14="http://schemas.microsoft.com/office/powerpoint/2010/main" Requires="p14">
+  <mc:AlternateContent xmlns:mc="http://schemas.openxmlformats.org/markup-compatibility/2006" xmlns:p14="http://schemas.microsoft.com/office/powerpoint/2010/main">
+    <mc:Choice Requires="p14">
       <p:transition p14:dur="300">
         <p:fade/>
       </p:transition>
     </mc:Choice>
-    <mc:Fallback>
+    <mc:Fallback xmlns="">
       <p:transition>
         <p:fade/>
       </p:transition>
@@ -14261,13 +14227,13 @@
   <p:clrMapOvr>
     <a:masterClrMapping/>
   </p:clrMapOvr>
-  <mc:AlternateContent xmlns:mc="http://schemas.openxmlformats.org/markup-compatibility/2006">
-    <mc:Choice xmlns:p14="http://schemas.microsoft.com/office/powerpoint/2010/main" Requires="p14">
+  <mc:AlternateContent xmlns:mc="http://schemas.openxmlformats.org/markup-compatibility/2006" xmlns:p14="http://schemas.microsoft.com/office/powerpoint/2010/main">
+    <mc:Choice Requires="p14">
       <p:transition p14:dur="300">
         <p:fade/>
       </p:transition>
     </mc:Choice>
-    <mc:Fallback>
+    <mc:Fallback xmlns="">
       <p:transition>
         <p:fade/>
       </p:transition>
@@ -14343,13 +14309,13 @@
   <p:clrMapOvr>
     <a:masterClrMapping/>
   </p:clrMapOvr>
-  <mc:AlternateContent xmlns:mc="http://schemas.openxmlformats.org/markup-compatibility/2006">
-    <mc:Choice xmlns:p14="http://schemas.microsoft.com/office/powerpoint/2010/main" Requires="p14">
+  <mc:AlternateContent xmlns:mc="http://schemas.openxmlformats.org/markup-compatibility/2006" xmlns:p14="http://schemas.microsoft.com/office/powerpoint/2010/main">
+    <mc:Choice Requires="p14">
       <p:transition p14:dur="300">
         <p:fade/>
       </p:transition>
     </mc:Choice>
-    <mc:Fallback>
+    <mc:Fallback xmlns="">
       <p:transition>
         <p:fade/>
       </p:transition>
@@ -14456,13 +14422,13 @@
   <p:clrMapOvr>
     <a:masterClrMapping/>
   </p:clrMapOvr>
-  <mc:AlternateContent xmlns:mc="http://schemas.openxmlformats.org/markup-compatibility/2006">
-    <mc:Choice xmlns:p14="http://schemas.microsoft.com/office/powerpoint/2010/main" Requires="p14">
+  <mc:AlternateContent xmlns:mc="http://schemas.openxmlformats.org/markup-compatibility/2006" xmlns:p14="http://schemas.microsoft.com/office/powerpoint/2010/main">
+    <mc:Choice Requires="p14">
       <p:transition p14:dur="300">
         <p:fade/>
       </p:transition>
     </mc:Choice>
-    <mc:Fallback>
+    <mc:Fallback xmlns="">
       <p:transition>
         <p:fade/>
       </p:transition>
@@ -14542,13 +14508,13 @@
   <p:clrMapOvr>
     <a:masterClrMapping/>
   </p:clrMapOvr>
-  <mc:AlternateContent xmlns:mc="http://schemas.openxmlformats.org/markup-compatibility/2006">
-    <mc:Choice xmlns:p14="http://schemas.microsoft.com/office/powerpoint/2010/main" Requires="p14">
+  <mc:AlternateContent xmlns:mc="http://schemas.openxmlformats.org/markup-compatibility/2006" xmlns:p14="http://schemas.microsoft.com/office/powerpoint/2010/main">
+    <mc:Choice Requires="p14">
       <p:transition p14:dur="300">
         <p:fade/>
       </p:transition>
     </mc:Choice>
-    <mc:Fallback>
+    <mc:Fallback xmlns="">
       <p:transition>
         <p:fade/>
       </p:transition>
@@ -14636,13 +14602,13 @@
   <p:clrMapOvr>
     <a:masterClrMapping/>
   </p:clrMapOvr>
-  <mc:AlternateContent xmlns:mc="http://schemas.openxmlformats.org/markup-compatibility/2006">
-    <mc:Choice xmlns:p14="http://schemas.microsoft.com/office/powerpoint/2010/main" Requires="p14">
+  <mc:AlternateContent xmlns:mc="http://schemas.openxmlformats.org/markup-compatibility/2006" xmlns:p14="http://schemas.microsoft.com/office/powerpoint/2010/main">
+    <mc:Choice Requires="p14">
       <p:transition p14:dur="300">
         <p:fade/>
       </p:transition>
     </mc:Choice>
-    <mc:Fallback>
+    <mc:Fallback xmlns="">
       <p:transition>
         <p:fade/>
       </p:transition>
@@ -14730,13 +14696,13 @@
   <p:clrMapOvr>
     <a:masterClrMapping/>
   </p:clrMapOvr>
-  <mc:AlternateContent xmlns:mc="http://schemas.openxmlformats.org/markup-compatibility/2006">
-    <mc:Choice xmlns:p14="http://schemas.microsoft.com/office/powerpoint/2010/main" Requires="p14">
+  <mc:AlternateContent xmlns:mc="http://schemas.openxmlformats.org/markup-compatibility/2006" xmlns:p14="http://schemas.microsoft.com/office/powerpoint/2010/main">
+    <mc:Choice Requires="p14">
       <p:transition p14:dur="300">
         <p:fade/>
       </p:transition>
     </mc:Choice>
-    <mc:Fallback>
+    <mc:Fallback xmlns="">
       <p:transition>
         <p:fade/>
       </p:transition>
@@ -14816,13 +14782,13 @@
   <p:clrMapOvr>
     <a:masterClrMapping/>
   </p:clrMapOvr>
-  <mc:AlternateContent xmlns:mc="http://schemas.openxmlformats.org/markup-compatibility/2006">
-    <mc:Choice xmlns:p14="http://schemas.microsoft.com/office/powerpoint/2010/main" Requires="p14">
+  <mc:AlternateContent xmlns:mc="http://schemas.openxmlformats.org/markup-compatibility/2006" xmlns:p14="http://schemas.microsoft.com/office/powerpoint/2010/main">
+    <mc:Choice Requires="p14">
       <p:transition p14:dur="300">
         <p:fade/>
       </p:transition>
     </mc:Choice>
-    <mc:Fallback>
+    <mc:Fallback xmlns="">
       <p:transition>
         <p:fade/>
       </p:transition>
@@ -14898,13 +14864,13 @@
   <p:clrMapOvr>
     <a:masterClrMapping/>
   </p:clrMapOvr>
-  <mc:AlternateContent xmlns:mc="http://schemas.openxmlformats.org/markup-compatibility/2006">
-    <mc:Choice xmlns:p14="http://schemas.microsoft.com/office/powerpoint/2010/main" Requires="p14">
+  <mc:AlternateContent xmlns:mc="http://schemas.openxmlformats.org/markup-compatibility/2006" xmlns:p14="http://schemas.microsoft.com/office/powerpoint/2010/main">
+    <mc:Choice Requires="p14">
       <p:transition p14:dur="300">
         <p:fade/>
       </p:transition>
     </mc:Choice>
-    <mc:Fallback>
+    <mc:Fallback xmlns="">
       <p:transition>
         <p:fade/>
       </p:transition>
@@ -14980,13 +14946,13 @@
   <p:clrMapOvr>
     <a:masterClrMapping/>
   </p:clrMapOvr>
-  <mc:AlternateContent xmlns:mc="http://schemas.openxmlformats.org/markup-compatibility/2006">
-    <mc:Choice xmlns:p14="http://schemas.microsoft.com/office/powerpoint/2010/main" Requires="p14">
+  <mc:AlternateContent xmlns:mc="http://schemas.openxmlformats.org/markup-compatibility/2006" xmlns:p14="http://schemas.microsoft.com/office/powerpoint/2010/main">
+    <mc:Choice Requires="p14">
       <p:transition p14:dur="300">
         <p:fade/>
       </p:transition>
     </mc:Choice>
-    <mc:Fallback>
+    <mc:Fallback xmlns="">
       <p:transition>
         <p:fade/>
       </p:transition>
@@ -15078,13 +15044,13 @@
   <p:clrMapOvr>
     <a:masterClrMapping/>
   </p:clrMapOvr>
-  <mc:AlternateContent xmlns:mc="http://schemas.openxmlformats.org/markup-compatibility/2006">
-    <mc:Choice xmlns:p14="http://schemas.microsoft.com/office/powerpoint/2010/main" Requires="p14">
+  <mc:AlternateContent xmlns:mc="http://schemas.openxmlformats.org/markup-compatibility/2006" xmlns:p14="http://schemas.microsoft.com/office/powerpoint/2010/main">
+    <mc:Choice Requires="p14">
       <p:transition p14:dur="300">
         <p:fade/>
       </p:transition>
     </mc:Choice>
-    <mc:Fallback>
+    <mc:Fallback xmlns="">
       <p:transition>
         <p:fade/>
       </p:transition>
@@ -15160,13 +15126,13 @@
   <p:clrMapOvr>
     <a:masterClrMapping/>
   </p:clrMapOvr>
-  <mc:AlternateContent xmlns:mc="http://schemas.openxmlformats.org/markup-compatibility/2006">
-    <mc:Choice xmlns:p14="http://schemas.microsoft.com/office/powerpoint/2010/main" Requires="p14">
+  <mc:AlternateContent xmlns:mc="http://schemas.openxmlformats.org/markup-compatibility/2006" xmlns:p14="http://schemas.microsoft.com/office/powerpoint/2010/main">
+    <mc:Choice Requires="p14">
       <p:transition p14:dur="300">
         <p:fade/>
       </p:transition>
     </mc:Choice>
-    <mc:Fallback>
+    <mc:Fallback xmlns="">
       <p:transition>
         <p:fade/>
       </p:transition>
@@ -15242,13 +15208,13 @@
   <p:clrMapOvr>
     <a:masterClrMapping/>
   </p:clrMapOvr>
-  <mc:AlternateContent xmlns:mc="http://schemas.openxmlformats.org/markup-compatibility/2006">
-    <mc:Choice xmlns:p14="http://schemas.microsoft.com/office/powerpoint/2010/main" Requires="p14">
+  <mc:AlternateContent xmlns:mc="http://schemas.openxmlformats.org/markup-compatibility/2006" xmlns:p14="http://schemas.microsoft.com/office/powerpoint/2010/main">
+    <mc:Choice Requires="p14">
       <p:transition p14:dur="300">
         <p:fade/>
       </p:transition>
     </mc:Choice>
-    <mc:Fallback>
+    <mc:Fallback xmlns="">
       <p:transition>
         <p:fade/>
       </p:transition>
@@ -15332,13 +15298,13 @@
   <p:clrMapOvr>
     <a:masterClrMapping/>
   </p:clrMapOvr>
-  <mc:AlternateContent xmlns:mc="http://schemas.openxmlformats.org/markup-compatibility/2006">
-    <mc:Choice xmlns:p14="http://schemas.microsoft.com/office/powerpoint/2010/main" Requires="p14">
+  <mc:AlternateContent xmlns:mc="http://schemas.openxmlformats.org/markup-compatibility/2006" xmlns:p14="http://schemas.microsoft.com/office/powerpoint/2010/main">
+    <mc:Choice Requires="p14">
       <p:transition p14:dur="300">
         <p:fade/>
       </p:transition>
     </mc:Choice>
-    <mc:Fallback>
+    <mc:Fallback xmlns="">
       <p:transition>
         <p:fade/>
       </p:transition>
@@ -15414,13 +15380,13 @@
   <p:clrMapOvr>
     <a:masterClrMapping/>
   </p:clrMapOvr>
-  <mc:AlternateContent xmlns:mc="http://schemas.openxmlformats.org/markup-compatibility/2006">
-    <mc:Choice xmlns:p14="http://schemas.microsoft.com/office/powerpoint/2010/main" Requires="p14">
+  <mc:AlternateContent xmlns:mc="http://schemas.openxmlformats.org/markup-compatibility/2006" xmlns:p14="http://schemas.microsoft.com/office/powerpoint/2010/main">
+    <mc:Choice Requires="p14">
       <p:transition p14:dur="300">
         <p:fade/>
       </p:transition>
     </mc:Choice>
-    <mc:Fallback>
+    <mc:Fallback xmlns="">
       <p:transition>
         <p:fade/>
       </p:transition>
@@ -15504,13 +15470,13 @@
   <p:clrMapOvr>
     <a:masterClrMapping/>
   </p:clrMapOvr>
-  <mc:AlternateContent xmlns:mc="http://schemas.openxmlformats.org/markup-compatibility/2006">
-    <mc:Choice xmlns:p14="http://schemas.microsoft.com/office/powerpoint/2010/main" Requires="p14">
+  <mc:AlternateContent xmlns:mc="http://schemas.openxmlformats.org/markup-compatibility/2006" xmlns:p14="http://schemas.microsoft.com/office/powerpoint/2010/main">
+    <mc:Choice Requires="p14">
       <p:transition p14:dur="300">
         <p:fade/>
       </p:transition>
     </mc:Choice>
-    <mc:Fallback>
+    <mc:Fallback xmlns="">
       <p:transition>
         <p:fade/>
       </p:transition>
@@ -15590,13 +15556,13 @@
   <p:clrMapOvr>
     <a:masterClrMapping/>
   </p:clrMapOvr>
-  <mc:AlternateContent xmlns:mc="http://schemas.openxmlformats.org/markup-compatibility/2006">
-    <mc:Choice xmlns:p14="http://schemas.microsoft.com/office/powerpoint/2010/main" Requires="p14">
+  <mc:AlternateContent xmlns:mc="http://schemas.openxmlformats.org/markup-compatibility/2006" xmlns:p14="http://schemas.microsoft.com/office/powerpoint/2010/main">
+    <mc:Choice Requires="p14">
       <p:transition p14:dur="300">
         <p:fade/>
       </p:transition>
     </mc:Choice>
-    <mc:Fallback>
+    <mc:Fallback xmlns="">
       <p:transition>
         <p:fade/>
       </p:transition>
@@ -15680,13 +15646,13 @@
   <p:clrMapOvr>
     <a:masterClrMapping/>
   </p:clrMapOvr>
-  <mc:AlternateContent xmlns:mc="http://schemas.openxmlformats.org/markup-compatibility/2006">
-    <mc:Choice xmlns:p14="http://schemas.microsoft.com/office/powerpoint/2010/main" Requires="p14">
+  <mc:AlternateContent xmlns:mc="http://schemas.openxmlformats.org/markup-compatibility/2006" xmlns:p14="http://schemas.microsoft.com/office/powerpoint/2010/main">
+    <mc:Choice Requires="p14">
       <p:transition p14:dur="300">
         <p:fade/>
       </p:transition>
     </mc:Choice>
-    <mc:Fallback>
+    <mc:Fallback xmlns="">
       <p:transition>
         <p:fade/>
       </p:transition>
@@ -15762,13 +15728,13 @@
   <p:clrMapOvr>
     <a:masterClrMapping/>
   </p:clrMapOvr>
-  <mc:AlternateContent xmlns:mc="http://schemas.openxmlformats.org/markup-compatibility/2006">
-    <mc:Choice xmlns:p14="http://schemas.microsoft.com/office/powerpoint/2010/main" Requires="p14">
+  <mc:AlternateContent xmlns:mc="http://schemas.openxmlformats.org/markup-compatibility/2006" xmlns:p14="http://schemas.microsoft.com/office/powerpoint/2010/main">
+    <mc:Choice Requires="p14">
       <p:transition p14:dur="300">
         <p:fade/>
       </p:transition>
     </mc:Choice>
-    <mc:Fallback>
+    <mc:Fallback xmlns="">
       <p:transition>
         <p:fade/>
       </p:transition>
@@ -15848,13 +15814,13 @@
   <p:clrMapOvr>
     <a:masterClrMapping/>
   </p:clrMapOvr>
-  <mc:AlternateContent xmlns:mc="http://schemas.openxmlformats.org/markup-compatibility/2006">
-    <mc:Choice xmlns:p14="http://schemas.microsoft.com/office/powerpoint/2010/main" Requires="p14">
+  <mc:AlternateContent xmlns:mc="http://schemas.openxmlformats.org/markup-compatibility/2006" xmlns:p14="http://schemas.microsoft.com/office/powerpoint/2010/main">
+    <mc:Choice Requires="p14">
       <p:transition p14:dur="300">
         <p:fade/>
       </p:transition>
     </mc:Choice>
-    <mc:Fallback>
+    <mc:Fallback xmlns="">
       <p:transition>
         <p:fade/>
       </p:transition>
@@ -15930,13 +15896,13 @@
   <p:clrMapOvr>
     <a:masterClrMapping/>
   </p:clrMapOvr>
-  <mc:AlternateContent xmlns:mc="http://schemas.openxmlformats.org/markup-compatibility/2006">
-    <mc:Choice xmlns:p14="http://schemas.microsoft.com/office/powerpoint/2010/main" Requires="p14">
+  <mc:AlternateContent xmlns:mc="http://schemas.openxmlformats.org/markup-compatibility/2006" xmlns:p14="http://schemas.microsoft.com/office/powerpoint/2010/main">
+    <mc:Choice Requires="p14">
       <p:transition p14:dur="300">
         <p:fade/>
       </p:transition>
     </mc:Choice>
-    <mc:Fallback>
+    <mc:Fallback xmlns="">
       <p:transition>
         <p:fade/>
       </p:transition>
@@ -16012,13 +15978,13 @@
   <p:clrMapOvr>
     <a:masterClrMapping/>
   </p:clrMapOvr>
-  <mc:AlternateContent xmlns:mc="http://schemas.openxmlformats.org/markup-compatibility/2006">
-    <mc:Choice xmlns:p14="http://schemas.microsoft.com/office/powerpoint/2010/main" Requires="p14">
+  <mc:AlternateContent xmlns:mc="http://schemas.openxmlformats.org/markup-compatibility/2006" xmlns:p14="http://schemas.microsoft.com/office/powerpoint/2010/main">
+    <mc:Choice Requires="p14">
       <p:transition p14:dur="300">
         <p:fade/>
       </p:transition>
     </mc:Choice>
-    <mc:Fallback>
+    <mc:Fallback xmlns="">
       <p:transition>
         <p:fade/>
       </p:transition>
@@ -16102,13 +16068,13 @@
   <p:clrMapOvr>
     <a:masterClrMapping/>
   </p:clrMapOvr>
-  <mc:AlternateContent xmlns:mc="http://schemas.openxmlformats.org/markup-compatibility/2006">
-    <mc:Choice xmlns:p14="http://schemas.microsoft.com/office/powerpoint/2010/main" Requires="p14">
+  <mc:AlternateContent xmlns:mc="http://schemas.openxmlformats.org/markup-compatibility/2006" xmlns:p14="http://schemas.microsoft.com/office/powerpoint/2010/main">
+    <mc:Choice Requires="p14">
       <p:transition p14:dur="300">
         <p:fade/>
       </p:transition>
     </mc:Choice>
-    <mc:Fallback>
+    <mc:Fallback xmlns="">
       <p:transition>
         <p:fade/>
       </p:transition>
@@ -16196,13 +16162,13 @@
   <p:clrMapOvr>
     <a:masterClrMapping/>
   </p:clrMapOvr>
-  <mc:AlternateContent xmlns:mc="http://schemas.openxmlformats.org/markup-compatibility/2006">
-    <mc:Choice xmlns:p14="http://schemas.microsoft.com/office/powerpoint/2010/main" Requires="p14">
+  <mc:AlternateContent xmlns:mc="http://schemas.openxmlformats.org/markup-compatibility/2006" xmlns:p14="http://schemas.microsoft.com/office/powerpoint/2010/main">
+    <mc:Choice Requires="p14">
       <p:transition p14:dur="300">
         <p:fade/>
       </p:transition>
     </mc:Choice>
-    <mc:Fallback>
+    <mc:Fallback xmlns="">
       <p:transition>
         <p:fade/>
       </p:transition>
@@ -16286,13 +16252,13 @@
   <p:clrMapOvr>
     <a:masterClrMapping/>
   </p:clrMapOvr>
-  <mc:AlternateContent xmlns:mc="http://schemas.openxmlformats.org/markup-compatibility/2006">
-    <mc:Choice xmlns:p14="http://schemas.microsoft.com/office/powerpoint/2010/main" Requires="p14">
+  <mc:AlternateContent xmlns:mc="http://schemas.openxmlformats.org/markup-compatibility/2006" xmlns:p14="http://schemas.microsoft.com/office/powerpoint/2010/main">
+    <mc:Choice Requires="p14">
       <p:transition p14:dur="300">
         <p:fade/>
       </p:transition>
     </mc:Choice>
-    <mc:Fallback>
+    <mc:Fallback xmlns="">
       <p:transition>
         <p:fade/>
       </p:transition>
@@ -16376,13 +16342,13 @@
   <p:clrMapOvr>
     <a:masterClrMapping/>
   </p:clrMapOvr>
-  <mc:AlternateContent xmlns:mc="http://schemas.openxmlformats.org/markup-compatibility/2006">
-    <mc:Choice xmlns:p14="http://schemas.microsoft.com/office/powerpoint/2010/main" Requires="p14">
+  <mc:AlternateContent xmlns:mc="http://schemas.openxmlformats.org/markup-compatibility/2006" xmlns:p14="http://schemas.microsoft.com/office/powerpoint/2010/main">
+    <mc:Choice Requires="p14">
       <p:transition p14:dur="300">
         <p:fade/>
       </p:transition>
     </mc:Choice>
-    <mc:Fallback>
+    <mc:Fallback xmlns="">
       <p:transition>
         <p:fade/>
       </p:transition>
@@ -16470,13 +16436,13 @@
   <p:clrMapOvr>
     <a:masterClrMapping/>
   </p:clrMapOvr>
-  <mc:AlternateContent xmlns:mc="http://schemas.openxmlformats.org/markup-compatibility/2006">
-    <mc:Choice xmlns:p14="http://schemas.microsoft.com/office/powerpoint/2010/main" Requires="p14">
+  <mc:AlternateContent xmlns:mc="http://schemas.openxmlformats.org/markup-compatibility/2006" xmlns:p14="http://schemas.microsoft.com/office/powerpoint/2010/main">
+    <mc:Choice Requires="p14">
       <p:transition p14:dur="300">
         <p:fade/>
       </p:transition>
     </mc:Choice>
-    <mc:Fallback>
+    <mc:Fallback xmlns="">
       <p:transition>
         <p:fade/>
       </p:transition>
@@ -16560,13 +16526,13 @@
   <p:clrMapOvr>
     <a:masterClrMapping/>
   </p:clrMapOvr>
-  <mc:AlternateContent xmlns:mc="http://schemas.openxmlformats.org/markup-compatibility/2006">
-    <mc:Choice xmlns:p14="http://schemas.microsoft.com/office/powerpoint/2010/main" Requires="p14">
+  <mc:AlternateContent xmlns:mc="http://schemas.openxmlformats.org/markup-compatibility/2006" xmlns:p14="http://schemas.microsoft.com/office/powerpoint/2010/main">
+    <mc:Choice Requires="p14">
       <p:transition p14:dur="300">
         <p:fade/>
       </p:transition>
     </mc:Choice>
-    <mc:Fallback>
+    <mc:Fallback xmlns="">
       <p:transition>
         <p:fade/>
       </p:transition>
@@ -16646,13 +16612,13 @@
   <p:clrMapOvr>
     <a:masterClrMapping/>
   </p:clrMapOvr>
-  <mc:AlternateContent xmlns:mc="http://schemas.openxmlformats.org/markup-compatibility/2006">
-    <mc:Choice xmlns:p14="http://schemas.microsoft.com/office/powerpoint/2010/main" Requires="p14">
+  <mc:AlternateContent xmlns:mc="http://schemas.openxmlformats.org/markup-compatibility/2006" xmlns:p14="http://schemas.microsoft.com/office/powerpoint/2010/main">
+    <mc:Choice Requires="p14">
       <p:transition p14:dur="300">
         <p:fade/>
       </p:transition>
     </mc:Choice>
-    <mc:Fallback>
+    <mc:Fallback xmlns="">
       <p:transition>
         <p:fade/>
       </p:transition>
@@ -16732,13 +16698,13 @@
   <p:clrMapOvr>
     <a:masterClrMapping/>
   </p:clrMapOvr>
-  <mc:AlternateContent xmlns:mc="http://schemas.openxmlformats.org/markup-compatibility/2006">
-    <mc:Choice xmlns:p14="http://schemas.microsoft.com/office/powerpoint/2010/main" Requires="p14">
+  <mc:AlternateContent xmlns:mc="http://schemas.openxmlformats.org/markup-compatibility/2006" xmlns:p14="http://schemas.microsoft.com/office/powerpoint/2010/main">
+    <mc:Choice Requires="p14">
       <p:transition p14:dur="300">
         <p:fade/>
       </p:transition>
     </mc:Choice>
-    <mc:Fallback>
+    <mc:Fallback xmlns="">
       <p:transition>
         <p:fade/>
       </p:transition>
@@ -16818,13 +16784,13 @@
   <p:clrMapOvr>
     <a:masterClrMapping/>
   </p:clrMapOvr>
-  <mc:AlternateContent xmlns:mc="http://schemas.openxmlformats.org/markup-compatibility/2006">
-    <mc:Choice xmlns:p14="http://schemas.microsoft.com/office/powerpoint/2010/main" Requires="p14">
+  <mc:AlternateContent xmlns:mc="http://schemas.openxmlformats.org/markup-compatibility/2006" xmlns:p14="http://schemas.microsoft.com/office/powerpoint/2010/main">
+    <mc:Choice Requires="p14">
       <p:transition p14:dur="300">
         <p:fade/>
       </p:transition>
     </mc:Choice>
-    <mc:Fallback>
+    <mc:Fallback xmlns="">
       <p:transition>
         <p:fade/>
       </p:transition>
@@ -16904,13 +16870,13 @@
   <p:clrMapOvr>
     <a:masterClrMapping/>
   </p:clrMapOvr>
-  <mc:AlternateContent xmlns:mc="http://schemas.openxmlformats.org/markup-compatibility/2006">
-    <mc:Choice xmlns:p14="http://schemas.microsoft.com/office/powerpoint/2010/main" Requires="p14">
+  <mc:AlternateContent xmlns:mc="http://schemas.openxmlformats.org/markup-compatibility/2006" xmlns:p14="http://schemas.microsoft.com/office/powerpoint/2010/main">
+    <mc:Choice Requires="p14">
       <p:transition p14:dur="300">
         <p:fade/>
       </p:transition>
     </mc:Choice>
-    <mc:Fallback>
+    <mc:Fallback xmlns="">
       <p:transition>
         <p:fade/>
       </p:transition>
@@ -16990,13 +16956,13 @@
   <p:clrMapOvr>
     <a:masterClrMapping/>
   </p:clrMapOvr>
-  <mc:AlternateContent xmlns:mc="http://schemas.openxmlformats.org/markup-compatibility/2006">
-    <mc:Choice xmlns:p14="http://schemas.microsoft.com/office/powerpoint/2010/main" Requires="p14">
+  <mc:AlternateContent xmlns:mc="http://schemas.openxmlformats.org/markup-compatibility/2006" xmlns:p14="http://schemas.microsoft.com/office/powerpoint/2010/main">
+    <mc:Choice Requires="p14">
       <p:transition p14:dur="300">
         <p:fade/>
       </p:transition>
     </mc:Choice>
-    <mc:Fallback>
+    <mc:Fallback xmlns="">
       <p:transition>
         <p:fade/>
       </p:transition>
@@ -17100,13 +17066,13 @@
   <p:clrMapOvr>
     <a:masterClrMapping/>
   </p:clrMapOvr>
-  <mc:AlternateContent xmlns:mc="http://schemas.openxmlformats.org/markup-compatibility/2006">
-    <mc:Choice xmlns:p14="http://schemas.microsoft.com/office/powerpoint/2010/main" Requires="p14">
+  <mc:AlternateContent xmlns:mc="http://schemas.openxmlformats.org/markup-compatibility/2006" xmlns:p14="http://schemas.microsoft.com/office/powerpoint/2010/main">
+    <mc:Choice Requires="p14">
       <p:transition p14:dur="300">
         <p:fade/>
       </p:transition>
     </mc:Choice>
-    <mc:Fallback>
+    <mc:Fallback xmlns="">
       <p:transition>
         <p:fade/>
       </p:transition>
@@ -17194,13 +17160,13 @@
   <p:clrMapOvr>
     <a:masterClrMapping/>
   </p:clrMapOvr>
-  <mc:AlternateContent xmlns:mc="http://schemas.openxmlformats.org/markup-compatibility/2006">
-    <mc:Choice xmlns:p14="http://schemas.microsoft.com/office/powerpoint/2010/main" Requires="p14">
+  <mc:AlternateContent xmlns:mc="http://schemas.openxmlformats.org/markup-compatibility/2006" xmlns:p14="http://schemas.microsoft.com/office/powerpoint/2010/main">
+    <mc:Choice Requires="p14">
       <p:transition p14:dur="300">
         <p:fade/>
       </p:transition>
     </mc:Choice>
-    <mc:Fallback>
+    <mc:Fallback xmlns="">
       <p:transition>
         <p:fade/>
       </p:transition>
@@ -17276,13 +17242,13 @@
   <p:clrMapOvr>
     <a:masterClrMapping/>
   </p:clrMapOvr>
-  <mc:AlternateContent xmlns:mc="http://schemas.openxmlformats.org/markup-compatibility/2006">
-    <mc:Choice xmlns:p14="http://schemas.microsoft.com/office/powerpoint/2010/main" Requires="p14">
+  <mc:AlternateContent xmlns:mc="http://schemas.openxmlformats.org/markup-compatibility/2006" xmlns:p14="http://schemas.microsoft.com/office/powerpoint/2010/main">
+    <mc:Choice Requires="p14">
       <p:transition p14:dur="300">
         <p:fade/>
       </p:transition>
     </mc:Choice>
-    <mc:Fallback>
+    <mc:Fallback xmlns="">
       <p:transition>
         <p:fade/>
       </p:transition>
@@ -17358,13 +17324,13 @@
   <p:clrMapOvr>
     <a:masterClrMapping/>
   </p:clrMapOvr>
-  <mc:AlternateContent xmlns:mc="http://schemas.openxmlformats.org/markup-compatibility/2006">
-    <mc:Choice xmlns:p14="http://schemas.microsoft.com/office/powerpoint/2010/main" Requires="p14">
+  <mc:AlternateContent xmlns:mc="http://schemas.openxmlformats.org/markup-compatibility/2006" xmlns:p14="http://schemas.microsoft.com/office/powerpoint/2010/main">
+    <mc:Choice Requires="p14">
       <p:transition p14:dur="300">
         <p:fade/>
       </p:transition>
     </mc:Choice>
-    <mc:Fallback>
+    <mc:Fallback xmlns="">
       <p:transition>
         <p:fade/>
       </p:transition>
@@ -17440,13 +17406,13 @@
   <p:clrMapOvr>
     <a:masterClrMapping/>
   </p:clrMapOvr>
-  <mc:AlternateContent xmlns:mc="http://schemas.openxmlformats.org/markup-compatibility/2006">
-    <mc:Choice xmlns:p14="http://schemas.microsoft.com/office/powerpoint/2010/main" Requires="p14">
+  <mc:AlternateContent xmlns:mc="http://schemas.openxmlformats.org/markup-compatibility/2006" xmlns:p14="http://schemas.microsoft.com/office/powerpoint/2010/main">
+    <mc:Choice Requires="p14">
       <p:transition p14:dur="300">
         <p:fade/>
       </p:transition>
     </mc:Choice>
-    <mc:Fallback>
+    <mc:Fallback xmlns="">
       <p:transition>
         <p:fade/>
       </p:transition>
@@ -17534,13 +17500,13 @@
   <p:clrMapOvr>
     <a:masterClrMapping/>
   </p:clrMapOvr>
-  <mc:AlternateContent xmlns:mc="http://schemas.openxmlformats.org/markup-compatibility/2006">
-    <mc:Choice xmlns:p14="http://schemas.microsoft.com/office/powerpoint/2010/main" Requires="p14">
+  <mc:AlternateContent xmlns:mc="http://schemas.openxmlformats.org/markup-compatibility/2006" xmlns:p14="http://schemas.microsoft.com/office/powerpoint/2010/main">
+    <mc:Choice Requires="p14">
       <p:transition p14:dur="300">
         <p:fade/>
       </p:transition>
     </mc:Choice>
-    <mc:Fallback>
+    <mc:Fallback xmlns="">
       <p:transition>
         <p:fade/>
       </p:transition>
@@ -17628,13 +17594,13 @@
   <p:clrMapOvr>
     <a:masterClrMapping/>
   </p:clrMapOvr>
-  <mc:AlternateContent xmlns:mc="http://schemas.openxmlformats.org/markup-compatibility/2006">
-    <mc:Choice xmlns:p14="http://schemas.microsoft.com/office/powerpoint/2010/main" Requires="p14">
+  <mc:AlternateContent xmlns:mc="http://schemas.openxmlformats.org/markup-compatibility/2006" xmlns:p14="http://schemas.microsoft.com/office/powerpoint/2010/main">
+    <mc:Choice Requires="p14">
       <p:transition p14:dur="300">
         <p:fade/>
       </p:transition>
     </mc:Choice>
-    <mc:Fallback>
+    <mc:Fallback xmlns="">
       <p:transition>
         <p:fade/>
       </p:transition>
@@ -17940,13 +17906,13 @@
   <p:clrMapOvr>
     <a:masterClrMapping/>
   </p:clrMapOvr>
-  <mc:AlternateContent xmlns:mc="http://schemas.openxmlformats.org/markup-compatibility/2006">
-    <mc:Choice xmlns:p14="http://schemas.microsoft.com/office/powerpoint/2010/main" Requires="p14">
+  <mc:AlternateContent xmlns:mc="http://schemas.openxmlformats.org/markup-compatibility/2006" xmlns:p14="http://schemas.microsoft.com/office/powerpoint/2010/main">
+    <mc:Choice Requires="p14">
       <p:transition p14:dur="300">
         <p:fade/>
       </p:transition>
     </mc:Choice>
-    <mc:Fallback>
+    <mc:Fallback xmlns="">
       <p:transition>
         <p:fade/>
       </p:transition>
@@ -18034,13 +18000,13 @@
   <p:clrMapOvr>
     <a:masterClrMapping/>
   </p:clrMapOvr>
-  <mc:AlternateContent xmlns:mc="http://schemas.openxmlformats.org/markup-compatibility/2006">
-    <mc:Choice xmlns:p14="http://schemas.microsoft.com/office/powerpoint/2010/main" Requires="p14">
+  <mc:AlternateContent xmlns:mc="http://schemas.openxmlformats.org/markup-compatibility/2006" xmlns:p14="http://schemas.microsoft.com/office/powerpoint/2010/main">
+    <mc:Choice Requires="p14">
       <p:transition p14:dur="300">
         <p:fade/>
       </p:transition>
     </mc:Choice>
-    <mc:Fallback>
+    <mc:Fallback xmlns="">
       <p:transition>
         <p:fade/>
       </p:transition>
@@ -18128,13 +18094,13 @@
   <p:clrMapOvr>
     <a:masterClrMapping/>
   </p:clrMapOvr>
-  <mc:AlternateContent xmlns:mc="http://schemas.openxmlformats.org/markup-compatibility/2006">
-    <mc:Choice xmlns:p14="http://schemas.microsoft.com/office/powerpoint/2010/main" Requires="p14">
+  <mc:AlternateContent xmlns:mc="http://schemas.openxmlformats.org/markup-compatibility/2006" xmlns:p14="http://schemas.microsoft.com/office/powerpoint/2010/main">
+    <mc:Choice Requires="p14">
       <p:transition p14:dur="300">
         <p:fade/>
       </p:transition>
     </mc:Choice>
-    <mc:Fallback>
+    <mc:Fallback xmlns="">
       <p:transition>
         <p:fade/>
       </p:transition>
@@ -18214,13 +18180,13 @@
   <p:clrMapOvr>
     <a:masterClrMapping/>
   </p:clrMapOvr>
-  <mc:AlternateContent xmlns:mc="http://schemas.openxmlformats.org/markup-compatibility/2006">
-    <mc:Choice xmlns:p14="http://schemas.microsoft.com/office/powerpoint/2010/main" Requires="p14">
+  <mc:AlternateContent xmlns:mc="http://schemas.openxmlformats.org/markup-compatibility/2006" xmlns:p14="http://schemas.microsoft.com/office/powerpoint/2010/main">
+    <mc:Choice Requires="p14">
       <p:transition p14:dur="300">
         <p:fade/>
       </p:transition>
     </mc:Choice>
-    <mc:Fallback>
+    <mc:Fallback xmlns="">
       <p:transition>
         <p:fade/>
       </p:transition>
@@ -18300,13 +18266,13 @@
   <p:clrMapOvr>
     <a:masterClrMapping/>
   </p:clrMapOvr>
-  <mc:AlternateContent xmlns:mc="http://schemas.openxmlformats.org/markup-compatibility/2006">
-    <mc:Choice xmlns:p14="http://schemas.microsoft.com/office/powerpoint/2010/main" Requires="p14">
+  <mc:AlternateContent xmlns:mc="http://schemas.openxmlformats.org/markup-compatibility/2006" xmlns:p14="http://schemas.microsoft.com/office/powerpoint/2010/main">
+    <mc:Choice Requires="p14">
       <p:transition p14:dur="300">
         <p:fade/>
       </p:transition>
     </mc:Choice>
-    <mc:Fallback>
+    <mc:Fallback xmlns="">
       <p:transition>
         <p:fade/>
       </p:transition>
@@ -18386,13 +18352,13 @@
   <p:clrMapOvr>
     <a:masterClrMapping/>
   </p:clrMapOvr>
-  <mc:AlternateContent xmlns:mc="http://schemas.openxmlformats.org/markup-compatibility/2006">
-    <mc:Choice xmlns:p14="http://schemas.microsoft.com/office/powerpoint/2010/main" Requires="p14">
+  <mc:AlternateContent xmlns:mc="http://schemas.openxmlformats.org/markup-compatibility/2006" xmlns:p14="http://schemas.microsoft.com/office/powerpoint/2010/main">
+    <mc:Choice Requires="p14">
       <p:transition p14:dur="300">
         <p:fade/>
       </p:transition>
     </mc:Choice>
-    <mc:Fallback>
+    <mc:Fallback xmlns="">
       <p:transition>
         <p:fade/>
       </p:transition>
@@ -18480,13 +18446,13 @@
   <p:clrMapOvr>
     <a:masterClrMapping/>
   </p:clrMapOvr>
-  <mc:AlternateContent xmlns:mc="http://schemas.openxmlformats.org/markup-compatibility/2006">
-    <mc:Choice xmlns:p14="http://schemas.microsoft.com/office/powerpoint/2010/main" Requires="p14">
+  <mc:AlternateContent xmlns:mc="http://schemas.openxmlformats.org/markup-compatibility/2006" xmlns:p14="http://schemas.microsoft.com/office/powerpoint/2010/main">
+    <mc:Choice Requires="p14">
       <p:transition p14:dur="300">
         <p:fade/>
       </p:transition>
     </mc:Choice>
-    <mc:Fallback>
+    <mc:Fallback xmlns="">
       <p:transition>
         <p:fade/>
       </p:transition>
@@ -18578,13 +18544,13 @@
   <p:clrMapOvr>
     <a:masterClrMapping/>
   </p:clrMapOvr>
-  <mc:AlternateContent xmlns:mc="http://schemas.openxmlformats.org/markup-compatibility/2006">
-    <mc:Choice xmlns:p14="http://schemas.microsoft.com/office/powerpoint/2010/main" Requires="p14">
+  <mc:AlternateContent xmlns:mc="http://schemas.openxmlformats.org/markup-compatibility/2006" xmlns:p14="http://schemas.microsoft.com/office/powerpoint/2010/main">
+    <mc:Choice Requires="p14">
       <p:transition p14:dur="300">
         <p:fade/>
       </p:transition>
     </mc:Choice>
-    <mc:Fallback>
+    <mc:Fallback xmlns="">
       <p:transition>
         <p:fade/>
       </p:transition>
@@ -18672,13 +18638,13 @@
   <p:clrMapOvr>
     <a:masterClrMapping/>
   </p:clrMapOvr>
-  <mc:AlternateContent xmlns:mc="http://schemas.openxmlformats.org/markup-compatibility/2006">
-    <mc:Choice xmlns:p14="http://schemas.microsoft.com/office/powerpoint/2010/main" Requires="p14">
+  <mc:AlternateContent xmlns:mc="http://schemas.openxmlformats.org/markup-compatibility/2006" xmlns:p14="http://schemas.microsoft.com/office/powerpoint/2010/main">
+    <mc:Choice Requires="p14">
       <p:transition p14:dur="300">
         <p:fade/>
       </p:transition>
     </mc:Choice>
-    <mc:Fallback>
+    <mc:Fallback xmlns="">
       <p:transition>
         <p:fade/>
       </p:transition>
@@ -18774,13 +18740,13 @@
   <p:clrMapOvr>
     <a:masterClrMapping/>
   </p:clrMapOvr>
-  <mc:AlternateContent xmlns:mc="http://schemas.openxmlformats.org/markup-compatibility/2006">
-    <mc:Choice xmlns:p14="http://schemas.microsoft.com/office/powerpoint/2010/main" Requires="p14">
+  <mc:AlternateContent xmlns:mc="http://schemas.openxmlformats.org/markup-compatibility/2006" xmlns:p14="http://schemas.microsoft.com/office/powerpoint/2010/main">
+    <mc:Choice Requires="p14">
       <p:transition p14:dur="300">
         <p:fade/>
       </p:transition>
     </mc:Choice>
-    <mc:Fallback>
+    <mc:Fallback xmlns="">
       <p:transition>
         <p:fade/>
       </p:transition>
@@ -18876,13 +18842,13 @@
   <p:clrMapOvr>
     <a:masterClrMapping/>
   </p:clrMapOvr>
-  <mc:AlternateContent xmlns:mc="http://schemas.openxmlformats.org/markup-compatibility/2006">
-    <mc:Choice xmlns:p14="http://schemas.microsoft.com/office/powerpoint/2010/main" Requires="p14">
+  <mc:AlternateContent xmlns:mc="http://schemas.openxmlformats.org/markup-compatibility/2006" xmlns:p14="http://schemas.microsoft.com/office/powerpoint/2010/main">
+    <mc:Choice Requires="p14">
       <p:transition p14:dur="300">
         <p:fade/>
       </p:transition>
     </mc:Choice>
-    <mc:Fallback>
+    <mc:Fallback xmlns="">
       <p:transition>
         <p:fade/>
       </p:transition>
@@ -18978,13 +18944,13 @@
   <p:clrMapOvr>
     <a:masterClrMapping/>
   </p:clrMapOvr>
-  <mc:AlternateContent xmlns:mc="http://schemas.openxmlformats.org/markup-compatibility/2006">
-    <mc:Choice xmlns:p14="http://schemas.microsoft.com/office/powerpoint/2010/main" Requires="p14">
+  <mc:AlternateContent xmlns:mc="http://schemas.openxmlformats.org/markup-compatibility/2006" xmlns:p14="http://schemas.microsoft.com/office/powerpoint/2010/main">
+    <mc:Choice Requires="p14">
       <p:transition p14:dur="300">
         <p:fade/>
       </p:transition>
     </mc:Choice>
-    <mc:Fallback>
+    <mc:Fallback xmlns="">
       <p:transition>
         <p:fade/>
       </p:transition>
@@ -19080,13 +19046,13 @@
   <p:clrMapOvr>
     <a:masterClrMapping/>
   </p:clrMapOvr>
-  <mc:AlternateContent xmlns:mc="http://schemas.openxmlformats.org/markup-compatibility/2006">
-    <mc:Choice xmlns:p14="http://schemas.microsoft.com/office/powerpoint/2010/main" Requires="p14">
+  <mc:AlternateContent xmlns:mc="http://schemas.openxmlformats.org/markup-compatibility/2006" xmlns:p14="http://schemas.microsoft.com/office/powerpoint/2010/main">
+    <mc:Choice Requires="p14">
       <p:transition p14:dur="300">
         <p:fade/>
       </p:transition>
     </mc:Choice>
-    <mc:Fallback>
+    <mc:Fallback xmlns="">
       <p:transition>
         <p:fade/>
       </p:transition>
@@ -19178,13 +19144,13 @@
   <p:clrMapOvr>
     <a:masterClrMapping/>
   </p:clrMapOvr>
-  <mc:AlternateContent xmlns:mc="http://schemas.openxmlformats.org/markup-compatibility/2006">
-    <mc:Choice xmlns:p14="http://schemas.microsoft.com/office/powerpoint/2010/main" Requires="p14">
+  <mc:AlternateContent xmlns:mc="http://schemas.openxmlformats.org/markup-compatibility/2006" xmlns:p14="http://schemas.microsoft.com/office/powerpoint/2010/main">
+    <mc:Choice Requires="p14">
       <p:transition p14:dur="300">
         <p:fade/>
       </p:transition>
     </mc:Choice>
-    <mc:Fallback>
+    <mc:Fallback xmlns="">
       <p:transition>
         <p:fade/>
       </p:transition>
@@ -19268,13 +19234,13 @@
   <p:clrMapOvr>
     <a:masterClrMapping/>
   </p:clrMapOvr>
-  <mc:AlternateContent xmlns:mc="http://schemas.openxmlformats.org/markup-compatibility/2006">
-    <mc:Choice xmlns:p14="http://schemas.microsoft.com/office/powerpoint/2010/main" Requires="p14">
+  <mc:AlternateContent xmlns:mc="http://schemas.openxmlformats.org/markup-compatibility/2006" xmlns:p14="http://schemas.microsoft.com/office/powerpoint/2010/main">
+    <mc:Choice Requires="p14">
       <p:transition p14:dur="300">
         <p:fade/>
       </p:transition>
     </mc:Choice>
-    <mc:Fallback>
+    <mc:Fallback xmlns="">
       <p:transition>
         <p:fade/>
       </p:transition>
@@ -19354,13 +19320,13 @@
   <p:clrMapOvr>
     <a:masterClrMapping/>
   </p:clrMapOvr>
-  <mc:AlternateContent xmlns:mc="http://schemas.openxmlformats.org/markup-compatibility/2006">
-    <mc:Choice xmlns:p14="http://schemas.microsoft.com/office/powerpoint/2010/main" Requires="p14">
+  <mc:AlternateContent xmlns:mc="http://schemas.openxmlformats.org/markup-compatibility/2006" xmlns:p14="http://schemas.microsoft.com/office/powerpoint/2010/main">
+    <mc:Choice Requires="p14">
       <p:transition p14:dur="300">
         <p:fade/>
       </p:transition>
     </mc:Choice>
-    <mc:Fallback>
+    <mc:Fallback xmlns="">
       <p:transition>
         <p:fade/>
       </p:transition>
@@ -19448,13 +19414,13 @@
   <p:clrMapOvr>
     <a:masterClrMapping/>
   </p:clrMapOvr>
-  <mc:AlternateContent xmlns:mc="http://schemas.openxmlformats.org/markup-compatibility/2006">
-    <mc:Choice xmlns:p14="http://schemas.microsoft.com/office/powerpoint/2010/main" Requires="p14">
+  <mc:AlternateContent xmlns:mc="http://schemas.openxmlformats.org/markup-compatibility/2006" xmlns:p14="http://schemas.microsoft.com/office/powerpoint/2010/main">
+    <mc:Choice Requires="p14">
       <p:transition p14:dur="300">
         <p:fade/>
       </p:transition>
     </mc:Choice>
-    <mc:Fallback>
+    <mc:Fallback xmlns="">
       <p:transition>
         <p:fade/>
       </p:transition>
@@ -19561,13 +19527,13 @@
   <p:clrMapOvr>
     <a:masterClrMapping/>
   </p:clrMapOvr>
-  <mc:AlternateContent xmlns:mc="http://schemas.openxmlformats.org/markup-compatibility/2006">
-    <mc:Choice xmlns:p14="http://schemas.microsoft.com/office/powerpoint/2010/main" Requires="p14">
+  <mc:AlternateContent xmlns:mc="http://schemas.openxmlformats.org/markup-compatibility/2006" xmlns:p14="http://schemas.microsoft.com/office/powerpoint/2010/main">
+    <mc:Choice Requires="p14">
       <p:transition p14:dur="300">
         <p:fade/>
       </p:transition>
     </mc:Choice>
-    <mc:Fallback>
+    <mc:Fallback xmlns="">
       <p:transition>
         <p:fade/>
       </p:transition>
@@ -19651,13 +19617,13 @@
   <p:clrMapOvr>
     <a:masterClrMapping/>
   </p:clrMapOvr>
-  <mc:AlternateContent xmlns:mc="http://schemas.openxmlformats.org/markup-compatibility/2006">
-    <mc:Choice xmlns:p14="http://schemas.microsoft.com/office/powerpoint/2010/main" Requires="p14">
+  <mc:AlternateContent xmlns:mc="http://schemas.openxmlformats.org/markup-compatibility/2006" xmlns:p14="http://schemas.microsoft.com/office/powerpoint/2010/main">
+    <mc:Choice Requires="p14">
       <p:transition p14:dur="300">
         <p:fade/>
       </p:transition>
     </mc:Choice>
-    <mc:Fallback>
+    <mc:Fallback xmlns="">
       <p:transition>
         <p:fade/>
       </p:transition>
@@ -19737,13 +19703,13 @@
   <p:clrMapOvr>
     <a:masterClrMapping/>
   </p:clrMapOvr>
-  <mc:AlternateContent xmlns:mc="http://schemas.openxmlformats.org/markup-compatibility/2006">
-    <mc:Choice xmlns:p14="http://schemas.microsoft.com/office/powerpoint/2010/main" Requires="p14">
+  <mc:AlternateContent xmlns:mc="http://schemas.openxmlformats.org/markup-compatibility/2006" xmlns:p14="http://schemas.microsoft.com/office/powerpoint/2010/main">
+    <mc:Choice Requires="p14">
       <p:transition p14:dur="300">
         <p:fade/>
       </p:transition>
     </mc:Choice>
-    <mc:Fallback>
+    <mc:Fallback xmlns="">
       <p:transition>
         <p:fade/>
       </p:transition>
@@ -19827,13 +19793,13 @@
   <p:clrMapOvr>
     <a:masterClrMapping/>
   </p:clrMapOvr>
-  <mc:AlternateContent xmlns:mc="http://schemas.openxmlformats.org/markup-compatibility/2006">
-    <mc:Choice xmlns:p14="http://schemas.microsoft.com/office/powerpoint/2010/main" Requires="p14">
+  <mc:AlternateContent xmlns:mc="http://schemas.openxmlformats.org/markup-compatibility/2006" xmlns:p14="http://schemas.microsoft.com/office/powerpoint/2010/main">
+    <mc:Choice Requires="p14">
       <p:transition p14:dur="300">
         <p:fade/>
       </p:transition>
     </mc:Choice>
-    <mc:Fallback>
+    <mc:Fallback xmlns="">
       <p:transition>
         <p:fade/>
       </p:transition>
@@ -19925,13 +19891,13 @@
   <p:clrMapOvr>
     <a:masterClrMapping/>
   </p:clrMapOvr>
-  <mc:AlternateContent xmlns:mc="http://schemas.openxmlformats.org/markup-compatibility/2006">
-    <mc:Choice xmlns:p14="http://schemas.microsoft.com/office/powerpoint/2010/main" Requires="p14">
+  <mc:AlternateContent xmlns:mc="http://schemas.openxmlformats.org/markup-compatibility/2006" xmlns:p14="http://schemas.microsoft.com/office/powerpoint/2010/main">
+    <mc:Choice Requires="p14">
       <p:transition p14:dur="300">
         <p:fade/>
       </p:transition>
     </mc:Choice>
-    <mc:Fallback>
+    <mc:Fallback xmlns="">
       <p:transition>
         <p:fade/>
       </p:transition>
@@ -20019,13 +19985,13 @@
   <p:clrMapOvr>
     <a:masterClrMapping/>
   </p:clrMapOvr>
-  <mc:AlternateContent xmlns:mc="http://schemas.openxmlformats.org/markup-compatibility/2006">
-    <mc:Choice xmlns:p14="http://schemas.microsoft.com/office/powerpoint/2010/main" Requires="p14">
+  <mc:AlternateContent xmlns:mc="http://schemas.openxmlformats.org/markup-compatibility/2006" xmlns:p14="http://schemas.microsoft.com/office/powerpoint/2010/main">
+    <mc:Choice Requires="p14">
       <p:transition p14:dur="300">
         <p:fade/>
       </p:transition>
     </mc:Choice>
-    <mc:Fallback>
+    <mc:Fallback xmlns="">
       <p:transition>
         <p:fade/>
       </p:transition>
@@ -20113,13 +20079,13 @@
   <p:clrMapOvr>
     <a:masterClrMapping/>
   </p:clrMapOvr>
-  <mc:AlternateContent xmlns:mc="http://schemas.openxmlformats.org/markup-compatibility/2006">
-    <mc:Choice xmlns:p14="http://schemas.microsoft.com/office/powerpoint/2010/main" Requires="p14">
+  <mc:AlternateContent xmlns:mc="http://schemas.openxmlformats.org/markup-compatibility/2006" xmlns:p14="http://schemas.microsoft.com/office/powerpoint/2010/main">
+    <mc:Choice Requires="p14">
       <p:transition p14:dur="300">
         <p:fade/>
       </p:transition>
     </mc:Choice>
-    <mc:Fallback>
+    <mc:Fallback xmlns="">
       <p:transition>
         <p:fade/>
       </p:transition>
@@ -20207,13 +20173,13 @@
   <p:clrMapOvr>
     <a:masterClrMapping/>
   </p:clrMapOvr>
-  <mc:AlternateContent xmlns:mc="http://schemas.openxmlformats.org/markup-compatibility/2006">
-    <mc:Choice xmlns:p14="http://schemas.microsoft.com/office/powerpoint/2010/main" Requires="p14">
+  <mc:AlternateContent xmlns:mc="http://schemas.openxmlformats.org/markup-compatibility/2006" xmlns:p14="http://schemas.microsoft.com/office/powerpoint/2010/main">
+    <mc:Choice Requires="p14">
       <p:transition p14:dur="300">
         <p:fade/>
       </p:transition>
     </mc:Choice>
-    <mc:Fallback>
+    <mc:Fallback xmlns="">
       <p:transition>
         <p:fade/>
       </p:transition>
@@ -20309,13 +20275,13 @@
   <p:clrMapOvr>
     <a:masterClrMapping/>
   </p:clrMapOvr>
-  <mc:AlternateContent xmlns:mc="http://schemas.openxmlformats.org/markup-compatibility/2006">
-    <mc:Choice xmlns:p14="http://schemas.microsoft.com/office/powerpoint/2010/main" Requires="p14">
+  <mc:AlternateContent xmlns:mc="http://schemas.openxmlformats.org/markup-compatibility/2006" xmlns:p14="http://schemas.microsoft.com/office/powerpoint/2010/main">
+    <mc:Choice Requires="p14">
       <p:transition p14:dur="300">
         <p:fade/>
       </p:transition>
     </mc:Choice>
-    <mc:Fallback>
+    <mc:Fallback xmlns="">
       <p:transition>
         <p:fade/>
       </p:transition>
@@ -20403,13 +20369,13 @@
   <p:clrMapOvr>
     <a:masterClrMapping/>
   </p:clrMapOvr>
-  <mc:AlternateContent xmlns:mc="http://schemas.openxmlformats.org/markup-compatibility/2006">
-    <mc:Choice xmlns:p14="http://schemas.microsoft.com/office/powerpoint/2010/main" Requires="p14">
+  <mc:AlternateContent xmlns:mc="http://schemas.openxmlformats.org/markup-compatibility/2006" xmlns:p14="http://schemas.microsoft.com/office/powerpoint/2010/main">
+    <mc:Choice Requires="p14">
       <p:transition p14:dur="300">
         <p:fade/>
       </p:transition>
     </mc:Choice>
-    <mc:Fallback>
+    <mc:Fallback xmlns="">
       <p:transition>
         <p:fade/>
       </p:transition>
@@ -20497,13 +20463,13 @@
   <p:clrMapOvr>
     <a:masterClrMapping/>
   </p:clrMapOvr>
-  <mc:AlternateContent xmlns:mc="http://schemas.openxmlformats.org/markup-compatibility/2006">
-    <mc:Choice xmlns:p14="http://schemas.microsoft.com/office/powerpoint/2010/main" Requires="p14">
+  <mc:AlternateContent xmlns:mc="http://schemas.openxmlformats.org/markup-compatibility/2006" xmlns:p14="http://schemas.microsoft.com/office/powerpoint/2010/main">
+    <mc:Choice Requires="p14">
       <p:transition p14:dur="300">
         <p:fade/>
       </p:transition>
     </mc:Choice>
-    <mc:Fallback>
+    <mc:Fallback xmlns="">
       <p:transition>
         <p:fade/>
       </p:transition>
@@ -20595,13 +20561,13 @@
   <p:clrMapOvr>
     <a:masterClrMapping/>
   </p:clrMapOvr>
-  <mc:AlternateContent xmlns:mc="http://schemas.openxmlformats.org/markup-compatibility/2006">
-    <mc:Choice xmlns:p14="http://schemas.microsoft.com/office/powerpoint/2010/main" Requires="p14">
+  <mc:AlternateContent xmlns:mc="http://schemas.openxmlformats.org/markup-compatibility/2006" xmlns:p14="http://schemas.microsoft.com/office/powerpoint/2010/main">
+    <mc:Choice Requires="p14">
       <p:transition p14:dur="300">
         <p:fade/>
       </p:transition>
     </mc:Choice>
-    <mc:Fallback>
+    <mc:Fallback xmlns="">
       <p:transition>
         <p:fade/>
       </p:transition>
@@ -20677,13 +20643,13 @@
   <p:clrMapOvr>
     <a:masterClrMapping/>
   </p:clrMapOvr>
-  <mc:AlternateContent xmlns:mc="http://schemas.openxmlformats.org/markup-compatibility/2006">
-    <mc:Choice xmlns:p14="http://schemas.microsoft.com/office/powerpoint/2010/main" Requires="p14">
+  <mc:AlternateContent xmlns:mc="http://schemas.openxmlformats.org/markup-compatibility/2006" xmlns:p14="http://schemas.microsoft.com/office/powerpoint/2010/main">
+    <mc:Choice Requires="p14">
       <p:transition p14:dur="300">
         <p:fade/>
       </p:transition>
     </mc:Choice>
-    <mc:Fallback>
+    <mc:Fallback xmlns="">
       <p:transition>
         <p:fade/>
       </p:transition>
@@ -20779,13 +20745,13 @@
   <p:clrMapOvr>
     <a:masterClrMapping/>
   </p:clrMapOvr>
-  <mc:AlternateContent xmlns:mc="http://schemas.openxmlformats.org/markup-compatibility/2006">
-    <mc:Choice xmlns:p14="http://schemas.microsoft.com/office/powerpoint/2010/main" Requires="p14">
+  <mc:AlternateContent xmlns:mc="http://schemas.openxmlformats.org/markup-compatibility/2006" xmlns:p14="http://schemas.microsoft.com/office/powerpoint/2010/main">
+    <mc:Choice Requires="p14">
       <p:transition p14:dur="300">
         <p:fade/>
       </p:transition>
     </mc:Choice>
-    <mc:Fallback>
+    <mc:Fallback xmlns="">
       <p:transition>
         <p:fade/>
       </p:transition>
@@ -20889,13 +20855,13 @@
   <p:clrMapOvr>
     <a:masterClrMapping/>
   </p:clrMapOvr>
-  <mc:AlternateContent xmlns:mc="http://schemas.openxmlformats.org/markup-compatibility/2006">
-    <mc:Choice xmlns:p14="http://schemas.microsoft.com/office/powerpoint/2010/main" Requires="p14">
+  <mc:AlternateContent xmlns:mc="http://schemas.openxmlformats.org/markup-compatibility/2006" xmlns:p14="http://schemas.microsoft.com/office/powerpoint/2010/main">
+    <mc:Choice Requires="p14">
       <p:transition p14:dur="300">
         <p:fade/>
       </p:transition>
     </mc:Choice>
-    <mc:Fallback>
+    <mc:Fallback xmlns="">
       <p:transition>
         <p:fade/>
       </p:transition>
@@ -20975,13 +20941,13 @@
   <p:clrMapOvr>
     <a:masterClrMapping/>
   </p:clrMapOvr>
-  <mc:AlternateContent xmlns:mc="http://schemas.openxmlformats.org/markup-compatibility/2006">
-    <mc:Choice xmlns:p14="http://schemas.microsoft.com/office/powerpoint/2010/main" Requires="p14">
+  <mc:AlternateContent xmlns:mc="http://schemas.openxmlformats.org/markup-compatibility/2006" xmlns:p14="http://schemas.microsoft.com/office/powerpoint/2010/main">
+    <mc:Choice Requires="p14">
       <p:transition p14:dur="300">
         <p:fade/>
       </p:transition>
     </mc:Choice>
-    <mc:Fallback>
+    <mc:Fallback xmlns="">
       <p:transition>
         <p:fade/>
       </p:transition>
@@ -21061,13 +21027,13 @@
   <p:clrMapOvr>
     <a:masterClrMapping/>
   </p:clrMapOvr>
-  <mc:AlternateContent xmlns:mc="http://schemas.openxmlformats.org/markup-compatibility/2006">
-    <mc:Choice xmlns:p14="http://schemas.microsoft.com/office/powerpoint/2010/main" Requires="p14">
+  <mc:AlternateContent xmlns:mc="http://schemas.openxmlformats.org/markup-compatibility/2006" xmlns:p14="http://schemas.microsoft.com/office/powerpoint/2010/main">
+    <mc:Choice Requires="p14">
       <p:transition p14:dur="300">
         <p:fade/>
       </p:transition>
     </mc:Choice>
-    <mc:Fallback>
+    <mc:Fallback xmlns="">
       <p:transition>
         <p:fade/>
       </p:transition>
@@ -21155,13 +21121,13 @@
   <p:clrMapOvr>
     <a:masterClrMapping/>
   </p:clrMapOvr>
-  <mc:AlternateContent xmlns:mc="http://schemas.openxmlformats.org/markup-compatibility/2006">
-    <mc:Choice xmlns:p14="http://schemas.microsoft.com/office/powerpoint/2010/main" Requires="p14">
+  <mc:AlternateContent xmlns:mc="http://schemas.openxmlformats.org/markup-compatibility/2006" xmlns:p14="http://schemas.microsoft.com/office/powerpoint/2010/main">
+    <mc:Choice Requires="p14">
       <p:transition p14:dur="300">
         <p:fade/>
       </p:transition>
     </mc:Choice>
-    <mc:Fallback>
+    <mc:Fallback xmlns="">
       <p:transition>
         <p:fade/>
       </p:transition>
@@ -21257,13 +21223,13 @@
   <p:clrMapOvr>
     <a:masterClrMapping/>
   </p:clrMapOvr>
-  <mc:AlternateContent xmlns:mc="http://schemas.openxmlformats.org/markup-compatibility/2006">
-    <mc:Choice xmlns:p14="http://schemas.microsoft.com/office/powerpoint/2010/main" Requires="p14">
+  <mc:AlternateContent xmlns:mc="http://schemas.openxmlformats.org/markup-compatibility/2006" xmlns:p14="http://schemas.microsoft.com/office/powerpoint/2010/main">
+    <mc:Choice Requires="p14">
       <p:transition p14:dur="300">
         <p:fade/>
       </p:transition>
     </mc:Choice>
-    <mc:Fallback>
+    <mc:Fallback xmlns="">
       <p:transition>
         <p:fade/>
       </p:transition>
@@ -21355,13 +21321,13 @@
   <p:clrMapOvr>
     <a:masterClrMapping/>
   </p:clrMapOvr>
-  <mc:AlternateContent xmlns:mc="http://schemas.openxmlformats.org/markup-compatibility/2006">
-    <mc:Choice xmlns:p14="http://schemas.microsoft.com/office/powerpoint/2010/main" Requires="p14">
+  <mc:AlternateContent xmlns:mc="http://schemas.openxmlformats.org/markup-compatibility/2006" xmlns:p14="http://schemas.microsoft.com/office/powerpoint/2010/main">
+    <mc:Choice Requires="p14">
       <p:transition p14:dur="300">
         <p:fade/>
       </p:transition>
     </mc:Choice>
-    <mc:Fallback>
+    <mc:Fallback xmlns="">
       <p:transition>
         <p:fade/>
       </p:transition>
@@ -21457,13 +21423,13 @@
   <p:clrMapOvr>
     <a:masterClrMapping/>
   </p:clrMapOvr>
-  <mc:AlternateContent xmlns:mc="http://schemas.openxmlformats.org/markup-compatibility/2006">
-    <mc:Choice xmlns:p14="http://schemas.microsoft.com/office/powerpoint/2010/main" Requires="p14">
+  <mc:AlternateContent xmlns:mc="http://schemas.openxmlformats.org/markup-compatibility/2006" xmlns:p14="http://schemas.microsoft.com/office/powerpoint/2010/main">
+    <mc:Choice Requires="p14">
       <p:transition p14:dur="300">
         <p:fade/>
       </p:transition>
     </mc:Choice>
-    <mc:Fallback>
+    <mc:Fallback xmlns="">
       <p:transition>
         <p:fade/>
       </p:transition>
@@ -21555,13 +21521,13 @@
   <p:clrMapOvr>
     <a:masterClrMapping/>
   </p:clrMapOvr>
-  <mc:AlternateContent xmlns:mc="http://schemas.openxmlformats.org/markup-compatibility/2006">
-    <mc:Choice xmlns:p14="http://schemas.microsoft.com/office/powerpoint/2010/main" Requires="p14">
+  <mc:AlternateContent xmlns:mc="http://schemas.openxmlformats.org/markup-compatibility/2006" xmlns:p14="http://schemas.microsoft.com/office/powerpoint/2010/main">
+    <mc:Choice Requires="p14">
       <p:transition p14:dur="300">
         <p:fade/>
       </p:transition>
     </mc:Choice>
-    <mc:Fallback>
+    <mc:Fallback xmlns="">
       <p:transition>
         <p:fade/>
       </p:transition>
@@ -21665,13 +21631,13 @@
   <p:clrMapOvr>
     <a:masterClrMapping/>
   </p:clrMapOvr>
-  <mc:AlternateContent xmlns:mc="http://schemas.openxmlformats.org/markup-compatibility/2006">
-    <mc:Choice xmlns:p14="http://schemas.microsoft.com/office/powerpoint/2010/main" Requires="p14">
+  <mc:AlternateContent xmlns:mc="http://schemas.openxmlformats.org/markup-compatibility/2006" xmlns:p14="http://schemas.microsoft.com/office/powerpoint/2010/main">
+    <mc:Choice Requires="p14">
       <p:transition p14:dur="300">
         <p:fade/>
       </p:transition>
     </mc:Choice>
-    <mc:Fallback>
+    <mc:Fallback xmlns="">
       <p:transition>
         <p:fade/>
       </p:transition>
@@ -21747,13 +21713,13 @@
   <p:clrMapOvr>
     <a:masterClrMapping/>
   </p:clrMapOvr>
-  <mc:AlternateContent xmlns:mc="http://schemas.openxmlformats.org/markup-compatibility/2006">
-    <mc:Choice xmlns:p14="http://schemas.microsoft.com/office/powerpoint/2010/main" Requires="p14">
+  <mc:AlternateContent xmlns:mc="http://schemas.openxmlformats.org/markup-compatibility/2006" xmlns:p14="http://schemas.microsoft.com/office/powerpoint/2010/main">
+    <mc:Choice Requires="p14">
       <p:transition p14:dur="300">
         <p:fade/>
       </p:transition>
     </mc:Choice>
-    <mc:Fallback>
+    <mc:Fallback xmlns="">
       <p:transition>
         <p:fade/>
       </p:transition>
@@ -21849,13 +21815,13 @@
   <p:clrMapOvr>
     <a:masterClrMapping/>
   </p:clrMapOvr>
-  <mc:AlternateContent xmlns:mc="http://schemas.openxmlformats.org/markup-compatibility/2006">
-    <mc:Choice xmlns:p14="http://schemas.microsoft.com/office/powerpoint/2010/main" Requires="p14">
+  <mc:AlternateContent xmlns:mc="http://schemas.openxmlformats.org/markup-compatibility/2006" xmlns:p14="http://schemas.microsoft.com/office/powerpoint/2010/main">
+    <mc:Choice Requires="p14">
       <p:transition p14:dur="300">
         <p:fade/>
       </p:transition>
     </mc:Choice>
-    <mc:Fallback>
+    <mc:Fallback xmlns="">
       <p:transition>
         <p:fade/>
       </p:transition>
@@ -21939,13 +21905,13 @@
   <p:clrMapOvr>
     <a:masterClrMapping/>
   </p:clrMapOvr>
-  <mc:AlternateContent xmlns:mc="http://schemas.openxmlformats.org/markup-compatibility/2006">
-    <mc:Choice xmlns:p14="http://schemas.microsoft.com/office/powerpoint/2010/main" Requires="p14">
+  <mc:AlternateContent xmlns:mc="http://schemas.openxmlformats.org/markup-compatibility/2006" xmlns:p14="http://schemas.microsoft.com/office/powerpoint/2010/main">
+    <mc:Choice Requires="p14">
       <p:transition p14:dur="300">
         <p:fade/>
       </p:transition>
     </mc:Choice>
-    <mc:Fallback>
+    <mc:Fallback xmlns="">
       <p:transition>
         <p:fade/>
       </p:transition>
@@ -22037,13 +22003,13 @@
   <p:clrMapOvr>
     <a:masterClrMapping/>
   </p:clrMapOvr>
-  <mc:AlternateContent xmlns:mc="http://schemas.openxmlformats.org/markup-compatibility/2006">
-    <mc:Choice xmlns:p14="http://schemas.microsoft.com/office/powerpoint/2010/main" Requires="p14">
+  <mc:AlternateContent xmlns:mc="http://schemas.openxmlformats.org/markup-compatibility/2006" xmlns:p14="http://schemas.microsoft.com/office/powerpoint/2010/main">
+    <mc:Choice Requires="p14">
       <p:transition p14:dur="300">
         <p:fade/>
       </p:transition>
     </mc:Choice>
-    <mc:Fallback>
+    <mc:Fallback xmlns="">
       <p:transition>
         <p:fade/>
       </p:transition>
@@ -22127,13 +22093,13 @@
   <p:clrMapOvr>
     <a:masterClrMapping/>
   </p:clrMapOvr>
-  <mc:AlternateContent xmlns:mc="http://schemas.openxmlformats.org/markup-compatibility/2006">
-    <mc:Choice xmlns:p14="http://schemas.microsoft.com/office/powerpoint/2010/main" Requires="p14">
+  <mc:AlternateContent xmlns:mc="http://schemas.openxmlformats.org/markup-compatibility/2006" xmlns:p14="http://schemas.microsoft.com/office/powerpoint/2010/main">
+    <mc:Choice Requires="p14">
       <p:transition p14:dur="300">
         <p:fade/>
       </p:transition>
     </mc:Choice>
-    <mc:Fallback>
+    <mc:Fallback xmlns="">
       <p:transition>
         <p:fade/>
       </p:transition>
@@ -22209,13 +22175,13 @@
   <p:clrMapOvr>
     <a:masterClrMapping/>
   </p:clrMapOvr>
-  <mc:AlternateContent xmlns:mc="http://schemas.openxmlformats.org/markup-compatibility/2006">
-    <mc:Choice xmlns:p14="http://schemas.microsoft.com/office/powerpoint/2010/main" Requires="p14">
+  <mc:AlternateContent xmlns:mc="http://schemas.openxmlformats.org/markup-compatibility/2006" xmlns:p14="http://schemas.microsoft.com/office/powerpoint/2010/main">
+    <mc:Choice Requires="p14">
       <p:transition p14:dur="300">
         <p:fade/>
       </p:transition>
     </mc:Choice>
-    <mc:Fallback>
+    <mc:Fallback xmlns="">
       <p:transition>
         <p:fade/>
       </p:transition>
@@ -22303,13 +22269,13 @@
   <p:clrMapOvr>
     <a:masterClrMapping/>
   </p:clrMapOvr>
-  <mc:AlternateContent xmlns:mc="http://schemas.openxmlformats.org/markup-compatibility/2006">
-    <mc:Choice xmlns:p14="http://schemas.microsoft.com/office/powerpoint/2010/main" Requires="p14">
+  <mc:AlternateContent xmlns:mc="http://schemas.openxmlformats.org/markup-compatibility/2006" xmlns:p14="http://schemas.microsoft.com/office/powerpoint/2010/main">
+    <mc:Choice Requires="p14">
       <p:transition p14:dur="300">
         <p:fade/>
       </p:transition>
     </mc:Choice>
-    <mc:Fallback>
+    <mc:Fallback xmlns="">
       <p:transition>
         <p:fade/>
       </p:transition>
@@ -22405,13 +22371,13 @@
   <p:clrMapOvr>
     <a:masterClrMapping/>
   </p:clrMapOvr>
-  <mc:AlternateContent xmlns:mc="http://schemas.openxmlformats.org/markup-compatibility/2006">
-    <mc:Choice xmlns:p14="http://schemas.microsoft.com/office/powerpoint/2010/main" Requires="p14">
+  <mc:AlternateContent xmlns:mc="http://schemas.openxmlformats.org/markup-compatibility/2006" xmlns:p14="http://schemas.microsoft.com/office/powerpoint/2010/main">
+    <mc:Choice Requires="p14">
       <p:transition p14:dur="300">
         <p:fade/>
       </p:transition>
     </mc:Choice>
-    <mc:Fallback>
+    <mc:Fallback xmlns="">
       <p:transition>
         <p:fade/>
       </p:transition>
@@ -22507,13 +22473,13 @@
   <p:clrMapOvr>
     <a:masterClrMapping/>
   </p:clrMapOvr>
-  <mc:AlternateContent xmlns:mc="http://schemas.openxmlformats.org/markup-compatibility/2006">
-    <mc:Choice xmlns:p14="http://schemas.microsoft.com/office/powerpoint/2010/main" Requires="p14">
+  <mc:AlternateContent xmlns:mc="http://schemas.openxmlformats.org/markup-compatibility/2006" xmlns:p14="http://schemas.microsoft.com/office/powerpoint/2010/main">
+    <mc:Choice Requires="p14">
       <p:transition p14:dur="300">
         <p:fade/>
       </p:transition>
     </mc:Choice>
-    <mc:Fallback>
+    <mc:Fallback xmlns="">
       <p:transition>
         <p:fade/>
       </p:transition>
@@ -22613,13 +22579,13 @@
   <p:clrMapOvr>
     <a:masterClrMapping/>
   </p:clrMapOvr>
-  <mc:AlternateContent xmlns:mc="http://schemas.openxmlformats.org/markup-compatibility/2006">
-    <mc:Choice xmlns:p14="http://schemas.microsoft.com/office/powerpoint/2010/main" Requires="p14">
+  <mc:AlternateContent xmlns:mc="http://schemas.openxmlformats.org/markup-compatibility/2006" xmlns:p14="http://schemas.microsoft.com/office/powerpoint/2010/main">
+    <mc:Choice Requires="p14">
       <p:transition p14:dur="300">
         <p:fade/>
       </p:transition>
     </mc:Choice>
-    <mc:Fallback>
+    <mc:Fallback xmlns="">
       <p:transition>
         <p:fade/>
       </p:transition>
@@ -22715,13 +22681,13 @@
   <p:clrMapOvr>
     <a:masterClrMapping/>
   </p:clrMapOvr>
-  <mc:AlternateContent xmlns:mc="http://schemas.openxmlformats.org/markup-compatibility/2006">
-    <mc:Choice xmlns:p14="http://schemas.microsoft.com/office/powerpoint/2010/main" Requires="p14">
+  <mc:AlternateContent xmlns:mc="http://schemas.openxmlformats.org/markup-compatibility/2006" xmlns:p14="http://schemas.microsoft.com/office/powerpoint/2010/main">
+    <mc:Choice Requires="p14">
       <p:transition p14:dur="300">
         <p:fade/>
       </p:transition>
     </mc:Choice>
-    <mc:Fallback>
+    <mc:Fallback xmlns="">
       <p:transition>
         <p:fade/>
       </p:transition>
@@ -22797,13 +22763,13 @@
   <p:clrMapOvr>
     <a:masterClrMapping/>
   </p:clrMapOvr>
-  <mc:AlternateContent xmlns:mc="http://schemas.openxmlformats.org/markup-compatibility/2006">
-    <mc:Choice xmlns:p14="http://schemas.microsoft.com/office/powerpoint/2010/main" Requires="p14">
+  <mc:AlternateContent xmlns:mc="http://schemas.openxmlformats.org/markup-compatibility/2006" xmlns:p14="http://schemas.microsoft.com/office/powerpoint/2010/main">
+    <mc:Choice Requires="p14">
       <p:transition p14:dur="300">
         <p:fade/>
       </p:transition>
     </mc:Choice>
-    <mc:Fallback>
+    <mc:Fallback xmlns="">
       <p:transition>
         <p:fade/>
       </p:transition>
@@ -22899,13 +22865,13 @@
   <p:clrMapOvr>
     <a:masterClrMapping/>
   </p:clrMapOvr>
-  <mc:AlternateContent xmlns:mc="http://schemas.openxmlformats.org/markup-compatibility/2006">
-    <mc:Choice xmlns:p14="http://schemas.microsoft.com/office/powerpoint/2010/main" Requires="p14">
+  <mc:AlternateContent xmlns:mc="http://schemas.openxmlformats.org/markup-compatibility/2006" xmlns:p14="http://schemas.microsoft.com/office/powerpoint/2010/main">
+    <mc:Choice Requires="p14">
       <p:transition p14:dur="300">
         <p:fade/>
       </p:transition>
     </mc:Choice>
-    <mc:Fallback>
+    <mc:Fallback xmlns="">
       <p:transition>
         <p:fade/>
       </p:transition>
@@ -23005,13 +22971,13 @@
   <p:clrMapOvr>
     <a:masterClrMapping/>
   </p:clrMapOvr>
-  <mc:AlternateContent xmlns:mc="http://schemas.openxmlformats.org/markup-compatibility/2006">
-    <mc:Choice xmlns:p14="http://schemas.microsoft.com/office/powerpoint/2010/main" Requires="p14">
+  <mc:AlternateContent xmlns:mc="http://schemas.openxmlformats.org/markup-compatibility/2006" xmlns:p14="http://schemas.microsoft.com/office/powerpoint/2010/main">
+    <mc:Choice Requires="p14">
       <p:transition p14:dur="300">
         <p:fade/>
       </p:transition>
     </mc:Choice>
-    <mc:Fallback>
+    <mc:Fallback xmlns="">
       <p:transition>
         <p:fade/>
       </p:transition>
@@ -23107,13 +23073,13 @@
   <p:clrMapOvr>
     <a:masterClrMapping/>
   </p:clrMapOvr>
-  <mc:AlternateContent xmlns:mc="http://schemas.openxmlformats.org/markup-compatibility/2006">
-    <mc:Choice xmlns:p14="http://schemas.microsoft.com/office/powerpoint/2010/main" Requires="p14">
+  <mc:AlternateContent xmlns:mc="http://schemas.openxmlformats.org/markup-compatibility/2006" xmlns:p14="http://schemas.microsoft.com/office/powerpoint/2010/main">
+    <mc:Choice Requires="p14">
       <p:transition p14:dur="300">
         <p:fade/>
       </p:transition>
     </mc:Choice>
-    <mc:Fallback>
+    <mc:Fallback xmlns="">
       <p:transition>
         <p:fade/>
       </p:transition>
@@ -23221,13 +23187,13 @@
   <p:clrMapOvr>
     <a:masterClrMapping/>
   </p:clrMapOvr>
-  <mc:AlternateContent xmlns:mc="http://schemas.openxmlformats.org/markup-compatibility/2006">
-    <mc:Choice xmlns:p14="http://schemas.microsoft.com/office/powerpoint/2010/main" Requires="p14">
+  <mc:AlternateContent xmlns:mc="http://schemas.openxmlformats.org/markup-compatibility/2006" xmlns:p14="http://schemas.microsoft.com/office/powerpoint/2010/main">
+    <mc:Choice Requires="p14">
       <p:transition p14:dur="300">
         <p:fade/>
       </p:transition>
     </mc:Choice>
-    <mc:Fallback>
+    <mc:Fallback xmlns="">
       <p:transition>
         <p:fade/>
       </p:transition>
@@ -23323,13 +23289,13 @@
   <p:clrMapOvr>
     <a:masterClrMapping/>
   </p:clrMapOvr>
-  <mc:AlternateContent xmlns:mc="http://schemas.openxmlformats.org/markup-compatibility/2006">
-    <mc:Choice xmlns:p14="http://schemas.microsoft.com/office/powerpoint/2010/main" Requires="p14">
+  <mc:AlternateContent xmlns:mc="http://schemas.openxmlformats.org/markup-compatibility/2006" xmlns:p14="http://schemas.microsoft.com/office/powerpoint/2010/main">
+    <mc:Choice Requires="p14">
       <p:transition p14:dur="300">
         <p:fade/>
       </p:transition>
     </mc:Choice>
-    <mc:Fallback>
+    <mc:Fallback xmlns="">
       <p:transition>
         <p:fade/>
       </p:transition>
@@ -23425,13 +23391,13 @@
   <p:clrMapOvr>
     <a:masterClrMapping/>
   </p:clrMapOvr>
-  <mc:AlternateContent xmlns:mc="http://schemas.openxmlformats.org/markup-compatibility/2006">
-    <mc:Choice xmlns:p14="http://schemas.microsoft.com/office/powerpoint/2010/main" Requires="p14">
+  <mc:AlternateContent xmlns:mc="http://schemas.openxmlformats.org/markup-compatibility/2006" xmlns:p14="http://schemas.microsoft.com/office/powerpoint/2010/main">
+    <mc:Choice Requires="p14">
       <p:transition p14:dur="300">
         <p:fade/>
       </p:transition>
     </mc:Choice>
-    <mc:Fallback>
+    <mc:Fallback xmlns="">
       <p:transition>
         <p:fade/>
       </p:transition>
@@ -23527,13 +23493,13 @@
   <p:clrMapOvr>
     <a:masterClrMapping/>
   </p:clrMapOvr>
-  <mc:AlternateContent xmlns:mc="http://schemas.openxmlformats.org/markup-compatibility/2006">
-    <mc:Choice xmlns:p14="http://schemas.microsoft.com/office/powerpoint/2010/main" Requires="p14">
+  <mc:AlternateContent xmlns:mc="http://schemas.openxmlformats.org/markup-compatibility/2006" xmlns:p14="http://schemas.microsoft.com/office/powerpoint/2010/main">
+    <mc:Choice Requires="p14">
       <p:transition p14:dur="300">
         <p:fade/>
       </p:transition>
     </mc:Choice>
-    <mc:Fallback>
+    <mc:Fallback xmlns="">
       <p:transition>
         <p:fade/>
       </p:transition>
@@ -23629,13 +23595,13 @@
   <p:clrMapOvr>
     <a:masterClrMapping/>
   </p:clrMapOvr>
-  <mc:AlternateContent xmlns:mc="http://schemas.openxmlformats.org/markup-compatibility/2006">
-    <mc:Choice xmlns:p14="http://schemas.microsoft.com/office/powerpoint/2010/main" Requires="p14">
+  <mc:AlternateContent xmlns:mc="http://schemas.openxmlformats.org/markup-compatibility/2006" xmlns:p14="http://schemas.microsoft.com/office/powerpoint/2010/main">
+    <mc:Choice Requires="p14">
       <p:transition p14:dur="300">
         <p:fade/>
       </p:transition>
     </mc:Choice>
-    <mc:Fallback>
+    <mc:Fallback xmlns="">
       <p:transition>
         <p:fade/>
       </p:transition>
@@ -23731,13 +23697,13 @@
   <p:clrMapOvr>
     <a:masterClrMapping/>
   </p:clrMapOvr>
-  <mc:AlternateContent xmlns:mc="http://schemas.openxmlformats.org/markup-compatibility/2006">
-    <mc:Choice xmlns:p14="http://schemas.microsoft.com/office/powerpoint/2010/main" Requires="p14">
+  <mc:AlternateContent xmlns:mc="http://schemas.openxmlformats.org/markup-compatibility/2006" xmlns:p14="http://schemas.microsoft.com/office/powerpoint/2010/main">
+    <mc:Choice Requires="p14">
       <p:transition p14:dur="300">
         <p:fade/>
       </p:transition>
     </mc:Choice>
-    <mc:Fallback>
+    <mc:Fallback xmlns="">
       <p:transition>
         <p:fade/>
       </p:transition>
@@ -23833,13 +23799,13 @@
   <p:clrMapOvr>
     <a:masterClrMapping/>
   </p:clrMapOvr>
-  <mc:AlternateContent xmlns:mc="http://schemas.openxmlformats.org/markup-compatibility/2006">
-    <mc:Choice xmlns:p14="http://schemas.microsoft.com/office/powerpoint/2010/main" Requires="p14">
+  <mc:AlternateContent xmlns:mc="http://schemas.openxmlformats.org/markup-compatibility/2006" xmlns:p14="http://schemas.microsoft.com/office/powerpoint/2010/main">
+    <mc:Choice Requires="p14">
       <p:transition p14:dur="300">
         <p:fade/>
       </p:transition>
     </mc:Choice>
-    <mc:Fallback>
+    <mc:Fallback xmlns="">
       <p:transition>
         <p:fade/>
       </p:transition>
@@ -23923,13 +23889,13 @@
   <p:clrMapOvr>
     <a:masterClrMapping/>
   </p:clrMapOvr>
-  <mc:AlternateContent xmlns:mc="http://schemas.openxmlformats.org/markup-compatibility/2006">
-    <mc:Choice xmlns:p14="http://schemas.microsoft.com/office/powerpoint/2010/main" Requires="p14">
+  <mc:AlternateContent xmlns:mc="http://schemas.openxmlformats.org/markup-compatibility/2006" xmlns:p14="http://schemas.microsoft.com/office/powerpoint/2010/main">
+    <mc:Choice Requires="p14">
       <p:transition p14:dur="300">
         <p:fade/>
       </p:transition>
     </mc:Choice>
-    <mc:Fallback>
+    <mc:Fallback xmlns="">
       <p:transition>
         <p:fade/>
       </p:transition>
@@ -24025,13 +23991,13 @@
   <p:clrMapOvr>
     <a:masterClrMapping/>
   </p:clrMapOvr>
-  <mc:AlternateContent xmlns:mc="http://schemas.openxmlformats.org/markup-compatibility/2006">
-    <mc:Choice xmlns:p14="http://schemas.microsoft.com/office/powerpoint/2010/main" Requires="p14">
+  <mc:AlternateContent xmlns:mc="http://schemas.openxmlformats.org/markup-compatibility/2006" xmlns:p14="http://schemas.microsoft.com/office/powerpoint/2010/main">
+    <mc:Choice Requires="p14">
       <p:transition p14:dur="300">
         <p:fade/>
       </p:transition>
     </mc:Choice>
-    <mc:Fallback>
+    <mc:Fallback xmlns="">
       <p:transition>
         <p:fade/>
       </p:transition>
@@ -24127,13 +24093,13 @@
   <p:clrMapOvr>
     <a:masterClrMapping/>
   </p:clrMapOvr>
-  <mc:AlternateContent xmlns:mc="http://schemas.openxmlformats.org/markup-compatibility/2006">
-    <mc:Choice xmlns:p14="http://schemas.microsoft.com/office/powerpoint/2010/main" Requires="p14">
+  <mc:AlternateContent xmlns:mc="http://schemas.openxmlformats.org/markup-compatibility/2006" xmlns:p14="http://schemas.microsoft.com/office/powerpoint/2010/main">
+    <mc:Choice Requires="p14">
       <p:transition p14:dur="300">
         <p:fade/>
       </p:transition>
     </mc:Choice>
-    <mc:Fallback>
+    <mc:Fallback xmlns="">
       <p:transition>
         <p:fade/>
       </p:transition>
@@ -24229,13 +24195,13 @@
   <p:clrMapOvr>
     <a:masterClrMapping/>
   </p:clrMapOvr>
-  <mc:AlternateContent xmlns:mc="http://schemas.openxmlformats.org/markup-compatibility/2006">
-    <mc:Choice xmlns:p14="http://schemas.microsoft.com/office/powerpoint/2010/main" Requires="p14">
+  <mc:AlternateContent xmlns:mc="http://schemas.openxmlformats.org/markup-compatibility/2006" xmlns:p14="http://schemas.microsoft.com/office/powerpoint/2010/main">
+    <mc:Choice Requires="p14">
       <p:transition p14:dur="300">
         <p:fade/>
       </p:transition>
     </mc:Choice>
-    <mc:Fallback>
+    <mc:Fallback xmlns="">
       <p:transition>
         <p:fade/>
       </p:transition>
@@ -24331,13 +24297,13 @@
   <p:clrMapOvr>
     <a:masterClrMapping/>
   </p:clrMapOvr>
-  <mc:AlternateContent xmlns:mc="http://schemas.openxmlformats.org/markup-compatibility/2006">
-    <mc:Choice xmlns:p14="http://schemas.microsoft.com/office/powerpoint/2010/main" Requires="p14">
+  <mc:AlternateContent xmlns:mc="http://schemas.openxmlformats.org/markup-compatibility/2006" xmlns:p14="http://schemas.microsoft.com/office/powerpoint/2010/main">
+    <mc:Choice Requires="p14">
       <p:transition p14:dur="300">
         <p:fade/>
       </p:transition>
     </mc:Choice>
-    <mc:Fallback>
+    <mc:Fallback xmlns="">
       <p:transition>
         <p:fade/>
       </p:transition>
@@ -24437,13 +24403,13 @@
   <p:clrMapOvr>
     <a:masterClrMapping/>
   </p:clrMapOvr>
-  <mc:AlternateContent xmlns:mc="http://schemas.openxmlformats.org/markup-compatibility/2006">
-    <mc:Choice xmlns:p14="http://schemas.microsoft.com/office/powerpoint/2010/main" Requires="p14">
+  <mc:AlternateContent xmlns:mc="http://schemas.openxmlformats.org/markup-compatibility/2006" xmlns:p14="http://schemas.microsoft.com/office/powerpoint/2010/main">
+    <mc:Choice Requires="p14">
       <p:transition p14:dur="300">
         <p:fade/>
       </p:transition>
     </mc:Choice>
-    <mc:Fallback>
+    <mc:Fallback xmlns="">
       <p:transition>
         <p:fade/>
       </p:transition>
@@ -24539,13 +24505,13 @@
   <p:clrMapOvr>
     <a:masterClrMapping/>
   </p:clrMapOvr>
-  <mc:AlternateContent xmlns:mc="http://schemas.openxmlformats.org/markup-compatibility/2006">
-    <mc:Choice xmlns:p14="http://schemas.microsoft.com/office/powerpoint/2010/main" Requires="p14">
+  <mc:AlternateContent xmlns:mc="http://schemas.openxmlformats.org/markup-compatibility/2006" xmlns:p14="http://schemas.microsoft.com/office/powerpoint/2010/main">
+    <mc:Choice Requires="p14">
       <p:transition p14:dur="300">
         <p:fade/>
       </p:transition>
     </mc:Choice>
-    <mc:Fallback>
+    <mc:Fallback xmlns="">
       <p:transition>
         <p:fade/>
       </p:transition>
@@ -24641,13 +24607,13 @@
   <p:clrMapOvr>
     <a:masterClrMapping/>
   </p:clrMapOvr>
-  <mc:AlternateContent xmlns:mc="http://schemas.openxmlformats.org/markup-compatibility/2006">
-    <mc:Choice xmlns:p14="http://schemas.microsoft.com/office/powerpoint/2010/main" Requires="p14">
+  <mc:AlternateContent xmlns:mc="http://schemas.openxmlformats.org/markup-compatibility/2006" xmlns:p14="http://schemas.microsoft.com/office/powerpoint/2010/main">
+    <mc:Choice Requires="p14">
       <p:transition p14:dur="300">
         <p:fade/>
       </p:transition>
     </mc:Choice>
-    <mc:Fallback>
+    <mc:Fallback xmlns="">
       <p:transition>
         <p:fade/>
       </p:transition>
@@ -24747,13 +24713,13 @@
   <p:clrMapOvr>
     <a:masterClrMapping/>
   </p:clrMapOvr>
-  <mc:AlternateContent xmlns:mc="http://schemas.openxmlformats.org/markup-compatibility/2006">
-    <mc:Choice xmlns:p14="http://schemas.microsoft.com/office/powerpoint/2010/main" Requires="p14">
+  <mc:AlternateContent xmlns:mc="http://schemas.openxmlformats.org/markup-compatibility/2006" xmlns:p14="http://schemas.microsoft.com/office/powerpoint/2010/main">
+    <mc:Choice Requires="p14">
       <p:transition p14:dur="300">
         <p:fade/>
       </p:transition>
     </mc:Choice>
-    <mc:Fallback>
+    <mc:Fallback xmlns="">
       <p:transition>
         <p:fade/>
       </p:transition>
@@ -24849,13 +24815,13 @@
   <p:clrMapOvr>
     <a:masterClrMapping/>
   </p:clrMapOvr>
-  <mc:AlternateContent xmlns:mc="http://schemas.openxmlformats.org/markup-compatibility/2006">
-    <mc:Choice xmlns:p14="http://schemas.microsoft.com/office/powerpoint/2010/main" Requires="p14">
+  <mc:AlternateContent xmlns:mc="http://schemas.openxmlformats.org/markup-compatibility/2006" xmlns:p14="http://schemas.microsoft.com/office/powerpoint/2010/main">
+    <mc:Choice Requires="p14">
       <p:transition p14:dur="300">
         <p:fade/>
       </p:transition>
     </mc:Choice>
-    <mc:Fallback>
+    <mc:Fallback xmlns="">
       <p:transition>
         <p:fade/>
       </p:transition>
@@ -24951,13 +24917,13 @@
   <p:clrMapOvr>
     <a:masterClrMapping/>
   </p:clrMapOvr>
-  <mc:AlternateContent xmlns:mc="http://schemas.openxmlformats.org/markup-compatibility/2006">
-    <mc:Choice xmlns:p14="http://schemas.microsoft.com/office/powerpoint/2010/main" Requires="p14">
+  <mc:AlternateContent xmlns:mc="http://schemas.openxmlformats.org/markup-compatibility/2006" xmlns:p14="http://schemas.microsoft.com/office/powerpoint/2010/main">
+    <mc:Choice Requires="p14">
       <p:transition p14:dur="300">
         <p:fade/>
       </p:transition>
     </mc:Choice>
-    <mc:Fallback>
+    <mc:Fallback xmlns="">
       <p:transition>
         <p:fade/>
       </p:transition>
@@ -25041,13 +25007,13 @@
   <p:clrMapOvr>
     <a:masterClrMapping/>
   </p:clrMapOvr>
-  <mc:AlternateContent xmlns:mc="http://schemas.openxmlformats.org/markup-compatibility/2006">
-    <mc:Choice xmlns:p14="http://schemas.microsoft.com/office/powerpoint/2010/main" Requires="p14">
+  <mc:AlternateContent xmlns:mc="http://schemas.openxmlformats.org/markup-compatibility/2006" xmlns:p14="http://schemas.microsoft.com/office/powerpoint/2010/main">
+    <mc:Choice Requires="p14">
       <p:transition p14:dur="300">
         <p:fade/>
       </p:transition>
     </mc:Choice>
-    <mc:Fallback>
+    <mc:Fallback xmlns="">
       <p:transition>
         <p:fade/>
       </p:transition>
@@ -25151,13 +25117,13 @@
   <p:clrMapOvr>
     <a:masterClrMapping/>
   </p:clrMapOvr>
-  <mc:AlternateContent xmlns:mc="http://schemas.openxmlformats.org/markup-compatibility/2006">
-    <mc:Choice xmlns:p14="http://schemas.microsoft.com/office/powerpoint/2010/main" Requires="p14">
+  <mc:AlternateContent xmlns:mc="http://schemas.openxmlformats.org/markup-compatibility/2006" xmlns:p14="http://schemas.microsoft.com/office/powerpoint/2010/main">
+    <mc:Choice Requires="p14">
       <p:transition p14:dur="300">
         <p:fade/>
       </p:transition>
     </mc:Choice>
-    <mc:Fallback>
+    <mc:Fallback xmlns="">
       <p:transition>
         <p:fade/>
       </p:transition>
@@ -25253,13 +25219,13 @@
   <p:clrMapOvr>
     <a:masterClrMapping/>
   </p:clrMapOvr>
-  <mc:AlternateContent xmlns:mc="http://schemas.openxmlformats.org/markup-compatibility/2006">
-    <mc:Choice xmlns:p14="http://schemas.microsoft.com/office/powerpoint/2010/main" Requires="p14">
+  <mc:AlternateContent xmlns:mc="http://schemas.openxmlformats.org/markup-compatibility/2006" xmlns:p14="http://schemas.microsoft.com/office/powerpoint/2010/main">
+    <mc:Choice Requires="p14">
       <p:transition p14:dur="300">
         <p:fade/>
       </p:transition>
     </mc:Choice>
-    <mc:Fallback>
+    <mc:Fallback xmlns="">
       <p:transition>
         <p:fade/>
       </p:transition>
@@ -25355,13 +25321,13 @@
   <p:clrMapOvr>
     <a:masterClrMapping/>
   </p:clrMapOvr>
-  <mc:AlternateContent xmlns:mc="http://schemas.openxmlformats.org/markup-compatibility/2006">
-    <mc:Choice xmlns:p14="http://schemas.microsoft.com/office/powerpoint/2010/main" Requires="p14">
+  <mc:AlternateContent xmlns:mc="http://schemas.openxmlformats.org/markup-compatibility/2006" xmlns:p14="http://schemas.microsoft.com/office/powerpoint/2010/main">
+    <mc:Choice Requires="p14">
       <p:transition p14:dur="300">
         <p:fade/>
       </p:transition>
     </mc:Choice>
-    <mc:Fallback>
+    <mc:Fallback xmlns="">
       <p:transition>
         <p:fade/>
       </p:transition>
@@ -25457,13 +25423,13 @@
   <p:clrMapOvr>
     <a:masterClrMapping/>
   </p:clrMapOvr>
-  <mc:AlternateContent xmlns:mc="http://schemas.openxmlformats.org/markup-compatibility/2006">
-    <mc:Choice xmlns:p14="http://schemas.microsoft.com/office/powerpoint/2010/main" Requires="p14">
+  <mc:AlternateContent xmlns:mc="http://schemas.openxmlformats.org/markup-compatibility/2006" xmlns:p14="http://schemas.microsoft.com/office/powerpoint/2010/main">
+    <mc:Choice Requires="p14">
       <p:transition p14:dur="300">
         <p:fade/>
       </p:transition>
     </mc:Choice>
-    <mc:Fallback>
+    <mc:Fallback xmlns="">
       <p:transition>
         <p:fade/>
       </p:transition>
@@ -25567,13 +25533,13 @@
   <p:clrMapOvr>
     <a:masterClrMapping/>
   </p:clrMapOvr>
-  <mc:AlternateContent xmlns:mc="http://schemas.openxmlformats.org/markup-compatibility/2006">
-    <mc:Choice xmlns:p14="http://schemas.microsoft.com/office/powerpoint/2010/main" Requires="p14">
+  <mc:AlternateContent xmlns:mc="http://schemas.openxmlformats.org/markup-compatibility/2006" xmlns:p14="http://schemas.microsoft.com/office/powerpoint/2010/main">
+    <mc:Choice Requires="p14">
       <p:transition p14:dur="300">
         <p:fade/>
       </p:transition>
     </mc:Choice>
-    <mc:Fallback>
+    <mc:Fallback xmlns="">
       <p:transition>
         <p:fade/>
       </p:transition>
@@ -25685,13 +25651,13 @@
   <p:clrMapOvr>
     <a:masterClrMapping/>
   </p:clrMapOvr>
-  <mc:AlternateContent xmlns:mc="http://schemas.openxmlformats.org/markup-compatibility/2006">
-    <mc:Choice xmlns:p14="http://schemas.microsoft.com/office/powerpoint/2010/main" Requires="p14">
+  <mc:AlternateContent xmlns:mc="http://schemas.openxmlformats.org/markup-compatibility/2006" xmlns:p14="http://schemas.microsoft.com/office/powerpoint/2010/main">
+    <mc:Choice Requires="p14">
       <p:transition p14:dur="300">
         <p:fade/>
       </p:transition>
     </mc:Choice>
-    <mc:Fallback>
+    <mc:Fallback xmlns="">
       <p:transition>
         <p:fade/>
       </p:transition>
@@ -25775,13 +25741,13 @@
   <p:clrMapOvr>
     <a:masterClrMapping/>
   </p:clrMapOvr>
-  <mc:AlternateContent xmlns:mc="http://schemas.openxmlformats.org/markup-compatibility/2006">
-    <mc:Choice xmlns:p14="http://schemas.microsoft.com/office/powerpoint/2010/main" Requires="p14">
+  <mc:AlternateContent xmlns:mc="http://schemas.openxmlformats.org/markup-compatibility/2006" xmlns:p14="http://schemas.microsoft.com/office/powerpoint/2010/main">
+    <mc:Choice Requires="p14">
       <p:transition p14:dur="300">
         <p:fade/>
       </p:transition>
     </mc:Choice>
-    <mc:Fallback>
+    <mc:Fallback xmlns="">
       <p:transition>
         <p:fade/>
       </p:transition>
@@ -25857,13 +25823,13 @@
   <p:clrMapOvr>
     <a:masterClrMapping/>
   </p:clrMapOvr>
-  <mc:AlternateContent xmlns:mc="http://schemas.openxmlformats.org/markup-compatibility/2006">
-    <mc:Choice xmlns:p14="http://schemas.microsoft.com/office/powerpoint/2010/main" Requires="p14">
+  <mc:AlternateContent xmlns:mc="http://schemas.openxmlformats.org/markup-compatibility/2006" xmlns:p14="http://schemas.microsoft.com/office/powerpoint/2010/main">
+    <mc:Choice Requires="p14">
       <p:transition p14:dur="300">
         <p:fade/>
       </p:transition>
     </mc:Choice>
-    <mc:Fallback>
+    <mc:Fallback xmlns="">
       <p:transition>
         <p:fade/>
       </p:transition>
@@ -25959,13 +25925,13 @@
   <p:clrMapOvr>
     <a:masterClrMapping/>
   </p:clrMapOvr>
-  <mc:AlternateContent xmlns:mc="http://schemas.openxmlformats.org/markup-compatibility/2006">
-    <mc:Choice xmlns:p14="http://schemas.microsoft.com/office/powerpoint/2010/main" Requires="p14">
+  <mc:AlternateContent xmlns:mc="http://schemas.openxmlformats.org/markup-compatibility/2006" xmlns:p14="http://schemas.microsoft.com/office/powerpoint/2010/main">
+    <mc:Choice Requires="p14">
       <p:transition p14:dur="300">
         <p:fade/>
       </p:transition>
     </mc:Choice>
-    <mc:Fallback>
+    <mc:Fallback xmlns="">
       <p:transition>
         <p:fade/>
       </p:transition>
@@ -26053,13 +26019,13 @@
   <p:clrMapOvr>
     <a:masterClrMapping/>
   </p:clrMapOvr>
-  <mc:AlternateContent xmlns:mc="http://schemas.openxmlformats.org/markup-compatibility/2006">
-    <mc:Choice xmlns:p14="http://schemas.microsoft.com/office/powerpoint/2010/main" Requires="p14">
+  <mc:AlternateContent xmlns:mc="http://schemas.openxmlformats.org/markup-compatibility/2006" xmlns:p14="http://schemas.microsoft.com/office/powerpoint/2010/main">
+    <mc:Choice Requires="p14">
       <p:transition p14:dur="300">
         <p:fade/>
       </p:transition>
     </mc:Choice>
-    <mc:Fallback>
+    <mc:Fallback xmlns="">
       <p:transition>
         <p:fade/>
       </p:transition>
@@ -26135,13 +26101,13 @@
   <p:clrMapOvr>
     <a:masterClrMapping/>
   </p:clrMapOvr>
-  <mc:AlternateContent xmlns:mc="http://schemas.openxmlformats.org/markup-compatibility/2006">
-    <mc:Choice xmlns:p14="http://schemas.microsoft.com/office/powerpoint/2010/main" Requires="p14">
+  <mc:AlternateContent xmlns:mc="http://schemas.openxmlformats.org/markup-compatibility/2006" xmlns:p14="http://schemas.microsoft.com/office/powerpoint/2010/main">
+    <mc:Choice Requires="p14">
       <p:transition p14:dur="300">
         <p:fade/>
       </p:transition>
     </mc:Choice>
-    <mc:Fallback>
+    <mc:Fallback xmlns="">
       <p:transition>
         <p:fade/>
       </p:transition>
@@ -26225,13 +26191,13 @@
   <p:clrMapOvr>
     <a:masterClrMapping/>
   </p:clrMapOvr>
-  <mc:AlternateContent xmlns:mc="http://schemas.openxmlformats.org/markup-compatibility/2006">
-    <mc:Choice xmlns:p14="http://schemas.microsoft.com/office/powerpoint/2010/main" Requires="p14">
+  <mc:AlternateContent xmlns:mc="http://schemas.openxmlformats.org/markup-compatibility/2006" xmlns:p14="http://schemas.microsoft.com/office/powerpoint/2010/main">
+    <mc:Choice Requires="p14">
       <p:transition p14:dur="300">
         <p:fade/>
       </p:transition>
     </mc:Choice>
-    <mc:Fallback>
+    <mc:Fallback xmlns="">
       <p:transition>
         <p:fade/>
       </p:transition>
@@ -26327,13 +26293,13 @@
   <p:clrMapOvr>
     <a:masterClrMapping/>
   </p:clrMapOvr>
-  <mc:AlternateContent xmlns:mc="http://schemas.openxmlformats.org/markup-compatibility/2006">
-    <mc:Choice xmlns:p14="http://schemas.microsoft.com/office/powerpoint/2010/main" Requires="p14">
+  <mc:AlternateContent xmlns:mc="http://schemas.openxmlformats.org/markup-compatibility/2006" xmlns:p14="http://schemas.microsoft.com/office/powerpoint/2010/main">
+    <mc:Choice Requires="p14">
       <p:transition p14:dur="300">
         <p:fade/>
       </p:transition>
     </mc:Choice>
-    <mc:Fallback>
+    <mc:Fallback xmlns="">
       <p:transition>
         <p:fade/>
       </p:transition>
@@ -26417,13 +26383,13 @@
   <p:clrMapOvr>
     <a:masterClrMapping/>
   </p:clrMapOvr>
-  <mc:AlternateContent xmlns:mc="http://schemas.openxmlformats.org/markup-compatibility/2006">
-    <mc:Choice xmlns:p14="http://schemas.microsoft.com/office/powerpoint/2010/main" Requires="p14">
+  <mc:AlternateContent xmlns:mc="http://schemas.openxmlformats.org/markup-compatibility/2006" xmlns:p14="http://schemas.microsoft.com/office/powerpoint/2010/main">
+    <mc:Choice Requires="p14">
       <p:transition p14:dur="300">
         <p:fade/>
       </p:transition>
     </mc:Choice>
-    <mc:Fallback>
+    <mc:Fallback xmlns="">
       <p:transition>
         <p:fade/>
       </p:transition>
@@ -26499,13 +26465,13 @@
   <p:clrMapOvr>
     <a:masterClrMapping/>
   </p:clrMapOvr>
-  <mc:AlternateContent xmlns:mc="http://schemas.openxmlformats.org/markup-compatibility/2006">
-    <mc:Choice xmlns:p14="http://schemas.microsoft.com/office/powerpoint/2010/main" Requires="p14">
+  <mc:AlternateContent xmlns:mc="http://schemas.openxmlformats.org/markup-compatibility/2006" xmlns:p14="http://schemas.microsoft.com/office/powerpoint/2010/main">
+    <mc:Choice Requires="p14">
       <p:transition p14:dur="300">
         <p:fade/>
       </p:transition>
     </mc:Choice>
-    <mc:Fallback>
+    <mc:Fallback xmlns="">
       <p:transition>
         <p:fade/>
       </p:transition>
@@ -26592,13 +26558,13 @@
   <p:clrMapOvr>
     <a:masterClrMapping/>
   </p:clrMapOvr>
-  <mc:AlternateContent xmlns:mc="http://schemas.openxmlformats.org/markup-compatibility/2006">
-    <mc:Choice xmlns:p14="http://schemas.microsoft.com/office/powerpoint/2010/main" Requires="p14">
+  <mc:AlternateContent xmlns:mc="http://schemas.openxmlformats.org/markup-compatibility/2006" xmlns:p14="http://schemas.microsoft.com/office/powerpoint/2010/main">
+    <mc:Choice Requires="p14">
       <p:transition p14:dur="300">
         <p:fade/>
       </p:transition>
     </mc:Choice>
-    <mc:Fallback>
+    <mc:Fallback xmlns="">
       <p:transition>
         <p:fade/>
       </p:transition>
@@ -26674,13 +26640,13 @@
   <p:clrMapOvr>
     <a:masterClrMapping/>
   </p:clrMapOvr>
-  <mc:AlternateContent xmlns:mc="http://schemas.openxmlformats.org/markup-compatibility/2006">
-    <mc:Choice xmlns:p14="http://schemas.microsoft.com/office/powerpoint/2010/main" Requires="p14">
+  <mc:AlternateContent xmlns:mc="http://schemas.openxmlformats.org/markup-compatibility/2006" xmlns:p14="http://schemas.microsoft.com/office/powerpoint/2010/main">
+    <mc:Choice Requires="p14">
       <p:transition p14:dur="300">
         <p:fade/>
       </p:transition>
     </mc:Choice>
-    <mc:Fallback>
+    <mc:Fallback xmlns="">
       <p:transition>
         <p:fade/>
       </p:transition>
@@ -26756,13 +26722,13 @@
   <p:clrMapOvr>
     <a:masterClrMapping/>
   </p:clrMapOvr>
-  <mc:AlternateContent xmlns:mc="http://schemas.openxmlformats.org/markup-compatibility/2006">
-    <mc:Choice xmlns:p14="http://schemas.microsoft.com/office/powerpoint/2010/main" Requires="p14">
+  <mc:AlternateContent xmlns:mc="http://schemas.openxmlformats.org/markup-compatibility/2006" xmlns:p14="http://schemas.microsoft.com/office/powerpoint/2010/main">
+    <mc:Choice Requires="p14">
       <p:transition p14:dur="300">
         <p:fade/>
       </p:transition>
     </mc:Choice>
-    <mc:Fallback>
+    <mc:Fallback xmlns="">
       <p:transition>
         <p:fade/>
       </p:transition>
@@ -26838,13 +26804,13 @@
   <p:clrMapOvr>
     <a:masterClrMapping/>
   </p:clrMapOvr>
-  <mc:AlternateContent xmlns:mc="http://schemas.openxmlformats.org/markup-compatibility/2006">
-    <mc:Choice xmlns:p14="http://schemas.microsoft.com/office/powerpoint/2010/main" Requires="p14">
+  <mc:AlternateContent xmlns:mc="http://schemas.openxmlformats.org/markup-compatibility/2006" xmlns:p14="http://schemas.microsoft.com/office/powerpoint/2010/main">
+    <mc:Choice Requires="p14">
       <p:transition p14:dur="300">
         <p:fade/>
       </p:transition>
     </mc:Choice>
-    <mc:Fallback>
+    <mc:Fallback xmlns="">
       <p:transition>
         <p:fade/>
       </p:transition>
@@ -26920,13 +26886,13 @@
   <p:clrMapOvr>
     <a:masterClrMapping/>
   </p:clrMapOvr>
-  <mc:AlternateContent xmlns:mc="http://schemas.openxmlformats.org/markup-compatibility/2006">
-    <mc:Choice xmlns:p14="http://schemas.microsoft.com/office/powerpoint/2010/main" Requires="p14">
+  <mc:AlternateContent xmlns:mc="http://schemas.openxmlformats.org/markup-compatibility/2006" xmlns:p14="http://schemas.microsoft.com/office/powerpoint/2010/main">
+    <mc:Choice Requires="p14">
       <p:transition p14:dur="300">
         <p:fade/>
       </p:transition>
     </mc:Choice>
-    <mc:Fallback>
+    <mc:Fallback xmlns="">
       <p:transition>
         <p:fade/>
       </p:transition>
@@ -27002,13 +26968,13 @@
   <p:clrMapOvr>
     <a:masterClrMapping/>
   </p:clrMapOvr>
-  <mc:AlternateContent xmlns:mc="http://schemas.openxmlformats.org/markup-compatibility/2006">
-    <mc:Choice xmlns:p14="http://schemas.microsoft.com/office/powerpoint/2010/main" Requires="p14">
+  <mc:AlternateContent xmlns:mc="http://schemas.openxmlformats.org/markup-compatibility/2006" xmlns:p14="http://schemas.microsoft.com/office/powerpoint/2010/main">
+    <mc:Choice Requires="p14">
       <p:transition p14:dur="300">
         <p:fade/>
       </p:transition>
     </mc:Choice>
-    <mc:Fallback>
+    <mc:Fallback xmlns="">
       <p:transition>
         <p:fade/>
       </p:transition>
@@ -27084,13 +27050,13 @@
   <p:clrMapOvr>
     <a:masterClrMapping/>
   </p:clrMapOvr>
-  <mc:AlternateContent xmlns:mc="http://schemas.openxmlformats.org/markup-compatibility/2006">
-    <mc:Choice xmlns:p14="http://schemas.microsoft.com/office/powerpoint/2010/main" Requires="p14">
+  <mc:AlternateContent xmlns:mc="http://schemas.openxmlformats.org/markup-compatibility/2006" xmlns:p14="http://schemas.microsoft.com/office/powerpoint/2010/main">
+    <mc:Choice Requires="p14">
       <p:transition p14:dur="300">
         <p:fade/>
       </p:transition>
     </mc:Choice>
-    <mc:Fallback>
+    <mc:Fallback xmlns="">
       <p:transition>
         <p:fade/>
       </p:transition>
@@ -27166,13 +27132,13 @@
   <p:clrMapOvr>
     <a:masterClrMapping/>
   </p:clrMapOvr>
-  <mc:AlternateContent xmlns:mc="http://schemas.openxmlformats.org/markup-compatibility/2006">
-    <mc:Choice xmlns:p14="http://schemas.microsoft.com/office/powerpoint/2010/main" Requires="p14">
+  <mc:AlternateContent xmlns:mc="http://schemas.openxmlformats.org/markup-compatibility/2006" xmlns:p14="http://schemas.microsoft.com/office/powerpoint/2010/main">
+    <mc:Choice Requires="p14">
       <p:transition p14:dur="300">
         <p:fade/>
       </p:transition>
     </mc:Choice>
-    <mc:Fallback>
+    <mc:Fallback xmlns="">
       <p:transition>
         <p:fade/>
       </p:transition>
@@ -27248,13 +27214,13 @@
   <p:clrMapOvr>
     <a:masterClrMapping/>
   </p:clrMapOvr>
-  <mc:AlternateContent xmlns:mc="http://schemas.openxmlformats.org/markup-compatibility/2006">
-    <mc:Choice xmlns:p14="http://schemas.microsoft.com/office/powerpoint/2010/main" Requires="p14">
+  <mc:AlternateContent xmlns:mc="http://schemas.openxmlformats.org/markup-compatibility/2006" xmlns:p14="http://schemas.microsoft.com/office/powerpoint/2010/main">
+    <mc:Choice Requires="p14">
       <p:transition p14:dur="300">
         <p:fade/>
       </p:transition>
     </mc:Choice>
-    <mc:Fallback>
+    <mc:Fallback xmlns="">
       <p:transition>
         <p:fade/>
       </p:transition>
@@ -27330,13 +27296,13 @@
   <p:clrMapOvr>
     <a:masterClrMapping/>
   </p:clrMapOvr>
-  <mc:AlternateContent xmlns:mc="http://schemas.openxmlformats.org/markup-compatibility/2006">
-    <mc:Choice xmlns:p14="http://schemas.microsoft.com/office/powerpoint/2010/main" Requires="p14">
+  <mc:AlternateContent xmlns:mc="http://schemas.openxmlformats.org/markup-compatibility/2006" xmlns:p14="http://schemas.microsoft.com/office/powerpoint/2010/main">
+    <mc:Choice Requires="p14">
       <p:transition p14:dur="300">
         <p:fade/>
       </p:transition>
     </mc:Choice>
-    <mc:Fallback>
+    <mc:Fallback xmlns="">
       <p:transition>
         <p:fade/>
       </p:transition>
@@ -27412,13 +27378,13 @@
   <p:clrMapOvr>
     <a:masterClrMapping/>
   </p:clrMapOvr>
-  <mc:AlternateContent xmlns:mc="http://schemas.openxmlformats.org/markup-compatibility/2006">
-    <mc:Choice xmlns:p14="http://schemas.microsoft.com/office/powerpoint/2010/main" Requires="p14">
+  <mc:AlternateContent xmlns:mc="http://schemas.openxmlformats.org/markup-compatibility/2006" xmlns:p14="http://schemas.microsoft.com/office/powerpoint/2010/main">
+    <mc:Choice Requires="p14">
       <p:transition p14:dur="300">
         <p:fade/>
       </p:transition>
     </mc:Choice>
-    <mc:Fallback>
+    <mc:Fallback xmlns="">
       <p:transition>
         <p:fade/>
       </p:transition>
@@ -27494,13 +27460,13 @@
   <p:clrMapOvr>
     <a:masterClrMapping/>
   </p:clrMapOvr>
-  <mc:AlternateContent xmlns:mc="http://schemas.openxmlformats.org/markup-compatibility/2006">
-    <mc:Choice xmlns:p14="http://schemas.microsoft.com/office/powerpoint/2010/main" Requires="p14">
+  <mc:AlternateContent xmlns:mc="http://schemas.openxmlformats.org/markup-compatibility/2006" xmlns:p14="http://schemas.microsoft.com/office/powerpoint/2010/main">
+    <mc:Choice Requires="p14">
       <p:transition p14:dur="300">
         <p:fade/>
       </p:transition>
     </mc:Choice>
-    <mc:Fallback>
+    <mc:Fallback xmlns="">
       <p:transition>
         <p:fade/>
       </p:transition>
@@ -27576,13 +27542,13 @@
   <p:clrMapOvr>
     <a:masterClrMapping/>
   </p:clrMapOvr>
-  <mc:AlternateContent xmlns:mc="http://schemas.openxmlformats.org/markup-compatibility/2006">
-    <mc:Choice xmlns:p14="http://schemas.microsoft.com/office/powerpoint/2010/main" Requires="p14">
+  <mc:AlternateContent xmlns:mc="http://schemas.openxmlformats.org/markup-compatibility/2006" xmlns:p14="http://schemas.microsoft.com/office/powerpoint/2010/main">
+    <mc:Choice Requires="p14">
       <p:transition p14:dur="300">
         <p:fade/>
       </p:transition>
     </mc:Choice>
-    <mc:Fallback>
+    <mc:Fallback xmlns="">
       <p:transition>
         <p:fade/>
       </p:transition>
@@ -27658,13 +27624,13 @@
   <p:clrMapOvr>
     <a:masterClrMapping/>
   </p:clrMapOvr>
-  <mc:AlternateContent xmlns:mc="http://schemas.openxmlformats.org/markup-compatibility/2006">
-    <mc:Choice xmlns:p14="http://schemas.microsoft.com/office/powerpoint/2010/main" Requires="p14">
+  <mc:AlternateContent xmlns:mc="http://schemas.openxmlformats.org/markup-compatibility/2006" xmlns:p14="http://schemas.microsoft.com/office/powerpoint/2010/main">
+    <mc:Choice Requires="p14">
       <p:transition p14:dur="300">
         <p:fade/>
       </p:transition>
     </mc:Choice>
-    <mc:Fallback>
+    <mc:Fallback xmlns="">
       <p:transition>
         <p:fade/>
       </p:transition>
@@ -27744,13 +27710,13 @@
   <p:clrMapOvr>
     <a:masterClrMapping/>
   </p:clrMapOvr>
-  <mc:AlternateContent xmlns:mc="http://schemas.openxmlformats.org/markup-compatibility/2006">
-    <mc:Choice xmlns:p14="http://schemas.microsoft.com/office/powerpoint/2010/main" Requires="p14">
+  <mc:AlternateContent xmlns:mc="http://schemas.openxmlformats.org/markup-compatibility/2006" xmlns:p14="http://schemas.microsoft.com/office/powerpoint/2010/main">
+    <mc:Choice Requires="p14">
       <p:transition p14:dur="300">
         <p:fade/>
       </p:transition>
     </mc:Choice>
-    <mc:Fallback>
+    <mc:Fallback xmlns="">
       <p:transition>
         <p:fade/>
       </p:transition>
@@ -27826,13 +27792,13 @@
   <p:clrMapOvr>
     <a:masterClrMapping/>
   </p:clrMapOvr>
-  <mc:AlternateContent xmlns:mc="http://schemas.openxmlformats.org/markup-compatibility/2006">
-    <mc:Choice xmlns:p14="http://schemas.microsoft.com/office/powerpoint/2010/main" Requires="p14">
+  <mc:AlternateContent xmlns:mc="http://schemas.openxmlformats.org/markup-compatibility/2006" xmlns:p14="http://schemas.microsoft.com/office/powerpoint/2010/main">
+    <mc:Choice Requires="p14">
       <p:transition p14:dur="300">
         <p:fade/>
       </p:transition>
     </mc:Choice>
-    <mc:Fallback>
+    <mc:Fallback xmlns="">
       <p:transition>
         <p:fade/>
       </p:transition>
@@ -27920,13 +27886,13 @@
   <p:clrMapOvr>
     <a:masterClrMapping/>
   </p:clrMapOvr>
-  <mc:AlternateContent xmlns:mc="http://schemas.openxmlformats.org/markup-compatibility/2006">
-    <mc:Choice xmlns:p14="http://schemas.microsoft.com/office/powerpoint/2010/main" Requires="p14">
+  <mc:AlternateContent xmlns:mc="http://schemas.openxmlformats.org/markup-compatibility/2006" xmlns:p14="http://schemas.microsoft.com/office/powerpoint/2010/main">
+    <mc:Choice Requires="p14">
       <p:transition p14:dur="300">
         <p:fade/>
       </p:transition>
     </mc:Choice>
-    <mc:Fallback>
+    <mc:Fallback xmlns="">
       <p:transition>
         <p:fade/>
       </p:transition>
@@ -28002,13 +27968,13 @@
   <p:clrMapOvr>
     <a:masterClrMapping/>
   </p:clrMapOvr>
-  <mc:AlternateContent xmlns:mc="http://schemas.openxmlformats.org/markup-compatibility/2006">
-    <mc:Choice xmlns:p14="http://schemas.microsoft.com/office/powerpoint/2010/main" Requires="p14">
+  <mc:AlternateContent xmlns:mc="http://schemas.openxmlformats.org/markup-compatibility/2006" xmlns:p14="http://schemas.microsoft.com/office/powerpoint/2010/main">
+    <mc:Choice Requires="p14">
       <p:transition p14:dur="300">
         <p:fade/>
       </p:transition>
     </mc:Choice>
-    <mc:Fallback>
+    <mc:Fallback xmlns="">
       <p:transition>
         <p:fade/>
       </p:transition>
@@ -28084,13 +28050,13 @@
   <p:clrMapOvr>
     <a:masterClrMapping/>
   </p:clrMapOvr>
-  <mc:AlternateContent xmlns:mc="http://schemas.openxmlformats.org/markup-compatibility/2006">
-    <mc:Choice xmlns:p14="http://schemas.microsoft.com/office/powerpoint/2010/main" Requires="p14">
+  <mc:AlternateContent xmlns:mc="http://schemas.openxmlformats.org/markup-compatibility/2006" xmlns:p14="http://schemas.microsoft.com/office/powerpoint/2010/main">
+    <mc:Choice Requires="p14">
       <p:transition p14:dur="300">
         <p:fade/>
       </p:transition>
     </mc:Choice>
-    <mc:Fallback>
+    <mc:Fallback xmlns="">
       <p:transition>
         <p:fade/>
       </p:transition>
@@ -28186,13 +28152,13 @@
   <p:clrMapOvr>
     <a:masterClrMapping/>
   </p:clrMapOvr>
-  <mc:AlternateContent xmlns:mc="http://schemas.openxmlformats.org/markup-compatibility/2006">
-    <mc:Choice xmlns:p14="http://schemas.microsoft.com/office/powerpoint/2010/main" Requires="p14">
+  <mc:AlternateContent xmlns:mc="http://schemas.openxmlformats.org/markup-compatibility/2006" xmlns:p14="http://schemas.microsoft.com/office/powerpoint/2010/main">
+    <mc:Choice Requires="p14">
       <p:transition p14:dur="300">
         <p:fade/>
       </p:transition>
     </mc:Choice>
-    <mc:Fallback>
+    <mc:Fallback xmlns="">
       <p:transition>
         <p:fade/>
       </p:transition>
@@ -28276,13 +28242,13 @@
   <p:clrMapOvr>
     <a:masterClrMapping/>
   </p:clrMapOvr>
-  <mc:AlternateContent xmlns:mc="http://schemas.openxmlformats.org/markup-compatibility/2006">
-    <mc:Choice xmlns:p14="http://schemas.microsoft.com/office/powerpoint/2010/main" Requires="p14">
+  <mc:AlternateContent xmlns:mc="http://schemas.openxmlformats.org/markup-compatibility/2006" xmlns:p14="http://schemas.microsoft.com/office/powerpoint/2010/main">
+    <mc:Choice Requires="p14">
       <p:transition p14:dur="300">
         <p:fade/>
       </p:transition>
     </mc:Choice>
-    <mc:Fallback>
+    <mc:Fallback xmlns="">
       <p:transition>
         <p:fade/>
       </p:transition>
@@ -28366,13 +28332,13 @@
   <p:clrMapOvr>
     <a:masterClrMapping/>
   </p:clrMapOvr>
-  <mc:AlternateContent xmlns:mc="http://schemas.openxmlformats.org/markup-compatibility/2006">
-    <mc:Choice xmlns:p14="http://schemas.microsoft.com/office/powerpoint/2010/main" Requires="p14">
+  <mc:AlternateContent xmlns:mc="http://schemas.openxmlformats.org/markup-compatibility/2006" xmlns:p14="http://schemas.microsoft.com/office/powerpoint/2010/main">
+    <mc:Choice Requires="p14">
       <p:transition p14:dur="300">
         <p:fade/>
       </p:transition>
     </mc:Choice>
-    <mc:Fallback>
+    <mc:Fallback xmlns="">
       <p:transition>
         <p:fade/>
       </p:transition>
@@ -28456,13 +28422,13 @@
   <p:clrMapOvr>
     <a:masterClrMapping/>
   </p:clrMapOvr>
-  <mc:AlternateContent xmlns:mc="http://schemas.openxmlformats.org/markup-compatibility/2006">
-    <mc:Choice xmlns:p14="http://schemas.microsoft.com/office/powerpoint/2010/main" Requires="p14">
+  <mc:AlternateContent xmlns:mc="http://schemas.openxmlformats.org/markup-compatibility/2006" xmlns:p14="http://schemas.microsoft.com/office/powerpoint/2010/main">
+    <mc:Choice Requires="p14">
       <p:transition p14:dur="300">
         <p:fade/>
       </p:transition>
     </mc:Choice>
-    <mc:Fallback>
+    <mc:Fallback xmlns="">
       <p:transition>
         <p:fade/>
       </p:transition>
@@ -28538,13 +28504,13 @@
   <p:clrMapOvr>
     <a:masterClrMapping/>
   </p:clrMapOvr>
-  <mc:AlternateContent xmlns:mc="http://schemas.openxmlformats.org/markup-compatibility/2006">
-    <mc:Choice xmlns:p14="http://schemas.microsoft.com/office/powerpoint/2010/main" Requires="p14">
+  <mc:AlternateContent xmlns:mc="http://schemas.openxmlformats.org/markup-compatibility/2006" xmlns:p14="http://schemas.microsoft.com/office/powerpoint/2010/main">
+    <mc:Choice Requires="p14">
       <p:transition p14:dur="300">
         <p:fade/>
       </p:transition>
     </mc:Choice>
-    <mc:Fallback>
+    <mc:Fallback xmlns="">
       <p:transition>
         <p:fade/>
       </p:transition>
@@ -28624,13 +28590,13 @@
   <p:clrMapOvr>
     <a:masterClrMapping/>
   </p:clrMapOvr>
-  <mc:AlternateContent xmlns:mc="http://schemas.openxmlformats.org/markup-compatibility/2006">
-    <mc:Choice xmlns:p14="http://schemas.microsoft.com/office/powerpoint/2010/main" Requires="p14">
+  <mc:AlternateContent xmlns:mc="http://schemas.openxmlformats.org/markup-compatibility/2006" xmlns:p14="http://schemas.microsoft.com/office/powerpoint/2010/main">
+    <mc:Choice Requires="p14">
       <p:transition p14:dur="300">
         <p:fade/>
       </p:transition>
     </mc:Choice>
-    <mc:Fallback>
+    <mc:Fallback xmlns="">
       <p:transition>
         <p:fade/>
       </p:transition>
@@ -28713,13 +28679,13 @@
   <p:clrMapOvr>
     <a:masterClrMapping/>
   </p:clrMapOvr>
-  <mc:AlternateContent xmlns:mc="http://schemas.openxmlformats.org/markup-compatibility/2006">
-    <mc:Choice xmlns:p14="http://schemas.microsoft.com/office/powerpoint/2010/main" Requires="p14">
+  <mc:AlternateContent xmlns:mc="http://schemas.openxmlformats.org/markup-compatibility/2006" xmlns:p14="http://schemas.microsoft.com/office/powerpoint/2010/main">
+    <mc:Choice Requires="p14">
       <p:transition p14:dur="300">
         <p:fade/>
       </p:transition>
     </mc:Choice>
-    <mc:Fallback>
+    <mc:Fallback xmlns="">
       <p:transition>
         <p:fade/>
       </p:transition>
@@ -28803,13 +28769,13 @@
   <p:clrMapOvr>
     <a:masterClrMapping/>
   </p:clrMapOvr>
-  <mc:AlternateContent xmlns:mc="http://schemas.openxmlformats.org/markup-compatibility/2006">
-    <mc:Choice xmlns:p14="http://schemas.microsoft.com/office/powerpoint/2010/main" Requires="p14">
+  <mc:AlternateContent xmlns:mc="http://schemas.openxmlformats.org/markup-compatibility/2006" xmlns:p14="http://schemas.microsoft.com/office/powerpoint/2010/main">
+    <mc:Choice Requires="p14">
       <p:transition p14:dur="300">
         <p:fade/>
       </p:transition>
     </mc:Choice>
-    <mc:Fallback>
+    <mc:Fallback xmlns="">
       <p:transition>
         <p:fade/>
       </p:transition>
@@ -28889,13 +28855,13 @@
   <p:clrMapOvr>
     <a:masterClrMapping/>
   </p:clrMapOvr>
-  <mc:AlternateContent xmlns:mc="http://schemas.openxmlformats.org/markup-compatibility/2006">
-    <mc:Choice xmlns:p14="http://schemas.microsoft.com/office/powerpoint/2010/main" Requires="p14">
+  <mc:AlternateContent xmlns:mc="http://schemas.openxmlformats.org/markup-compatibility/2006" xmlns:p14="http://schemas.microsoft.com/office/powerpoint/2010/main">
+    <mc:Choice Requires="p14">
       <p:transition p14:dur="300">
         <p:fade/>
       </p:transition>
     </mc:Choice>
-    <mc:Fallback>
+    <mc:Fallback xmlns="">
       <p:transition>
         <p:fade/>
       </p:transition>
@@ -28971,13 +28937,13 @@
   <p:clrMapOvr>
     <a:masterClrMapping/>
   </p:clrMapOvr>
-  <mc:AlternateContent xmlns:mc="http://schemas.openxmlformats.org/markup-compatibility/2006">
-    <mc:Choice xmlns:p14="http://schemas.microsoft.com/office/powerpoint/2010/main" Requires="p14">
+  <mc:AlternateContent xmlns:mc="http://schemas.openxmlformats.org/markup-compatibility/2006" xmlns:p14="http://schemas.microsoft.com/office/powerpoint/2010/main">
+    <mc:Choice Requires="p14">
       <p:transition p14:dur="300">
         <p:fade/>
       </p:transition>
     </mc:Choice>
-    <mc:Fallback>
+    <mc:Fallback xmlns="">
       <p:transition>
         <p:fade/>
       </p:transition>
@@ -29061,13 +29027,13 @@
   <p:clrMapOvr>
     <a:masterClrMapping/>
   </p:clrMapOvr>
-  <mc:AlternateContent xmlns:mc="http://schemas.openxmlformats.org/markup-compatibility/2006">
-    <mc:Choice xmlns:p14="http://schemas.microsoft.com/office/powerpoint/2010/main" Requires="p14">
+  <mc:AlternateContent xmlns:mc="http://schemas.openxmlformats.org/markup-compatibility/2006" xmlns:p14="http://schemas.microsoft.com/office/powerpoint/2010/main">
+    <mc:Choice Requires="p14">
       <p:transition p14:dur="300">
         <p:fade/>
       </p:transition>
     </mc:Choice>
-    <mc:Fallback>
+    <mc:Fallback xmlns="">
       <p:transition>
         <p:fade/>
       </p:transition>
@@ -29143,13 +29109,13 @@
   <p:clrMapOvr>
     <a:masterClrMapping/>
   </p:clrMapOvr>
-  <mc:AlternateContent xmlns:mc="http://schemas.openxmlformats.org/markup-compatibility/2006">
-    <mc:Choice xmlns:p14="http://schemas.microsoft.com/office/powerpoint/2010/main" Requires="p14">
+  <mc:AlternateContent xmlns:mc="http://schemas.openxmlformats.org/markup-compatibility/2006" xmlns:p14="http://schemas.microsoft.com/office/powerpoint/2010/main">
+    <mc:Choice Requires="p14">
       <p:transition p14:dur="300">
         <p:fade/>
       </p:transition>
     </mc:Choice>
-    <mc:Fallback>
+    <mc:Fallback xmlns="">
       <p:transition>
         <p:fade/>
       </p:transition>
@@ -29237,13 +29203,13 @@
   <p:clrMapOvr>
     <a:masterClrMapping/>
   </p:clrMapOvr>
-  <mc:AlternateContent xmlns:mc="http://schemas.openxmlformats.org/markup-compatibility/2006">
-    <mc:Choice xmlns:p14="http://schemas.microsoft.com/office/powerpoint/2010/main" Requires="p14">
+  <mc:AlternateContent xmlns:mc="http://schemas.openxmlformats.org/markup-compatibility/2006" xmlns:p14="http://schemas.microsoft.com/office/powerpoint/2010/main">
+    <mc:Choice Requires="p14">
       <p:transition p14:dur="300">
         <p:fade/>
       </p:transition>
     </mc:Choice>
-    <mc:Fallback>
+    <mc:Fallback xmlns="">
       <p:transition>
         <p:fade/>
       </p:transition>
@@ -29323,13 +29289,13 @@
   <p:clrMapOvr>
     <a:masterClrMapping/>
   </p:clrMapOvr>
-  <mc:AlternateContent xmlns:mc="http://schemas.openxmlformats.org/markup-compatibility/2006">
-    <mc:Choice xmlns:p14="http://schemas.microsoft.com/office/powerpoint/2010/main" Requires="p14">
+  <mc:AlternateContent xmlns:mc="http://schemas.openxmlformats.org/markup-compatibility/2006" xmlns:p14="http://schemas.microsoft.com/office/powerpoint/2010/main">
+    <mc:Choice Requires="p14">
       <p:transition p14:dur="300">
         <p:fade/>
       </p:transition>
     </mc:Choice>
-    <mc:Fallback>
+    <mc:Fallback xmlns="">
       <p:transition>
         <p:fade/>
       </p:transition>
@@ -29413,13 +29379,13 @@
   <p:clrMapOvr>
     <a:masterClrMapping/>
   </p:clrMapOvr>
-  <mc:AlternateContent xmlns:mc="http://schemas.openxmlformats.org/markup-compatibility/2006">
-    <mc:Choice xmlns:p14="http://schemas.microsoft.com/office/powerpoint/2010/main" Requires="p14">
+  <mc:AlternateContent xmlns:mc="http://schemas.openxmlformats.org/markup-compatibility/2006" xmlns:p14="http://schemas.microsoft.com/office/powerpoint/2010/main">
+    <mc:Choice Requires="p14">
       <p:transition p14:dur="300">
         <p:fade/>
       </p:transition>
     </mc:Choice>
-    <mc:Fallback>
+    <mc:Fallback xmlns="">
       <p:transition>
         <p:fade/>
       </p:transition>
@@ -29507,13 +29473,13 @@
   <p:clrMapOvr>
     <a:masterClrMapping/>
   </p:clrMapOvr>
-  <mc:AlternateContent xmlns:mc="http://schemas.openxmlformats.org/markup-compatibility/2006">
-    <mc:Choice xmlns:p14="http://schemas.microsoft.com/office/powerpoint/2010/main" Requires="p14">
+  <mc:AlternateContent xmlns:mc="http://schemas.openxmlformats.org/markup-compatibility/2006" xmlns:p14="http://schemas.microsoft.com/office/powerpoint/2010/main">
+    <mc:Choice Requires="p14">
       <p:transition p14:dur="300">
         <p:fade/>
       </p:transition>
     </mc:Choice>
-    <mc:Fallback>
+    <mc:Fallback xmlns="">
       <p:transition>
         <p:fade/>
       </p:transition>
@@ -29601,13 +29567,13 @@
   <p:clrMapOvr>
     <a:masterClrMapping/>
   </p:clrMapOvr>
-  <mc:AlternateContent xmlns:mc="http://schemas.openxmlformats.org/markup-compatibility/2006">
-    <mc:Choice xmlns:p14="http://schemas.microsoft.com/office/powerpoint/2010/main" Requires="p14">
+  <mc:AlternateContent xmlns:mc="http://schemas.openxmlformats.org/markup-compatibility/2006" xmlns:p14="http://schemas.microsoft.com/office/powerpoint/2010/main">
+    <mc:Choice Requires="p14">
       <p:transition p14:dur="300">
         <p:fade/>
       </p:transition>
     </mc:Choice>
-    <mc:Fallback>
+    <mc:Fallback xmlns="">
       <p:transition>
         <p:fade/>
       </p:transition>
@@ -29687,13 +29653,13 @@
   <p:clrMapOvr>
     <a:masterClrMapping/>
   </p:clrMapOvr>
-  <mc:AlternateContent xmlns:mc="http://schemas.openxmlformats.org/markup-compatibility/2006">
-    <mc:Choice xmlns:p14="http://schemas.microsoft.com/office/powerpoint/2010/main" Requires="p14">
+  <mc:AlternateContent xmlns:mc="http://schemas.openxmlformats.org/markup-compatibility/2006" xmlns:p14="http://schemas.microsoft.com/office/powerpoint/2010/main">
+    <mc:Choice Requires="p14">
       <p:transition p14:dur="300">
         <p:fade/>
       </p:transition>
     </mc:Choice>
-    <mc:Fallback>
+    <mc:Fallback xmlns="">
       <p:transition>
         <p:fade/>
       </p:transition>
@@ -29793,13 +29759,13 @@
   <p:clrMapOvr>
     <a:masterClrMapping/>
   </p:clrMapOvr>
-  <mc:AlternateContent xmlns:mc="http://schemas.openxmlformats.org/markup-compatibility/2006">
-    <mc:Choice xmlns:p14="http://schemas.microsoft.com/office/powerpoint/2010/main" Requires="p14">
+  <mc:AlternateContent xmlns:mc="http://schemas.openxmlformats.org/markup-compatibility/2006" xmlns:p14="http://schemas.microsoft.com/office/powerpoint/2010/main">
+    <mc:Choice Requires="p14">
       <p:transition p14:dur="300">
         <p:fade/>
       </p:transition>
     </mc:Choice>
-    <mc:Fallback>
+    <mc:Fallback xmlns="">
       <p:transition>
         <p:fade/>
       </p:transition>
@@ -29887,13 +29853,13 @@
   <p:clrMapOvr>
     <a:masterClrMapping/>
   </p:clrMapOvr>
-  <mc:AlternateContent xmlns:mc="http://schemas.openxmlformats.org/markup-compatibility/2006">
-    <mc:Choice xmlns:p14="http://schemas.microsoft.com/office/powerpoint/2010/main" Requires="p14">
+  <mc:AlternateContent xmlns:mc="http://schemas.openxmlformats.org/markup-compatibility/2006" xmlns:p14="http://schemas.microsoft.com/office/powerpoint/2010/main">
+    <mc:Choice Requires="p14">
       <p:transition p14:dur="300">
         <p:fade/>
       </p:transition>
     </mc:Choice>
-    <mc:Fallback>
+    <mc:Fallback xmlns="">
       <p:transition>
         <p:fade/>
       </p:transition>
@@ -29995,13 +29961,13 @@
   <p:clrMapOvr>
     <a:masterClrMapping/>
   </p:clrMapOvr>
-  <mc:AlternateContent xmlns:mc="http://schemas.openxmlformats.org/markup-compatibility/2006">
-    <mc:Choice xmlns:p14="http://schemas.microsoft.com/office/powerpoint/2010/main" Requires="p14">
+  <mc:AlternateContent xmlns:mc="http://schemas.openxmlformats.org/markup-compatibility/2006" xmlns:p14="http://schemas.microsoft.com/office/powerpoint/2010/main">
+    <mc:Choice Requires="p14">
       <p:transition p14:dur="300">
         <p:fade/>
       </p:transition>
     </mc:Choice>
-    <mc:Fallback>
+    <mc:Fallback xmlns="">
       <p:transition>
         <p:fade/>
       </p:transition>
@@ -30085,13 +30051,13 @@
   <p:clrMapOvr>
     <a:masterClrMapping/>
   </p:clrMapOvr>
-  <mc:AlternateContent xmlns:mc="http://schemas.openxmlformats.org/markup-compatibility/2006">
-    <mc:Choice xmlns:p14="http://schemas.microsoft.com/office/powerpoint/2010/main" Requires="p14">
+  <mc:AlternateContent xmlns:mc="http://schemas.openxmlformats.org/markup-compatibility/2006" xmlns:p14="http://schemas.microsoft.com/office/powerpoint/2010/main">
+    <mc:Choice Requires="p14">
       <p:transition p14:dur="300">
         <p:fade/>
       </p:transition>
     </mc:Choice>
-    <mc:Fallback>
+    <mc:Fallback xmlns="">
       <p:transition>
         <p:fade/>
       </p:transition>
@@ -30171,13 +30137,13 @@
   <p:clrMapOvr>
     <a:masterClrMapping/>
   </p:clrMapOvr>
-  <mc:AlternateContent xmlns:mc="http://schemas.openxmlformats.org/markup-compatibility/2006">
-    <mc:Choice xmlns:p14="http://schemas.microsoft.com/office/powerpoint/2010/main" Requires="p14">
+  <mc:AlternateContent xmlns:mc="http://schemas.openxmlformats.org/markup-compatibility/2006" xmlns:p14="http://schemas.microsoft.com/office/powerpoint/2010/main">
+    <mc:Choice Requires="p14">
       <p:transition p14:dur="300">
         <p:fade/>
       </p:transition>
     </mc:Choice>
-    <mc:Fallback>
+    <mc:Fallback xmlns="">
       <p:transition>
         <p:fade/>
       </p:transition>
@@ -30265,13 +30231,13 @@
   <p:clrMapOvr>
     <a:masterClrMapping/>
   </p:clrMapOvr>
-  <mc:AlternateContent xmlns:mc="http://schemas.openxmlformats.org/markup-compatibility/2006">
-    <mc:Choice xmlns:p14="http://schemas.microsoft.com/office/powerpoint/2010/main" Requires="p14">
+  <mc:AlternateContent xmlns:mc="http://schemas.openxmlformats.org/markup-compatibility/2006" xmlns:p14="http://schemas.microsoft.com/office/powerpoint/2010/main">
+    <mc:Choice Requires="p14">
       <p:transition p14:dur="300">
         <p:fade/>
       </p:transition>
     </mc:Choice>
-    <mc:Fallback>
+    <mc:Fallback xmlns="">
       <p:transition>
         <p:fade/>
       </p:transition>
@@ -30359,13 +30325,13 @@
   <p:clrMapOvr>
     <a:masterClrMapping/>
   </p:clrMapOvr>
-  <mc:AlternateContent xmlns:mc="http://schemas.openxmlformats.org/markup-compatibility/2006">
-    <mc:Choice xmlns:p14="http://schemas.microsoft.com/office/powerpoint/2010/main" Requires="p14">
+  <mc:AlternateContent xmlns:mc="http://schemas.openxmlformats.org/markup-compatibility/2006" xmlns:p14="http://schemas.microsoft.com/office/powerpoint/2010/main">
+    <mc:Choice Requires="p14">
       <p:transition p14:dur="300">
         <p:fade/>
       </p:transition>
     </mc:Choice>
-    <mc:Fallback>
+    <mc:Fallback xmlns="">
       <p:transition>
         <p:fade/>
       </p:transition>
@@ -30453,13 +30419,13 @@
   <p:clrMapOvr>
     <a:masterClrMapping/>
   </p:clrMapOvr>
-  <mc:AlternateContent xmlns:mc="http://schemas.openxmlformats.org/markup-compatibility/2006">
-    <mc:Choice xmlns:p14="http://schemas.microsoft.com/office/powerpoint/2010/main" Requires="p14">
+  <mc:AlternateContent xmlns:mc="http://schemas.openxmlformats.org/markup-compatibility/2006" xmlns:p14="http://schemas.microsoft.com/office/powerpoint/2010/main">
+    <mc:Choice Requires="p14">
       <p:transition p14:dur="300">
         <p:fade/>
       </p:transition>
     </mc:Choice>
-    <mc:Fallback>
+    <mc:Fallback xmlns="">
       <p:transition>
         <p:fade/>
       </p:transition>
@@ -30551,13 +30517,13 @@
   <p:clrMapOvr>
     <a:masterClrMapping/>
   </p:clrMapOvr>
-  <mc:AlternateContent xmlns:mc="http://schemas.openxmlformats.org/markup-compatibility/2006">
-    <mc:Choice xmlns:p14="http://schemas.microsoft.com/office/powerpoint/2010/main" Requires="p14">
+  <mc:AlternateContent xmlns:mc="http://schemas.openxmlformats.org/markup-compatibility/2006" xmlns:p14="http://schemas.microsoft.com/office/powerpoint/2010/main">
+    <mc:Choice Requires="p14">
       <p:transition p14:dur="300">
         <p:fade/>
       </p:transition>
     </mc:Choice>
-    <mc:Fallback>
+    <mc:Fallback xmlns="">
       <p:transition>
         <p:fade/>
       </p:transition>
@@ -30637,13 +30603,13 @@
   <p:clrMapOvr>
     <a:masterClrMapping/>
   </p:clrMapOvr>
-  <mc:AlternateContent xmlns:mc="http://schemas.openxmlformats.org/markup-compatibility/2006">
-    <mc:Choice xmlns:p14="http://schemas.microsoft.com/office/powerpoint/2010/main" Requires="p14">
+  <mc:AlternateContent xmlns:mc="http://schemas.openxmlformats.org/markup-compatibility/2006" xmlns:p14="http://schemas.microsoft.com/office/powerpoint/2010/main">
+    <mc:Choice Requires="p14">
       <p:transition p14:dur="300">
         <p:fade/>
       </p:transition>
     </mc:Choice>
-    <mc:Fallback>
+    <mc:Fallback xmlns="">
       <p:transition>
         <p:fade/>
       </p:transition>
@@ -30719,13 +30685,13 @@
   <p:clrMapOvr>
     <a:masterClrMapping/>
   </p:clrMapOvr>
-  <mc:AlternateContent xmlns:mc="http://schemas.openxmlformats.org/markup-compatibility/2006">
-    <mc:Choice xmlns:p14="http://schemas.microsoft.com/office/powerpoint/2010/main" Requires="p14">
+  <mc:AlternateContent xmlns:mc="http://schemas.openxmlformats.org/markup-compatibility/2006" xmlns:p14="http://schemas.microsoft.com/office/powerpoint/2010/main">
+    <mc:Choice Requires="p14">
       <p:transition p14:dur="300">
         <p:fade/>
       </p:transition>
     </mc:Choice>
-    <mc:Fallback>
+    <mc:Fallback xmlns="">
       <p:transition>
         <p:fade/>
       </p:transition>
@@ -30801,13 +30767,13 @@
   <p:clrMapOvr>
     <a:masterClrMapping/>
   </p:clrMapOvr>
-  <mc:AlternateContent xmlns:mc="http://schemas.openxmlformats.org/markup-compatibility/2006">
-    <mc:Choice xmlns:p14="http://schemas.microsoft.com/office/powerpoint/2010/main" Requires="p14">
+  <mc:AlternateContent xmlns:mc="http://schemas.openxmlformats.org/markup-compatibility/2006" xmlns:p14="http://schemas.microsoft.com/office/powerpoint/2010/main">
+    <mc:Choice Requires="p14">
       <p:transition p14:dur="300">
         <p:fade/>
       </p:transition>
     </mc:Choice>
-    <mc:Fallback>
+    <mc:Fallback xmlns="">
       <p:transition>
         <p:fade/>
       </p:transition>
@@ -30883,13 +30849,13 @@
   <p:clrMapOvr>
     <a:masterClrMapping/>
   </p:clrMapOvr>
-  <mc:AlternateContent xmlns:mc="http://schemas.openxmlformats.org/markup-compatibility/2006">
-    <mc:Choice xmlns:p14="http://schemas.microsoft.com/office/powerpoint/2010/main" Requires="p14">
+  <mc:AlternateContent xmlns:mc="http://schemas.openxmlformats.org/markup-compatibility/2006" xmlns:p14="http://schemas.microsoft.com/office/powerpoint/2010/main">
+    <mc:Choice Requires="p14">
       <p:transition p14:dur="300">
         <p:fade/>
       </p:transition>
     </mc:Choice>
-    <mc:Fallback>
+    <mc:Fallback xmlns="">
       <p:transition>
         <p:fade/>
       </p:transition>
@@ -30965,13 +30931,13 @@
   <p:clrMapOvr>
     <a:masterClrMapping/>
   </p:clrMapOvr>
-  <mc:AlternateContent xmlns:mc="http://schemas.openxmlformats.org/markup-compatibility/2006">
-    <mc:Choice xmlns:p14="http://schemas.microsoft.com/office/powerpoint/2010/main" Requires="p14">
+  <mc:AlternateContent xmlns:mc="http://schemas.openxmlformats.org/markup-compatibility/2006" xmlns:p14="http://schemas.microsoft.com/office/powerpoint/2010/main">
+    <mc:Choice Requires="p14">
       <p:transition p14:dur="300">
         <p:fade/>
       </p:transition>
     </mc:Choice>
-    <mc:Fallback>
+    <mc:Fallback xmlns="">
       <p:transition>
         <p:fade/>
       </p:transition>
@@ -31055,13 +31021,13 @@
   <p:clrMapOvr>
     <a:masterClrMapping/>
   </p:clrMapOvr>
-  <mc:AlternateContent xmlns:mc="http://schemas.openxmlformats.org/markup-compatibility/2006">
-    <mc:Choice xmlns:p14="http://schemas.microsoft.com/office/powerpoint/2010/main" Requires="p14">
+  <mc:AlternateContent xmlns:mc="http://schemas.openxmlformats.org/markup-compatibility/2006" xmlns:p14="http://schemas.microsoft.com/office/powerpoint/2010/main">
+    <mc:Choice Requires="p14">
       <p:transition p14:dur="300">
         <p:fade/>
       </p:transition>
     </mc:Choice>
-    <mc:Fallback>
+    <mc:Fallback xmlns="">
       <p:transition>
         <p:fade/>
       </p:transition>
@@ -31145,13 +31111,13 @@
   <p:clrMapOvr>
     <a:masterClrMapping/>
   </p:clrMapOvr>
-  <mc:AlternateContent xmlns:mc="http://schemas.openxmlformats.org/markup-compatibility/2006">
-    <mc:Choice xmlns:p14="http://schemas.microsoft.com/office/powerpoint/2010/main" Requires="p14">
+  <mc:AlternateContent xmlns:mc="http://schemas.openxmlformats.org/markup-compatibility/2006" xmlns:p14="http://schemas.microsoft.com/office/powerpoint/2010/main">
+    <mc:Choice Requires="p14">
       <p:transition p14:dur="300">
         <p:fade/>
       </p:transition>
     </mc:Choice>
-    <mc:Fallback>
+    <mc:Fallback xmlns="">
       <p:transition>
         <p:fade/>
       </p:transition>
@@ -31239,13 +31205,13 @@
   <p:clrMapOvr>
     <a:masterClrMapping/>
   </p:clrMapOvr>
-  <mc:AlternateContent xmlns:mc="http://schemas.openxmlformats.org/markup-compatibility/2006">
-    <mc:Choice xmlns:p14="http://schemas.microsoft.com/office/powerpoint/2010/main" Requires="p14">
+  <mc:AlternateContent xmlns:mc="http://schemas.openxmlformats.org/markup-compatibility/2006" xmlns:p14="http://schemas.microsoft.com/office/powerpoint/2010/main">
+    <mc:Choice Requires="p14">
       <p:transition p14:dur="300">
         <p:fade/>
       </p:transition>
     </mc:Choice>
-    <mc:Fallback>
+    <mc:Fallback xmlns="">
       <p:transition>
         <p:fade/>
       </p:transition>
@@ -31321,13 +31287,13 @@
   <p:clrMapOvr>
     <a:masterClrMapping/>
   </p:clrMapOvr>
-  <mc:AlternateContent xmlns:mc="http://schemas.openxmlformats.org/markup-compatibility/2006">
-    <mc:Choice xmlns:p14="http://schemas.microsoft.com/office/powerpoint/2010/main" Requires="p14">
+  <mc:AlternateContent xmlns:mc="http://schemas.openxmlformats.org/markup-compatibility/2006" xmlns:p14="http://schemas.microsoft.com/office/powerpoint/2010/main">
+    <mc:Choice Requires="p14">
       <p:transition p14:dur="300">
         <p:fade/>
       </p:transition>
     </mc:Choice>
-    <mc:Fallback>
+    <mc:Fallback xmlns="">
       <p:transition>
         <p:fade/>
       </p:transition>
@@ -31403,13 +31369,13 @@
   <p:clrMapOvr>
     <a:masterClrMapping/>
   </p:clrMapOvr>
-  <mc:AlternateContent xmlns:mc="http://schemas.openxmlformats.org/markup-compatibility/2006">
-    <mc:Choice xmlns:p14="http://schemas.microsoft.com/office/powerpoint/2010/main" Requires="p14">
+  <mc:AlternateContent xmlns:mc="http://schemas.openxmlformats.org/markup-compatibility/2006" xmlns:p14="http://schemas.microsoft.com/office/powerpoint/2010/main">
+    <mc:Choice Requires="p14">
       <p:transition p14:dur="300">
         <p:fade/>
       </p:transition>
     </mc:Choice>
-    <mc:Fallback>
+    <mc:Fallback xmlns="">
       <p:transition>
         <p:fade/>
       </p:transition>
@@ -31493,13 +31459,13 @@
   <p:clrMapOvr>
     <a:masterClrMapping/>
   </p:clrMapOvr>
-  <mc:AlternateContent xmlns:mc="http://schemas.openxmlformats.org/markup-compatibility/2006">
-    <mc:Choice xmlns:p14="http://schemas.microsoft.com/office/powerpoint/2010/main" Requires="p14">
+  <mc:AlternateContent xmlns:mc="http://schemas.openxmlformats.org/markup-compatibility/2006" xmlns:p14="http://schemas.microsoft.com/office/powerpoint/2010/main">
+    <mc:Choice Requires="p14">
       <p:transition p14:dur="300">
         <p:fade/>
       </p:transition>
     </mc:Choice>
-    <mc:Fallback>
+    <mc:Fallback xmlns="">
       <p:transition>
         <p:fade/>
       </p:transition>
@@ -31575,13 +31541,13 @@
   <p:clrMapOvr>
     <a:masterClrMapping/>
   </p:clrMapOvr>
-  <mc:AlternateContent xmlns:mc="http://schemas.openxmlformats.org/markup-compatibility/2006">
-    <mc:Choice xmlns:p14="http://schemas.microsoft.com/office/powerpoint/2010/main" Requires="p14">
+  <mc:AlternateContent xmlns:mc="http://schemas.openxmlformats.org/markup-compatibility/2006" xmlns:p14="http://schemas.microsoft.com/office/powerpoint/2010/main">
+    <mc:Choice Requires="p14">
       <p:transition p14:dur="300">
         <p:fade/>
       </p:transition>
     </mc:Choice>
-    <mc:Fallback>
+    <mc:Fallback xmlns="">
       <p:transition>
         <p:fade/>
       </p:transition>
@@ -31657,13 +31623,13 @@
   <p:clrMapOvr>
     <a:masterClrMapping/>
   </p:clrMapOvr>
-  <mc:AlternateContent xmlns:mc="http://schemas.openxmlformats.org/markup-compatibility/2006">
-    <mc:Choice xmlns:p14="http://schemas.microsoft.com/office/powerpoint/2010/main" Requires="p14">
+  <mc:AlternateContent xmlns:mc="http://schemas.openxmlformats.org/markup-compatibility/2006" xmlns:p14="http://schemas.microsoft.com/office/powerpoint/2010/main">
+    <mc:Choice Requires="p14">
       <p:transition p14:dur="300">
         <p:fade/>
       </p:transition>
     </mc:Choice>
-    <mc:Fallback>
+    <mc:Fallback xmlns="">
       <p:transition>
         <p:fade/>
       </p:transition>
@@ -31747,13 +31713,13 @@
   <p:clrMapOvr>
     <a:masterClrMapping/>
   </p:clrMapOvr>
-  <mc:AlternateContent xmlns:mc="http://schemas.openxmlformats.org/markup-compatibility/2006">
-    <mc:Choice xmlns:p14="http://schemas.microsoft.com/office/powerpoint/2010/main" Requires="p14">
+  <mc:AlternateContent xmlns:mc="http://schemas.openxmlformats.org/markup-compatibility/2006" xmlns:p14="http://schemas.microsoft.com/office/powerpoint/2010/main">
+    <mc:Choice Requires="p14">
       <p:transition p14:dur="300">
         <p:fade/>
       </p:transition>
     </mc:Choice>
-    <mc:Fallback>
+    <mc:Fallback xmlns="">
       <p:transition>
         <p:fade/>
       </p:transition>
@@ -31841,13 +31807,13 @@
   <p:clrMapOvr>
     <a:masterClrMapping/>
   </p:clrMapOvr>
-  <mc:AlternateContent xmlns:mc="http://schemas.openxmlformats.org/markup-compatibility/2006">
-    <mc:Choice xmlns:p14="http://schemas.microsoft.com/office/powerpoint/2010/main" Requires="p14">
+  <mc:AlternateContent xmlns:mc="http://schemas.openxmlformats.org/markup-compatibility/2006" xmlns:p14="http://schemas.microsoft.com/office/powerpoint/2010/main">
+    <mc:Choice Requires="p14">
       <p:transition p14:dur="300">
         <p:fade/>
       </p:transition>
     </mc:Choice>
-    <mc:Fallback>
+    <mc:Fallback xmlns="">
       <p:transition>
         <p:fade/>
       </p:transition>
@@ -31935,13 +31901,13 @@
   <p:clrMapOvr>
     <a:masterClrMapping/>
   </p:clrMapOvr>
-  <mc:AlternateContent xmlns:mc="http://schemas.openxmlformats.org/markup-compatibility/2006">
-    <mc:Choice xmlns:p14="http://schemas.microsoft.com/office/powerpoint/2010/main" Requires="p14">
+  <mc:AlternateContent xmlns:mc="http://schemas.openxmlformats.org/markup-compatibility/2006" xmlns:p14="http://schemas.microsoft.com/office/powerpoint/2010/main">
+    <mc:Choice Requires="p14">
       <p:transition p14:dur="300">
         <p:fade/>
       </p:transition>
     </mc:Choice>
-    <mc:Fallback>
+    <mc:Fallback xmlns="">
       <p:transition>
         <p:fade/>
       </p:transition>
@@ -32025,13 +31991,13 @@
   <p:clrMapOvr>
     <a:masterClrMapping/>
   </p:clrMapOvr>
-  <mc:AlternateContent xmlns:mc="http://schemas.openxmlformats.org/markup-compatibility/2006">
-    <mc:Choice xmlns:p14="http://schemas.microsoft.com/office/powerpoint/2010/main" Requires="p14">
+  <mc:AlternateContent xmlns:mc="http://schemas.openxmlformats.org/markup-compatibility/2006" xmlns:p14="http://schemas.microsoft.com/office/powerpoint/2010/main">
+    <mc:Choice Requires="p14">
       <p:transition p14:dur="300">
         <p:fade/>
       </p:transition>
     </mc:Choice>
-    <mc:Fallback>
+    <mc:Fallback xmlns="">
       <p:transition>
         <p:fade/>
       </p:transition>
@@ -32107,13 +32073,13 @@
   <p:clrMapOvr>
     <a:masterClrMapping/>
   </p:clrMapOvr>
-  <mc:AlternateContent xmlns:mc="http://schemas.openxmlformats.org/markup-compatibility/2006">
-    <mc:Choice xmlns:p14="http://schemas.microsoft.com/office/powerpoint/2010/main" Requires="p14">
+  <mc:AlternateContent xmlns:mc="http://schemas.openxmlformats.org/markup-compatibility/2006" xmlns:p14="http://schemas.microsoft.com/office/powerpoint/2010/main">
+    <mc:Choice Requires="p14">
       <p:transition p14:dur="300">
         <p:fade/>
       </p:transition>
     </mc:Choice>
-    <mc:Fallback>
+    <mc:Fallback xmlns="">
       <p:transition>
         <p:fade/>
       </p:transition>
@@ -32201,13 +32167,13 @@
   <p:clrMapOvr>
     <a:masterClrMapping/>
   </p:clrMapOvr>
-  <mc:AlternateContent xmlns:mc="http://schemas.openxmlformats.org/markup-compatibility/2006">
-    <mc:Choice xmlns:p14="http://schemas.microsoft.com/office/powerpoint/2010/main" Requires="p14">
+  <mc:AlternateContent xmlns:mc="http://schemas.openxmlformats.org/markup-compatibility/2006" xmlns:p14="http://schemas.microsoft.com/office/powerpoint/2010/main">
+    <mc:Choice Requires="p14">
       <p:transition p14:dur="300">
         <p:fade/>
       </p:transition>
     </mc:Choice>
-    <mc:Fallback>
+    <mc:Fallback xmlns="">
       <p:transition>
         <p:fade/>
       </p:transition>
@@ -32283,13 +32249,13 @@
   <p:clrMapOvr>
     <a:masterClrMapping/>
   </p:clrMapOvr>
-  <mc:AlternateContent xmlns:mc="http://schemas.openxmlformats.org/markup-compatibility/2006">
-    <mc:Choice xmlns:p14="http://schemas.microsoft.com/office/powerpoint/2010/main" Requires="p14">
+  <mc:AlternateContent xmlns:mc="http://schemas.openxmlformats.org/markup-compatibility/2006" xmlns:p14="http://schemas.microsoft.com/office/powerpoint/2010/main">
+    <mc:Choice Requires="p14">
       <p:transition p14:dur="300">
         <p:fade/>
       </p:transition>
     </mc:Choice>
-    <mc:Fallback>
+    <mc:Fallback xmlns="">
       <p:transition>
         <p:fade/>
       </p:transition>
@@ -32365,13 +32331,13 @@
   <p:clrMapOvr>
     <a:masterClrMapping/>
   </p:clrMapOvr>
-  <mc:AlternateContent xmlns:mc="http://schemas.openxmlformats.org/markup-compatibility/2006">
-    <mc:Choice xmlns:p14="http://schemas.microsoft.com/office/powerpoint/2010/main" Requires="p14">
+  <mc:AlternateContent xmlns:mc="http://schemas.openxmlformats.org/markup-compatibility/2006" xmlns:p14="http://schemas.microsoft.com/office/powerpoint/2010/main">
+    <mc:Choice Requires="p14">
       <p:transition p14:dur="300">
         <p:fade/>
       </p:transition>
     </mc:Choice>
-    <mc:Fallback>
+    <mc:Fallback xmlns="">
       <p:transition>
         <p:fade/>
       </p:transition>
@@ -32447,13 +32413,13 @@
   <p:clrMapOvr>
     <a:masterClrMapping/>
   </p:clrMapOvr>
-  <mc:AlternateContent xmlns:mc="http://schemas.openxmlformats.org/markup-compatibility/2006">
-    <mc:Choice xmlns:p14="http://schemas.microsoft.com/office/powerpoint/2010/main" Requires="p14">
+  <mc:AlternateContent xmlns:mc="http://schemas.openxmlformats.org/markup-compatibility/2006" xmlns:p14="http://schemas.microsoft.com/office/powerpoint/2010/main">
+    <mc:Choice Requires="p14">
       <p:transition p14:dur="300">
         <p:fade/>
       </p:transition>
     </mc:Choice>
-    <mc:Fallback>
+    <mc:Fallback xmlns="">
       <p:transition>
         <p:fade/>
       </p:transition>
@@ -32529,13 +32495,13 @@
   <p:clrMapOvr>
     <a:masterClrMapping/>
   </p:clrMapOvr>
-  <mc:AlternateContent xmlns:mc="http://schemas.openxmlformats.org/markup-compatibility/2006">
-    <mc:Choice xmlns:p14="http://schemas.microsoft.com/office/powerpoint/2010/main" Requires="p14">
+  <mc:AlternateContent xmlns:mc="http://schemas.openxmlformats.org/markup-compatibility/2006" xmlns:p14="http://schemas.microsoft.com/office/powerpoint/2010/main">
+    <mc:Choice Requires="p14">
       <p:transition p14:dur="300">
         <p:fade/>
       </p:transition>
     </mc:Choice>
-    <mc:Fallback>
+    <mc:Fallback xmlns="">
       <p:transition>
         <p:fade/>
       </p:transition>
@@ -32611,13 +32577,13 @@
   <p:clrMapOvr>
     <a:masterClrMapping/>
   </p:clrMapOvr>
-  <mc:AlternateContent xmlns:mc="http://schemas.openxmlformats.org/markup-compatibility/2006">
-    <mc:Choice xmlns:p14="http://schemas.microsoft.com/office/powerpoint/2010/main" Requires="p14">
+  <mc:AlternateContent xmlns:mc="http://schemas.openxmlformats.org/markup-compatibility/2006" xmlns:p14="http://schemas.microsoft.com/office/powerpoint/2010/main">
+    <mc:Choice Requires="p14">
       <p:transition p14:dur="300">
         <p:fade/>
       </p:transition>
     </mc:Choice>
-    <mc:Fallback>
+    <mc:Fallback xmlns="">
       <p:transition>
         <p:fade/>
       </p:transition>
@@ -32693,13 +32659,13 @@
   <p:clrMapOvr>
     <a:masterClrMapping/>
   </p:clrMapOvr>
-  <mc:AlternateContent xmlns:mc="http://schemas.openxmlformats.org/markup-compatibility/2006">
-    <mc:Choice xmlns:p14="http://schemas.microsoft.com/office/powerpoint/2010/main" Requires="p14">
+  <mc:AlternateContent xmlns:mc="http://schemas.openxmlformats.org/markup-compatibility/2006" xmlns:p14="http://schemas.microsoft.com/office/powerpoint/2010/main">
+    <mc:Choice Requires="p14">
       <p:transition p14:dur="300">
         <p:fade/>
       </p:transition>
     </mc:Choice>
-    <mc:Fallback>
+    <mc:Fallback xmlns="">
       <p:transition>
         <p:fade/>
       </p:transition>
@@ -32775,13 +32741,13 @@
   <p:clrMapOvr>
     <a:masterClrMapping/>
   </p:clrMapOvr>
-  <mc:AlternateContent xmlns:mc="http://schemas.openxmlformats.org/markup-compatibility/2006">
-    <mc:Choice xmlns:p14="http://schemas.microsoft.com/office/powerpoint/2010/main" Requires="p14">
+  <mc:AlternateContent xmlns:mc="http://schemas.openxmlformats.org/markup-compatibility/2006" xmlns:p14="http://schemas.microsoft.com/office/powerpoint/2010/main">
+    <mc:Choice Requires="p14">
       <p:transition p14:dur="300">
         <p:fade/>
       </p:transition>
     </mc:Choice>
-    <mc:Fallback>
+    <mc:Fallback xmlns="">
       <p:transition>
         <p:fade/>
       </p:transition>
@@ -32857,13 +32823,13 @@
   <p:clrMapOvr>
     <a:masterClrMapping/>
   </p:clrMapOvr>
-  <mc:AlternateContent xmlns:mc="http://schemas.openxmlformats.org/markup-compatibility/2006">
-    <mc:Choice xmlns:p14="http://schemas.microsoft.com/office/powerpoint/2010/main" Requires="p14">
+  <mc:AlternateContent xmlns:mc="http://schemas.openxmlformats.org/markup-compatibility/2006" xmlns:p14="http://schemas.microsoft.com/office/powerpoint/2010/main">
+    <mc:Choice Requires="p14">
       <p:transition p14:dur="300">
         <p:fade/>
       </p:transition>
     </mc:Choice>
-    <mc:Fallback>
+    <mc:Fallback xmlns="">
       <p:transition>
         <p:fade/>
       </p:transition>
@@ -32947,13 +32913,13 @@
   <p:clrMapOvr>
     <a:masterClrMapping/>
   </p:clrMapOvr>
-  <mc:AlternateContent xmlns:mc="http://schemas.openxmlformats.org/markup-compatibility/2006">
-    <mc:Choice xmlns:p14="http://schemas.microsoft.com/office/powerpoint/2010/main" Requires="p14">
+  <mc:AlternateContent xmlns:mc="http://schemas.openxmlformats.org/markup-compatibility/2006" xmlns:p14="http://schemas.microsoft.com/office/powerpoint/2010/main">
+    <mc:Choice Requires="p14">
       <p:transition p14:dur="300">
         <p:fade/>
       </p:transition>
     </mc:Choice>
-    <mc:Fallback>
+    <mc:Fallback xmlns="">
       <p:transition>
         <p:fade/>
       </p:transition>
@@ -33033,13 +32999,13 @@
   <p:clrMapOvr>
     <a:masterClrMapping/>
   </p:clrMapOvr>
-  <mc:AlternateContent xmlns:mc="http://schemas.openxmlformats.org/markup-compatibility/2006">
-    <mc:Choice xmlns:p14="http://schemas.microsoft.com/office/powerpoint/2010/main" Requires="p14">
+  <mc:AlternateContent xmlns:mc="http://schemas.openxmlformats.org/markup-compatibility/2006" xmlns:p14="http://schemas.microsoft.com/office/powerpoint/2010/main">
+    <mc:Choice Requires="p14">
       <p:transition p14:dur="300">
         <p:fade/>
       </p:transition>
     </mc:Choice>
-    <mc:Fallback>
+    <mc:Fallback xmlns="">
       <p:transition>
         <p:fade/>
       </p:transition>
@@ -33119,13 +33085,13 @@
   <p:clrMapOvr>
     <a:masterClrMapping/>
   </p:clrMapOvr>
-  <mc:AlternateContent xmlns:mc="http://schemas.openxmlformats.org/markup-compatibility/2006">
-    <mc:Choice xmlns:p14="http://schemas.microsoft.com/office/powerpoint/2010/main" Requires="p14">
+  <mc:AlternateContent xmlns:mc="http://schemas.openxmlformats.org/markup-compatibility/2006" xmlns:p14="http://schemas.microsoft.com/office/powerpoint/2010/main">
+    <mc:Choice Requires="p14">
       <p:transition p14:dur="300">
         <p:fade/>
       </p:transition>
     </mc:Choice>
-    <mc:Fallback>
+    <mc:Fallback xmlns="">
       <p:transition>
         <p:fade/>
       </p:transition>
@@ -33201,13 +33167,13 @@
   <p:clrMapOvr>
     <a:masterClrMapping/>
   </p:clrMapOvr>
-  <mc:AlternateContent xmlns:mc="http://schemas.openxmlformats.org/markup-compatibility/2006">
-    <mc:Choice xmlns:p14="http://schemas.microsoft.com/office/powerpoint/2010/main" Requires="p14">
+  <mc:AlternateContent xmlns:mc="http://schemas.openxmlformats.org/markup-compatibility/2006" xmlns:p14="http://schemas.microsoft.com/office/powerpoint/2010/main">
+    <mc:Choice Requires="p14">
       <p:transition p14:dur="300">
         <p:fade/>
       </p:transition>
     </mc:Choice>
-    <mc:Fallback>
+    <mc:Fallback xmlns="">
       <p:transition>
         <p:fade/>
       </p:transition>
@@ -33283,13 +33249,13 @@
   <p:clrMapOvr>
     <a:masterClrMapping/>
   </p:clrMapOvr>
-  <mc:AlternateContent xmlns:mc="http://schemas.openxmlformats.org/markup-compatibility/2006">
-    <mc:Choice xmlns:p14="http://schemas.microsoft.com/office/powerpoint/2010/main" Requires="p14">
+  <mc:AlternateContent xmlns:mc="http://schemas.openxmlformats.org/markup-compatibility/2006" xmlns:p14="http://schemas.microsoft.com/office/powerpoint/2010/main">
+    <mc:Choice Requires="p14">
       <p:transition p14:dur="300">
         <p:fade/>
       </p:transition>
     </mc:Choice>
-    <mc:Fallback>
+    <mc:Fallback xmlns="">
       <p:transition>
         <p:fade/>
       </p:transition>
@@ -33373,13 +33339,13 @@
   <p:clrMapOvr>
     <a:masterClrMapping/>
   </p:clrMapOvr>
-  <mc:AlternateContent xmlns:mc="http://schemas.openxmlformats.org/markup-compatibility/2006">
-    <mc:Choice xmlns:p14="http://schemas.microsoft.com/office/powerpoint/2010/main" Requires="p14">
+  <mc:AlternateContent xmlns:mc="http://schemas.openxmlformats.org/markup-compatibility/2006" xmlns:p14="http://schemas.microsoft.com/office/powerpoint/2010/main">
+    <mc:Choice Requires="p14">
       <p:transition p14:dur="300">
         <p:fade/>
       </p:transition>
     </mc:Choice>
-    <mc:Fallback>
+    <mc:Fallback xmlns="">
       <p:transition>
         <p:fade/>
       </p:transition>
@@ -33455,13 +33421,13 @@
   <p:clrMapOvr>
     <a:masterClrMapping/>
   </p:clrMapOvr>
-  <mc:AlternateContent xmlns:mc="http://schemas.openxmlformats.org/markup-compatibility/2006">
-    <mc:Choice xmlns:p14="http://schemas.microsoft.com/office/powerpoint/2010/main" Requires="p14">
+  <mc:AlternateContent xmlns:mc="http://schemas.openxmlformats.org/markup-compatibility/2006" xmlns:p14="http://schemas.microsoft.com/office/powerpoint/2010/main">
+    <mc:Choice Requires="p14">
       <p:transition p14:dur="300">
         <p:fade/>
       </p:transition>
     </mc:Choice>
-    <mc:Fallback>
+    <mc:Fallback xmlns="">
       <p:transition>
         <p:fade/>
       </p:transition>
@@ -33541,13 +33507,13 @@
   <p:clrMapOvr>
     <a:masterClrMapping/>
   </p:clrMapOvr>
-  <mc:AlternateContent xmlns:mc="http://schemas.openxmlformats.org/markup-compatibility/2006">
-    <mc:Choice xmlns:p14="http://schemas.microsoft.com/office/powerpoint/2010/main" Requires="p14">
+  <mc:AlternateContent xmlns:mc="http://schemas.openxmlformats.org/markup-compatibility/2006" xmlns:p14="http://schemas.microsoft.com/office/powerpoint/2010/main">
+    <mc:Choice Requires="p14">
       <p:transition p14:dur="300">
         <p:fade/>
       </p:transition>
     </mc:Choice>
-    <mc:Fallback>
+    <mc:Fallback xmlns="">
       <p:transition>
         <p:fade/>
       </p:transition>
@@ -33623,13 +33589,13 @@
   <p:clrMapOvr>
     <a:masterClrMapping/>
   </p:clrMapOvr>
-  <mc:AlternateContent xmlns:mc="http://schemas.openxmlformats.org/markup-compatibility/2006">
-    <mc:Choice xmlns:p14="http://schemas.microsoft.com/office/powerpoint/2010/main" Requires="p14">
+  <mc:AlternateContent xmlns:mc="http://schemas.openxmlformats.org/markup-compatibility/2006" xmlns:p14="http://schemas.microsoft.com/office/powerpoint/2010/main">
+    <mc:Choice Requires="p14">
       <p:transition p14:dur="300">
         <p:fade/>
       </p:transition>
     </mc:Choice>
-    <mc:Fallback>
+    <mc:Fallback xmlns="">
       <p:transition>
         <p:fade/>
       </p:transition>
@@ -33705,13 +33671,13 @@
   <p:clrMapOvr>
     <a:masterClrMapping/>
   </p:clrMapOvr>
-  <mc:AlternateContent xmlns:mc="http://schemas.openxmlformats.org/markup-compatibility/2006">
-    <mc:Choice xmlns:p14="http://schemas.microsoft.com/office/powerpoint/2010/main" Requires="p14">
+  <mc:AlternateContent xmlns:mc="http://schemas.openxmlformats.org/markup-compatibility/2006" xmlns:p14="http://schemas.microsoft.com/office/powerpoint/2010/main">
+    <mc:Choice Requires="p14">
       <p:transition p14:dur="300">
         <p:fade/>
       </p:transition>
     </mc:Choice>
-    <mc:Fallback>
+    <mc:Fallback xmlns="">
       <p:transition>
         <p:fade/>
       </p:transition>
@@ -33791,13 +33757,13 @@
   <p:clrMapOvr>
     <a:masterClrMapping/>
   </p:clrMapOvr>
-  <mc:AlternateContent xmlns:mc="http://schemas.openxmlformats.org/markup-compatibility/2006">
-    <mc:Choice xmlns:p14="http://schemas.microsoft.com/office/powerpoint/2010/main" Requires="p14">
+  <mc:AlternateContent xmlns:mc="http://schemas.openxmlformats.org/markup-compatibility/2006" xmlns:p14="http://schemas.microsoft.com/office/powerpoint/2010/main">
+    <mc:Choice Requires="p14">
       <p:transition p14:dur="300">
         <p:fade/>
       </p:transition>
     </mc:Choice>
-    <mc:Fallback>
+    <mc:Fallback xmlns="">
       <p:transition>
         <p:fade/>
       </p:transition>
@@ -33873,13 +33839,13 @@
   <p:clrMapOvr>
     <a:masterClrMapping/>
   </p:clrMapOvr>
-  <mc:AlternateContent xmlns:mc="http://schemas.openxmlformats.org/markup-compatibility/2006">
-    <mc:Choice xmlns:p14="http://schemas.microsoft.com/office/powerpoint/2010/main" Requires="p14">
+  <mc:AlternateContent xmlns:mc="http://schemas.openxmlformats.org/markup-compatibility/2006" xmlns:p14="http://schemas.microsoft.com/office/powerpoint/2010/main">
+    <mc:Choice Requires="p14">
       <p:transition p14:dur="300">
         <p:fade/>
       </p:transition>
     </mc:Choice>
-    <mc:Fallback>
+    <mc:Fallback xmlns="">
       <p:transition>
         <p:fade/>
       </p:transition>
@@ -33959,13 +33925,13 @@
   <p:clrMapOvr>
     <a:masterClrMapping/>
   </p:clrMapOvr>
-  <mc:AlternateContent xmlns:mc="http://schemas.openxmlformats.org/markup-compatibility/2006">
-    <mc:Choice xmlns:p14="http://schemas.microsoft.com/office/powerpoint/2010/main" Requires="p14">
+  <mc:AlternateContent xmlns:mc="http://schemas.openxmlformats.org/markup-compatibility/2006" xmlns:p14="http://schemas.microsoft.com/office/powerpoint/2010/main">
+    <mc:Choice Requires="p14">
       <p:transition p14:dur="300">
         <p:fade/>
       </p:transition>
     </mc:Choice>
-    <mc:Fallback>
+    <mc:Fallback xmlns="">
       <p:transition>
         <p:fade/>
       </p:transition>
@@ -34045,13 +34011,13 @@
   <p:clrMapOvr>
     <a:masterClrMapping/>
   </p:clrMapOvr>
-  <mc:AlternateContent xmlns:mc="http://schemas.openxmlformats.org/markup-compatibility/2006">
-    <mc:Choice xmlns:p14="http://schemas.microsoft.com/office/powerpoint/2010/main" Requires="p14">
+  <mc:AlternateContent xmlns:mc="http://schemas.openxmlformats.org/markup-compatibility/2006" xmlns:p14="http://schemas.microsoft.com/office/powerpoint/2010/main">
+    <mc:Choice Requires="p14">
       <p:transition p14:dur="300">
         <p:fade/>
       </p:transition>
     </mc:Choice>
-    <mc:Fallback>
+    <mc:Fallback xmlns="">
       <p:transition>
         <p:fade/>
       </p:transition>
@@ -34127,13 +34093,13 @@
   <p:clrMapOvr>
     <a:masterClrMapping/>
   </p:clrMapOvr>
-  <mc:AlternateContent xmlns:mc="http://schemas.openxmlformats.org/markup-compatibility/2006">
-    <mc:Choice xmlns:p14="http://schemas.microsoft.com/office/powerpoint/2010/main" Requires="p14">
+  <mc:AlternateContent xmlns:mc="http://schemas.openxmlformats.org/markup-compatibility/2006" xmlns:p14="http://schemas.microsoft.com/office/powerpoint/2010/main">
+    <mc:Choice Requires="p14">
       <p:transition p14:dur="300">
         <p:fade/>
       </p:transition>
     </mc:Choice>
-    <mc:Fallback>
+    <mc:Fallback xmlns="">
       <p:transition>
         <p:fade/>
       </p:transition>
@@ -34209,13 +34175,13 @@
   <p:clrMapOvr>
     <a:masterClrMapping/>
   </p:clrMapOvr>
-  <mc:AlternateContent xmlns:mc="http://schemas.openxmlformats.org/markup-compatibility/2006">
-    <mc:Choice xmlns:p14="http://schemas.microsoft.com/office/powerpoint/2010/main" Requires="p14">
+  <mc:AlternateContent xmlns:mc="http://schemas.openxmlformats.org/markup-compatibility/2006" xmlns:p14="http://schemas.microsoft.com/office/powerpoint/2010/main">
+    <mc:Choice Requires="p14">
       <p:transition p14:dur="300">
         <p:fade/>
       </p:transition>
     </mc:Choice>
-    <mc:Fallback>
+    <mc:Fallback xmlns="">
       <p:transition>
         <p:fade/>
       </p:transition>
@@ -34291,13 +34257,13 @@
   <p:clrMapOvr>
     <a:masterClrMapping/>
   </p:clrMapOvr>
-  <mc:AlternateContent xmlns:mc="http://schemas.openxmlformats.org/markup-compatibility/2006">
-    <mc:Choice xmlns:p14="http://schemas.microsoft.com/office/powerpoint/2010/main" Requires="p14">
+  <mc:AlternateContent xmlns:mc="http://schemas.openxmlformats.org/markup-compatibility/2006" xmlns:p14="http://schemas.microsoft.com/office/powerpoint/2010/main">
+    <mc:Choice Requires="p14">
       <p:transition p14:dur="300">
         <p:fade/>
       </p:transition>
     </mc:Choice>
-    <mc:Fallback>
+    <mc:Fallback xmlns="">
       <p:transition>
         <p:fade/>
       </p:transition>
@@ -34373,13 +34339,13 @@
   <p:clrMapOvr>
     <a:masterClrMapping/>
   </p:clrMapOvr>
-  <mc:AlternateContent xmlns:mc="http://schemas.openxmlformats.org/markup-compatibility/2006">
-    <mc:Choice xmlns:p14="http://schemas.microsoft.com/office/powerpoint/2010/main" Requires="p14">
+  <mc:AlternateContent xmlns:mc="http://schemas.openxmlformats.org/markup-compatibility/2006" xmlns:p14="http://schemas.microsoft.com/office/powerpoint/2010/main">
+    <mc:Choice Requires="p14">
       <p:transition p14:dur="300">
         <p:fade/>
       </p:transition>
     </mc:Choice>
-    <mc:Fallback>
+    <mc:Fallback xmlns="">
       <p:transition>
         <p:fade/>
       </p:transition>
@@ -34459,13 +34425,13 @@
   <p:clrMapOvr>
     <a:masterClrMapping/>
   </p:clrMapOvr>
-  <mc:AlternateContent xmlns:mc="http://schemas.openxmlformats.org/markup-compatibility/2006">
-    <mc:Choice xmlns:p14="http://schemas.microsoft.com/office/powerpoint/2010/main" Requires="p14">
+  <mc:AlternateContent xmlns:mc="http://schemas.openxmlformats.org/markup-compatibility/2006" xmlns:p14="http://schemas.microsoft.com/office/powerpoint/2010/main">
+    <mc:Choice Requires="p14">
       <p:transition p14:dur="300">
         <p:fade/>
       </p:transition>
     </mc:Choice>
-    <mc:Fallback>
+    <mc:Fallback xmlns="">
       <p:transition>
         <p:fade/>
       </p:transition>
@@ -34541,13 +34507,13 @@
   <p:clrMapOvr>
     <a:masterClrMapping/>
   </p:clrMapOvr>
-  <mc:AlternateContent xmlns:mc="http://schemas.openxmlformats.org/markup-compatibility/2006">
-    <mc:Choice xmlns:p14="http://schemas.microsoft.com/office/powerpoint/2010/main" Requires="p14">
+  <mc:AlternateContent xmlns:mc="http://schemas.openxmlformats.org/markup-compatibility/2006" xmlns:p14="http://schemas.microsoft.com/office/powerpoint/2010/main">
+    <mc:Choice Requires="p14">
       <p:transition p14:dur="300">
         <p:fade/>
       </p:transition>
     </mc:Choice>
-    <mc:Fallback>
+    <mc:Fallback xmlns="">
       <p:transition>
         <p:fade/>
       </p:transition>
@@ -34623,13 +34589,13 @@
   <p:clrMapOvr>
     <a:masterClrMapping/>
   </p:clrMapOvr>
-  <mc:AlternateContent xmlns:mc="http://schemas.openxmlformats.org/markup-compatibility/2006">
-    <mc:Choice xmlns:p14="http://schemas.microsoft.com/office/powerpoint/2010/main" Requires="p14">
+  <mc:AlternateContent xmlns:mc="http://schemas.openxmlformats.org/markup-compatibility/2006" xmlns:p14="http://schemas.microsoft.com/office/powerpoint/2010/main">
+    <mc:Choice Requires="p14">
       <p:transition p14:dur="300">
         <p:fade/>
       </p:transition>
     </mc:Choice>
-    <mc:Fallback>
+    <mc:Fallback xmlns="">
       <p:transition>
         <p:fade/>
       </p:transition>
@@ -34709,13 +34675,13 @@
   <p:clrMapOvr>
     <a:masterClrMapping/>
   </p:clrMapOvr>
-  <mc:AlternateContent xmlns:mc="http://schemas.openxmlformats.org/markup-compatibility/2006">
-    <mc:Choice xmlns:p14="http://schemas.microsoft.com/office/powerpoint/2010/main" Requires="p14">
+  <mc:AlternateContent xmlns:mc="http://schemas.openxmlformats.org/markup-compatibility/2006" xmlns:p14="http://schemas.microsoft.com/office/powerpoint/2010/main">
+    <mc:Choice Requires="p14">
       <p:transition p14:dur="300">
         <p:fade/>
       </p:transition>
     </mc:Choice>
-    <mc:Fallback>
+    <mc:Fallback xmlns="">
       <p:transition>
         <p:fade/>
       </p:transition>
@@ -34799,13 +34765,13 @@
   <p:clrMapOvr>
     <a:masterClrMapping/>
   </p:clrMapOvr>
-  <mc:AlternateContent xmlns:mc="http://schemas.openxmlformats.org/markup-compatibility/2006">
-    <mc:Choice xmlns:p14="http://schemas.microsoft.com/office/powerpoint/2010/main" Requires="p14">
+  <mc:AlternateContent xmlns:mc="http://schemas.openxmlformats.org/markup-compatibility/2006" xmlns:p14="http://schemas.microsoft.com/office/powerpoint/2010/main">
+    <mc:Choice Requires="p14">
       <p:transition p14:dur="300">
         <p:fade/>
       </p:transition>
     </mc:Choice>
-    <mc:Fallback>
+    <mc:Fallback xmlns="">
       <p:transition>
         <p:fade/>
       </p:transition>
@@ -34885,13 +34851,13 @@
   <p:clrMapOvr>
     <a:masterClrMapping/>
   </p:clrMapOvr>
-  <mc:AlternateContent xmlns:mc="http://schemas.openxmlformats.org/markup-compatibility/2006">
-    <mc:Choice xmlns:p14="http://schemas.microsoft.com/office/powerpoint/2010/main" Requires="p14">
+  <mc:AlternateContent xmlns:mc="http://schemas.openxmlformats.org/markup-compatibility/2006" xmlns:p14="http://schemas.microsoft.com/office/powerpoint/2010/main">
+    <mc:Choice Requires="p14">
       <p:transition p14:dur="300">
         <p:fade/>
       </p:transition>
     </mc:Choice>
-    <mc:Fallback>
+    <mc:Fallback xmlns="">
       <p:transition>
         <p:fade/>
       </p:transition>
@@ -34967,13 +34933,13 @@
   <p:clrMapOvr>
     <a:masterClrMapping/>
   </p:clrMapOvr>
-  <mc:AlternateContent xmlns:mc="http://schemas.openxmlformats.org/markup-compatibility/2006">
-    <mc:Choice xmlns:p14="http://schemas.microsoft.com/office/powerpoint/2010/main" Requires="p14">
+  <mc:AlternateContent xmlns:mc="http://schemas.openxmlformats.org/markup-compatibility/2006" xmlns:p14="http://schemas.microsoft.com/office/powerpoint/2010/main">
+    <mc:Choice Requires="p14">
       <p:transition p14:dur="300">
         <p:fade/>
       </p:transition>
     </mc:Choice>
-    <mc:Fallback>
+    <mc:Fallback xmlns="">
       <p:transition>
         <p:fade/>
       </p:transition>
@@ -35053,13 +35019,13 @@
   <p:clrMapOvr>
     <a:masterClrMapping/>
   </p:clrMapOvr>
-  <mc:AlternateContent xmlns:mc="http://schemas.openxmlformats.org/markup-compatibility/2006">
-    <mc:Choice xmlns:p14="http://schemas.microsoft.com/office/powerpoint/2010/main" Requires="p14">
+  <mc:AlternateContent xmlns:mc="http://schemas.openxmlformats.org/markup-compatibility/2006" xmlns:p14="http://schemas.microsoft.com/office/powerpoint/2010/main">
+    <mc:Choice Requires="p14">
       <p:transition p14:dur="300">
         <p:fade/>
       </p:transition>
     </mc:Choice>
-    <mc:Fallback>
+    <mc:Fallback xmlns="">
       <p:transition>
         <p:fade/>
       </p:transition>
@@ -35139,13 +35105,13 @@
   <p:clrMapOvr>
     <a:masterClrMapping/>
   </p:clrMapOvr>
-  <mc:AlternateContent xmlns:mc="http://schemas.openxmlformats.org/markup-compatibility/2006">
-    <mc:Choice xmlns:p14="http://schemas.microsoft.com/office/powerpoint/2010/main" Requires="p14">
+  <mc:AlternateContent xmlns:mc="http://schemas.openxmlformats.org/markup-compatibility/2006" xmlns:p14="http://schemas.microsoft.com/office/powerpoint/2010/main">
+    <mc:Choice Requires="p14">
       <p:transition p14:dur="300">
         <p:fade/>
       </p:transition>
     </mc:Choice>
-    <mc:Fallback>
+    <mc:Fallback xmlns="">
       <p:transition>
         <p:fade/>
       </p:transition>
@@ -35225,13 +35191,13 @@
   <p:clrMapOvr>
     <a:masterClrMapping/>
   </p:clrMapOvr>
-  <mc:AlternateContent xmlns:mc="http://schemas.openxmlformats.org/markup-compatibility/2006">
-    <mc:Choice xmlns:p14="http://schemas.microsoft.com/office/powerpoint/2010/main" Requires="p14">
+  <mc:AlternateContent xmlns:mc="http://schemas.openxmlformats.org/markup-compatibility/2006" xmlns:p14="http://schemas.microsoft.com/office/powerpoint/2010/main">
+    <mc:Choice Requires="p14">
       <p:transition p14:dur="300">
         <p:fade/>
       </p:transition>
     </mc:Choice>
-    <mc:Fallback>
+    <mc:Fallback xmlns="">
       <p:transition>
         <p:fade/>
       </p:transition>
@@ -35315,13 +35281,13 @@
   <p:clrMapOvr>
     <a:masterClrMapping/>
   </p:clrMapOvr>
-  <mc:AlternateContent xmlns:mc="http://schemas.openxmlformats.org/markup-compatibility/2006">
-    <mc:Choice xmlns:p14="http://schemas.microsoft.com/office/powerpoint/2010/main" Requires="p14">
+  <mc:AlternateContent xmlns:mc="http://schemas.openxmlformats.org/markup-compatibility/2006" xmlns:p14="http://schemas.microsoft.com/office/powerpoint/2010/main">
+    <mc:Choice Requires="p14">
       <p:transition p14:dur="300">
         <p:fade/>
       </p:transition>
     </mc:Choice>
-    <mc:Fallback>
+    <mc:Fallback xmlns="">
       <p:transition>
         <p:fade/>
       </p:transition>
@@ -35397,13 +35363,13 @@
   <p:clrMapOvr>
     <a:masterClrMapping/>
   </p:clrMapOvr>
-  <mc:AlternateContent xmlns:mc="http://schemas.openxmlformats.org/markup-compatibility/2006">
-    <mc:Choice xmlns:p14="http://schemas.microsoft.com/office/powerpoint/2010/main" Requires="p14">
+  <mc:AlternateContent xmlns:mc="http://schemas.openxmlformats.org/markup-compatibility/2006" xmlns:p14="http://schemas.microsoft.com/office/powerpoint/2010/main">
+    <mc:Choice Requires="p14">
       <p:transition p14:dur="300">
         <p:fade/>
       </p:transition>
     </mc:Choice>
-    <mc:Fallback>
+    <mc:Fallback xmlns="">
       <p:transition>
         <p:fade/>
       </p:transition>
@@ -35483,13 +35449,13 @@
   <p:clrMapOvr>
     <a:masterClrMapping/>
   </p:clrMapOvr>
-  <mc:AlternateContent xmlns:mc="http://schemas.openxmlformats.org/markup-compatibility/2006">
-    <mc:Choice xmlns:p14="http://schemas.microsoft.com/office/powerpoint/2010/main" Requires="p14">
+  <mc:AlternateContent xmlns:mc="http://schemas.openxmlformats.org/markup-compatibility/2006" xmlns:p14="http://schemas.microsoft.com/office/powerpoint/2010/main">
+    <mc:Choice Requires="p14">
       <p:transition p14:dur="300">
         <p:fade/>
       </p:transition>
     </mc:Choice>
-    <mc:Fallback>
+    <mc:Fallback xmlns="">
       <p:transition>
         <p:fade/>
       </p:transition>
@@ -35577,13 +35543,13 @@
   <p:clrMapOvr>
     <a:masterClrMapping/>
   </p:clrMapOvr>
-  <mc:AlternateContent xmlns:mc="http://schemas.openxmlformats.org/markup-compatibility/2006">
-    <mc:Choice xmlns:p14="http://schemas.microsoft.com/office/powerpoint/2010/main" Requires="p14">
+  <mc:AlternateContent xmlns:mc="http://schemas.openxmlformats.org/markup-compatibility/2006" xmlns:p14="http://schemas.microsoft.com/office/powerpoint/2010/main">
+    <mc:Choice Requires="p14">
       <p:transition p14:dur="300">
         <p:fade/>
       </p:transition>
     </mc:Choice>
-    <mc:Fallback>
+    <mc:Fallback xmlns="">
       <p:transition>
         <p:fade/>
       </p:transition>
@@ -35659,13 +35625,13 @@
   <p:clrMapOvr>
     <a:masterClrMapping/>
   </p:clrMapOvr>
-  <mc:AlternateContent xmlns:mc="http://schemas.openxmlformats.org/markup-compatibility/2006">
-    <mc:Choice xmlns:p14="http://schemas.microsoft.com/office/powerpoint/2010/main" Requires="p14">
+  <mc:AlternateContent xmlns:mc="http://schemas.openxmlformats.org/markup-compatibility/2006" xmlns:p14="http://schemas.microsoft.com/office/powerpoint/2010/main">
+    <mc:Choice Requires="p14">
       <p:transition p14:dur="300">
         <p:fade/>
       </p:transition>
     </mc:Choice>
-    <mc:Fallback>
+    <mc:Fallback xmlns="">
       <p:transition>
         <p:fade/>
       </p:transition>
@@ -35741,13 +35707,13 @@
   <p:clrMapOvr>
     <a:masterClrMapping/>
   </p:clrMapOvr>
-  <mc:AlternateContent xmlns:mc="http://schemas.openxmlformats.org/markup-compatibility/2006">
-    <mc:Choice xmlns:p14="http://schemas.microsoft.com/office/powerpoint/2010/main" Requires="p14">
+  <mc:AlternateContent xmlns:mc="http://schemas.openxmlformats.org/markup-compatibility/2006" xmlns:p14="http://schemas.microsoft.com/office/powerpoint/2010/main">
+    <mc:Choice Requires="p14">
       <p:transition p14:dur="300">
         <p:fade/>
       </p:transition>
     </mc:Choice>
-    <mc:Fallback>
+    <mc:Fallback xmlns="">
       <p:transition>
         <p:fade/>
       </p:transition>
@@ -35823,13 +35789,13 @@
   <p:clrMapOvr>
     <a:masterClrMapping/>
   </p:clrMapOvr>
-  <mc:AlternateContent xmlns:mc="http://schemas.openxmlformats.org/markup-compatibility/2006">
-    <mc:Choice xmlns:p14="http://schemas.microsoft.com/office/powerpoint/2010/main" Requires="p14">
+  <mc:AlternateContent xmlns:mc="http://schemas.openxmlformats.org/markup-compatibility/2006" xmlns:p14="http://schemas.microsoft.com/office/powerpoint/2010/main">
+    <mc:Choice Requires="p14">
       <p:transition p14:dur="300">
         <p:fade/>
       </p:transition>
     </mc:Choice>
-    <mc:Fallback>
+    <mc:Fallback xmlns="">
       <p:transition>
         <p:fade/>
       </p:transition>
@@ -35905,13 +35871,13 @@
   <p:clrMapOvr>
     <a:masterClrMapping/>
   </p:clrMapOvr>
-  <mc:AlternateContent xmlns:mc="http://schemas.openxmlformats.org/markup-compatibility/2006">
-    <mc:Choice xmlns:p14="http://schemas.microsoft.com/office/powerpoint/2010/main" Requires="p14">
+  <mc:AlternateContent xmlns:mc="http://schemas.openxmlformats.org/markup-compatibility/2006" xmlns:p14="http://schemas.microsoft.com/office/powerpoint/2010/main">
+    <mc:Choice Requires="p14">
       <p:transition p14:dur="300">
         <p:fade/>
       </p:transition>
     </mc:Choice>
-    <mc:Fallback>
+    <mc:Fallback xmlns="">
       <p:transition>
         <p:fade/>
       </p:transition>
@@ -35987,13 +35953,13 @@
   <p:clrMapOvr>
     <a:masterClrMapping/>
   </p:clrMapOvr>
-  <mc:AlternateContent xmlns:mc="http://schemas.openxmlformats.org/markup-compatibility/2006">
-    <mc:Choice xmlns:p14="http://schemas.microsoft.com/office/powerpoint/2010/main" Requires="p14">
+  <mc:AlternateContent xmlns:mc="http://schemas.openxmlformats.org/markup-compatibility/2006" xmlns:p14="http://schemas.microsoft.com/office/powerpoint/2010/main">
+    <mc:Choice Requires="p14">
       <p:transition p14:dur="300">
         <p:fade/>
       </p:transition>
     </mc:Choice>
-    <mc:Fallback>
+    <mc:Fallback xmlns="">
       <p:transition>
         <p:fade/>
       </p:transition>
@@ -36073,13 +36039,13 @@
   <p:clrMapOvr>
     <a:masterClrMapping/>
   </p:clrMapOvr>
-  <mc:AlternateContent xmlns:mc="http://schemas.openxmlformats.org/markup-compatibility/2006">
-    <mc:Choice xmlns:p14="http://schemas.microsoft.com/office/powerpoint/2010/main" Requires="p14">
+  <mc:AlternateContent xmlns:mc="http://schemas.openxmlformats.org/markup-compatibility/2006" xmlns:p14="http://schemas.microsoft.com/office/powerpoint/2010/main">
+    <mc:Choice Requires="p14">
       <p:transition p14:dur="300">
         <p:fade/>
       </p:transition>
     </mc:Choice>
-    <mc:Fallback>
+    <mc:Fallback xmlns="">
       <p:transition>
         <p:fade/>
       </p:transition>
@@ -36186,13 +36152,13 @@
   <p:clrMapOvr>
     <a:masterClrMapping/>
   </p:clrMapOvr>
-  <mc:AlternateContent xmlns:mc="http://schemas.openxmlformats.org/markup-compatibility/2006">
-    <mc:Choice xmlns:p14="http://schemas.microsoft.com/office/powerpoint/2010/main" Requires="p14">
+  <mc:AlternateContent xmlns:mc="http://schemas.openxmlformats.org/markup-compatibility/2006" xmlns:p14="http://schemas.microsoft.com/office/powerpoint/2010/main">
+    <mc:Choice Requires="p14">
       <p:transition p14:dur="300">
         <p:fade/>
       </p:transition>
     </mc:Choice>
-    <mc:Fallback>
+    <mc:Fallback xmlns="">
       <p:transition>
         <p:fade/>
       </p:transition>
@@ -36373,13 +36339,13 @@
   <p:clrMapOvr>
     <a:masterClrMapping/>
   </p:clrMapOvr>
-  <mc:AlternateContent xmlns:mc="http://schemas.openxmlformats.org/markup-compatibility/2006">
-    <mc:Choice xmlns:p14="http://schemas.microsoft.com/office/powerpoint/2010/main" Requires="p14">
+  <mc:AlternateContent xmlns:mc="http://schemas.openxmlformats.org/markup-compatibility/2006" xmlns:p14="http://schemas.microsoft.com/office/powerpoint/2010/main">
+    <mc:Choice Requires="p14">
       <p:transition p14:dur="300">
         <p:fade/>
       </p:transition>
     </mc:Choice>
-    <mc:Fallback>
+    <mc:Fallback xmlns="">
       <p:transition>
         <p:fade/>
       </p:transition>
@@ -36459,13 +36425,13 @@
   <p:clrMapOvr>
     <a:masterClrMapping/>
   </p:clrMapOvr>
-  <mc:AlternateContent xmlns:mc="http://schemas.openxmlformats.org/markup-compatibility/2006">
-    <mc:Choice xmlns:p14="http://schemas.microsoft.com/office/powerpoint/2010/main" Requires="p14">
+  <mc:AlternateContent xmlns:mc="http://schemas.openxmlformats.org/markup-compatibility/2006" xmlns:p14="http://schemas.microsoft.com/office/powerpoint/2010/main">
+    <mc:Choice Requires="p14">
       <p:transition p14:dur="300">
         <p:fade/>
       </p:transition>
     </mc:Choice>
-    <mc:Fallback>
+    <mc:Fallback xmlns="">
       <p:transition>
         <p:fade/>
       </p:transition>
@@ -36545,13 +36511,13 @@
   <p:clrMapOvr>
     <a:masterClrMapping/>
   </p:clrMapOvr>
-  <mc:AlternateContent xmlns:mc="http://schemas.openxmlformats.org/markup-compatibility/2006">
-    <mc:Choice xmlns:p14="http://schemas.microsoft.com/office/powerpoint/2010/main" Requires="p14">
+  <mc:AlternateContent xmlns:mc="http://schemas.openxmlformats.org/markup-compatibility/2006" xmlns:p14="http://schemas.microsoft.com/office/powerpoint/2010/main">
+    <mc:Choice Requires="p14">
       <p:transition p14:dur="300">
         <p:fade/>
       </p:transition>
     </mc:Choice>
-    <mc:Fallback>
+    <mc:Fallback xmlns="">
       <p:transition>
         <p:fade/>
       </p:transition>
@@ -36627,13 +36593,13 @@
   <p:clrMapOvr>
     <a:masterClrMapping/>
   </p:clrMapOvr>
-  <mc:AlternateContent xmlns:mc="http://schemas.openxmlformats.org/markup-compatibility/2006">
-    <mc:Choice xmlns:p14="http://schemas.microsoft.com/office/powerpoint/2010/main" Requires="p14">
+  <mc:AlternateContent xmlns:mc="http://schemas.openxmlformats.org/markup-compatibility/2006" xmlns:p14="http://schemas.microsoft.com/office/powerpoint/2010/main">
+    <mc:Choice Requires="p14">
       <p:transition p14:dur="300">
         <p:fade/>
       </p:transition>
     </mc:Choice>
-    <mc:Fallback>
+    <mc:Fallback xmlns="">
       <p:transition>
         <p:fade/>
       </p:transition>
@@ -36713,13 +36679,13 @@
   <p:clrMapOvr>
     <a:masterClrMapping/>
   </p:clrMapOvr>
-  <mc:AlternateContent xmlns:mc="http://schemas.openxmlformats.org/markup-compatibility/2006">
-    <mc:Choice xmlns:p14="http://schemas.microsoft.com/office/powerpoint/2010/main" Requires="p14">
+  <mc:AlternateContent xmlns:mc="http://schemas.openxmlformats.org/markup-compatibility/2006" xmlns:p14="http://schemas.microsoft.com/office/powerpoint/2010/main">
+    <mc:Choice Requires="p14">
       <p:transition p14:dur="300">
         <p:fade/>
       </p:transition>
     </mc:Choice>
-    <mc:Fallback>
+    <mc:Fallback xmlns="">
       <p:transition>
         <p:fade/>
       </p:transition>
@@ -36795,13 +36761,13 @@
   <p:clrMapOvr>
     <a:masterClrMapping/>
   </p:clrMapOvr>
-  <mc:AlternateContent xmlns:mc="http://schemas.openxmlformats.org/markup-compatibility/2006">
-    <mc:Choice xmlns:p14="http://schemas.microsoft.com/office/powerpoint/2010/main" Requires="p14">
+  <mc:AlternateContent xmlns:mc="http://schemas.openxmlformats.org/markup-compatibility/2006" xmlns:p14="http://schemas.microsoft.com/office/powerpoint/2010/main">
+    <mc:Choice Requires="p14">
       <p:transition p14:dur="300">
         <p:fade/>
       </p:transition>
     </mc:Choice>
-    <mc:Fallback>
+    <mc:Fallback xmlns="">
       <p:transition>
         <p:fade/>
       </p:transition>
@@ -36877,13 +36843,13 @@
   <p:clrMapOvr>
     <a:masterClrMapping/>
   </p:clrMapOvr>
-  <mc:AlternateContent xmlns:mc="http://schemas.openxmlformats.org/markup-compatibility/2006">
-    <mc:Choice xmlns:p14="http://schemas.microsoft.com/office/powerpoint/2010/main" Requires="p14">
+  <mc:AlternateContent xmlns:mc="http://schemas.openxmlformats.org/markup-compatibility/2006" xmlns:p14="http://schemas.microsoft.com/office/powerpoint/2010/main">
+    <mc:Choice Requires="p14">
       <p:transition p14:dur="300">
         <p:fade/>
       </p:transition>
     </mc:Choice>
-    <mc:Fallback>
+    <mc:Fallback xmlns="">
       <p:transition>
         <p:fade/>
       </p:transition>
@@ -36966,13 +36932,13 @@
   <p:clrMapOvr>
     <a:masterClrMapping/>
   </p:clrMapOvr>
-  <mc:AlternateContent xmlns:mc="http://schemas.openxmlformats.org/markup-compatibility/2006">
-    <mc:Choice xmlns:p14="http://schemas.microsoft.com/office/powerpoint/2010/main" Requires="p14">
+  <mc:AlternateContent xmlns:mc="http://schemas.openxmlformats.org/markup-compatibility/2006" xmlns:p14="http://schemas.microsoft.com/office/powerpoint/2010/main">
+    <mc:Choice Requires="p14">
       <p:transition p14:dur="300">
         <p:fade/>
       </p:transition>
     </mc:Choice>
-    <mc:Fallback>
+    <mc:Fallback xmlns="">
       <p:transition>
         <p:fade/>
       </p:transition>
@@ -37048,13 +37014,13 @@
   <p:clrMapOvr>
     <a:masterClrMapping/>
   </p:clrMapOvr>
-  <mc:AlternateContent xmlns:mc="http://schemas.openxmlformats.org/markup-compatibility/2006">
-    <mc:Choice xmlns:p14="http://schemas.microsoft.com/office/powerpoint/2010/main" Requires="p14">
+  <mc:AlternateContent xmlns:mc="http://schemas.openxmlformats.org/markup-compatibility/2006" xmlns:p14="http://schemas.microsoft.com/office/powerpoint/2010/main">
+    <mc:Choice Requires="p14">
       <p:transition p14:dur="300">
         <p:fade/>
       </p:transition>
     </mc:Choice>
-    <mc:Fallback>
+    <mc:Fallback xmlns="">
       <p:transition>
         <p:fade/>
       </p:transition>
@@ -37130,13 +37096,13 @@
   <p:clrMapOvr>
     <a:masterClrMapping/>
   </p:clrMapOvr>
-  <mc:AlternateContent xmlns:mc="http://schemas.openxmlformats.org/markup-compatibility/2006">
-    <mc:Choice xmlns:p14="http://schemas.microsoft.com/office/powerpoint/2010/main" Requires="p14">
+  <mc:AlternateContent xmlns:mc="http://schemas.openxmlformats.org/markup-compatibility/2006" xmlns:p14="http://schemas.microsoft.com/office/powerpoint/2010/main">
+    <mc:Choice Requires="p14">
       <p:transition p14:dur="300">
         <p:fade/>
       </p:transition>
     </mc:Choice>
-    <mc:Fallback>
+    <mc:Fallback xmlns="">
       <p:transition>
         <p:fade/>
       </p:transition>
@@ -37212,13 +37178,13 @@
   <p:clrMapOvr>
     <a:masterClrMapping/>
   </p:clrMapOvr>
-  <mc:AlternateContent xmlns:mc="http://schemas.openxmlformats.org/markup-compatibility/2006">
-    <mc:Choice xmlns:p14="http://schemas.microsoft.com/office/powerpoint/2010/main" Requires="p14">
+  <mc:AlternateContent xmlns:mc="http://schemas.openxmlformats.org/markup-compatibility/2006" xmlns:p14="http://schemas.microsoft.com/office/powerpoint/2010/main">
+    <mc:Choice Requires="p14">
       <p:transition p14:dur="300">
         <p:fade/>
       </p:transition>
     </mc:Choice>
-    <mc:Fallback>
+    <mc:Fallback xmlns="">
       <p:transition>
         <p:fade/>
       </p:transition>
@@ -37306,13 +37272,13 @@
   <p:clrMapOvr>
     <a:masterClrMapping/>
   </p:clrMapOvr>
-  <mc:AlternateContent xmlns:mc="http://schemas.openxmlformats.org/markup-compatibility/2006">
-    <mc:Choice xmlns:p14="http://schemas.microsoft.com/office/powerpoint/2010/main" Requires="p14">
+  <mc:AlternateContent xmlns:mc="http://schemas.openxmlformats.org/markup-compatibility/2006" xmlns:p14="http://schemas.microsoft.com/office/powerpoint/2010/main">
+    <mc:Choice Requires="p14">
       <p:transition p14:dur="300">
         <p:fade/>
       </p:transition>
     </mc:Choice>
-    <mc:Fallback>
+    <mc:Fallback xmlns="">
       <p:transition>
         <p:fade/>
       </p:transition>
@@ -37396,13 +37362,13 @@
   <p:clrMapOvr>
     <a:masterClrMapping/>
   </p:clrMapOvr>
-  <mc:AlternateContent xmlns:mc="http://schemas.openxmlformats.org/markup-compatibility/2006">
-    <mc:Choice xmlns:p14="http://schemas.microsoft.com/office/powerpoint/2010/main" Requires="p14">
+  <mc:AlternateContent xmlns:mc="http://schemas.openxmlformats.org/markup-compatibility/2006" xmlns:p14="http://schemas.microsoft.com/office/powerpoint/2010/main">
+    <mc:Choice Requires="p14">
       <p:transition p14:dur="300">
         <p:fade/>
       </p:transition>
     </mc:Choice>
-    <mc:Fallback>
+    <mc:Fallback xmlns="">
       <p:transition>
         <p:fade/>
       </p:transition>
@@ -37478,13 +37444,13 @@
   <p:clrMapOvr>
     <a:masterClrMapping/>
   </p:clrMapOvr>
-  <mc:AlternateContent xmlns:mc="http://schemas.openxmlformats.org/markup-compatibility/2006">
-    <mc:Choice xmlns:p14="http://schemas.microsoft.com/office/powerpoint/2010/main" Requires="p14">
+  <mc:AlternateContent xmlns:mc="http://schemas.openxmlformats.org/markup-compatibility/2006" xmlns:p14="http://schemas.microsoft.com/office/powerpoint/2010/main">
+    <mc:Choice Requires="p14">
       <p:transition p14:dur="300">
         <p:fade/>
       </p:transition>
     </mc:Choice>
-    <mc:Fallback>
+    <mc:Fallback xmlns="">
       <p:transition>
         <p:fade/>
       </p:transition>
@@ -37560,13 +37526,13 @@
   <p:clrMapOvr>
     <a:masterClrMapping/>
   </p:clrMapOvr>
-  <mc:AlternateContent xmlns:mc="http://schemas.openxmlformats.org/markup-compatibility/2006">
-    <mc:Choice xmlns:p14="http://schemas.microsoft.com/office/powerpoint/2010/main" Requires="p14">
+  <mc:AlternateContent xmlns:mc="http://schemas.openxmlformats.org/markup-compatibility/2006" xmlns:p14="http://schemas.microsoft.com/office/powerpoint/2010/main">
+    <mc:Choice Requires="p14">
       <p:transition p14:dur="300">
         <p:fade/>
       </p:transition>
     </mc:Choice>
-    <mc:Fallback>
+    <mc:Fallback xmlns="">
       <p:transition>
         <p:fade/>
       </p:transition>
@@ -37650,13 +37616,13 @@
   <p:clrMapOvr>
     <a:masterClrMapping/>
   </p:clrMapOvr>
-  <mc:AlternateContent xmlns:mc="http://schemas.openxmlformats.org/markup-compatibility/2006">
-    <mc:Choice xmlns:p14="http://schemas.microsoft.com/office/powerpoint/2010/main" Requires="p14">
+  <mc:AlternateContent xmlns:mc="http://schemas.openxmlformats.org/markup-compatibility/2006" xmlns:p14="http://schemas.microsoft.com/office/powerpoint/2010/main">
+    <mc:Choice Requires="p14">
       <p:transition p14:dur="300">
         <p:fade/>
       </p:transition>
     </mc:Choice>
-    <mc:Fallback>
+    <mc:Fallback xmlns="">
       <p:transition>
         <p:fade/>
       </p:transition>
@@ -37732,13 +37698,13 @@
   <p:clrMapOvr>
     <a:masterClrMapping/>
   </p:clrMapOvr>
-  <mc:AlternateContent xmlns:mc="http://schemas.openxmlformats.org/markup-compatibility/2006">
-    <mc:Choice xmlns:p14="http://schemas.microsoft.com/office/powerpoint/2010/main" Requires="p14">
+  <mc:AlternateContent xmlns:mc="http://schemas.openxmlformats.org/markup-compatibility/2006" xmlns:p14="http://schemas.microsoft.com/office/powerpoint/2010/main">
+    <mc:Choice Requires="p14">
       <p:transition p14:dur="300">
         <p:fade/>
       </p:transition>
     </mc:Choice>
-    <mc:Fallback>
+    <mc:Fallback xmlns="">
       <p:transition>
         <p:fade/>
       </p:transition>
@@ -37814,13 +37780,13 @@
   <p:clrMapOvr>
     <a:masterClrMapping/>
   </p:clrMapOvr>
-  <mc:AlternateContent xmlns:mc="http://schemas.openxmlformats.org/markup-compatibility/2006">
-    <mc:Choice xmlns:p14="http://schemas.microsoft.com/office/powerpoint/2010/main" Requires="p14">
+  <mc:AlternateContent xmlns:mc="http://schemas.openxmlformats.org/markup-compatibility/2006" xmlns:p14="http://schemas.microsoft.com/office/powerpoint/2010/main">
+    <mc:Choice Requires="p14">
       <p:transition p14:dur="300">
         <p:fade/>
       </p:transition>
     </mc:Choice>
-    <mc:Fallback>
+    <mc:Fallback xmlns="">
       <p:transition>
         <p:fade/>
       </p:transition>
@@ -37912,13 +37878,13 @@
   <p:clrMapOvr>
     <a:masterClrMapping/>
   </p:clrMapOvr>
-  <mc:AlternateContent xmlns:mc="http://schemas.openxmlformats.org/markup-compatibility/2006">
-    <mc:Choice xmlns:p14="http://schemas.microsoft.com/office/powerpoint/2010/main" Requires="p14">
+  <mc:AlternateContent xmlns:mc="http://schemas.openxmlformats.org/markup-compatibility/2006" xmlns:p14="http://schemas.microsoft.com/office/powerpoint/2010/main">
+    <mc:Choice Requires="p14">
       <p:transition p14:dur="300">
         <p:fade/>
       </p:transition>
     </mc:Choice>
-    <mc:Fallback>
+    <mc:Fallback xmlns="">
       <p:transition>
         <p:fade/>
       </p:transition>
@@ -38006,13 +37972,13 @@
   <p:clrMapOvr>
     <a:masterClrMapping/>
   </p:clrMapOvr>
-  <mc:AlternateContent xmlns:mc="http://schemas.openxmlformats.org/markup-compatibility/2006">
-    <mc:Choice xmlns:p14="http://schemas.microsoft.com/office/powerpoint/2010/main" Requires="p14">
+  <mc:AlternateContent xmlns:mc="http://schemas.openxmlformats.org/markup-compatibility/2006" xmlns:p14="http://schemas.microsoft.com/office/powerpoint/2010/main">
+    <mc:Choice Requires="p14">
       <p:transition p14:dur="300">
         <p:fade/>
       </p:transition>
     </mc:Choice>
-    <mc:Fallback>
+    <mc:Fallback xmlns="">
       <p:transition>
         <p:fade/>
       </p:transition>
@@ -38092,13 +38058,13 @@
   <p:clrMapOvr>
     <a:masterClrMapping/>
   </p:clrMapOvr>
-  <mc:AlternateContent xmlns:mc="http://schemas.openxmlformats.org/markup-compatibility/2006">
-    <mc:Choice xmlns:p14="http://schemas.microsoft.com/office/powerpoint/2010/main" Requires="p14">
+  <mc:AlternateContent xmlns:mc="http://schemas.openxmlformats.org/markup-compatibility/2006" xmlns:p14="http://schemas.microsoft.com/office/powerpoint/2010/main">
+    <mc:Choice Requires="p14">
       <p:transition p14:dur="300">
         <p:fade/>
       </p:transition>
     </mc:Choice>
-    <mc:Fallback>
+    <mc:Fallback xmlns="">
       <p:transition>
         <p:fade/>
       </p:transition>
@@ -38174,13 +38140,13 @@
   <p:clrMapOvr>
     <a:masterClrMapping/>
   </p:clrMapOvr>
-  <mc:AlternateContent xmlns:mc="http://schemas.openxmlformats.org/markup-compatibility/2006">
-    <mc:Choice xmlns:p14="http://schemas.microsoft.com/office/powerpoint/2010/main" Requires="p14">
+  <mc:AlternateContent xmlns:mc="http://schemas.openxmlformats.org/markup-compatibility/2006" xmlns:p14="http://schemas.microsoft.com/office/powerpoint/2010/main">
+    <mc:Choice Requires="p14">
       <p:transition p14:dur="300">
         <p:fade/>
       </p:transition>
     </mc:Choice>
-    <mc:Fallback>
+    <mc:Fallback xmlns="">
       <p:transition>
         <p:fade/>
       </p:transition>
@@ -38260,13 +38226,13 @@
   <p:clrMapOvr>
     <a:masterClrMapping/>
   </p:clrMapOvr>
-  <mc:AlternateContent xmlns:mc="http://schemas.openxmlformats.org/markup-compatibility/2006">
-    <mc:Choice xmlns:p14="http://schemas.microsoft.com/office/powerpoint/2010/main" Requires="p14">
+  <mc:AlternateContent xmlns:mc="http://schemas.openxmlformats.org/markup-compatibility/2006" xmlns:p14="http://schemas.microsoft.com/office/powerpoint/2010/main">
+    <mc:Choice Requires="p14">
       <p:transition p14:dur="300">
         <p:fade/>
       </p:transition>
     </mc:Choice>
-    <mc:Fallback>
+    <mc:Fallback xmlns="">
       <p:transition>
         <p:fade/>
       </p:transition>
@@ -38346,13 +38312,13 @@
   <p:clrMapOvr>
     <a:masterClrMapping/>
   </p:clrMapOvr>
-  <mc:AlternateContent xmlns:mc="http://schemas.openxmlformats.org/markup-compatibility/2006">
-    <mc:Choice xmlns:p14="http://schemas.microsoft.com/office/powerpoint/2010/main" Requires="p14">
+  <mc:AlternateContent xmlns:mc="http://schemas.openxmlformats.org/markup-compatibility/2006" xmlns:p14="http://schemas.microsoft.com/office/powerpoint/2010/main">
+    <mc:Choice Requires="p14">
       <p:transition p14:dur="300">
         <p:fade/>
       </p:transition>
     </mc:Choice>
-    <mc:Fallback>
+    <mc:Fallback xmlns="">
       <p:transition>
         <p:fade/>
       </p:transition>
@@ -38432,13 +38398,13 @@
   <p:clrMapOvr>
     <a:masterClrMapping/>
   </p:clrMapOvr>
-  <mc:AlternateContent xmlns:mc="http://schemas.openxmlformats.org/markup-compatibility/2006">
-    <mc:Choice xmlns:p14="http://schemas.microsoft.com/office/powerpoint/2010/main" Requires="p14">
+  <mc:AlternateContent xmlns:mc="http://schemas.openxmlformats.org/markup-compatibility/2006" xmlns:p14="http://schemas.microsoft.com/office/powerpoint/2010/main">
+    <mc:Choice Requires="p14">
       <p:transition p14:dur="300">
         <p:fade/>
       </p:transition>
     </mc:Choice>
-    <mc:Fallback>
+    <mc:Fallback xmlns="">
       <p:transition>
         <p:fade/>
       </p:transition>
@@ -38514,13 +38480,13 @@
   <p:clrMapOvr>
     <a:masterClrMapping/>
   </p:clrMapOvr>
-  <mc:AlternateContent xmlns:mc="http://schemas.openxmlformats.org/markup-compatibility/2006">
-    <mc:Choice xmlns:p14="http://schemas.microsoft.com/office/powerpoint/2010/main" Requires="p14">
+  <mc:AlternateContent xmlns:mc="http://schemas.openxmlformats.org/markup-compatibility/2006" xmlns:p14="http://schemas.microsoft.com/office/powerpoint/2010/main">
+    <mc:Choice Requires="p14">
       <p:transition p14:dur="300">
         <p:fade/>
       </p:transition>
     </mc:Choice>
-    <mc:Fallback>
+    <mc:Fallback xmlns="">
       <p:transition>
         <p:fade/>
       </p:transition>
@@ -38600,13 +38566,13 @@
   <p:clrMapOvr>
     <a:masterClrMapping/>
   </p:clrMapOvr>
-  <mc:AlternateContent xmlns:mc="http://schemas.openxmlformats.org/markup-compatibility/2006">
-    <mc:Choice xmlns:p14="http://schemas.microsoft.com/office/powerpoint/2010/main" Requires="p14">
+  <mc:AlternateContent xmlns:mc="http://schemas.openxmlformats.org/markup-compatibility/2006" xmlns:p14="http://schemas.microsoft.com/office/powerpoint/2010/main">
+    <mc:Choice Requires="p14">
       <p:transition p14:dur="300">
         <p:fade/>
       </p:transition>
     </mc:Choice>
-    <mc:Fallback>
+    <mc:Fallback xmlns="">
       <p:transition>
         <p:fade/>
       </p:transition>
@@ -38690,13 +38656,13 @@
   <p:clrMapOvr>
     <a:masterClrMapping/>
   </p:clrMapOvr>
-  <mc:AlternateContent xmlns:mc="http://schemas.openxmlformats.org/markup-compatibility/2006">
-    <mc:Choice xmlns:p14="http://schemas.microsoft.com/office/powerpoint/2010/main" Requires="p14">
+  <mc:AlternateContent xmlns:mc="http://schemas.openxmlformats.org/markup-compatibility/2006" xmlns:p14="http://schemas.microsoft.com/office/powerpoint/2010/main">
+    <mc:Choice Requires="p14">
       <p:transition p14:dur="300">
         <p:fade/>
       </p:transition>
     </mc:Choice>
-    <mc:Fallback>
+    <mc:Fallback xmlns="">
       <p:transition>
         <p:fade/>
       </p:transition>
@@ -38776,13 +38742,13 @@
   <p:clrMapOvr>
     <a:masterClrMapping/>
   </p:clrMapOvr>
-  <mc:AlternateContent xmlns:mc="http://schemas.openxmlformats.org/markup-compatibility/2006">
-    <mc:Choice xmlns:p14="http://schemas.microsoft.com/office/powerpoint/2010/main" Requires="p14">
+  <mc:AlternateContent xmlns:mc="http://schemas.openxmlformats.org/markup-compatibility/2006" xmlns:p14="http://schemas.microsoft.com/office/powerpoint/2010/main">
+    <mc:Choice Requires="p14">
       <p:transition p14:dur="300">
         <p:fade/>
       </p:transition>
     </mc:Choice>
-    <mc:Fallback>
+    <mc:Fallback xmlns="">
       <p:transition>
         <p:fade/>
       </p:transition>
@@ -38878,13 +38844,13 @@
   <p:clrMapOvr>
     <a:masterClrMapping/>
   </p:clrMapOvr>
-  <mc:AlternateContent xmlns:mc="http://schemas.openxmlformats.org/markup-compatibility/2006">
-    <mc:Choice xmlns:p14="http://schemas.microsoft.com/office/powerpoint/2010/main" Requires="p14">
+  <mc:AlternateContent xmlns:mc="http://schemas.openxmlformats.org/markup-compatibility/2006" xmlns:p14="http://schemas.microsoft.com/office/powerpoint/2010/main">
+    <mc:Choice Requires="p14">
       <p:transition p14:dur="300">
         <p:fade/>
       </p:transition>
     </mc:Choice>
-    <mc:Fallback>
+    <mc:Fallback xmlns="">
       <p:transition>
         <p:fade/>
       </p:transition>
@@ -38960,13 +38926,13 @@
   <p:clrMapOvr>
     <a:masterClrMapping/>
   </p:clrMapOvr>
-  <mc:AlternateContent xmlns:mc="http://schemas.openxmlformats.org/markup-compatibility/2006">
-    <mc:Choice xmlns:p14="http://schemas.microsoft.com/office/powerpoint/2010/main" Requires="p14">
+  <mc:AlternateContent xmlns:mc="http://schemas.openxmlformats.org/markup-compatibility/2006" xmlns:p14="http://schemas.microsoft.com/office/powerpoint/2010/main">
+    <mc:Choice Requires="p14">
       <p:transition p14:dur="300">
         <p:fade/>
       </p:transition>
     </mc:Choice>
-    <mc:Fallback>
+    <mc:Fallback xmlns="">
       <p:transition>
         <p:fade/>
       </p:transition>
@@ -39042,13 +39008,13 @@
   <p:clrMapOvr>
     <a:masterClrMapping/>
   </p:clrMapOvr>
-  <mc:AlternateContent xmlns:mc="http://schemas.openxmlformats.org/markup-compatibility/2006">
-    <mc:Choice xmlns:p14="http://schemas.microsoft.com/office/powerpoint/2010/main" Requires="p14">
+  <mc:AlternateContent xmlns:mc="http://schemas.openxmlformats.org/markup-compatibility/2006" xmlns:p14="http://schemas.microsoft.com/office/powerpoint/2010/main">
+    <mc:Choice Requires="p14">
       <p:transition p14:dur="300">
         <p:fade/>
       </p:transition>
     </mc:Choice>
-    <mc:Fallback>
+    <mc:Fallback xmlns="">
       <p:transition>
         <p:fade/>
       </p:transition>
@@ -39132,13 +39098,13 @@
   <p:clrMapOvr>
     <a:masterClrMapping/>
   </p:clrMapOvr>
-  <mc:AlternateContent xmlns:mc="http://schemas.openxmlformats.org/markup-compatibility/2006">
-    <mc:Choice xmlns:p14="http://schemas.microsoft.com/office/powerpoint/2010/main" Requires="p14">
+  <mc:AlternateContent xmlns:mc="http://schemas.openxmlformats.org/markup-compatibility/2006" xmlns:p14="http://schemas.microsoft.com/office/powerpoint/2010/main">
+    <mc:Choice Requires="p14">
       <p:transition p14:dur="300">
         <p:fade/>
       </p:transition>
     </mc:Choice>
-    <mc:Fallback>
+    <mc:Fallback xmlns="">
       <p:transition>
         <p:fade/>
       </p:transition>
@@ -39218,13 +39184,13 @@
   <p:clrMapOvr>
     <a:masterClrMapping/>
   </p:clrMapOvr>
-  <mc:AlternateContent xmlns:mc="http://schemas.openxmlformats.org/markup-compatibility/2006">
-    <mc:Choice xmlns:p14="http://schemas.microsoft.com/office/powerpoint/2010/main" Requires="p14">
+  <mc:AlternateContent xmlns:mc="http://schemas.openxmlformats.org/markup-compatibility/2006" xmlns:p14="http://schemas.microsoft.com/office/powerpoint/2010/main">
+    <mc:Choice Requires="p14">
       <p:transition p14:dur="300">
         <p:fade/>
       </p:transition>
     </mc:Choice>
-    <mc:Fallback>
+    <mc:Fallback xmlns="">
       <p:transition>
         <p:fade/>
       </p:transition>
@@ -39300,13 +39266,13 @@
   <p:clrMapOvr>
     <a:masterClrMapping/>
   </p:clrMapOvr>
-  <mc:AlternateContent xmlns:mc="http://schemas.openxmlformats.org/markup-compatibility/2006">
-    <mc:Choice xmlns:p14="http://schemas.microsoft.com/office/powerpoint/2010/main" Requires="p14">
+  <mc:AlternateContent xmlns:mc="http://schemas.openxmlformats.org/markup-compatibility/2006" xmlns:p14="http://schemas.microsoft.com/office/powerpoint/2010/main">
+    <mc:Choice Requires="p14">
       <p:transition p14:dur="300">
         <p:fade/>
       </p:transition>
     </mc:Choice>
-    <mc:Fallback>
+    <mc:Fallback xmlns="">
       <p:transition>
         <p:fade/>
       </p:transition>
@@ -39386,13 +39352,13 @@
   <p:clrMapOvr>
     <a:masterClrMapping/>
   </p:clrMapOvr>
-  <mc:AlternateContent xmlns:mc="http://schemas.openxmlformats.org/markup-compatibility/2006">
-    <mc:Choice xmlns:p14="http://schemas.microsoft.com/office/powerpoint/2010/main" Requires="p14">
+  <mc:AlternateContent xmlns:mc="http://schemas.openxmlformats.org/markup-compatibility/2006" xmlns:p14="http://schemas.microsoft.com/office/powerpoint/2010/main">
+    <mc:Choice Requires="p14">
       <p:transition p14:dur="300">
         <p:fade/>
       </p:transition>
     </mc:Choice>
-    <mc:Fallback>
+    <mc:Fallback xmlns="">
       <p:transition>
         <p:fade/>
       </p:transition>
@@ -39476,13 +39442,13 @@
   <p:clrMapOvr>
     <a:masterClrMapping/>
   </p:clrMapOvr>
-  <mc:AlternateContent xmlns:mc="http://schemas.openxmlformats.org/markup-compatibility/2006">
-    <mc:Choice xmlns:p14="http://schemas.microsoft.com/office/powerpoint/2010/main" Requires="p14">
+  <mc:AlternateContent xmlns:mc="http://schemas.openxmlformats.org/markup-compatibility/2006" xmlns:p14="http://schemas.microsoft.com/office/powerpoint/2010/main">
+    <mc:Choice Requires="p14">
       <p:transition p14:dur="300">
         <p:fade/>
       </p:transition>
     </mc:Choice>
-    <mc:Fallback>
+    <mc:Fallback xmlns="">
       <p:transition>
         <p:fade/>
       </p:transition>
@@ -39562,13 +39528,13 @@
   <p:clrMapOvr>
     <a:masterClrMapping/>
   </p:clrMapOvr>
-  <mc:AlternateContent xmlns:mc="http://schemas.openxmlformats.org/markup-compatibility/2006">
-    <mc:Choice xmlns:p14="http://schemas.microsoft.com/office/powerpoint/2010/main" Requires="p14">
+  <mc:AlternateContent xmlns:mc="http://schemas.openxmlformats.org/markup-compatibility/2006" xmlns:p14="http://schemas.microsoft.com/office/powerpoint/2010/main">
+    <mc:Choice Requires="p14">
       <p:transition p14:dur="300">
         <p:fade/>
       </p:transition>
     </mc:Choice>
-    <mc:Fallback>
+    <mc:Fallback xmlns="">
       <p:transition>
         <p:fade/>
       </p:transition>
@@ -39648,13 +39614,13 @@
   <p:clrMapOvr>
     <a:masterClrMapping/>
   </p:clrMapOvr>
-  <mc:AlternateContent xmlns:mc="http://schemas.openxmlformats.org/markup-compatibility/2006">
-    <mc:Choice xmlns:p14="http://schemas.microsoft.com/office/powerpoint/2010/main" Requires="p14">
+  <mc:AlternateContent xmlns:mc="http://schemas.openxmlformats.org/markup-compatibility/2006" xmlns:p14="http://schemas.microsoft.com/office/powerpoint/2010/main">
+    <mc:Choice Requires="p14">
       <p:transition p14:dur="300">
         <p:fade/>
       </p:transition>
     </mc:Choice>
-    <mc:Fallback>
+    <mc:Fallback xmlns="">
       <p:transition>
         <p:fade/>
       </p:transition>
@@ -39730,13 +39696,13 @@
   <p:clrMapOvr>
     <a:masterClrMapping/>
   </p:clrMapOvr>
-  <mc:AlternateContent xmlns:mc="http://schemas.openxmlformats.org/markup-compatibility/2006">
-    <mc:Choice xmlns:p14="http://schemas.microsoft.com/office/powerpoint/2010/main" Requires="p14">
+  <mc:AlternateContent xmlns:mc="http://schemas.openxmlformats.org/markup-compatibility/2006" xmlns:p14="http://schemas.microsoft.com/office/powerpoint/2010/main">
+    <mc:Choice Requires="p14">
       <p:transition p14:dur="300">
         <p:fade/>
       </p:transition>
     </mc:Choice>
-    <mc:Fallback>
+    <mc:Fallback xmlns="">
       <p:transition>
         <p:fade/>
       </p:transition>
@@ -39812,13 +39778,13 @@
   <p:clrMapOvr>
     <a:masterClrMapping/>
   </p:clrMapOvr>
-  <mc:AlternateContent xmlns:mc="http://schemas.openxmlformats.org/markup-compatibility/2006">
-    <mc:Choice xmlns:p14="http://schemas.microsoft.com/office/powerpoint/2010/main" Requires="p14">
+  <mc:AlternateContent xmlns:mc="http://schemas.openxmlformats.org/markup-compatibility/2006" xmlns:p14="http://schemas.microsoft.com/office/powerpoint/2010/main">
+    <mc:Choice Requires="p14">
       <p:transition p14:dur="300">
         <p:fade/>
       </p:transition>
     </mc:Choice>
-    <mc:Fallback>
+    <mc:Fallback xmlns="">
       <p:transition>
         <p:fade/>
       </p:transition>
@@ -39902,13 +39868,13 @@
   <p:clrMapOvr>
     <a:masterClrMapping/>
   </p:clrMapOvr>
-  <mc:AlternateContent xmlns:mc="http://schemas.openxmlformats.org/markup-compatibility/2006">
-    <mc:Choice xmlns:p14="http://schemas.microsoft.com/office/powerpoint/2010/main" Requires="p14">
+  <mc:AlternateContent xmlns:mc="http://schemas.openxmlformats.org/markup-compatibility/2006" xmlns:p14="http://schemas.microsoft.com/office/powerpoint/2010/main">
+    <mc:Choice Requires="p14">
       <p:transition p14:dur="300">
         <p:fade/>
       </p:transition>
     </mc:Choice>
-    <mc:Fallback>
+    <mc:Fallback xmlns="">
       <p:transition>
         <p:fade/>
       </p:transition>
@@ -39984,13 +39950,13 @@
   <p:clrMapOvr>
     <a:masterClrMapping/>
   </p:clrMapOvr>
-  <mc:AlternateContent xmlns:mc="http://schemas.openxmlformats.org/markup-compatibility/2006">
-    <mc:Choice xmlns:p14="http://schemas.microsoft.com/office/powerpoint/2010/main" Requires="p14">
+  <mc:AlternateContent xmlns:mc="http://schemas.openxmlformats.org/markup-compatibility/2006" xmlns:p14="http://schemas.microsoft.com/office/powerpoint/2010/main">
+    <mc:Choice Requires="p14">
       <p:transition p14:dur="300">
         <p:fade/>
       </p:transition>
     </mc:Choice>
-    <mc:Fallback>
+    <mc:Fallback xmlns="">
       <p:transition>
         <p:fade/>
       </p:transition>
@@ -40066,13 +40032,13 @@
   <p:clrMapOvr>
     <a:masterClrMapping/>
   </p:clrMapOvr>
-  <mc:AlternateContent xmlns:mc="http://schemas.openxmlformats.org/markup-compatibility/2006">
-    <mc:Choice xmlns:p14="http://schemas.microsoft.com/office/powerpoint/2010/main" Requires="p14">
+  <mc:AlternateContent xmlns:mc="http://schemas.openxmlformats.org/markup-compatibility/2006" xmlns:p14="http://schemas.microsoft.com/office/powerpoint/2010/main">
+    <mc:Choice Requires="p14">
       <p:transition p14:dur="300">
         <p:fade/>
       </p:transition>
     </mc:Choice>
-    <mc:Fallback>
+    <mc:Fallback xmlns="">
       <p:transition>
         <p:fade/>
       </p:transition>
@@ -40148,13 +40114,13 @@
   <p:clrMapOvr>
     <a:masterClrMapping/>
   </p:clrMapOvr>
-  <mc:AlternateContent xmlns:mc="http://schemas.openxmlformats.org/markup-compatibility/2006">
-    <mc:Choice xmlns:p14="http://schemas.microsoft.com/office/powerpoint/2010/main" Requires="p14">
+  <mc:AlternateContent xmlns:mc="http://schemas.openxmlformats.org/markup-compatibility/2006" xmlns:p14="http://schemas.microsoft.com/office/powerpoint/2010/main">
+    <mc:Choice Requires="p14">
       <p:transition p14:dur="300">
         <p:fade/>
       </p:transition>
     </mc:Choice>
-    <mc:Fallback>
+    <mc:Fallback xmlns="">
       <p:transition>
         <p:fade/>
       </p:transition>
@@ -40230,13 +40196,13 @@
   <p:clrMapOvr>
     <a:masterClrMapping/>
   </p:clrMapOvr>
-  <mc:AlternateContent xmlns:mc="http://schemas.openxmlformats.org/markup-compatibility/2006">
-    <mc:Choice xmlns:p14="http://schemas.microsoft.com/office/powerpoint/2010/main" Requires="p14">
+  <mc:AlternateContent xmlns:mc="http://schemas.openxmlformats.org/markup-compatibility/2006" xmlns:p14="http://schemas.microsoft.com/office/powerpoint/2010/main">
+    <mc:Choice Requires="p14">
       <p:transition p14:dur="300">
         <p:fade/>
       </p:transition>
     </mc:Choice>
-    <mc:Fallback>
+    <mc:Fallback xmlns="">
       <p:transition>
         <p:fade/>
       </p:transition>
@@ -40324,13 +40290,13 @@
   <p:clrMapOvr>
     <a:masterClrMapping/>
   </p:clrMapOvr>
-  <mc:AlternateContent xmlns:mc="http://schemas.openxmlformats.org/markup-compatibility/2006">
-    <mc:Choice xmlns:p14="http://schemas.microsoft.com/office/powerpoint/2010/main" Requires="p14">
+  <mc:AlternateContent xmlns:mc="http://schemas.openxmlformats.org/markup-compatibility/2006" xmlns:p14="http://schemas.microsoft.com/office/powerpoint/2010/main">
+    <mc:Choice Requires="p14">
       <p:transition p14:dur="300">
         <p:fade/>
       </p:transition>
     </mc:Choice>
-    <mc:Fallback>
+    <mc:Fallback xmlns="">
       <p:transition>
         <p:fade/>
       </p:transition>
@@ -40414,13 +40380,13 @@
   <p:clrMapOvr>
     <a:masterClrMapping/>
   </p:clrMapOvr>
-  <mc:AlternateContent xmlns:mc="http://schemas.openxmlformats.org/markup-compatibility/2006">
-    <mc:Choice xmlns:p14="http://schemas.microsoft.com/office/powerpoint/2010/main" Requires="p14">
+  <mc:AlternateContent xmlns:mc="http://schemas.openxmlformats.org/markup-compatibility/2006" xmlns:p14="http://schemas.microsoft.com/office/powerpoint/2010/main">
+    <mc:Choice Requires="p14">
       <p:transition p14:dur="300">
         <p:fade/>
       </p:transition>
     </mc:Choice>
-    <mc:Fallback>
+    <mc:Fallback xmlns="">
       <p:transition>
         <p:fade/>
       </p:transition>
@@ -40496,13 +40462,13 @@
   <p:clrMapOvr>
     <a:masterClrMapping/>
   </p:clrMapOvr>
-  <mc:AlternateContent xmlns:mc="http://schemas.openxmlformats.org/markup-compatibility/2006">
-    <mc:Choice xmlns:p14="http://schemas.microsoft.com/office/powerpoint/2010/main" Requires="p14">
+  <mc:AlternateContent xmlns:mc="http://schemas.openxmlformats.org/markup-compatibility/2006" xmlns:p14="http://schemas.microsoft.com/office/powerpoint/2010/main">
+    <mc:Choice Requires="p14">
       <p:transition p14:dur="300">
         <p:fade/>
       </p:transition>
     </mc:Choice>
-    <mc:Fallback>
+    <mc:Fallback xmlns="">
       <p:transition>
         <p:fade/>
       </p:transition>
@@ -40582,13 +40548,13 @@
   <p:clrMapOvr>
     <a:masterClrMapping/>
   </p:clrMapOvr>
-  <mc:AlternateContent xmlns:mc="http://schemas.openxmlformats.org/markup-compatibility/2006">
-    <mc:Choice xmlns:p14="http://schemas.microsoft.com/office/powerpoint/2010/main" Requires="p14">
+  <mc:AlternateContent xmlns:mc="http://schemas.openxmlformats.org/markup-compatibility/2006" xmlns:p14="http://schemas.microsoft.com/office/powerpoint/2010/main">
+    <mc:Choice Requires="p14">
       <p:transition p14:dur="300">
         <p:fade/>
       </p:transition>
     </mc:Choice>
-    <mc:Fallback>
+    <mc:Fallback xmlns="">
       <p:transition>
         <p:fade/>
       </p:transition>
@@ -40664,13 +40630,13 @@
   <p:clrMapOvr>
     <a:masterClrMapping/>
   </p:clrMapOvr>
-  <mc:AlternateContent xmlns:mc="http://schemas.openxmlformats.org/markup-compatibility/2006">
-    <mc:Choice xmlns:p14="http://schemas.microsoft.com/office/powerpoint/2010/main" Requires="p14">
+  <mc:AlternateContent xmlns:mc="http://schemas.openxmlformats.org/markup-compatibility/2006" xmlns:p14="http://schemas.microsoft.com/office/powerpoint/2010/main">
+    <mc:Choice Requires="p14">
       <p:transition p14:dur="300">
         <p:fade/>
       </p:transition>
     </mc:Choice>
-    <mc:Fallback>
+    <mc:Fallback xmlns="">
       <p:transition>
         <p:fade/>
       </p:transition>
@@ -40746,13 +40712,13 @@
   <p:clrMapOvr>
     <a:masterClrMapping/>
   </p:clrMapOvr>
-  <mc:AlternateContent xmlns:mc="http://schemas.openxmlformats.org/markup-compatibility/2006">
-    <mc:Choice xmlns:p14="http://schemas.microsoft.com/office/powerpoint/2010/main" Requires="p14">
+  <mc:AlternateContent xmlns:mc="http://schemas.openxmlformats.org/markup-compatibility/2006" xmlns:p14="http://schemas.microsoft.com/office/powerpoint/2010/main">
+    <mc:Choice Requires="p14">
       <p:transition p14:dur="300">
         <p:fade/>
       </p:transition>
     </mc:Choice>
-    <mc:Fallback>
+    <mc:Fallback xmlns="">
       <p:transition>
         <p:fade/>
       </p:transition>
@@ -40844,13 +40810,13 @@
   <p:clrMapOvr>
     <a:masterClrMapping/>
   </p:clrMapOvr>
-  <mc:AlternateContent xmlns:mc="http://schemas.openxmlformats.org/markup-compatibility/2006">
-    <mc:Choice xmlns:p14="http://schemas.microsoft.com/office/powerpoint/2010/main" Requires="p14">
+  <mc:AlternateContent xmlns:mc="http://schemas.openxmlformats.org/markup-compatibility/2006" xmlns:p14="http://schemas.microsoft.com/office/powerpoint/2010/main">
+    <mc:Choice Requires="p14">
       <p:transition p14:dur="300">
         <p:fade/>
       </p:transition>
     </mc:Choice>
-    <mc:Fallback>
+    <mc:Fallback xmlns="">
       <p:transition>
         <p:fade/>
       </p:transition>
@@ -40926,13 +40892,13 @@
   <p:clrMapOvr>
     <a:masterClrMapping/>
   </p:clrMapOvr>
-  <mc:AlternateContent xmlns:mc="http://schemas.openxmlformats.org/markup-compatibility/2006">
-    <mc:Choice xmlns:p14="http://schemas.microsoft.com/office/powerpoint/2010/main" Requires="p14">
+  <mc:AlternateContent xmlns:mc="http://schemas.openxmlformats.org/markup-compatibility/2006" xmlns:p14="http://schemas.microsoft.com/office/powerpoint/2010/main">
+    <mc:Choice Requires="p14">
       <p:transition p14:dur="300">
         <p:fade/>
       </p:transition>
     </mc:Choice>
-    <mc:Fallback>
+    <mc:Fallback xmlns="">
       <p:transition>
         <p:fade/>
       </p:transition>
@@ -41008,13 +40974,13 @@
   <p:clrMapOvr>
     <a:masterClrMapping/>
   </p:clrMapOvr>
-  <mc:AlternateContent xmlns:mc="http://schemas.openxmlformats.org/markup-compatibility/2006">
-    <mc:Choice xmlns:p14="http://schemas.microsoft.com/office/powerpoint/2010/main" Requires="p14">
+  <mc:AlternateContent xmlns:mc="http://schemas.openxmlformats.org/markup-compatibility/2006" xmlns:p14="http://schemas.microsoft.com/office/powerpoint/2010/main">
+    <mc:Choice Requires="p14">
       <p:transition p14:dur="300">
         <p:fade/>
       </p:transition>
     </mc:Choice>
-    <mc:Fallback>
+    <mc:Fallback xmlns="">
       <p:transition>
         <p:fade/>
       </p:transition>
@@ -41090,13 +41056,13 @@
   <p:clrMapOvr>
     <a:masterClrMapping/>
   </p:clrMapOvr>
-  <mc:AlternateContent xmlns:mc="http://schemas.openxmlformats.org/markup-compatibility/2006">
-    <mc:Choice xmlns:p14="http://schemas.microsoft.com/office/powerpoint/2010/main" Requires="p14">
+  <mc:AlternateContent xmlns:mc="http://schemas.openxmlformats.org/markup-compatibility/2006" xmlns:p14="http://schemas.microsoft.com/office/powerpoint/2010/main">
+    <mc:Choice Requires="p14">
       <p:transition p14:dur="300">
         <p:fade/>
       </p:transition>
     </mc:Choice>
-    <mc:Fallback>
+    <mc:Fallback xmlns="">
       <p:transition>
         <p:fade/>
       </p:transition>
@@ -41184,13 +41150,13 @@
   <p:clrMapOvr>
     <a:masterClrMapping/>
   </p:clrMapOvr>
-  <mc:AlternateContent xmlns:mc="http://schemas.openxmlformats.org/markup-compatibility/2006">
-    <mc:Choice xmlns:p14="http://schemas.microsoft.com/office/powerpoint/2010/main" Requires="p14">
+  <mc:AlternateContent xmlns:mc="http://schemas.openxmlformats.org/markup-compatibility/2006" xmlns:p14="http://schemas.microsoft.com/office/powerpoint/2010/main">
+    <mc:Choice Requires="p14">
       <p:transition p14:dur="300">
         <p:fade/>
       </p:transition>
     </mc:Choice>
-    <mc:Fallback>
+    <mc:Fallback xmlns="">
       <p:transition>
         <p:fade/>
       </p:transition>
@@ -41274,13 +41240,13 @@
   <p:clrMapOvr>
     <a:masterClrMapping/>
   </p:clrMapOvr>
-  <mc:AlternateContent xmlns:mc="http://schemas.openxmlformats.org/markup-compatibility/2006">
-    <mc:Choice xmlns:p14="http://schemas.microsoft.com/office/powerpoint/2010/main" Requires="p14">
+  <mc:AlternateContent xmlns:mc="http://schemas.openxmlformats.org/markup-compatibility/2006" xmlns:p14="http://schemas.microsoft.com/office/powerpoint/2010/main">
+    <mc:Choice Requires="p14">
       <p:transition p14:dur="300">
         <p:fade/>
       </p:transition>
     </mc:Choice>
-    <mc:Fallback>
+    <mc:Fallback xmlns="">
       <p:transition>
         <p:fade/>
       </p:transition>
@@ -41364,13 +41330,13 @@
   <p:clrMapOvr>
     <a:masterClrMapping/>
   </p:clrMapOvr>
-  <mc:AlternateContent xmlns:mc="http://schemas.openxmlformats.org/markup-compatibility/2006">
-    <mc:Choice xmlns:p14="http://schemas.microsoft.com/office/powerpoint/2010/main" Requires="p14">
+  <mc:AlternateContent xmlns:mc="http://schemas.openxmlformats.org/markup-compatibility/2006" xmlns:p14="http://schemas.microsoft.com/office/powerpoint/2010/main">
+    <mc:Choice Requires="p14">
       <p:transition p14:dur="300">
         <p:fade/>
       </p:transition>
     </mc:Choice>
-    <mc:Fallback>
+    <mc:Fallback xmlns="">
       <p:transition>
         <p:fade/>
       </p:transition>
@@ -41462,13 +41428,13 @@
   <p:clrMapOvr>
     <a:masterClrMapping/>
   </p:clrMapOvr>
-  <mc:AlternateContent xmlns:mc="http://schemas.openxmlformats.org/markup-compatibility/2006">
-    <mc:Choice xmlns:p14="http://schemas.microsoft.com/office/powerpoint/2010/main" Requires="p14">
+  <mc:AlternateContent xmlns:mc="http://schemas.openxmlformats.org/markup-compatibility/2006" xmlns:p14="http://schemas.microsoft.com/office/powerpoint/2010/main">
+    <mc:Choice Requires="p14">
       <p:transition p14:dur="300">
         <p:fade/>
       </p:transition>
     </mc:Choice>
-    <mc:Fallback>
+    <mc:Fallback xmlns="">
       <p:transition>
         <p:fade/>
       </p:transition>
@@ -41552,13 +41518,13 @@
   <p:clrMapOvr>
     <a:masterClrMapping/>
   </p:clrMapOvr>
-  <mc:AlternateContent xmlns:mc="http://schemas.openxmlformats.org/markup-compatibility/2006">
-    <mc:Choice xmlns:p14="http://schemas.microsoft.com/office/powerpoint/2010/main" Requires="p14">
+  <mc:AlternateContent xmlns:mc="http://schemas.openxmlformats.org/markup-compatibility/2006" xmlns:p14="http://schemas.microsoft.com/office/powerpoint/2010/main">
+    <mc:Choice Requires="p14">
       <p:transition p14:dur="300">
         <p:fade/>
       </p:transition>
     </mc:Choice>
-    <mc:Fallback>
+    <mc:Fallback xmlns="">
       <p:transition>
         <p:fade/>
       </p:transition>
@@ -41642,13 +41608,13 @@
   <p:clrMapOvr>
     <a:masterClrMapping/>
   </p:clrMapOvr>
-  <mc:AlternateContent xmlns:mc="http://schemas.openxmlformats.org/markup-compatibility/2006">
-    <mc:Choice xmlns:p14="http://schemas.microsoft.com/office/powerpoint/2010/main" Requires="p14">
+  <mc:AlternateContent xmlns:mc="http://schemas.openxmlformats.org/markup-compatibility/2006" xmlns:p14="http://schemas.microsoft.com/office/powerpoint/2010/main">
+    <mc:Choice Requires="p14">
       <p:transition p14:dur="300">
         <p:fade/>
       </p:transition>
     </mc:Choice>
-    <mc:Fallback>
+    <mc:Fallback xmlns="">
       <p:transition>
         <p:fade/>
       </p:transition>
@@ -41728,13 +41694,13 @@
   <p:clrMapOvr>
     <a:masterClrMapping/>
   </p:clrMapOvr>
-  <mc:AlternateContent xmlns:mc="http://schemas.openxmlformats.org/markup-compatibility/2006">
-    <mc:Choice xmlns:p14="http://schemas.microsoft.com/office/powerpoint/2010/main" Requires="p14">
+  <mc:AlternateContent xmlns:mc="http://schemas.openxmlformats.org/markup-compatibility/2006" xmlns:p14="http://schemas.microsoft.com/office/powerpoint/2010/main">
+    <mc:Choice Requires="p14">
       <p:transition p14:dur="300">
         <p:fade/>
       </p:transition>
     </mc:Choice>
-    <mc:Fallback>
+    <mc:Fallback xmlns="">
       <p:transition>
         <p:fade/>
       </p:transition>
@@ -41810,13 +41776,13 @@
   <p:clrMapOvr>
     <a:masterClrMapping/>
   </p:clrMapOvr>
-  <mc:AlternateContent xmlns:mc="http://schemas.openxmlformats.org/markup-compatibility/2006">
-    <mc:Choice xmlns:p14="http://schemas.microsoft.com/office/powerpoint/2010/main" Requires="p14">
+  <mc:AlternateContent xmlns:mc="http://schemas.openxmlformats.org/markup-compatibility/2006" xmlns:p14="http://schemas.microsoft.com/office/powerpoint/2010/main">
+    <mc:Choice Requires="p14">
       <p:transition p14:dur="300">
         <p:fade/>
       </p:transition>
     </mc:Choice>
-    <mc:Fallback>
+    <mc:Fallback xmlns="">
       <p:transition>
         <p:fade/>
       </p:transition>
@@ -41900,13 +41866,13 @@
   <p:clrMapOvr>
     <a:masterClrMapping/>
   </p:clrMapOvr>
-  <mc:AlternateContent xmlns:mc="http://schemas.openxmlformats.org/markup-compatibility/2006">
-    <mc:Choice xmlns:p14="http://schemas.microsoft.com/office/powerpoint/2010/main" Requires="p14">
+  <mc:AlternateContent xmlns:mc="http://schemas.openxmlformats.org/markup-compatibility/2006" xmlns:p14="http://schemas.microsoft.com/office/powerpoint/2010/main">
+    <mc:Choice Requires="p14">
       <p:transition p14:dur="300">
         <p:fade/>
       </p:transition>
     </mc:Choice>
-    <mc:Fallback>
+    <mc:Fallback xmlns="">
       <p:transition>
         <p:fade/>
       </p:transition>
@@ -41982,13 +41948,13 @@
   <p:clrMapOvr>
     <a:masterClrMapping/>
   </p:clrMapOvr>
-  <mc:AlternateContent xmlns:mc="http://schemas.openxmlformats.org/markup-compatibility/2006">
-    <mc:Choice xmlns:p14="http://schemas.microsoft.com/office/powerpoint/2010/main" Requires="p14">
+  <mc:AlternateContent xmlns:mc="http://schemas.openxmlformats.org/markup-compatibility/2006" xmlns:p14="http://schemas.microsoft.com/office/powerpoint/2010/main">
+    <mc:Choice Requires="p14">
       <p:transition p14:dur="300">
         <p:fade/>
       </p:transition>
     </mc:Choice>
-    <mc:Fallback>
+    <mc:Fallback xmlns="">
       <p:transition>
         <p:fade/>
       </p:transition>
@@ -42064,13 +42030,13 @@
   <p:clrMapOvr>
     <a:masterClrMapping/>
   </p:clrMapOvr>
-  <mc:AlternateContent xmlns:mc="http://schemas.openxmlformats.org/markup-compatibility/2006">
-    <mc:Choice xmlns:p14="http://schemas.microsoft.com/office/powerpoint/2010/main" Requires="p14">
+  <mc:AlternateContent xmlns:mc="http://schemas.openxmlformats.org/markup-compatibility/2006" xmlns:p14="http://schemas.microsoft.com/office/powerpoint/2010/main">
+    <mc:Choice Requires="p14">
       <p:transition p14:dur="300">
         <p:fade/>
       </p:transition>
     </mc:Choice>
-    <mc:Fallback>
+    <mc:Fallback xmlns="">
       <p:transition>
         <p:fade/>
       </p:transition>
@@ -42146,13 +42112,13 @@
   <p:clrMapOvr>
     <a:masterClrMapping/>
   </p:clrMapOvr>
-  <mc:AlternateContent xmlns:mc="http://schemas.openxmlformats.org/markup-compatibility/2006">
-    <mc:Choice xmlns:p14="http://schemas.microsoft.com/office/powerpoint/2010/main" Requires="p14">
+  <mc:AlternateContent xmlns:mc="http://schemas.openxmlformats.org/markup-compatibility/2006" xmlns:p14="http://schemas.microsoft.com/office/powerpoint/2010/main">
+    <mc:Choice Requires="p14">
       <p:transition p14:dur="300">
         <p:fade/>
       </p:transition>
     </mc:Choice>
-    <mc:Fallback>
+    <mc:Fallback xmlns="">
       <p:transition>
         <p:fade/>
       </p:transition>
@@ -42228,13 +42194,13 @@
   <p:clrMapOvr>
     <a:masterClrMapping/>
   </p:clrMapOvr>
-  <mc:AlternateContent xmlns:mc="http://schemas.openxmlformats.org/markup-compatibility/2006">
-    <mc:Choice xmlns:p14="http://schemas.microsoft.com/office/powerpoint/2010/main" Requires="p14">
+  <mc:AlternateContent xmlns:mc="http://schemas.openxmlformats.org/markup-compatibility/2006" xmlns:p14="http://schemas.microsoft.com/office/powerpoint/2010/main">
+    <mc:Choice Requires="p14">
       <p:transition p14:dur="300">
         <p:fade/>
       </p:transition>
     </mc:Choice>
-    <mc:Fallback>
+    <mc:Fallback xmlns="">
       <p:transition>
         <p:fade/>
       </p:transition>
@@ -42314,13 +42280,13 @@
   <p:clrMapOvr>
     <a:masterClrMapping/>
   </p:clrMapOvr>
-  <mc:AlternateContent xmlns:mc="http://schemas.openxmlformats.org/markup-compatibility/2006">
-    <mc:Choice xmlns:p14="http://schemas.microsoft.com/office/powerpoint/2010/main" Requires="p14">
+  <mc:AlternateContent xmlns:mc="http://schemas.openxmlformats.org/markup-compatibility/2006" xmlns:p14="http://schemas.microsoft.com/office/powerpoint/2010/main">
+    <mc:Choice Requires="p14">
       <p:transition p14:dur="300">
         <p:fade/>
       </p:transition>
     </mc:Choice>
-    <mc:Fallback>
+    <mc:Fallback xmlns="">
       <p:transition>
         <p:fade/>
       </p:transition>

--- a/PPTs/Dua Nudbah.pptx
+++ b/PPTs/Dua Nudbah.pptx
@@ -19498,15 +19498,7 @@
           <a:p>
             <a:r>
               <a:rPr lang="en-US" dirty="0"/>
-              <a:t>O' </a:t>
-            </a:r>
-            <a:r>
-              <a:rPr lang="en-US" dirty="0" err="1"/>
-              <a:t>Alláh</a:t>
-            </a:r>
-            <a:r>
-              <a:rPr lang="en-US" dirty="0"/>
-              <a:t> send Your blessings on Muhammad</a:t>
+              <a:t>O' Allah send Your blessings on Muhammad</a:t>
             </a:r>
           </a:p>
           <a:p>
@@ -29937,15 +29929,7 @@
           <a:p>
             <a:r>
               <a:rPr lang="en-US" dirty="0"/>
-              <a:t>In the Name of </a:t>
-            </a:r>
-            <a:r>
-              <a:rPr lang="en-US" dirty="0" err="1"/>
-              <a:t>Alláh</a:t>
-            </a:r>
-            <a:r>
-              <a:rPr lang="en-US" dirty="0"/>
-              <a:t>, </a:t>
+              <a:t>In the Name of Allah, </a:t>
             </a:r>
           </a:p>
           <a:p>
@@ -36123,15 +36107,7 @@
           <a:p>
             <a:r>
               <a:rPr lang="en-US" dirty="0"/>
-              <a:t>O' </a:t>
-            </a:r>
-            <a:r>
-              <a:rPr lang="en-US" dirty="0" err="1"/>
-              <a:t>Alláh</a:t>
-            </a:r>
-            <a:r>
-              <a:rPr lang="en-US" dirty="0"/>
-              <a:t> send Your blessings on Muhammad</a:t>
+              <a:t>O' Allah send Your blessings on Muhammad</a:t>
             </a:r>
           </a:p>
           <a:p>
